--- a/成果報告会_発表用スライド_チーム開発演習編集版_1.2.pptx
+++ b/成果報告会_発表用スライド_チーム開発演習編集版_1.2.pptx
@@ -5,10 +5,10 @@
     <p:sldMasterId id="2147485539" r:id="rId1"/>
   </p:sldMasterIdLst>
   <p:notesMasterIdLst>
-    <p:notesMasterId r:id="rId36"/>
+    <p:notesMasterId r:id="rId34"/>
   </p:notesMasterIdLst>
   <p:handoutMasterIdLst>
-    <p:handoutMasterId r:id="rId37"/>
+    <p:handoutMasterId r:id="rId35"/>
   </p:handoutMasterIdLst>
   <p:sldIdLst>
     <p:sldId id="258" r:id="rId2"/>
@@ -42,9 +42,7 @@
     <p:sldId id="300" r:id="rId30"/>
     <p:sldId id="331" r:id="rId31"/>
     <p:sldId id="269" r:id="rId32"/>
-    <p:sldId id="288" r:id="rId33"/>
-    <p:sldId id="286" r:id="rId34"/>
-    <p:sldId id="273" r:id="rId35"/>
+    <p:sldId id="286" r:id="rId33"/>
   </p:sldIdLst>
   <p:sldSz cx="10080625" cy="7559675"/>
   <p:notesSz cx="6799263" cy="9929813"/>
@@ -209,13 +207,7 @@
             <p14:sldId id="300"/>
             <p14:sldId id="331"/>
             <p14:sldId id="269"/>
-            <p14:sldId id="288"/>
             <p14:sldId id="286"/>
-          </p14:sldIdLst>
-        </p14:section>
-        <p14:section name="タイトルなしのセクション" id="{4FDE5D1D-552C-4A6E-B73C-FBA64C1554DC}">
-          <p14:sldIdLst>
-            <p14:sldId id="273"/>
           </p14:sldIdLst>
         </p14:section>
       </p14:sectionLst>
@@ -1933,17 +1925,23 @@
       </dgm:t>
     </dgm:pt>
     <dgm:pt modelId="{C5067CC7-0168-44E1-8A8A-367046843907}">
-      <dgm:prSet phldrT="[テキスト]"/>
+      <dgm:prSet phldrT="[テキスト]" custT="1"/>
       <dgm:spPr/>
       <dgm:t>
         <a:bodyPr/>
         <a:lstStyle/>
         <a:p>
           <a:r>
-            <a:rPr kumimoji="1" lang="ja-JP" altLang="en-US" dirty="0" smtClean="0"/>
+            <a:rPr kumimoji="1" lang="ja-JP" altLang="en-US" sz="2400" dirty="0" smtClean="0">
+              <a:latin typeface="SimSun" panose="02010600030101010101" pitchFamily="2" charset="-122"/>
+              <a:ea typeface="SimSun" panose="02010600030101010101" pitchFamily="2" charset="-122"/>
+            </a:rPr>
             <a:t>生産性の向上</a:t>
           </a:r>
-          <a:endParaRPr kumimoji="1" lang="ja-JP" altLang="en-US" dirty="0"/>
+          <a:endParaRPr kumimoji="1" lang="ja-JP" altLang="en-US" sz="2400" dirty="0">
+            <a:latin typeface="SimSun" panose="02010600030101010101" pitchFamily="2" charset="-122"/>
+            <a:ea typeface="SimSun" panose="02010600030101010101" pitchFamily="2" charset="-122"/>
+          </a:endParaRPr>
         </a:p>
       </dgm:t>
     </dgm:pt>
@@ -1970,17 +1968,23 @@
       </dgm:t>
     </dgm:pt>
     <dgm:pt modelId="{76D49D37-88D3-4485-8932-DA9F01966189}">
-      <dgm:prSet phldrT="[テキスト]"/>
+      <dgm:prSet phldrT="[テキスト]" custT="1"/>
       <dgm:spPr/>
       <dgm:t>
         <a:bodyPr/>
         <a:lstStyle/>
         <a:p>
           <a:r>
-            <a:rPr kumimoji="1" lang="ja-JP" altLang="en-US" dirty="0" smtClean="0"/>
+            <a:rPr kumimoji="1" lang="ja-JP" altLang="en-US" sz="2400" dirty="0" smtClean="0">
+              <a:latin typeface="SimSun" panose="02010600030101010101" pitchFamily="2" charset="-122"/>
+              <a:ea typeface="SimSun" panose="02010600030101010101" pitchFamily="2" charset="-122"/>
+            </a:rPr>
             <a:t>知識の蓄え</a:t>
           </a:r>
-          <a:endParaRPr kumimoji="1" lang="ja-JP" altLang="en-US" dirty="0"/>
+          <a:endParaRPr kumimoji="1" lang="ja-JP" altLang="en-US" sz="2400" dirty="0">
+            <a:latin typeface="SimSun" panose="02010600030101010101" pitchFamily="2" charset="-122"/>
+            <a:ea typeface="SimSun" panose="02010600030101010101" pitchFamily="2" charset="-122"/>
+          </a:endParaRPr>
         </a:p>
       </dgm:t>
     </dgm:pt>
@@ -2007,17 +2011,23 @@
       </dgm:t>
     </dgm:pt>
     <dgm:pt modelId="{B9C4EC13-7F7D-4DE3-BA47-C924952B716F}">
-      <dgm:prSet phldrT="[テキスト]"/>
+      <dgm:prSet phldrT="[テキスト]" custT="1"/>
       <dgm:spPr/>
       <dgm:t>
         <a:bodyPr/>
         <a:lstStyle/>
         <a:p>
           <a:r>
-            <a:rPr kumimoji="1" lang="ja-JP" altLang="en-US" dirty="0" smtClean="0"/>
+            <a:rPr kumimoji="1" lang="ja-JP" altLang="en-US" sz="2400" dirty="0" smtClean="0">
+              <a:latin typeface="SimSun" panose="02010600030101010101" pitchFamily="2" charset="-122"/>
+              <a:ea typeface="SimSun" panose="02010600030101010101" pitchFamily="2" charset="-122"/>
+            </a:rPr>
             <a:t>コミュニケーション能力の向上</a:t>
           </a:r>
-          <a:endParaRPr kumimoji="1" lang="ja-JP" altLang="en-US" dirty="0"/>
+          <a:endParaRPr kumimoji="1" lang="ja-JP" altLang="en-US" sz="2400" dirty="0">
+            <a:latin typeface="SimSun" panose="02010600030101010101" pitchFamily="2" charset="-122"/>
+            <a:ea typeface="SimSun" panose="02010600030101010101" pitchFamily="2" charset="-122"/>
+          </a:endParaRPr>
         </a:p>
       </dgm:t>
     </dgm:pt>
@@ -2044,17 +2054,23 @@
       </dgm:t>
     </dgm:pt>
     <dgm:pt modelId="{EEED52A6-E10E-46F2-9639-E5341296A84B}">
-      <dgm:prSet phldrT="[テキスト]"/>
+      <dgm:prSet phldrT="[テキスト]" custT="1"/>
       <dgm:spPr/>
       <dgm:t>
         <a:bodyPr/>
         <a:lstStyle/>
         <a:p>
           <a:r>
-            <a:rPr kumimoji="1" lang="ja-JP" altLang="en-US" dirty="0" smtClean="0"/>
+            <a:rPr kumimoji="1" lang="ja-JP" altLang="en-US" sz="2400" dirty="0" smtClean="0">
+              <a:latin typeface="SimSun" panose="02010600030101010101" pitchFamily="2" charset="-122"/>
+              <a:ea typeface="SimSun" panose="02010600030101010101" pitchFamily="2" charset="-122"/>
+            </a:rPr>
             <a:t>社会人の自覚および責任</a:t>
           </a:r>
-          <a:endParaRPr kumimoji="1" lang="ja-JP" altLang="en-US" dirty="0"/>
+          <a:endParaRPr kumimoji="1" lang="ja-JP" altLang="en-US" sz="2400" dirty="0">
+            <a:latin typeface="SimSun" panose="02010600030101010101" pitchFamily="2" charset="-122"/>
+            <a:ea typeface="SimSun" panose="02010600030101010101" pitchFamily="2" charset="-122"/>
+          </a:endParaRPr>
         </a:p>
       </dgm:t>
     </dgm:pt>
@@ -2356,17 +2372,23 @@
       </dgm:t>
     </dgm:pt>
     <dgm:pt modelId="{C5067CC7-0168-44E1-8A8A-367046843907}">
-      <dgm:prSet phldrT="[テキスト]"/>
+      <dgm:prSet phldrT="[テキスト]" custT="1"/>
       <dgm:spPr/>
       <dgm:t>
         <a:bodyPr/>
         <a:lstStyle/>
         <a:p>
           <a:r>
-            <a:rPr kumimoji="1" lang="ja-JP" altLang="en-US" dirty="0" smtClean="0"/>
+            <a:rPr kumimoji="1" lang="ja-JP" altLang="en-US" sz="2800" dirty="0" smtClean="0">
+              <a:latin typeface="SimSun" panose="02010600030101010101" pitchFamily="2" charset="-122"/>
+              <a:ea typeface="SimSun" panose="02010600030101010101" pitchFamily="2" charset="-122"/>
+            </a:rPr>
             <a:t>リーダーシップ　　　をとる</a:t>
           </a:r>
-          <a:endParaRPr kumimoji="1" lang="ja-JP" altLang="en-US" dirty="0"/>
+          <a:endParaRPr kumimoji="1" lang="ja-JP" altLang="en-US" sz="2800" dirty="0">
+            <a:latin typeface="SimSun" panose="02010600030101010101" pitchFamily="2" charset="-122"/>
+            <a:ea typeface="SimSun" panose="02010600030101010101" pitchFamily="2" charset="-122"/>
+          </a:endParaRPr>
         </a:p>
       </dgm:t>
     </dgm:pt>
@@ -2393,17 +2415,23 @@
       </dgm:t>
     </dgm:pt>
     <dgm:pt modelId="{B9C4EC13-7F7D-4DE3-BA47-C924952B716F}">
-      <dgm:prSet phldrT="[テキスト]"/>
+      <dgm:prSet phldrT="[テキスト]" custT="1"/>
       <dgm:spPr/>
       <dgm:t>
         <a:bodyPr/>
         <a:lstStyle/>
         <a:p>
           <a:r>
-            <a:rPr kumimoji="1" lang="ja-JP" altLang="en-US" dirty="0" smtClean="0"/>
+            <a:rPr kumimoji="1" lang="ja-JP" altLang="en-US" sz="2800" dirty="0" smtClean="0">
+              <a:latin typeface="SimSun" panose="02010600030101010101" pitchFamily="2" charset="-122"/>
+              <a:ea typeface="SimSun" panose="02010600030101010101" pitchFamily="2" charset="-122"/>
+            </a:rPr>
             <a:t>疑問点を残さない</a:t>
           </a:r>
-          <a:endParaRPr kumimoji="1" lang="ja-JP" altLang="en-US" dirty="0"/>
+          <a:endParaRPr kumimoji="1" lang="ja-JP" altLang="en-US" sz="2800" dirty="0">
+            <a:latin typeface="SimSun" panose="02010600030101010101" pitchFamily="2" charset="-122"/>
+            <a:ea typeface="SimSun" panose="02010600030101010101" pitchFamily="2" charset="-122"/>
+          </a:endParaRPr>
         </a:p>
       </dgm:t>
     </dgm:pt>
@@ -2471,7 +2499,7 @@
       </dgm:spPr>
     </dgm:pt>
     <dgm:pt modelId="{3A041BAB-BB00-4F2A-8C11-83408FCBFB98}" type="pres">
-      <dgm:prSet presAssocID="{C5067CC7-0168-44E1-8A8A-367046843907}" presName="textRect" presStyleLbl="revTx" presStyleIdx="0" presStyleCnt="2">
+      <dgm:prSet presAssocID="{C5067CC7-0168-44E1-8A8A-367046843907}" presName="textRect" presStyleLbl="revTx" presStyleIdx="0" presStyleCnt="2" custLinFactNeighborX="1728" custLinFactNeighborY="-6849">
         <dgm:presLayoutVars>
           <dgm:bulletEnabled val="1"/>
         </dgm:presLayoutVars>
@@ -2522,7 +2550,7 @@
       </dgm:spPr>
     </dgm:pt>
     <dgm:pt modelId="{44795D86-605A-41D2-BE91-9BA347E910B3}" type="pres">
-      <dgm:prSet presAssocID="{B9C4EC13-7F7D-4DE3-BA47-C924952B716F}" presName="textRect" presStyleLbl="revTx" presStyleIdx="1" presStyleCnt="2" custScaleX="79825">
+      <dgm:prSet presAssocID="{B9C4EC13-7F7D-4DE3-BA47-C924952B716F}" presName="textRect" presStyleLbl="revTx" presStyleIdx="1" presStyleCnt="2" custScaleX="79825" custLinFactNeighborX="-980" custLinFactNeighborY="6919">
         <dgm:presLayoutVars>
           <dgm:bulletEnabled val="1"/>
         </dgm:presLayoutVars>
@@ -2570,6 +2598,470 @@
       <dsp:cNvGrpSpPr/>
     </dsp:nvGrpSpPr>
     <dsp:grpSpPr/>
+    <dsp:sp modelId="{85C24FD1-018B-4ED1-BDDE-862DF0BCFF6B}">
+      <dsp:nvSpPr>
+        <dsp:cNvPr id="0" name=""/>
+        <dsp:cNvSpPr/>
+      </dsp:nvSpPr>
+      <dsp:spPr>
+        <a:xfrm>
+          <a:off x="4605" y="602687"/>
+          <a:ext cx="2191525" cy="1509961"/>
+        </a:xfrm>
+        <a:prstGeom prst="roundRect">
+          <a:avLst/>
+        </a:prstGeom>
+        <a:blipFill>
+          <a:blip xmlns:r="http://schemas.openxmlformats.org/officeDocument/2006/relationships" r:embed="rId1">
+            <a:extLst>
+              <a:ext uri="{28A0092B-C50C-407E-A947-70E740481C1C}">
+                <a14:useLocalDpi xmlns:a14="http://schemas.microsoft.com/office/drawing/2010/main" val="0"/>
+              </a:ext>
+            </a:extLst>
+          </a:blip>
+          <a:srcRect/>
+          <a:stretch>
+            <a:fillRect t="-23000" b="-23000"/>
+          </a:stretch>
+        </a:blipFill>
+        <a:ln w="19050" cap="flat" cmpd="sng" algn="ctr">
+          <a:noFill/>
+          <a:prstDash val="solid"/>
+        </a:ln>
+        <a:effectLst/>
+      </dsp:spPr>
+      <dsp:style>
+        <a:lnRef idx="2">
+          <a:scrgbClr r="0" g="0" b="0"/>
+        </a:lnRef>
+        <a:fillRef idx="1">
+          <a:scrgbClr r="0" g="0" b="0"/>
+        </a:fillRef>
+        <a:effectRef idx="0">
+          <a:scrgbClr r="0" g="0" b="0"/>
+        </a:effectRef>
+        <a:fontRef idx="minor">
+          <a:schemeClr val="lt1"/>
+        </a:fontRef>
+      </dsp:style>
+    </dsp:sp>
+    <dsp:sp modelId="{3A041BAB-BB00-4F2A-8C11-83408FCBFB98}">
+      <dsp:nvSpPr>
+        <dsp:cNvPr id="0" name=""/>
+        <dsp:cNvSpPr/>
+      </dsp:nvSpPr>
+      <dsp:spPr>
+        <a:xfrm>
+          <a:off x="4605" y="2112648"/>
+          <a:ext cx="2191525" cy="813056"/>
+        </a:xfrm>
+        <a:prstGeom prst="rect">
+          <a:avLst/>
+        </a:prstGeom>
+        <a:noFill/>
+        <a:ln>
+          <a:noFill/>
+        </a:ln>
+        <a:effectLst/>
+      </dsp:spPr>
+      <dsp:style>
+        <a:lnRef idx="0">
+          <a:scrgbClr r="0" g="0" b="0"/>
+        </a:lnRef>
+        <a:fillRef idx="0">
+          <a:scrgbClr r="0" g="0" b="0"/>
+        </a:fillRef>
+        <a:effectRef idx="0">
+          <a:scrgbClr r="0" g="0" b="0"/>
+        </a:effectRef>
+        <a:fontRef idx="minor"/>
+      </dsp:style>
+      <dsp:txBody>
+        <a:bodyPr spcFirstLastPara="0" vert="horz" wrap="square" lIns="170688" tIns="170688" rIns="170688" bIns="0" numCol="1" spcCol="1270" anchor="t" anchorCtr="0">
+          <a:noAutofit/>
+        </a:bodyPr>
+        <a:lstStyle/>
+        <a:p>
+          <a:pPr lvl="0" algn="ctr" defTabSz="1066800">
+            <a:lnSpc>
+              <a:spcPct val="90000"/>
+            </a:lnSpc>
+            <a:spcBef>
+              <a:spcPct val="0"/>
+            </a:spcBef>
+            <a:spcAft>
+              <a:spcPct val="35000"/>
+            </a:spcAft>
+          </a:pPr>
+          <a:r>
+            <a:rPr kumimoji="1" lang="ja-JP" altLang="en-US" sz="2400" kern="1200" dirty="0" smtClean="0">
+              <a:latin typeface="SimSun" panose="02010600030101010101" pitchFamily="2" charset="-122"/>
+              <a:ea typeface="SimSun" panose="02010600030101010101" pitchFamily="2" charset="-122"/>
+            </a:rPr>
+            <a:t>生産性の向上</a:t>
+          </a:r>
+          <a:endParaRPr kumimoji="1" lang="ja-JP" altLang="en-US" sz="2400" kern="1200" dirty="0">
+            <a:latin typeface="SimSun" panose="02010600030101010101" pitchFamily="2" charset="-122"/>
+            <a:ea typeface="SimSun" panose="02010600030101010101" pitchFamily="2" charset="-122"/>
+          </a:endParaRPr>
+        </a:p>
+      </dsp:txBody>
+      <dsp:txXfrm>
+        <a:off x="4605" y="2112648"/>
+        <a:ext cx="2191525" cy="813056"/>
+      </dsp:txXfrm>
+    </dsp:sp>
+    <dsp:sp modelId="{8B236D92-6AF5-4B42-B42B-56219D9FF08D}">
+      <dsp:nvSpPr>
+        <dsp:cNvPr id="0" name=""/>
+        <dsp:cNvSpPr/>
+      </dsp:nvSpPr>
+      <dsp:spPr>
+        <a:xfrm>
+          <a:off x="2415375" y="602687"/>
+          <a:ext cx="2191525" cy="1509961"/>
+        </a:xfrm>
+        <a:prstGeom prst="roundRect">
+          <a:avLst/>
+        </a:prstGeom>
+        <a:blipFill>
+          <a:blip xmlns:r="http://schemas.openxmlformats.org/officeDocument/2006/relationships" r:embed="rId2">
+            <a:extLst>
+              <a:ext uri="{28A0092B-C50C-407E-A947-70E740481C1C}">
+                <a14:useLocalDpi xmlns:a14="http://schemas.microsoft.com/office/drawing/2010/main" val="0"/>
+              </a:ext>
+            </a:extLst>
+          </a:blip>
+          <a:srcRect/>
+          <a:stretch>
+            <a:fillRect t="-1000" b="-1000"/>
+          </a:stretch>
+        </a:blipFill>
+        <a:ln w="19050" cap="flat" cmpd="sng" algn="ctr">
+          <a:noFill/>
+          <a:prstDash val="solid"/>
+        </a:ln>
+        <a:effectLst/>
+      </dsp:spPr>
+      <dsp:style>
+        <a:lnRef idx="2">
+          <a:scrgbClr r="0" g="0" b="0"/>
+        </a:lnRef>
+        <a:fillRef idx="1">
+          <a:scrgbClr r="0" g="0" b="0"/>
+        </a:fillRef>
+        <a:effectRef idx="0">
+          <a:scrgbClr r="0" g="0" b="0"/>
+        </a:effectRef>
+        <a:fontRef idx="minor">
+          <a:schemeClr val="lt1"/>
+        </a:fontRef>
+      </dsp:style>
+    </dsp:sp>
+    <dsp:sp modelId="{44795D86-605A-41D2-BE91-9BA347E910B3}">
+      <dsp:nvSpPr>
+        <dsp:cNvPr id="0" name=""/>
+        <dsp:cNvSpPr/>
+      </dsp:nvSpPr>
+      <dsp:spPr>
+        <a:xfrm>
+          <a:off x="2415375" y="2112648"/>
+          <a:ext cx="2191525" cy="813056"/>
+        </a:xfrm>
+        <a:prstGeom prst="rect">
+          <a:avLst/>
+        </a:prstGeom>
+        <a:noFill/>
+        <a:ln>
+          <a:noFill/>
+        </a:ln>
+        <a:effectLst/>
+      </dsp:spPr>
+      <dsp:style>
+        <a:lnRef idx="0">
+          <a:scrgbClr r="0" g="0" b="0"/>
+        </a:lnRef>
+        <a:fillRef idx="0">
+          <a:scrgbClr r="0" g="0" b="0"/>
+        </a:fillRef>
+        <a:effectRef idx="0">
+          <a:scrgbClr r="0" g="0" b="0"/>
+        </a:effectRef>
+        <a:fontRef idx="minor"/>
+      </dsp:style>
+      <dsp:txBody>
+        <a:bodyPr spcFirstLastPara="0" vert="horz" wrap="square" lIns="170688" tIns="170688" rIns="170688" bIns="0" numCol="1" spcCol="1270" anchor="t" anchorCtr="0">
+          <a:noAutofit/>
+        </a:bodyPr>
+        <a:lstStyle/>
+        <a:p>
+          <a:pPr lvl="0" algn="ctr" defTabSz="1066800">
+            <a:lnSpc>
+              <a:spcPct val="90000"/>
+            </a:lnSpc>
+            <a:spcBef>
+              <a:spcPct val="0"/>
+            </a:spcBef>
+            <a:spcAft>
+              <a:spcPct val="35000"/>
+            </a:spcAft>
+          </a:pPr>
+          <a:r>
+            <a:rPr kumimoji="1" lang="ja-JP" altLang="en-US" sz="2400" kern="1200" dirty="0" smtClean="0">
+              <a:latin typeface="SimSun" panose="02010600030101010101" pitchFamily="2" charset="-122"/>
+              <a:ea typeface="SimSun" panose="02010600030101010101" pitchFamily="2" charset="-122"/>
+            </a:rPr>
+            <a:t>コミュニケーション能力の向上</a:t>
+          </a:r>
+          <a:endParaRPr kumimoji="1" lang="ja-JP" altLang="en-US" sz="2400" kern="1200" dirty="0">
+            <a:latin typeface="SimSun" panose="02010600030101010101" pitchFamily="2" charset="-122"/>
+            <a:ea typeface="SimSun" panose="02010600030101010101" pitchFamily="2" charset="-122"/>
+          </a:endParaRPr>
+        </a:p>
+      </dsp:txBody>
+      <dsp:txXfrm>
+        <a:off x="2415375" y="2112648"/>
+        <a:ext cx="2191525" cy="813056"/>
+      </dsp:txXfrm>
+    </dsp:sp>
+    <dsp:sp modelId="{68DBCD60-31E1-4E72-B8F2-3936FEF3A355}">
+      <dsp:nvSpPr>
+        <dsp:cNvPr id="0" name=""/>
+        <dsp:cNvSpPr/>
+      </dsp:nvSpPr>
+      <dsp:spPr>
+        <a:xfrm>
+          <a:off x="4826145" y="602687"/>
+          <a:ext cx="2191525" cy="1509961"/>
+        </a:xfrm>
+        <a:prstGeom prst="roundRect">
+          <a:avLst/>
+        </a:prstGeom>
+        <a:blipFill>
+          <a:blip xmlns:r="http://schemas.openxmlformats.org/officeDocument/2006/relationships" r:embed="rId3">
+            <a:extLst>
+              <a:ext uri="{BEBA8EAE-BF5A-486C-A8C5-ECC9F3942E4B}">
+                <a14:imgProps xmlns:a14="http://schemas.microsoft.com/office/drawing/2010/main">
+                  <a14:imgLayer r:embed="rId4">
+                    <a14:imgEffect>
+                      <a14:colorTemperature colorTemp="11200"/>
+                    </a14:imgEffect>
+                    <a14:imgEffect>
+                      <a14:saturation sat="0"/>
+                    </a14:imgEffect>
+                  </a14:imgLayer>
+                </a14:imgProps>
+              </a:ext>
+              <a:ext uri="{28A0092B-C50C-407E-A947-70E740481C1C}">
+                <a14:useLocalDpi xmlns:a14="http://schemas.microsoft.com/office/drawing/2010/main" val="0"/>
+              </a:ext>
+            </a:extLst>
+          </a:blip>
+          <a:srcRect/>
+          <a:stretch>
+            <a:fillRect l="-2000" r="-2000"/>
+          </a:stretch>
+        </a:blipFill>
+        <a:ln w="19050" cap="flat" cmpd="sng" algn="ctr">
+          <a:noFill/>
+          <a:prstDash val="solid"/>
+        </a:ln>
+        <a:effectLst/>
+      </dsp:spPr>
+      <dsp:style>
+        <a:lnRef idx="2">
+          <a:scrgbClr r="0" g="0" b="0"/>
+        </a:lnRef>
+        <a:fillRef idx="1">
+          <a:scrgbClr r="0" g="0" b="0"/>
+        </a:fillRef>
+        <a:effectRef idx="0">
+          <a:scrgbClr r="0" g="0" b="0"/>
+        </a:effectRef>
+        <a:fontRef idx="minor">
+          <a:schemeClr val="lt1"/>
+        </a:fontRef>
+      </dsp:style>
+    </dsp:sp>
+    <dsp:sp modelId="{8A0DA9CE-0CED-4C37-A991-A32094B67637}">
+      <dsp:nvSpPr>
+        <dsp:cNvPr id="0" name=""/>
+        <dsp:cNvSpPr/>
+      </dsp:nvSpPr>
+      <dsp:spPr>
+        <a:xfrm>
+          <a:off x="4826145" y="2112648"/>
+          <a:ext cx="2191525" cy="813056"/>
+        </a:xfrm>
+        <a:prstGeom prst="rect">
+          <a:avLst/>
+        </a:prstGeom>
+        <a:noFill/>
+        <a:ln>
+          <a:noFill/>
+        </a:ln>
+        <a:effectLst/>
+      </dsp:spPr>
+      <dsp:style>
+        <a:lnRef idx="0">
+          <a:scrgbClr r="0" g="0" b="0"/>
+        </a:lnRef>
+        <a:fillRef idx="0">
+          <a:scrgbClr r="0" g="0" b="0"/>
+        </a:fillRef>
+        <a:effectRef idx="0">
+          <a:scrgbClr r="0" g="0" b="0"/>
+        </a:effectRef>
+        <a:fontRef idx="minor"/>
+      </dsp:style>
+      <dsp:txBody>
+        <a:bodyPr spcFirstLastPara="0" vert="horz" wrap="square" lIns="170688" tIns="170688" rIns="170688" bIns="0" numCol="1" spcCol="1270" anchor="t" anchorCtr="0">
+          <a:noAutofit/>
+        </a:bodyPr>
+        <a:lstStyle/>
+        <a:p>
+          <a:pPr lvl="0" algn="ctr" defTabSz="1066800">
+            <a:lnSpc>
+              <a:spcPct val="90000"/>
+            </a:lnSpc>
+            <a:spcBef>
+              <a:spcPct val="0"/>
+            </a:spcBef>
+            <a:spcAft>
+              <a:spcPct val="35000"/>
+            </a:spcAft>
+          </a:pPr>
+          <a:r>
+            <a:rPr kumimoji="1" lang="ja-JP" altLang="en-US" sz="2400" kern="1200" dirty="0" smtClean="0">
+              <a:latin typeface="SimSun" panose="02010600030101010101" pitchFamily="2" charset="-122"/>
+              <a:ea typeface="SimSun" panose="02010600030101010101" pitchFamily="2" charset="-122"/>
+            </a:rPr>
+            <a:t>社会人の自覚および責任</a:t>
+          </a:r>
+          <a:endParaRPr kumimoji="1" lang="ja-JP" altLang="en-US" sz="2400" kern="1200" dirty="0">
+            <a:latin typeface="SimSun" panose="02010600030101010101" pitchFamily="2" charset="-122"/>
+            <a:ea typeface="SimSun" panose="02010600030101010101" pitchFamily="2" charset="-122"/>
+          </a:endParaRPr>
+        </a:p>
+      </dsp:txBody>
+      <dsp:txXfrm>
+        <a:off x="4826145" y="2112648"/>
+        <a:ext cx="2191525" cy="813056"/>
+      </dsp:txXfrm>
+    </dsp:sp>
+    <dsp:sp modelId="{0F8570FA-F202-4F40-995A-71FF370C08E8}">
+      <dsp:nvSpPr>
+        <dsp:cNvPr id="0" name=""/>
+        <dsp:cNvSpPr/>
+      </dsp:nvSpPr>
+      <dsp:spPr>
+        <a:xfrm>
+          <a:off x="7236916" y="602687"/>
+          <a:ext cx="2191525" cy="1509961"/>
+        </a:xfrm>
+        <a:prstGeom prst="roundRect">
+          <a:avLst/>
+        </a:prstGeom>
+        <a:blipFill>
+          <a:blip xmlns:r="http://schemas.openxmlformats.org/officeDocument/2006/relationships" r:embed="rId5">
+            <a:extLst>
+              <a:ext uri="{28A0092B-C50C-407E-A947-70E740481C1C}">
+                <a14:useLocalDpi xmlns:a14="http://schemas.microsoft.com/office/drawing/2010/main" val="0"/>
+              </a:ext>
+            </a:extLst>
+          </a:blip>
+          <a:srcRect/>
+          <a:stretch>
+            <a:fillRect l="-3000" r="-3000"/>
+          </a:stretch>
+        </a:blipFill>
+        <a:ln w="19050" cap="flat" cmpd="sng" algn="ctr">
+          <a:noFill/>
+          <a:prstDash val="solid"/>
+        </a:ln>
+        <a:effectLst/>
+      </dsp:spPr>
+      <dsp:style>
+        <a:lnRef idx="2">
+          <a:scrgbClr r="0" g="0" b="0"/>
+        </a:lnRef>
+        <a:fillRef idx="1">
+          <a:scrgbClr r="0" g="0" b="0"/>
+        </a:fillRef>
+        <a:effectRef idx="0">
+          <a:scrgbClr r="0" g="0" b="0"/>
+        </a:effectRef>
+        <a:fontRef idx="minor">
+          <a:schemeClr val="lt1"/>
+        </a:fontRef>
+      </dsp:style>
+    </dsp:sp>
+    <dsp:sp modelId="{1F7ED971-65E0-4DA9-B1AF-B21EB620FDB4}">
+      <dsp:nvSpPr>
+        <dsp:cNvPr id="0" name=""/>
+        <dsp:cNvSpPr/>
+      </dsp:nvSpPr>
+      <dsp:spPr>
+        <a:xfrm>
+          <a:off x="7236916" y="2112648"/>
+          <a:ext cx="2191525" cy="813056"/>
+        </a:xfrm>
+        <a:prstGeom prst="rect">
+          <a:avLst/>
+        </a:prstGeom>
+        <a:noFill/>
+        <a:ln>
+          <a:noFill/>
+        </a:ln>
+        <a:effectLst/>
+      </dsp:spPr>
+      <dsp:style>
+        <a:lnRef idx="0">
+          <a:scrgbClr r="0" g="0" b="0"/>
+        </a:lnRef>
+        <a:fillRef idx="0">
+          <a:scrgbClr r="0" g="0" b="0"/>
+        </a:fillRef>
+        <a:effectRef idx="0">
+          <a:scrgbClr r="0" g="0" b="0"/>
+        </a:effectRef>
+        <a:fontRef idx="minor"/>
+      </dsp:style>
+      <dsp:txBody>
+        <a:bodyPr spcFirstLastPara="0" vert="horz" wrap="square" lIns="170688" tIns="170688" rIns="170688" bIns="0" numCol="1" spcCol="1270" anchor="t" anchorCtr="0">
+          <a:noAutofit/>
+        </a:bodyPr>
+        <a:lstStyle/>
+        <a:p>
+          <a:pPr lvl="0" algn="ctr" defTabSz="1066800">
+            <a:lnSpc>
+              <a:spcPct val="90000"/>
+            </a:lnSpc>
+            <a:spcBef>
+              <a:spcPct val="0"/>
+            </a:spcBef>
+            <a:spcAft>
+              <a:spcPct val="35000"/>
+            </a:spcAft>
+          </a:pPr>
+          <a:r>
+            <a:rPr kumimoji="1" lang="ja-JP" altLang="en-US" sz="2400" kern="1200" dirty="0" smtClean="0">
+              <a:latin typeface="SimSun" panose="02010600030101010101" pitchFamily="2" charset="-122"/>
+              <a:ea typeface="SimSun" panose="02010600030101010101" pitchFamily="2" charset="-122"/>
+            </a:rPr>
+            <a:t>知識の蓄え</a:t>
+          </a:r>
+          <a:endParaRPr kumimoji="1" lang="ja-JP" altLang="en-US" sz="2400" kern="1200" dirty="0">
+            <a:latin typeface="SimSun" panose="02010600030101010101" pitchFamily="2" charset="-122"/>
+            <a:ea typeface="SimSun" panose="02010600030101010101" pitchFamily="2" charset="-122"/>
+          </a:endParaRPr>
+        </a:p>
+      </dsp:txBody>
+      <dsp:txXfrm>
+        <a:off x="7236916" y="2112648"/>
+        <a:ext cx="2191525" cy="813056"/>
+      </dsp:txXfrm>
+    </dsp:sp>
   </dsp:spTree>
 </dsp:drawing>
 </file>
@@ -2582,6 +3074,232 @@
       <dsp:cNvGrpSpPr/>
     </dsp:nvGrpSpPr>
     <dsp:grpSpPr/>
+    <dsp:sp modelId="{85C24FD1-018B-4ED1-BDDE-862DF0BCFF6B}">
+      <dsp:nvSpPr>
+        <dsp:cNvPr id="0" name=""/>
+        <dsp:cNvSpPr/>
+      </dsp:nvSpPr>
+      <dsp:spPr>
+        <a:xfrm>
+          <a:off x="1736637" y="966"/>
+          <a:ext cx="2331018" cy="2099676"/>
+        </a:xfrm>
+        <a:prstGeom prst="roundRect">
+          <a:avLst/>
+        </a:prstGeom>
+        <a:blipFill>
+          <a:blip xmlns:r="http://schemas.openxmlformats.org/officeDocument/2006/relationships" r:embed="rId1">
+            <a:extLst>
+              <a:ext uri="{28A0092B-C50C-407E-A947-70E740481C1C}">
+                <a14:useLocalDpi xmlns:a14="http://schemas.microsoft.com/office/drawing/2010/main" val="0"/>
+              </a:ext>
+            </a:extLst>
+          </a:blip>
+          <a:srcRect/>
+          <a:stretch>
+            <a:fillRect t="-6000" b="-6000"/>
+          </a:stretch>
+        </a:blipFill>
+        <a:ln w="19050" cap="flat" cmpd="sng" algn="ctr">
+          <a:noFill/>
+          <a:prstDash val="solid"/>
+        </a:ln>
+        <a:effectLst/>
+      </dsp:spPr>
+      <dsp:style>
+        <a:lnRef idx="2">
+          <a:scrgbClr r="0" g="0" b="0"/>
+        </a:lnRef>
+        <a:fillRef idx="1">
+          <a:scrgbClr r="0" g="0" b="0"/>
+        </a:fillRef>
+        <a:effectRef idx="0">
+          <a:scrgbClr r="0" g="0" b="0"/>
+        </a:effectRef>
+        <a:fontRef idx="minor">
+          <a:schemeClr val="lt1"/>
+        </a:fontRef>
+      </dsp:style>
+    </dsp:sp>
+    <dsp:sp modelId="{3A041BAB-BB00-4F2A-8C11-83408FCBFB98}">
+      <dsp:nvSpPr>
+        <dsp:cNvPr id="0" name=""/>
+        <dsp:cNvSpPr/>
+      </dsp:nvSpPr>
+      <dsp:spPr>
+        <a:xfrm>
+          <a:off x="1184449" y="2186246"/>
+          <a:ext cx="3558372" cy="1320156"/>
+        </a:xfrm>
+        <a:prstGeom prst="rect">
+          <a:avLst/>
+        </a:prstGeom>
+        <a:noFill/>
+        <a:ln>
+          <a:noFill/>
+        </a:ln>
+        <a:effectLst/>
+      </dsp:spPr>
+      <dsp:style>
+        <a:lnRef idx="0">
+          <a:scrgbClr r="0" g="0" b="0"/>
+        </a:lnRef>
+        <a:fillRef idx="0">
+          <a:scrgbClr r="0" g="0" b="0"/>
+        </a:fillRef>
+        <a:effectRef idx="0">
+          <a:scrgbClr r="0" g="0" b="0"/>
+        </a:effectRef>
+        <a:fontRef idx="minor"/>
+      </dsp:style>
+      <dsp:txBody>
+        <a:bodyPr spcFirstLastPara="0" vert="horz" wrap="square" lIns="199136" tIns="199136" rIns="199136" bIns="0" numCol="1" spcCol="1270" anchor="t" anchorCtr="0">
+          <a:noAutofit/>
+        </a:bodyPr>
+        <a:lstStyle/>
+        <a:p>
+          <a:pPr lvl="0" algn="ctr" defTabSz="1244600">
+            <a:lnSpc>
+              <a:spcPct val="90000"/>
+            </a:lnSpc>
+            <a:spcBef>
+              <a:spcPct val="0"/>
+            </a:spcBef>
+            <a:spcAft>
+              <a:spcPct val="35000"/>
+            </a:spcAft>
+          </a:pPr>
+          <a:r>
+            <a:rPr kumimoji="1" lang="ja-JP" altLang="en-US" sz="2800" kern="1200" dirty="0" smtClean="0">
+              <a:latin typeface="SimSun" panose="02010600030101010101" pitchFamily="2" charset="-122"/>
+              <a:ea typeface="SimSun" panose="02010600030101010101" pitchFamily="2" charset="-122"/>
+            </a:rPr>
+            <a:t>リーダーシップ　　　をとる</a:t>
+          </a:r>
+          <a:endParaRPr kumimoji="1" lang="ja-JP" altLang="en-US" sz="2800" kern="1200" dirty="0">
+            <a:latin typeface="SimSun" panose="02010600030101010101" pitchFamily="2" charset="-122"/>
+            <a:ea typeface="SimSun" panose="02010600030101010101" pitchFamily="2" charset="-122"/>
+          </a:endParaRPr>
+        </a:p>
+      </dsp:txBody>
+      <dsp:txXfrm>
+        <a:off x="1184449" y="2186246"/>
+        <a:ext cx="3558372" cy="1320156"/>
+      </dsp:txXfrm>
+    </dsp:sp>
+    <dsp:sp modelId="{8B236D92-6AF5-4B42-B42B-56219D9FF08D}">
+      <dsp:nvSpPr>
+        <dsp:cNvPr id="0" name=""/>
+        <dsp:cNvSpPr/>
+      </dsp:nvSpPr>
+      <dsp:spPr>
+        <a:xfrm>
+          <a:off x="5707183" y="377740"/>
+          <a:ext cx="1476475" cy="1372619"/>
+        </a:xfrm>
+        <a:prstGeom prst="roundRect">
+          <a:avLst/>
+        </a:prstGeom>
+        <a:blipFill>
+          <a:blip xmlns:r="http://schemas.openxmlformats.org/officeDocument/2006/relationships" r:embed="rId2">
+            <a:extLst>
+              <a:ext uri="{28A0092B-C50C-407E-A947-70E740481C1C}">
+                <a14:useLocalDpi xmlns:a14="http://schemas.microsoft.com/office/drawing/2010/main" val="0"/>
+              </a:ext>
+            </a:extLst>
+          </a:blip>
+          <a:srcRect/>
+          <a:stretch>
+            <a:fillRect l="-3000" r="-3000"/>
+          </a:stretch>
+        </a:blipFill>
+        <a:ln w="19050" cap="flat" cmpd="sng" algn="ctr">
+          <a:noFill/>
+          <a:prstDash val="solid"/>
+        </a:ln>
+        <a:effectLst/>
+      </dsp:spPr>
+      <dsp:style>
+        <a:lnRef idx="2">
+          <a:scrgbClr r="0" g="0" b="0"/>
+        </a:lnRef>
+        <a:fillRef idx="1">
+          <a:scrgbClr r="0" g="0" b="0"/>
+        </a:fillRef>
+        <a:effectRef idx="0">
+          <a:scrgbClr r="0" g="0" b="0"/>
+        </a:effectRef>
+        <a:fontRef idx="minor">
+          <a:schemeClr val="lt1"/>
+        </a:fontRef>
+      </dsp:style>
+    </dsp:sp>
+    <dsp:sp modelId="{44795D86-605A-41D2-BE91-9BA347E910B3}">
+      <dsp:nvSpPr>
+        <dsp:cNvPr id="0" name=""/>
+        <dsp:cNvSpPr/>
+      </dsp:nvSpPr>
+      <dsp:spPr>
+        <a:xfrm>
+          <a:off x="5002448" y="2186240"/>
+          <a:ext cx="2840470" cy="1320156"/>
+        </a:xfrm>
+        <a:prstGeom prst="rect">
+          <a:avLst/>
+        </a:prstGeom>
+        <a:noFill/>
+        <a:ln>
+          <a:noFill/>
+        </a:ln>
+        <a:effectLst/>
+      </dsp:spPr>
+      <dsp:style>
+        <a:lnRef idx="0">
+          <a:scrgbClr r="0" g="0" b="0"/>
+        </a:lnRef>
+        <a:fillRef idx="0">
+          <a:scrgbClr r="0" g="0" b="0"/>
+        </a:fillRef>
+        <a:effectRef idx="0">
+          <a:scrgbClr r="0" g="0" b="0"/>
+        </a:effectRef>
+        <a:fontRef idx="minor"/>
+      </dsp:style>
+      <dsp:txBody>
+        <a:bodyPr spcFirstLastPara="0" vert="horz" wrap="square" lIns="199136" tIns="199136" rIns="199136" bIns="0" numCol="1" spcCol="1270" anchor="t" anchorCtr="0">
+          <a:noAutofit/>
+        </a:bodyPr>
+        <a:lstStyle/>
+        <a:p>
+          <a:pPr lvl="0" algn="ctr" defTabSz="1244600">
+            <a:lnSpc>
+              <a:spcPct val="90000"/>
+            </a:lnSpc>
+            <a:spcBef>
+              <a:spcPct val="0"/>
+            </a:spcBef>
+            <a:spcAft>
+              <a:spcPct val="35000"/>
+            </a:spcAft>
+          </a:pPr>
+          <a:r>
+            <a:rPr kumimoji="1" lang="ja-JP" altLang="en-US" sz="2800" kern="1200" dirty="0" smtClean="0">
+              <a:latin typeface="SimSun" panose="02010600030101010101" pitchFamily="2" charset="-122"/>
+              <a:ea typeface="SimSun" panose="02010600030101010101" pitchFamily="2" charset="-122"/>
+            </a:rPr>
+            <a:t>疑問点を残さない</a:t>
+          </a:r>
+          <a:endParaRPr kumimoji="1" lang="ja-JP" altLang="en-US" sz="2800" kern="1200" dirty="0">
+            <a:latin typeface="SimSun" panose="02010600030101010101" pitchFamily="2" charset="-122"/>
+            <a:ea typeface="SimSun" panose="02010600030101010101" pitchFamily="2" charset="-122"/>
+          </a:endParaRPr>
+        </a:p>
+      </dsp:txBody>
+      <dsp:txXfrm>
+        <a:off x="5002448" y="2186240"/>
+        <a:ext cx="2840470" cy="1320156"/>
+      </dsp:txXfrm>
+    </dsp:sp>
   </dsp:spTree>
 </dsp:drawing>
 </file>
@@ -5192,7 +5910,7 @@
           <p:cNvPr id="2050" name="AutoShape 1">
             <a:extLst>
               <a:ext uri="{FF2B5EF4-FFF2-40B4-BE49-F238E27FC236}">
-                <a16:creationId xmlns="" xmlns:a16="http://schemas.microsoft.com/office/drawing/2014/main" id="{4CA1C0BF-3E1F-4E95-B1F7-321984E950B3}"/>
+                <a16:creationId xmlns:a16="http://schemas.microsoft.com/office/drawing/2014/main" xmlns="" id="{4CA1C0BF-3E1F-4E95-B1F7-321984E950B3}"/>
               </a:ext>
             </a:extLst>
           </p:cNvPr>
@@ -5254,7 +5972,7 @@
           <p:cNvPr id="2051" name="Rectangle 2">
             <a:extLst>
               <a:ext uri="{FF2B5EF4-FFF2-40B4-BE49-F238E27FC236}">
-                <a16:creationId xmlns="" xmlns:a16="http://schemas.microsoft.com/office/drawing/2014/main" id="{626096B8-37E5-41AD-97A5-1A4DC60A3CB5}"/>
+                <a16:creationId xmlns:a16="http://schemas.microsoft.com/office/drawing/2014/main" xmlns="" id="{626096B8-37E5-41AD-97A5-1A4DC60A3CB5}"/>
               </a:ext>
             </a:extLst>
           </p:cNvPr>
@@ -5303,7 +6021,7 @@
           <p:cNvPr id="2" name="Rectangle 3">
             <a:extLst>
               <a:ext uri="{FF2B5EF4-FFF2-40B4-BE49-F238E27FC236}">
-                <a16:creationId xmlns="" xmlns:a16="http://schemas.microsoft.com/office/drawing/2014/main" id="{2E51DC87-DFDB-4861-B627-F122B14714EB}"/>
+                <a16:creationId xmlns:a16="http://schemas.microsoft.com/office/drawing/2014/main" xmlns="" id="{2E51DC87-DFDB-4861-B627-F122B14714EB}"/>
               </a:ext>
             </a:extLst>
           </p:cNvPr>
@@ -5349,7 +6067,7 @@
           <p:cNvPr id="2053" name="Text Box 4">
             <a:extLst>
               <a:ext uri="{FF2B5EF4-FFF2-40B4-BE49-F238E27FC236}">
-                <a16:creationId xmlns="" xmlns:a16="http://schemas.microsoft.com/office/drawing/2014/main" id="{8BF12B2E-B46E-4B6A-80E1-5FAE0273D79B}"/>
+                <a16:creationId xmlns:a16="http://schemas.microsoft.com/office/drawing/2014/main" xmlns="" id="{8BF12B2E-B46E-4B6A-80E1-5FAE0273D79B}"/>
               </a:ext>
             </a:extLst>
           </p:cNvPr>
@@ -5414,7 +6132,7 @@
           <p:cNvPr id="2054" name="Text Box 5">
             <a:extLst>
               <a:ext uri="{FF2B5EF4-FFF2-40B4-BE49-F238E27FC236}">
-                <a16:creationId xmlns="" xmlns:a16="http://schemas.microsoft.com/office/drawing/2014/main" id="{84966F32-36F5-464A-901F-07E843568211}"/>
+                <a16:creationId xmlns:a16="http://schemas.microsoft.com/office/drawing/2014/main" xmlns="" id="{84966F32-36F5-464A-901F-07E843568211}"/>
               </a:ext>
             </a:extLst>
           </p:cNvPr>
@@ -5479,7 +6197,7 @@
           <p:cNvPr id="2055" name="Text Box 6">
             <a:extLst>
               <a:ext uri="{FF2B5EF4-FFF2-40B4-BE49-F238E27FC236}">
-                <a16:creationId xmlns="" xmlns:a16="http://schemas.microsoft.com/office/drawing/2014/main" id="{14A0060E-917F-4571-A5CE-AAE6CC7F6B24}"/>
+                <a16:creationId xmlns:a16="http://schemas.microsoft.com/office/drawing/2014/main" xmlns="" id="{14A0060E-917F-4571-A5CE-AAE6CC7F6B24}"/>
               </a:ext>
             </a:extLst>
           </p:cNvPr>
@@ -5544,7 +6262,7 @@
           <p:cNvPr id="3" name="Rectangle 7">
             <a:extLst>
               <a:ext uri="{FF2B5EF4-FFF2-40B4-BE49-F238E27FC236}">
-                <a16:creationId xmlns="" xmlns:a16="http://schemas.microsoft.com/office/drawing/2014/main" id="{01DA8FD1-3C78-4CE8-949C-E28BD7E2829C}"/>
+                <a16:creationId xmlns:a16="http://schemas.microsoft.com/office/drawing/2014/main" xmlns="" id="{01DA8FD1-3C78-4CE8-949C-E28BD7E2829C}"/>
               </a:ext>
             </a:extLst>
           </p:cNvPr>
@@ -5820,7 +6538,7 @@
           <p:cNvPr id="4098" name="Rectangle 7">
             <a:extLst>
               <a:ext uri="{FF2B5EF4-FFF2-40B4-BE49-F238E27FC236}">
-                <a16:creationId xmlns="" xmlns:a16="http://schemas.microsoft.com/office/drawing/2014/main" id="{A81116CB-21C5-45CC-9B0C-7CBCF86DC535}"/>
+                <a16:creationId xmlns:a16="http://schemas.microsoft.com/office/drawing/2014/main" xmlns="" id="{A81116CB-21C5-45CC-9B0C-7CBCF86DC535}"/>
               </a:ext>
             </a:extLst>
           </p:cNvPr>
@@ -6197,7 +6915,7 @@
           <p:cNvPr id="4099" name="Text Box 1">
             <a:extLst>
               <a:ext uri="{FF2B5EF4-FFF2-40B4-BE49-F238E27FC236}">
-                <a16:creationId xmlns="" xmlns:a16="http://schemas.microsoft.com/office/drawing/2014/main" id="{105CE3D3-1585-43A0-B0D4-49991ACE6733}"/>
+                <a16:creationId xmlns:a16="http://schemas.microsoft.com/office/drawing/2014/main" xmlns="" id="{105CE3D3-1585-43A0-B0D4-49991ACE6733}"/>
               </a:ext>
             </a:extLst>
           </p:cNvPr>
@@ -6592,7 +7310,7 @@
           <p:cNvPr id="4100" name="Rectangle 2">
             <a:extLst>
               <a:ext uri="{FF2B5EF4-FFF2-40B4-BE49-F238E27FC236}">
-                <a16:creationId xmlns="" xmlns:a16="http://schemas.microsoft.com/office/drawing/2014/main" id="{72777617-9ACF-4FFD-9752-27E3624A01C1}"/>
+                <a16:creationId xmlns:a16="http://schemas.microsoft.com/office/drawing/2014/main" xmlns="" id="{72777617-9ACF-4FFD-9752-27E3624A01C1}"/>
               </a:ext>
             </a:extLst>
           </p:cNvPr>
@@ -6626,7 +7344,7 @@
           <p:cNvPr id="4101" name="Rectangle 3">
             <a:extLst>
               <a:ext uri="{FF2B5EF4-FFF2-40B4-BE49-F238E27FC236}">
-                <a16:creationId xmlns="" xmlns:a16="http://schemas.microsoft.com/office/drawing/2014/main" id="{1AD30686-2424-4702-8C06-D4D8FADACFD7}"/>
+                <a16:creationId xmlns:a16="http://schemas.microsoft.com/office/drawing/2014/main" xmlns="" id="{1AD30686-2424-4702-8C06-D4D8FADACFD7}"/>
               </a:ext>
             </a:extLst>
           </p:cNvPr>
@@ -7050,7 +7768,7 @@
           <p:cNvPr id="27650" name="Rectangle 7">
             <a:extLst>
               <a:ext uri="{FF2B5EF4-FFF2-40B4-BE49-F238E27FC236}">
-                <a16:creationId xmlns="" xmlns:a16="http://schemas.microsoft.com/office/drawing/2014/main" id="{0CB659B4-3EED-462D-8F34-6CF8C9203C2C}"/>
+                <a16:creationId xmlns:a16="http://schemas.microsoft.com/office/drawing/2014/main" xmlns="" id="{0CB659B4-3EED-462D-8F34-6CF8C9203C2C}"/>
               </a:ext>
             </a:extLst>
           </p:cNvPr>
@@ -7427,7 +8145,7 @@
           <p:cNvPr id="27651" name="Text Box 1">
             <a:extLst>
               <a:ext uri="{FF2B5EF4-FFF2-40B4-BE49-F238E27FC236}">
-                <a16:creationId xmlns="" xmlns:a16="http://schemas.microsoft.com/office/drawing/2014/main" id="{E7D465D5-5462-4333-81E9-328F35138F1D}"/>
+                <a16:creationId xmlns:a16="http://schemas.microsoft.com/office/drawing/2014/main" xmlns="" id="{E7D465D5-5462-4333-81E9-328F35138F1D}"/>
               </a:ext>
             </a:extLst>
           </p:cNvPr>
@@ -7822,7 +8540,7 @@
           <p:cNvPr id="27652" name="Rectangle 2">
             <a:extLst>
               <a:ext uri="{FF2B5EF4-FFF2-40B4-BE49-F238E27FC236}">
-                <a16:creationId xmlns="" xmlns:a16="http://schemas.microsoft.com/office/drawing/2014/main" id="{53AD14E2-2602-4A68-9C91-10A5A0155A6F}"/>
+                <a16:creationId xmlns:a16="http://schemas.microsoft.com/office/drawing/2014/main" xmlns="" id="{53AD14E2-2602-4A68-9C91-10A5A0155A6F}"/>
               </a:ext>
             </a:extLst>
           </p:cNvPr>
@@ -7856,7 +8574,7 @@
           <p:cNvPr id="27653" name="Rectangle 3">
             <a:extLst>
               <a:ext uri="{FF2B5EF4-FFF2-40B4-BE49-F238E27FC236}">
-                <a16:creationId xmlns="" xmlns:a16="http://schemas.microsoft.com/office/drawing/2014/main" id="{8C1453B3-7BA6-433C-AFD4-E00162F7D23A}"/>
+                <a16:creationId xmlns:a16="http://schemas.microsoft.com/office/drawing/2014/main" xmlns="" id="{8C1453B3-7BA6-433C-AFD4-E00162F7D23A}"/>
               </a:ext>
             </a:extLst>
           </p:cNvPr>
@@ -7944,7 +8662,7 @@
       </p:grpSpPr>
       <p:sp>
         <p:nvSpPr>
-          <p:cNvPr id="27650" name="Rectangle 7"/>
+          <p:cNvPr id="23554" name="Rectangle 7"/>
           <p:cNvSpPr>
             <a:spLocks noGrp="1" noChangeArrowheads="1"/>
           </p:cNvSpPr>
@@ -8292,7 +9010,7 @@
             </a:lvl9pPr>
           </a:lstStyle>
           <a:p>
-            <a:fld id="{13B1574A-C70B-4A5E-BC5C-D8E32A182E02}" type="slidenum">
+            <a:fld id="{76F302F7-D69B-42AA-97FC-D6D2C44B9954}" type="slidenum">
               <a:rPr lang="en-US" altLang="ja-JP">
                 <a:solidFill>
                   <a:srgbClr val="000000"/>
@@ -8315,7 +9033,7 @@
       </p:sp>
       <p:sp>
         <p:nvSpPr>
-          <p:cNvPr id="27651" name="Text Box 1"/>
+          <p:cNvPr id="23555" name="Text Box 1"/>
           <p:cNvSpPr txBox="1">
             <a:spLocks noChangeArrowheads="1"/>
           </p:cNvSpPr>
@@ -8676,7 +9394,7 @@
               </a:lnSpc>
               <a:buSzPct val="100000"/>
             </a:pPr>
-            <a:fld id="{05343E45-4A69-48E1-A064-6100BEBC1DC3}" type="slidenum">
+            <a:fld id="{5991318D-A338-49B1-A55D-29D3C8AB9047}" type="slidenum">
               <a:rPr lang="en-US" altLang="ja-JP" sz="1300">
                 <a:solidFill>
                   <a:srgbClr val="000000"/>
@@ -8691,879 +9409,6 @@
                 <a:buSzPct val="100000"/>
               </a:pPr>
               <a:t>32</a:t>
-            </a:fld>
-            <a:endParaRPr lang="en-US" altLang="ja-JP" sz="1300">
-              <a:solidFill>
-                <a:srgbClr val="000000"/>
-              </a:solidFill>
-              <a:latin typeface="Times New Roman" panose="02020603050405020304" pitchFamily="18" charset="0"/>
-              <a:ea typeface="ＭＳ Ｐ明朝" panose="02020600040205080304" pitchFamily="18" charset="-128"/>
-            </a:endParaRPr>
-          </a:p>
-        </p:txBody>
-      </p:sp>
-      <p:sp>
-        <p:nvSpPr>
-          <p:cNvPr id="27652" name="Rectangle 2"/>
-          <p:cNvSpPr>
-            <a:spLocks noGrp="1" noRot="1" noChangeAspect="1" noChangeArrowheads="1" noTextEdit="1"/>
-          </p:cNvSpPr>
-          <p:nvPr>
-            <p:ph type="sldImg"/>
-          </p:nvPr>
-        </p:nvSpPr>
-        <p:spPr>
-          <a:xfrm>
-            <a:off x="917575" y="755650"/>
-            <a:ext cx="4962525" cy="3722688"/>
-          </a:xfrm>
-          <a:solidFill>
-            <a:srgbClr val="FFFFFF"/>
-          </a:solidFill>
-          <a:ln>
-            <a:solidFill>
-              <a:srgbClr val="000000"/>
-            </a:solidFill>
-            <a:miter lim="800000"/>
-            <a:headEnd/>
-            <a:tailEnd/>
-          </a:ln>
-        </p:spPr>
-      </p:sp>
-      <p:sp>
-        <p:nvSpPr>
-          <p:cNvPr id="27653" name="Rectangle 3"/>
-          <p:cNvSpPr>
-            <a:spLocks noGrp="1" noChangeArrowheads="1"/>
-          </p:cNvSpPr>
-          <p:nvPr>
-            <p:ph type="body" idx="1"/>
-          </p:nvPr>
-        </p:nvSpPr>
-        <p:spPr>
-          <a:xfrm>
-            <a:off x="679450" y="4716463"/>
-            <a:ext cx="5440363" cy="4384675"/>
-          </a:xfrm>
-          <a:noFill/>
-          <a:ln/>
-          <a:extLst>
-            <a:ext uri="{909E8E84-426E-40DD-AFC4-6F175D3DCCD1}">
-              <a14:hiddenFill xmlns:a14="http://schemas.microsoft.com/office/drawing/2010/main">
-                <a:solidFill>
-                  <a:srgbClr val="FFFFFF"/>
-                </a:solidFill>
-              </a14:hiddenFill>
-            </a:ext>
-            <a:ext uri="{91240B29-F687-4F45-9708-019B960494DF}">
-              <a14:hiddenLine xmlns:a14="http://schemas.microsoft.com/office/drawing/2010/main" w="9525">
-                <a:solidFill>
-                  <a:srgbClr val="000000"/>
-                </a:solidFill>
-                <a:miter lim="800000"/>
-                <a:headEnd/>
-                <a:tailEnd/>
-              </a14:hiddenLine>
-            </a:ext>
-          </a:extLst>
-        </p:spPr>
-        <p:txBody>
-          <a:bodyPr wrap="none" anchor="ctr"/>
-          <a:lstStyle/>
-          <a:p>
-            <a:endParaRPr lang="ja-JP" altLang="ja-JP" smtClean="0">
-              <a:latin typeface="Times New Roman" panose="02020603050405020304" pitchFamily="18" charset="0"/>
-            </a:endParaRPr>
-          </a:p>
-        </p:txBody>
-      </p:sp>
-    </p:spTree>
-    <p:extLst>
-      <p:ext uri="{BB962C8B-B14F-4D97-AF65-F5344CB8AC3E}">
-        <p14:creationId xmlns:p14="http://schemas.microsoft.com/office/powerpoint/2010/main" val="2217447341"/>
-      </p:ext>
-    </p:extLst>
-  </p:cSld>
-  <p:clrMapOvr>
-    <a:masterClrMapping/>
-  </p:clrMapOvr>
-</p:notes>
-</file>
-
-<file path=ppt/notesSlides/notesSlide14.xml><?xml version="1.0" encoding="utf-8"?>
-<p:notes xmlns:a="http://schemas.openxmlformats.org/drawingml/2006/main" xmlns:r="http://schemas.openxmlformats.org/officeDocument/2006/relationships" xmlns:p="http://schemas.openxmlformats.org/presentationml/2006/main">
-  <p:cSld>
-    <p:bg>
-      <p:bgPr>
-        <a:solidFill>
-          <a:srgbClr val="FFFFFF"/>
-        </a:solidFill>
-        <a:effectLst/>
-      </p:bgPr>
-    </p:bg>
-    <p:spTree>
-      <p:nvGrpSpPr>
-        <p:cNvPr id="1" name=""/>
-        <p:cNvGrpSpPr/>
-        <p:nvPr/>
-      </p:nvGrpSpPr>
-      <p:grpSpPr>
-        <a:xfrm>
-          <a:off x="0" y="0"/>
-          <a:ext cx="0" cy="0"/>
-          <a:chOff x="0" y="0"/>
-          <a:chExt cx="0" cy="0"/>
-        </a:xfrm>
-      </p:grpSpPr>
-      <p:sp>
-        <p:nvSpPr>
-          <p:cNvPr id="23554" name="Rectangle 7"/>
-          <p:cNvSpPr>
-            <a:spLocks noGrp="1" noChangeArrowheads="1"/>
-          </p:cNvSpPr>
-          <p:nvPr>
-            <p:ph type="sldNum" sz="quarter"/>
-          </p:nvPr>
-        </p:nvSpPr>
-        <p:spPr>
-          <a:noFill/>
-          <a:ln/>
-          <a:extLst>
-            <a:ext uri="{909E8E84-426E-40DD-AFC4-6F175D3DCCD1}">
-              <a14:hiddenFill xmlns:a14="http://schemas.microsoft.com/office/drawing/2010/main">
-                <a:solidFill>
-                  <a:srgbClr val="FFFFFF"/>
-                </a:solidFill>
-              </a14:hiddenFill>
-            </a:ext>
-            <a:ext uri="{91240B29-F687-4F45-9708-019B960494DF}">
-              <a14:hiddenLine xmlns:a14="http://schemas.microsoft.com/office/drawing/2010/main" w="9525">
-                <a:solidFill>
-                  <a:srgbClr val="000000"/>
-                </a:solidFill>
-                <a:round/>
-                <a:headEnd/>
-                <a:tailEnd/>
-              </a14:hiddenLine>
-            </a:ext>
-          </a:extLst>
-        </p:spPr>
-        <p:txBody>
-          <a:bodyPr/>
-          <a:lstStyle>
-            <a:lvl1pPr>
-              <a:tabLst>
-                <a:tab pos="0" algn="l"/>
-                <a:tab pos="409575" algn="l"/>
-                <a:tab pos="820738" algn="l"/>
-                <a:tab pos="1233488" algn="l"/>
-                <a:tab pos="1644650" algn="l"/>
-                <a:tab pos="2055813" algn="l"/>
-                <a:tab pos="2468563" algn="l"/>
-                <a:tab pos="2879725" algn="l"/>
-                <a:tab pos="3292475" algn="l"/>
-                <a:tab pos="3703638" algn="l"/>
-                <a:tab pos="4114800" algn="l"/>
-                <a:tab pos="4527550" algn="l"/>
-                <a:tab pos="4938713" algn="l"/>
-                <a:tab pos="5349875" algn="l"/>
-                <a:tab pos="5762625" algn="l"/>
-                <a:tab pos="6173788" algn="l"/>
-                <a:tab pos="6584950" algn="l"/>
-                <a:tab pos="6997700" algn="l"/>
-                <a:tab pos="7408863" algn="l"/>
-                <a:tab pos="7821613" algn="l"/>
-                <a:tab pos="8232775" algn="l"/>
-              </a:tabLst>
-              <a:defRPr>
-                <a:solidFill>
-                  <a:schemeClr val="bg1"/>
-                </a:solidFill>
-                <a:latin typeface="Arial" panose="020B0604020202020204" pitchFamily="34" charset="0"/>
-                <a:ea typeface="ＭＳ Ｐゴシック" panose="020B0600070205080204" pitchFamily="50" charset="-128"/>
-              </a:defRPr>
-            </a:lvl1pPr>
-            <a:lvl2pPr>
-              <a:tabLst>
-                <a:tab pos="0" algn="l"/>
-                <a:tab pos="409575" algn="l"/>
-                <a:tab pos="820738" algn="l"/>
-                <a:tab pos="1233488" algn="l"/>
-                <a:tab pos="1644650" algn="l"/>
-                <a:tab pos="2055813" algn="l"/>
-                <a:tab pos="2468563" algn="l"/>
-                <a:tab pos="2879725" algn="l"/>
-                <a:tab pos="3292475" algn="l"/>
-                <a:tab pos="3703638" algn="l"/>
-                <a:tab pos="4114800" algn="l"/>
-                <a:tab pos="4527550" algn="l"/>
-                <a:tab pos="4938713" algn="l"/>
-                <a:tab pos="5349875" algn="l"/>
-                <a:tab pos="5762625" algn="l"/>
-                <a:tab pos="6173788" algn="l"/>
-                <a:tab pos="6584950" algn="l"/>
-                <a:tab pos="6997700" algn="l"/>
-                <a:tab pos="7408863" algn="l"/>
-                <a:tab pos="7821613" algn="l"/>
-                <a:tab pos="8232775" algn="l"/>
-              </a:tabLst>
-              <a:defRPr>
-                <a:solidFill>
-                  <a:schemeClr val="bg1"/>
-                </a:solidFill>
-                <a:latin typeface="Arial" panose="020B0604020202020204" pitchFamily="34" charset="0"/>
-                <a:ea typeface="ＭＳ Ｐゴシック" panose="020B0600070205080204" pitchFamily="50" charset="-128"/>
-              </a:defRPr>
-            </a:lvl2pPr>
-            <a:lvl3pPr>
-              <a:tabLst>
-                <a:tab pos="0" algn="l"/>
-                <a:tab pos="409575" algn="l"/>
-                <a:tab pos="820738" algn="l"/>
-                <a:tab pos="1233488" algn="l"/>
-                <a:tab pos="1644650" algn="l"/>
-                <a:tab pos="2055813" algn="l"/>
-                <a:tab pos="2468563" algn="l"/>
-                <a:tab pos="2879725" algn="l"/>
-                <a:tab pos="3292475" algn="l"/>
-                <a:tab pos="3703638" algn="l"/>
-                <a:tab pos="4114800" algn="l"/>
-                <a:tab pos="4527550" algn="l"/>
-                <a:tab pos="4938713" algn="l"/>
-                <a:tab pos="5349875" algn="l"/>
-                <a:tab pos="5762625" algn="l"/>
-                <a:tab pos="6173788" algn="l"/>
-                <a:tab pos="6584950" algn="l"/>
-                <a:tab pos="6997700" algn="l"/>
-                <a:tab pos="7408863" algn="l"/>
-                <a:tab pos="7821613" algn="l"/>
-                <a:tab pos="8232775" algn="l"/>
-              </a:tabLst>
-              <a:defRPr>
-                <a:solidFill>
-                  <a:schemeClr val="bg1"/>
-                </a:solidFill>
-                <a:latin typeface="Arial" panose="020B0604020202020204" pitchFamily="34" charset="0"/>
-                <a:ea typeface="ＭＳ Ｐゴシック" panose="020B0600070205080204" pitchFamily="50" charset="-128"/>
-              </a:defRPr>
-            </a:lvl3pPr>
-            <a:lvl4pPr>
-              <a:tabLst>
-                <a:tab pos="0" algn="l"/>
-                <a:tab pos="409575" algn="l"/>
-                <a:tab pos="820738" algn="l"/>
-                <a:tab pos="1233488" algn="l"/>
-                <a:tab pos="1644650" algn="l"/>
-                <a:tab pos="2055813" algn="l"/>
-                <a:tab pos="2468563" algn="l"/>
-                <a:tab pos="2879725" algn="l"/>
-                <a:tab pos="3292475" algn="l"/>
-                <a:tab pos="3703638" algn="l"/>
-                <a:tab pos="4114800" algn="l"/>
-                <a:tab pos="4527550" algn="l"/>
-                <a:tab pos="4938713" algn="l"/>
-                <a:tab pos="5349875" algn="l"/>
-                <a:tab pos="5762625" algn="l"/>
-                <a:tab pos="6173788" algn="l"/>
-                <a:tab pos="6584950" algn="l"/>
-                <a:tab pos="6997700" algn="l"/>
-                <a:tab pos="7408863" algn="l"/>
-                <a:tab pos="7821613" algn="l"/>
-                <a:tab pos="8232775" algn="l"/>
-              </a:tabLst>
-              <a:defRPr>
-                <a:solidFill>
-                  <a:schemeClr val="bg1"/>
-                </a:solidFill>
-                <a:latin typeface="Arial" panose="020B0604020202020204" pitchFamily="34" charset="0"/>
-                <a:ea typeface="ＭＳ Ｐゴシック" panose="020B0600070205080204" pitchFamily="50" charset="-128"/>
-              </a:defRPr>
-            </a:lvl4pPr>
-            <a:lvl5pPr>
-              <a:tabLst>
-                <a:tab pos="0" algn="l"/>
-                <a:tab pos="409575" algn="l"/>
-                <a:tab pos="820738" algn="l"/>
-                <a:tab pos="1233488" algn="l"/>
-                <a:tab pos="1644650" algn="l"/>
-                <a:tab pos="2055813" algn="l"/>
-                <a:tab pos="2468563" algn="l"/>
-                <a:tab pos="2879725" algn="l"/>
-                <a:tab pos="3292475" algn="l"/>
-                <a:tab pos="3703638" algn="l"/>
-                <a:tab pos="4114800" algn="l"/>
-                <a:tab pos="4527550" algn="l"/>
-                <a:tab pos="4938713" algn="l"/>
-                <a:tab pos="5349875" algn="l"/>
-                <a:tab pos="5762625" algn="l"/>
-                <a:tab pos="6173788" algn="l"/>
-                <a:tab pos="6584950" algn="l"/>
-                <a:tab pos="6997700" algn="l"/>
-                <a:tab pos="7408863" algn="l"/>
-                <a:tab pos="7821613" algn="l"/>
-                <a:tab pos="8232775" algn="l"/>
-              </a:tabLst>
-              <a:defRPr>
-                <a:solidFill>
-                  <a:schemeClr val="bg1"/>
-                </a:solidFill>
-                <a:latin typeface="Arial" panose="020B0604020202020204" pitchFamily="34" charset="0"/>
-                <a:ea typeface="ＭＳ Ｐゴシック" panose="020B0600070205080204" pitchFamily="50" charset="-128"/>
-              </a:defRPr>
-            </a:lvl5pPr>
-            <a:lvl6pPr marL="2514600" indent="-228600" defTabSz="449263" eaLnBrk="0" fontAlgn="base" hangingPunct="0">
-              <a:spcBef>
-                <a:spcPct val="0"/>
-              </a:spcBef>
-              <a:spcAft>
-                <a:spcPct val="0"/>
-              </a:spcAft>
-              <a:tabLst>
-                <a:tab pos="0" algn="l"/>
-                <a:tab pos="409575" algn="l"/>
-                <a:tab pos="820738" algn="l"/>
-                <a:tab pos="1233488" algn="l"/>
-                <a:tab pos="1644650" algn="l"/>
-                <a:tab pos="2055813" algn="l"/>
-                <a:tab pos="2468563" algn="l"/>
-                <a:tab pos="2879725" algn="l"/>
-                <a:tab pos="3292475" algn="l"/>
-                <a:tab pos="3703638" algn="l"/>
-                <a:tab pos="4114800" algn="l"/>
-                <a:tab pos="4527550" algn="l"/>
-                <a:tab pos="4938713" algn="l"/>
-                <a:tab pos="5349875" algn="l"/>
-                <a:tab pos="5762625" algn="l"/>
-                <a:tab pos="6173788" algn="l"/>
-                <a:tab pos="6584950" algn="l"/>
-                <a:tab pos="6997700" algn="l"/>
-                <a:tab pos="7408863" algn="l"/>
-                <a:tab pos="7821613" algn="l"/>
-                <a:tab pos="8232775" algn="l"/>
-              </a:tabLst>
-              <a:defRPr>
-                <a:solidFill>
-                  <a:schemeClr val="bg1"/>
-                </a:solidFill>
-                <a:latin typeface="Arial" panose="020B0604020202020204" pitchFamily="34" charset="0"/>
-                <a:ea typeface="ＭＳ Ｐゴシック" panose="020B0600070205080204" pitchFamily="50" charset="-128"/>
-              </a:defRPr>
-            </a:lvl6pPr>
-            <a:lvl7pPr marL="2971800" indent="-228600" defTabSz="449263" eaLnBrk="0" fontAlgn="base" hangingPunct="0">
-              <a:spcBef>
-                <a:spcPct val="0"/>
-              </a:spcBef>
-              <a:spcAft>
-                <a:spcPct val="0"/>
-              </a:spcAft>
-              <a:tabLst>
-                <a:tab pos="0" algn="l"/>
-                <a:tab pos="409575" algn="l"/>
-                <a:tab pos="820738" algn="l"/>
-                <a:tab pos="1233488" algn="l"/>
-                <a:tab pos="1644650" algn="l"/>
-                <a:tab pos="2055813" algn="l"/>
-                <a:tab pos="2468563" algn="l"/>
-                <a:tab pos="2879725" algn="l"/>
-                <a:tab pos="3292475" algn="l"/>
-                <a:tab pos="3703638" algn="l"/>
-                <a:tab pos="4114800" algn="l"/>
-                <a:tab pos="4527550" algn="l"/>
-                <a:tab pos="4938713" algn="l"/>
-                <a:tab pos="5349875" algn="l"/>
-                <a:tab pos="5762625" algn="l"/>
-                <a:tab pos="6173788" algn="l"/>
-                <a:tab pos="6584950" algn="l"/>
-                <a:tab pos="6997700" algn="l"/>
-                <a:tab pos="7408863" algn="l"/>
-                <a:tab pos="7821613" algn="l"/>
-                <a:tab pos="8232775" algn="l"/>
-              </a:tabLst>
-              <a:defRPr>
-                <a:solidFill>
-                  <a:schemeClr val="bg1"/>
-                </a:solidFill>
-                <a:latin typeface="Arial" panose="020B0604020202020204" pitchFamily="34" charset="0"/>
-                <a:ea typeface="ＭＳ Ｐゴシック" panose="020B0600070205080204" pitchFamily="50" charset="-128"/>
-              </a:defRPr>
-            </a:lvl7pPr>
-            <a:lvl8pPr marL="3429000" indent="-228600" defTabSz="449263" eaLnBrk="0" fontAlgn="base" hangingPunct="0">
-              <a:spcBef>
-                <a:spcPct val="0"/>
-              </a:spcBef>
-              <a:spcAft>
-                <a:spcPct val="0"/>
-              </a:spcAft>
-              <a:tabLst>
-                <a:tab pos="0" algn="l"/>
-                <a:tab pos="409575" algn="l"/>
-                <a:tab pos="820738" algn="l"/>
-                <a:tab pos="1233488" algn="l"/>
-                <a:tab pos="1644650" algn="l"/>
-                <a:tab pos="2055813" algn="l"/>
-                <a:tab pos="2468563" algn="l"/>
-                <a:tab pos="2879725" algn="l"/>
-                <a:tab pos="3292475" algn="l"/>
-                <a:tab pos="3703638" algn="l"/>
-                <a:tab pos="4114800" algn="l"/>
-                <a:tab pos="4527550" algn="l"/>
-                <a:tab pos="4938713" algn="l"/>
-                <a:tab pos="5349875" algn="l"/>
-                <a:tab pos="5762625" algn="l"/>
-                <a:tab pos="6173788" algn="l"/>
-                <a:tab pos="6584950" algn="l"/>
-                <a:tab pos="6997700" algn="l"/>
-                <a:tab pos="7408863" algn="l"/>
-                <a:tab pos="7821613" algn="l"/>
-                <a:tab pos="8232775" algn="l"/>
-              </a:tabLst>
-              <a:defRPr>
-                <a:solidFill>
-                  <a:schemeClr val="bg1"/>
-                </a:solidFill>
-                <a:latin typeface="Arial" panose="020B0604020202020204" pitchFamily="34" charset="0"/>
-                <a:ea typeface="ＭＳ Ｐゴシック" panose="020B0600070205080204" pitchFamily="50" charset="-128"/>
-              </a:defRPr>
-            </a:lvl8pPr>
-            <a:lvl9pPr marL="3886200" indent="-228600" defTabSz="449263" eaLnBrk="0" fontAlgn="base" hangingPunct="0">
-              <a:spcBef>
-                <a:spcPct val="0"/>
-              </a:spcBef>
-              <a:spcAft>
-                <a:spcPct val="0"/>
-              </a:spcAft>
-              <a:tabLst>
-                <a:tab pos="0" algn="l"/>
-                <a:tab pos="409575" algn="l"/>
-                <a:tab pos="820738" algn="l"/>
-                <a:tab pos="1233488" algn="l"/>
-                <a:tab pos="1644650" algn="l"/>
-                <a:tab pos="2055813" algn="l"/>
-                <a:tab pos="2468563" algn="l"/>
-                <a:tab pos="2879725" algn="l"/>
-                <a:tab pos="3292475" algn="l"/>
-                <a:tab pos="3703638" algn="l"/>
-                <a:tab pos="4114800" algn="l"/>
-                <a:tab pos="4527550" algn="l"/>
-                <a:tab pos="4938713" algn="l"/>
-                <a:tab pos="5349875" algn="l"/>
-                <a:tab pos="5762625" algn="l"/>
-                <a:tab pos="6173788" algn="l"/>
-                <a:tab pos="6584950" algn="l"/>
-                <a:tab pos="6997700" algn="l"/>
-                <a:tab pos="7408863" algn="l"/>
-                <a:tab pos="7821613" algn="l"/>
-                <a:tab pos="8232775" algn="l"/>
-              </a:tabLst>
-              <a:defRPr>
-                <a:solidFill>
-                  <a:schemeClr val="bg1"/>
-                </a:solidFill>
-                <a:latin typeface="Arial" panose="020B0604020202020204" pitchFamily="34" charset="0"/>
-                <a:ea typeface="ＭＳ Ｐゴシック" panose="020B0600070205080204" pitchFamily="50" charset="-128"/>
-              </a:defRPr>
-            </a:lvl9pPr>
-          </a:lstStyle>
-          <a:p>
-            <a:fld id="{76F302F7-D69B-42AA-97FC-D6D2C44B9954}" type="slidenum">
-              <a:rPr lang="en-US" altLang="ja-JP">
-                <a:solidFill>
-                  <a:srgbClr val="000000"/>
-                </a:solidFill>
-                <a:latin typeface="Times New Roman" panose="02020603050405020304" pitchFamily="18" charset="0"/>
-                <a:ea typeface="ＭＳ Ｐ明朝" panose="02020600040205080304" pitchFamily="18" charset="-128"/>
-              </a:rPr>
-              <a:pPr/>
-              <a:t>33</a:t>
-            </a:fld>
-            <a:endParaRPr lang="en-US" altLang="ja-JP">
-              <a:solidFill>
-                <a:srgbClr val="000000"/>
-              </a:solidFill>
-              <a:latin typeface="Times New Roman" panose="02020603050405020304" pitchFamily="18" charset="0"/>
-              <a:ea typeface="ＭＳ Ｐ明朝" panose="02020600040205080304" pitchFamily="18" charset="-128"/>
-            </a:endParaRPr>
-          </a:p>
-        </p:txBody>
-      </p:sp>
-      <p:sp>
-        <p:nvSpPr>
-          <p:cNvPr id="23555" name="Text Box 1"/>
-          <p:cNvSpPr txBox="1">
-            <a:spLocks noChangeArrowheads="1"/>
-          </p:cNvSpPr>
-          <p:nvPr/>
-        </p:nvSpPr>
-        <p:spPr bwMode="auto">
-          <a:xfrm>
-            <a:off x="3848100" y="9432925"/>
-            <a:ext cx="2949575" cy="495300"/>
-          </a:xfrm>
-          <a:prstGeom prst="rect">
-            <a:avLst/>
-          </a:prstGeom>
-          <a:noFill/>
-          <a:ln>
-            <a:noFill/>
-          </a:ln>
-          <a:extLst>
-            <a:ext uri="{909E8E84-426E-40DD-AFC4-6F175D3DCCD1}">
-              <a14:hiddenFill xmlns:a14="http://schemas.microsoft.com/office/drawing/2010/main">
-                <a:solidFill>
-                  <a:srgbClr val="FFFFFF"/>
-                </a:solidFill>
-              </a14:hiddenFill>
-            </a:ext>
-            <a:ext uri="{91240B29-F687-4F45-9708-019B960494DF}">
-              <a14:hiddenLine xmlns:a14="http://schemas.microsoft.com/office/drawing/2010/main" w="9525">
-                <a:solidFill>
-                  <a:srgbClr val="000000"/>
-                </a:solidFill>
-                <a:round/>
-                <a:headEnd/>
-                <a:tailEnd/>
-              </a14:hiddenLine>
-            </a:ext>
-          </a:extLst>
-        </p:spPr>
-        <p:txBody>
-          <a:bodyPr lIns="0" tIns="0" rIns="0" bIns="0" anchor="b"/>
-          <a:lstStyle>
-            <a:lvl1pPr>
-              <a:tabLst>
-                <a:tab pos="0" algn="l"/>
-                <a:tab pos="447675" algn="l"/>
-                <a:tab pos="896938" algn="l"/>
-                <a:tab pos="1346200" algn="l"/>
-                <a:tab pos="1795463" algn="l"/>
-                <a:tab pos="2244725" algn="l"/>
-                <a:tab pos="2693988" algn="l"/>
-                <a:tab pos="3143250" algn="l"/>
-                <a:tab pos="3592513" algn="l"/>
-                <a:tab pos="4041775" algn="l"/>
-                <a:tab pos="4491038" algn="l"/>
-                <a:tab pos="4940300" algn="l"/>
-                <a:tab pos="5389563" algn="l"/>
-                <a:tab pos="5838825" algn="l"/>
-                <a:tab pos="6288088" algn="l"/>
-                <a:tab pos="6737350" algn="l"/>
-                <a:tab pos="7186613" algn="l"/>
-                <a:tab pos="7635875" algn="l"/>
-                <a:tab pos="8085138" algn="l"/>
-                <a:tab pos="8534400" algn="l"/>
-                <a:tab pos="8983663" algn="l"/>
-              </a:tabLst>
-              <a:defRPr>
-                <a:solidFill>
-                  <a:schemeClr val="bg1"/>
-                </a:solidFill>
-                <a:latin typeface="Arial" panose="020B0604020202020204" pitchFamily="34" charset="0"/>
-                <a:ea typeface="ＭＳ Ｐゴシック" panose="020B0600070205080204" pitchFamily="50" charset="-128"/>
-              </a:defRPr>
-            </a:lvl1pPr>
-            <a:lvl2pPr>
-              <a:tabLst>
-                <a:tab pos="0" algn="l"/>
-                <a:tab pos="447675" algn="l"/>
-                <a:tab pos="896938" algn="l"/>
-                <a:tab pos="1346200" algn="l"/>
-                <a:tab pos="1795463" algn="l"/>
-                <a:tab pos="2244725" algn="l"/>
-                <a:tab pos="2693988" algn="l"/>
-                <a:tab pos="3143250" algn="l"/>
-                <a:tab pos="3592513" algn="l"/>
-                <a:tab pos="4041775" algn="l"/>
-                <a:tab pos="4491038" algn="l"/>
-                <a:tab pos="4940300" algn="l"/>
-                <a:tab pos="5389563" algn="l"/>
-                <a:tab pos="5838825" algn="l"/>
-                <a:tab pos="6288088" algn="l"/>
-                <a:tab pos="6737350" algn="l"/>
-                <a:tab pos="7186613" algn="l"/>
-                <a:tab pos="7635875" algn="l"/>
-                <a:tab pos="8085138" algn="l"/>
-                <a:tab pos="8534400" algn="l"/>
-                <a:tab pos="8983663" algn="l"/>
-              </a:tabLst>
-              <a:defRPr>
-                <a:solidFill>
-                  <a:schemeClr val="bg1"/>
-                </a:solidFill>
-                <a:latin typeface="Arial" panose="020B0604020202020204" pitchFamily="34" charset="0"/>
-                <a:ea typeface="ＭＳ Ｐゴシック" panose="020B0600070205080204" pitchFamily="50" charset="-128"/>
-              </a:defRPr>
-            </a:lvl2pPr>
-            <a:lvl3pPr>
-              <a:tabLst>
-                <a:tab pos="0" algn="l"/>
-                <a:tab pos="447675" algn="l"/>
-                <a:tab pos="896938" algn="l"/>
-                <a:tab pos="1346200" algn="l"/>
-                <a:tab pos="1795463" algn="l"/>
-                <a:tab pos="2244725" algn="l"/>
-                <a:tab pos="2693988" algn="l"/>
-                <a:tab pos="3143250" algn="l"/>
-                <a:tab pos="3592513" algn="l"/>
-                <a:tab pos="4041775" algn="l"/>
-                <a:tab pos="4491038" algn="l"/>
-                <a:tab pos="4940300" algn="l"/>
-                <a:tab pos="5389563" algn="l"/>
-                <a:tab pos="5838825" algn="l"/>
-                <a:tab pos="6288088" algn="l"/>
-                <a:tab pos="6737350" algn="l"/>
-                <a:tab pos="7186613" algn="l"/>
-                <a:tab pos="7635875" algn="l"/>
-                <a:tab pos="8085138" algn="l"/>
-                <a:tab pos="8534400" algn="l"/>
-                <a:tab pos="8983663" algn="l"/>
-              </a:tabLst>
-              <a:defRPr>
-                <a:solidFill>
-                  <a:schemeClr val="bg1"/>
-                </a:solidFill>
-                <a:latin typeface="Arial" panose="020B0604020202020204" pitchFamily="34" charset="0"/>
-                <a:ea typeface="ＭＳ Ｐゴシック" panose="020B0600070205080204" pitchFamily="50" charset="-128"/>
-              </a:defRPr>
-            </a:lvl3pPr>
-            <a:lvl4pPr>
-              <a:tabLst>
-                <a:tab pos="0" algn="l"/>
-                <a:tab pos="447675" algn="l"/>
-                <a:tab pos="896938" algn="l"/>
-                <a:tab pos="1346200" algn="l"/>
-                <a:tab pos="1795463" algn="l"/>
-                <a:tab pos="2244725" algn="l"/>
-                <a:tab pos="2693988" algn="l"/>
-                <a:tab pos="3143250" algn="l"/>
-                <a:tab pos="3592513" algn="l"/>
-                <a:tab pos="4041775" algn="l"/>
-                <a:tab pos="4491038" algn="l"/>
-                <a:tab pos="4940300" algn="l"/>
-                <a:tab pos="5389563" algn="l"/>
-                <a:tab pos="5838825" algn="l"/>
-                <a:tab pos="6288088" algn="l"/>
-                <a:tab pos="6737350" algn="l"/>
-                <a:tab pos="7186613" algn="l"/>
-                <a:tab pos="7635875" algn="l"/>
-                <a:tab pos="8085138" algn="l"/>
-                <a:tab pos="8534400" algn="l"/>
-                <a:tab pos="8983663" algn="l"/>
-              </a:tabLst>
-              <a:defRPr>
-                <a:solidFill>
-                  <a:schemeClr val="bg1"/>
-                </a:solidFill>
-                <a:latin typeface="Arial" panose="020B0604020202020204" pitchFamily="34" charset="0"/>
-                <a:ea typeface="ＭＳ Ｐゴシック" panose="020B0600070205080204" pitchFamily="50" charset="-128"/>
-              </a:defRPr>
-            </a:lvl4pPr>
-            <a:lvl5pPr>
-              <a:tabLst>
-                <a:tab pos="0" algn="l"/>
-                <a:tab pos="447675" algn="l"/>
-                <a:tab pos="896938" algn="l"/>
-                <a:tab pos="1346200" algn="l"/>
-                <a:tab pos="1795463" algn="l"/>
-                <a:tab pos="2244725" algn="l"/>
-                <a:tab pos="2693988" algn="l"/>
-                <a:tab pos="3143250" algn="l"/>
-                <a:tab pos="3592513" algn="l"/>
-                <a:tab pos="4041775" algn="l"/>
-                <a:tab pos="4491038" algn="l"/>
-                <a:tab pos="4940300" algn="l"/>
-                <a:tab pos="5389563" algn="l"/>
-                <a:tab pos="5838825" algn="l"/>
-                <a:tab pos="6288088" algn="l"/>
-                <a:tab pos="6737350" algn="l"/>
-                <a:tab pos="7186613" algn="l"/>
-                <a:tab pos="7635875" algn="l"/>
-                <a:tab pos="8085138" algn="l"/>
-                <a:tab pos="8534400" algn="l"/>
-                <a:tab pos="8983663" algn="l"/>
-              </a:tabLst>
-              <a:defRPr>
-                <a:solidFill>
-                  <a:schemeClr val="bg1"/>
-                </a:solidFill>
-                <a:latin typeface="Arial" panose="020B0604020202020204" pitchFamily="34" charset="0"/>
-                <a:ea typeface="ＭＳ Ｐゴシック" panose="020B0600070205080204" pitchFamily="50" charset="-128"/>
-              </a:defRPr>
-            </a:lvl5pPr>
-            <a:lvl6pPr marL="2514600" indent="-228600" defTabSz="449263" eaLnBrk="0" fontAlgn="base" hangingPunct="0">
-              <a:spcBef>
-                <a:spcPct val="0"/>
-              </a:spcBef>
-              <a:spcAft>
-                <a:spcPct val="0"/>
-              </a:spcAft>
-              <a:tabLst>
-                <a:tab pos="0" algn="l"/>
-                <a:tab pos="447675" algn="l"/>
-                <a:tab pos="896938" algn="l"/>
-                <a:tab pos="1346200" algn="l"/>
-                <a:tab pos="1795463" algn="l"/>
-                <a:tab pos="2244725" algn="l"/>
-                <a:tab pos="2693988" algn="l"/>
-                <a:tab pos="3143250" algn="l"/>
-                <a:tab pos="3592513" algn="l"/>
-                <a:tab pos="4041775" algn="l"/>
-                <a:tab pos="4491038" algn="l"/>
-                <a:tab pos="4940300" algn="l"/>
-                <a:tab pos="5389563" algn="l"/>
-                <a:tab pos="5838825" algn="l"/>
-                <a:tab pos="6288088" algn="l"/>
-                <a:tab pos="6737350" algn="l"/>
-                <a:tab pos="7186613" algn="l"/>
-                <a:tab pos="7635875" algn="l"/>
-                <a:tab pos="8085138" algn="l"/>
-                <a:tab pos="8534400" algn="l"/>
-                <a:tab pos="8983663" algn="l"/>
-              </a:tabLst>
-              <a:defRPr>
-                <a:solidFill>
-                  <a:schemeClr val="bg1"/>
-                </a:solidFill>
-                <a:latin typeface="Arial" panose="020B0604020202020204" pitchFamily="34" charset="0"/>
-                <a:ea typeface="ＭＳ Ｐゴシック" panose="020B0600070205080204" pitchFamily="50" charset="-128"/>
-              </a:defRPr>
-            </a:lvl6pPr>
-            <a:lvl7pPr marL="2971800" indent="-228600" defTabSz="449263" eaLnBrk="0" fontAlgn="base" hangingPunct="0">
-              <a:spcBef>
-                <a:spcPct val="0"/>
-              </a:spcBef>
-              <a:spcAft>
-                <a:spcPct val="0"/>
-              </a:spcAft>
-              <a:tabLst>
-                <a:tab pos="0" algn="l"/>
-                <a:tab pos="447675" algn="l"/>
-                <a:tab pos="896938" algn="l"/>
-                <a:tab pos="1346200" algn="l"/>
-                <a:tab pos="1795463" algn="l"/>
-                <a:tab pos="2244725" algn="l"/>
-                <a:tab pos="2693988" algn="l"/>
-                <a:tab pos="3143250" algn="l"/>
-                <a:tab pos="3592513" algn="l"/>
-                <a:tab pos="4041775" algn="l"/>
-                <a:tab pos="4491038" algn="l"/>
-                <a:tab pos="4940300" algn="l"/>
-                <a:tab pos="5389563" algn="l"/>
-                <a:tab pos="5838825" algn="l"/>
-                <a:tab pos="6288088" algn="l"/>
-                <a:tab pos="6737350" algn="l"/>
-                <a:tab pos="7186613" algn="l"/>
-                <a:tab pos="7635875" algn="l"/>
-                <a:tab pos="8085138" algn="l"/>
-                <a:tab pos="8534400" algn="l"/>
-                <a:tab pos="8983663" algn="l"/>
-              </a:tabLst>
-              <a:defRPr>
-                <a:solidFill>
-                  <a:schemeClr val="bg1"/>
-                </a:solidFill>
-                <a:latin typeface="Arial" panose="020B0604020202020204" pitchFamily="34" charset="0"/>
-                <a:ea typeface="ＭＳ Ｐゴシック" panose="020B0600070205080204" pitchFamily="50" charset="-128"/>
-              </a:defRPr>
-            </a:lvl7pPr>
-            <a:lvl8pPr marL="3429000" indent="-228600" defTabSz="449263" eaLnBrk="0" fontAlgn="base" hangingPunct="0">
-              <a:spcBef>
-                <a:spcPct val="0"/>
-              </a:spcBef>
-              <a:spcAft>
-                <a:spcPct val="0"/>
-              </a:spcAft>
-              <a:tabLst>
-                <a:tab pos="0" algn="l"/>
-                <a:tab pos="447675" algn="l"/>
-                <a:tab pos="896938" algn="l"/>
-                <a:tab pos="1346200" algn="l"/>
-                <a:tab pos="1795463" algn="l"/>
-                <a:tab pos="2244725" algn="l"/>
-                <a:tab pos="2693988" algn="l"/>
-                <a:tab pos="3143250" algn="l"/>
-                <a:tab pos="3592513" algn="l"/>
-                <a:tab pos="4041775" algn="l"/>
-                <a:tab pos="4491038" algn="l"/>
-                <a:tab pos="4940300" algn="l"/>
-                <a:tab pos="5389563" algn="l"/>
-                <a:tab pos="5838825" algn="l"/>
-                <a:tab pos="6288088" algn="l"/>
-                <a:tab pos="6737350" algn="l"/>
-                <a:tab pos="7186613" algn="l"/>
-                <a:tab pos="7635875" algn="l"/>
-                <a:tab pos="8085138" algn="l"/>
-                <a:tab pos="8534400" algn="l"/>
-                <a:tab pos="8983663" algn="l"/>
-              </a:tabLst>
-              <a:defRPr>
-                <a:solidFill>
-                  <a:schemeClr val="bg1"/>
-                </a:solidFill>
-                <a:latin typeface="Arial" panose="020B0604020202020204" pitchFamily="34" charset="0"/>
-                <a:ea typeface="ＭＳ Ｐゴシック" panose="020B0600070205080204" pitchFamily="50" charset="-128"/>
-              </a:defRPr>
-            </a:lvl8pPr>
-            <a:lvl9pPr marL="3886200" indent="-228600" defTabSz="449263" eaLnBrk="0" fontAlgn="base" hangingPunct="0">
-              <a:spcBef>
-                <a:spcPct val="0"/>
-              </a:spcBef>
-              <a:spcAft>
-                <a:spcPct val="0"/>
-              </a:spcAft>
-              <a:tabLst>
-                <a:tab pos="0" algn="l"/>
-                <a:tab pos="447675" algn="l"/>
-                <a:tab pos="896938" algn="l"/>
-                <a:tab pos="1346200" algn="l"/>
-                <a:tab pos="1795463" algn="l"/>
-                <a:tab pos="2244725" algn="l"/>
-                <a:tab pos="2693988" algn="l"/>
-                <a:tab pos="3143250" algn="l"/>
-                <a:tab pos="3592513" algn="l"/>
-                <a:tab pos="4041775" algn="l"/>
-                <a:tab pos="4491038" algn="l"/>
-                <a:tab pos="4940300" algn="l"/>
-                <a:tab pos="5389563" algn="l"/>
-                <a:tab pos="5838825" algn="l"/>
-                <a:tab pos="6288088" algn="l"/>
-                <a:tab pos="6737350" algn="l"/>
-                <a:tab pos="7186613" algn="l"/>
-                <a:tab pos="7635875" algn="l"/>
-                <a:tab pos="8085138" algn="l"/>
-                <a:tab pos="8534400" algn="l"/>
-                <a:tab pos="8983663" algn="l"/>
-              </a:tabLst>
-              <a:defRPr>
-                <a:solidFill>
-                  <a:schemeClr val="bg1"/>
-                </a:solidFill>
-                <a:latin typeface="Arial" panose="020B0604020202020204" pitchFamily="34" charset="0"/>
-                <a:ea typeface="ＭＳ Ｐゴシック" panose="020B0600070205080204" pitchFamily="50" charset="-128"/>
-              </a:defRPr>
-            </a:lvl9pPr>
-          </a:lstStyle>
-          <a:p>
-            <a:pPr algn="r" eaLnBrk="1">
-              <a:lnSpc>
-                <a:spcPct val="95000"/>
-              </a:lnSpc>
-              <a:buSzPct val="100000"/>
-            </a:pPr>
-            <a:fld id="{5991318D-A338-49B1-A55D-29D3C8AB9047}" type="slidenum">
-              <a:rPr lang="en-US" altLang="ja-JP" sz="1300">
-                <a:solidFill>
-                  <a:srgbClr val="000000"/>
-                </a:solidFill>
-                <a:latin typeface="Times New Roman" panose="02020603050405020304" pitchFamily="18" charset="0"/>
-                <a:ea typeface="ＭＳ Ｐ明朝" panose="02020600040205080304" pitchFamily="18" charset="-128"/>
-              </a:rPr>
-              <a:pPr algn="r" eaLnBrk="1">
-                <a:lnSpc>
-                  <a:spcPct val="95000"/>
-                </a:lnSpc>
-                <a:buSzPct val="100000"/>
-              </a:pPr>
-              <a:t>33</a:t>
             </a:fld>
             <a:endParaRPr lang="en-US" altLang="ja-JP" sz="1300">
               <a:solidFill>
@@ -9663,7 +9508,7 @@
 </p:notes>
 </file>
 
-<file path=ppt/notesSlides/notesSlide15.xml><?xml version="1.0" encoding="utf-8"?>
+<file path=ppt/notesSlides/notesSlide2.xml><?xml version="1.0" encoding="utf-8"?>
 <p:notes xmlns:a="http://schemas.openxmlformats.org/drawingml/2006/main" xmlns:r="http://schemas.openxmlformats.org/officeDocument/2006/relationships" xmlns:p="http://schemas.openxmlformats.org/presentationml/2006/main">
   <p:cSld>
     <p:bg>
@@ -9690,10 +9535,10 @@
       </p:grpSpPr>
       <p:sp>
         <p:nvSpPr>
-          <p:cNvPr id="21506" name="Rectangle 7">
+          <p:cNvPr id="6146" name="Rectangle 7">
             <a:extLst>
               <a:ext uri="{FF2B5EF4-FFF2-40B4-BE49-F238E27FC236}">
-                <a16:creationId xmlns="" xmlns:a16="http://schemas.microsoft.com/office/drawing/2014/main" id="{7136D086-C290-4FB0-A16E-13EFD4A9352E}"/>
+                <a16:creationId xmlns:a16="http://schemas.microsoft.com/office/drawing/2014/main" xmlns="" id="{1DDFB747-13F5-4468-A40E-7B4727A4C9F1}"/>
               </a:ext>
             </a:extLst>
           </p:cNvPr>
@@ -10044,7 +9889,7 @@
             </a:lvl9pPr>
           </a:lstStyle>
           <a:p>
-            <a:fld id="{851DB906-1500-43F7-B60F-5F8DC50AB3CF}" type="slidenum">
+            <a:fld id="{14DA6A17-B3F9-43C6-BDDD-8332AE8C87B3}" type="slidenum">
               <a:rPr lang="en-US" altLang="ja-JP" smtClean="0">
                 <a:solidFill>
                   <a:srgbClr val="000000"/>
@@ -10053,7 +9898,7 @@
                 <a:ea typeface="ＭＳ Ｐ明朝" panose="02020600040205080304" pitchFamily="18" charset="-128"/>
               </a:rPr>
               <a:pPr/>
-              <a:t>34</a:t>
+              <a:t>2</a:t>
             </a:fld>
             <a:endParaRPr lang="en-US" altLang="ja-JP">
               <a:solidFill>
@@ -10067,10 +9912,10 @@
       </p:sp>
       <p:sp>
         <p:nvSpPr>
-          <p:cNvPr id="21507" name="Text Box 1">
+          <p:cNvPr id="6147" name="Text Box 1">
             <a:extLst>
               <a:ext uri="{FF2B5EF4-FFF2-40B4-BE49-F238E27FC236}">
-                <a16:creationId xmlns="" xmlns:a16="http://schemas.microsoft.com/office/drawing/2014/main" id="{1536FC5C-F72A-4495-A698-B1D269041D4C}"/>
+                <a16:creationId xmlns:a16="http://schemas.microsoft.com/office/drawing/2014/main" xmlns="" id="{4BD13AC9-3BE9-46DB-BAC2-7757716DE1AC}"/>
               </a:ext>
             </a:extLst>
           </p:cNvPr>
@@ -10434,903 +10279,6 @@
               </a:lnSpc>
               <a:buSzPct val="100000"/>
             </a:pPr>
-            <a:fld id="{FE8EE94A-44E2-411E-A90C-EB2663A4036D}" type="slidenum">
-              <a:rPr lang="en-US" altLang="ja-JP" sz="1300">
-                <a:solidFill>
-                  <a:srgbClr val="000000"/>
-                </a:solidFill>
-                <a:latin typeface="Times New Roman" panose="02020603050405020304" pitchFamily="18" charset="0"/>
-                <a:ea typeface="ＭＳ Ｐ明朝" panose="02020600040205080304" pitchFamily="18" charset="-128"/>
-              </a:rPr>
-              <a:pPr algn="r" eaLnBrk="1">
-                <a:lnSpc>
-                  <a:spcPct val="95000"/>
-                </a:lnSpc>
-                <a:buSzPct val="100000"/>
-              </a:pPr>
-              <a:t>34</a:t>
-            </a:fld>
-            <a:endParaRPr lang="en-US" altLang="ja-JP" sz="1300">
-              <a:solidFill>
-                <a:srgbClr val="000000"/>
-              </a:solidFill>
-              <a:latin typeface="Times New Roman" panose="02020603050405020304" pitchFamily="18" charset="0"/>
-              <a:ea typeface="ＭＳ Ｐ明朝" panose="02020600040205080304" pitchFamily="18" charset="-128"/>
-            </a:endParaRPr>
-          </a:p>
-        </p:txBody>
-      </p:sp>
-      <p:sp>
-        <p:nvSpPr>
-          <p:cNvPr id="21508" name="Rectangle 2">
-            <a:extLst>
-              <a:ext uri="{FF2B5EF4-FFF2-40B4-BE49-F238E27FC236}">
-                <a16:creationId xmlns="" xmlns:a16="http://schemas.microsoft.com/office/drawing/2014/main" id="{4F16C1FF-8F22-4B4B-B700-D4F327AF2100}"/>
-              </a:ext>
-            </a:extLst>
-          </p:cNvPr>
-          <p:cNvSpPr>
-            <a:spLocks noGrp="1" noRot="1" noChangeAspect="1" noChangeArrowheads="1" noTextEdit="1"/>
-          </p:cNvSpPr>
-          <p:nvPr>
-            <p:ph type="sldImg"/>
-          </p:nvPr>
-        </p:nvSpPr>
-        <p:spPr>
-          <a:xfrm>
-            <a:off x="917575" y="755650"/>
-            <a:ext cx="4962525" cy="3722688"/>
-          </a:xfrm>
-          <a:solidFill>
-            <a:srgbClr val="FFFFFF"/>
-          </a:solidFill>
-          <a:ln>
-            <a:solidFill>
-              <a:srgbClr val="000000"/>
-            </a:solidFill>
-            <a:miter lim="800000"/>
-            <a:headEnd/>
-            <a:tailEnd/>
-          </a:ln>
-        </p:spPr>
-      </p:sp>
-      <p:sp>
-        <p:nvSpPr>
-          <p:cNvPr id="21509" name="Rectangle 3">
-            <a:extLst>
-              <a:ext uri="{FF2B5EF4-FFF2-40B4-BE49-F238E27FC236}">
-                <a16:creationId xmlns="" xmlns:a16="http://schemas.microsoft.com/office/drawing/2014/main" id="{47305A03-22F7-4775-AD46-D48F9C814426}"/>
-              </a:ext>
-            </a:extLst>
-          </p:cNvPr>
-          <p:cNvSpPr>
-            <a:spLocks noGrp="1" noChangeArrowheads="1"/>
-          </p:cNvSpPr>
-          <p:nvPr>
-            <p:ph type="body" idx="1"/>
-          </p:nvPr>
-        </p:nvSpPr>
-        <p:spPr>
-          <a:xfrm>
-            <a:off x="679450" y="4716463"/>
-            <a:ext cx="5440363" cy="4384675"/>
-          </a:xfrm>
-          <a:noFill/>
-          <a:ln/>
-          <a:extLst>
-            <a:ext uri="{909E8E84-426E-40DD-AFC4-6F175D3DCCD1}">
-              <a14:hiddenFill xmlns:a14="http://schemas.microsoft.com/office/drawing/2010/main">
-                <a:solidFill>
-                  <a:srgbClr val="FFFFFF"/>
-                </a:solidFill>
-              </a14:hiddenFill>
-            </a:ext>
-            <a:ext uri="{91240B29-F687-4F45-9708-019B960494DF}">
-              <a14:hiddenLine xmlns:a14="http://schemas.microsoft.com/office/drawing/2010/main" w="9525">
-                <a:solidFill>
-                  <a:srgbClr val="000000"/>
-                </a:solidFill>
-                <a:miter lim="800000"/>
-                <a:headEnd/>
-                <a:tailEnd/>
-              </a14:hiddenLine>
-            </a:ext>
-          </a:extLst>
-        </p:spPr>
-        <p:txBody>
-          <a:bodyPr wrap="none" anchor="ctr"/>
-          <a:lstStyle/>
-          <a:p>
-            <a:endParaRPr lang="ja-JP" altLang="ja-JP">
-              <a:latin typeface="Times New Roman" panose="02020603050405020304" pitchFamily="18" charset="0"/>
-            </a:endParaRPr>
-          </a:p>
-        </p:txBody>
-      </p:sp>
-    </p:spTree>
-    <p:extLst>
-      <p:ext uri="{BB962C8B-B14F-4D97-AF65-F5344CB8AC3E}">
-        <p14:creationId xmlns:p14="http://schemas.microsoft.com/office/powerpoint/2010/main" val="1983129281"/>
-      </p:ext>
-    </p:extLst>
-  </p:cSld>
-  <p:clrMapOvr>
-    <a:masterClrMapping/>
-  </p:clrMapOvr>
-</p:notes>
-</file>
-
-<file path=ppt/notesSlides/notesSlide2.xml><?xml version="1.0" encoding="utf-8"?>
-<p:notes xmlns:a="http://schemas.openxmlformats.org/drawingml/2006/main" xmlns:r="http://schemas.openxmlformats.org/officeDocument/2006/relationships" xmlns:p="http://schemas.openxmlformats.org/presentationml/2006/main">
-  <p:cSld>
-    <p:bg>
-      <p:bgPr>
-        <a:solidFill>
-          <a:srgbClr val="FFFFFF"/>
-        </a:solidFill>
-        <a:effectLst/>
-      </p:bgPr>
-    </p:bg>
-    <p:spTree>
-      <p:nvGrpSpPr>
-        <p:cNvPr id="1" name=""/>
-        <p:cNvGrpSpPr/>
-        <p:nvPr/>
-      </p:nvGrpSpPr>
-      <p:grpSpPr>
-        <a:xfrm>
-          <a:off x="0" y="0"/>
-          <a:ext cx="0" cy="0"/>
-          <a:chOff x="0" y="0"/>
-          <a:chExt cx="0" cy="0"/>
-        </a:xfrm>
-      </p:grpSpPr>
-      <p:sp>
-        <p:nvSpPr>
-          <p:cNvPr id="6146" name="Rectangle 7">
-            <a:extLst>
-              <a:ext uri="{FF2B5EF4-FFF2-40B4-BE49-F238E27FC236}">
-                <a16:creationId xmlns="" xmlns:a16="http://schemas.microsoft.com/office/drawing/2014/main" id="{1DDFB747-13F5-4468-A40E-7B4727A4C9F1}"/>
-              </a:ext>
-            </a:extLst>
-          </p:cNvPr>
-          <p:cNvSpPr>
-            <a:spLocks noGrp="1" noChangeArrowheads="1"/>
-          </p:cNvSpPr>
-          <p:nvPr>
-            <p:ph type="sldNum" sz="quarter"/>
-          </p:nvPr>
-        </p:nvSpPr>
-        <p:spPr>
-          <a:noFill/>
-          <a:ln/>
-          <a:extLst>
-            <a:ext uri="{909E8E84-426E-40DD-AFC4-6F175D3DCCD1}">
-              <a14:hiddenFill xmlns:a14="http://schemas.microsoft.com/office/drawing/2010/main">
-                <a:solidFill>
-                  <a:srgbClr val="FFFFFF"/>
-                </a:solidFill>
-              </a14:hiddenFill>
-            </a:ext>
-            <a:ext uri="{91240B29-F687-4F45-9708-019B960494DF}">
-              <a14:hiddenLine xmlns:a14="http://schemas.microsoft.com/office/drawing/2010/main" w="9525">
-                <a:solidFill>
-                  <a:srgbClr val="000000"/>
-                </a:solidFill>
-                <a:round/>
-                <a:headEnd/>
-                <a:tailEnd/>
-              </a14:hiddenLine>
-            </a:ext>
-          </a:extLst>
-        </p:spPr>
-        <p:txBody>
-          <a:bodyPr/>
-          <a:lstStyle>
-            <a:lvl1pPr>
-              <a:tabLst>
-                <a:tab pos="0" algn="l"/>
-                <a:tab pos="409575" algn="l"/>
-                <a:tab pos="820738" algn="l"/>
-                <a:tab pos="1233488" algn="l"/>
-                <a:tab pos="1644650" algn="l"/>
-                <a:tab pos="2055813" algn="l"/>
-                <a:tab pos="2468563" algn="l"/>
-                <a:tab pos="2879725" algn="l"/>
-                <a:tab pos="3292475" algn="l"/>
-                <a:tab pos="3703638" algn="l"/>
-                <a:tab pos="4114800" algn="l"/>
-                <a:tab pos="4527550" algn="l"/>
-                <a:tab pos="4938713" algn="l"/>
-                <a:tab pos="5349875" algn="l"/>
-                <a:tab pos="5762625" algn="l"/>
-                <a:tab pos="6173788" algn="l"/>
-                <a:tab pos="6584950" algn="l"/>
-                <a:tab pos="6997700" algn="l"/>
-                <a:tab pos="7408863" algn="l"/>
-                <a:tab pos="7821613" algn="l"/>
-                <a:tab pos="8232775" algn="l"/>
-              </a:tabLst>
-              <a:defRPr>
-                <a:solidFill>
-                  <a:schemeClr val="bg1"/>
-                </a:solidFill>
-                <a:latin typeface="Arial" panose="020B0604020202020204" pitchFamily="34" charset="0"/>
-                <a:ea typeface="ＭＳ Ｐゴシック" panose="020B0600070205080204" pitchFamily="50" charset="-128"/>
-              </a:defRPr>
-            </a:lvl1pPr>
-            <a:lvl2pPr>
-              <a:tabLst>
-                <a:tab pos="0" algn="l"/>
-                <a:tab pos="409575" algn="l"/>
-                <a:tab pos="820738" algn="l"/>
-                <a:tab pos="1233488" algn="l"/>
-                <a:tab pos="1644650" algn="l"/>
-                <a:tab pos="2055813" algn="l"/>
-                <a:tab pos="2468563" algn="l"/>
-                <a:tab pos="2879725" algn="l"/>
-                <a:tab pos="3292475" algn="l"/>
-                <a:tab pos="3703638" algn="l"/>
-                <a:tab pos="4114800" algn="l"/>
-                <a:tab pos="4527550" algn="l"/>
-                <a:tab pos="4938713" algn="l"/>
-                <a:tab pos="5349875" algn="l"/>
-                <a:tab pos="5762625" algn="l"/>
-                <a:tab pos="6173788" algn="l"/>
-                <a:tab pos="6584950" algn="l"/>
-                <a:tab pos="6997700" algn="l"/>
-                <a:tab pos="7408863" algn="l"/>
-                <a:tab pos="7821613" algn="l"/>
-                <a:tab pos="8232775" algn="l"/>
-              </a:tabLst>
-              <a:defRPr>
-                <a:solidFill>
-                  <a:schemeClr val="bg1"/>
-                </a:solidFill>
-                <a:latin typeface="Arial" panose="020B0604020202020204" pitchFamily="34" charset="0"/>
-                <a:ea typeface="ＭＳ Ｐゴシック" panose="020B0600070205080204" pitchFamily="50" charset="-128"/>
-              </a:defRPr>
-            </a:lvl2pPr>
-            <a:lvl3pPr>
-              <a:tabLst>
-                <a:tab pos="0" algn="l"/>
-                <a:tab pos="409575" algn="l"/>
-                <a:tab pos="820738" algn="l"/>
-                <a:tab pos="1233488" algn="l"/>
-                <a:tab pos="1644650" algn="l"/>
-                <a:tab pos="2055813" algn="l"/>
-                <a:tab pos="2468563" algn="l"/>
-                <a:tab pos="2879725" algn="l"/>
-                <a:tab pos="3292475" algn="l"/>
-                <a:tab pos="3703638" algn="l"/>
-                <a:tab pos="4114800" algn="l"/>
-                <a:tab pos="4527550" algn="l"/>
-                <a:tab pos="4938713" algn="l"/>
-                <a:tab pos="5349875" algn="l"/>
-                <a:tab pos="5762625" algn="l"/>
-                <a:tab pos="6173788" algn="l"/>
-                <a:tab pos="6584950" algn="l"/>
-                <a:tab pos="6997700" algn="l"/>
-                <a:tab pos="7408863" algn="l"/>
-                <a:tab pos="7821613" algn="l"/>
-                <a:tab pos="8232775" algn="l"/>
-              </a:tabLst>
-              <a:defRPr>
-                <a:solidFill>
-                  <a:schemeClr val="bg1"/>
-                </a:solidFill>
-                <a:latin typeface="Arial" panose="020B0604020202020204" pitchFamily="34" charset="0"/>
-                <a:ea typeface="ＭＳ Ｐゴシック" panose="020B0600070205080204" pitchFamily="50" charset="-128"/>
-              </a:defRPr>
-            </a:lvl3pPr>
-            <a:lvl4pPr>
-              <a:tabLst>
-                <a:tab pos="0" algn="l"/>
-                <a:tab pos="409575" algn="l"/>
-                <a:tab pos="820738" algn="l"/>
-                <a:tab pos="1233488" algn="l"/>
-                <a:tab pos="1644650" algn="l"/>
-                <a:tab pos="2055813" algn="l"/>
-                <a:tab pos="2468563" algn="l"/>
-                <a:tab pos="2879725" algn="l"/>
-                <a:tab pos="3292475" algn="l"/>
-                <a:tab pos="3703638" algn="l"/>
-                <a:tab pos="4114800" algn="l"/>
-                <a:tab pos="4527550" algn="l"/>
-                <a:tab pos="4938713" algn="l"/>
-                <a:tab pos="5349875" algn="l"/>
-                <a:tab pos="5762625" algn="l"/>
-                <a:tab pos="6173788" algn="l"/>
-                <a:tab pos="6584950" algn="l"/>
-                <a:tab pos="6997700" algn="l"/>
-                <a:tab pos="7408863" algn="l"/>
-                <a:tab pos="7821613" algn="l"/>
-                <a:tab pos="8232775" algn="l"/>
-              </a:tabLst>
-              <a:defRPr>
-                <a:solidFill>
-                  <a:schemeClr val="bg1"/>
-                </a:solidFill>
-                <a:latin typeface="Arial" panose="020B0604020202020204" pitchFamily="34" charset="0"/>
-                <a:ea typeface="ＭＳ Ｐゴシック" panose="020B0600070205080204" pitchFamily="50" charset="-128"/>
-              </a:defRPr>
-            </a:lvl4pPr>
-            <a:lvl5pPr>
-              <a:tabLst>
-                <a:tab pos="0" algn="l"/>
-                <a:tab pos="409575" algn="l"/>
-                <a:tab pos="820738" algn="l"/>
-                <a:tab pos="1233488" algn="l"/>
-                <a:tab pos="1644650" algn="l"/>
-                <a:tab pos="2055813" algn="l"/>
-                <a:tab pos="2468563" algn="l"/>
-                <a:tab pos="2879725" algn="l"/>
-                <a:tab pos="3292475" algn="l"/>
-                <a:tab pos="3703638" algn="l"/>
-                <a:tab pos="4114800" algn="l"/>
-                <a:tab pos="4527550" algn="l"/>
-                <a:tab pos="4938713" algn="l"/>
-                <a:tab pos="5349875" algn="l"/>
-                <a:tab pos="5762625" algn="l"/>
-                <a:tab pos="6173788" algn="l"/>
-                <a:tab pos="6584950" algn="l"/>
-                <a:tab pos="6997700" algn="l"/>
-                <a:tab pos="7408863" algn="l"/>
-                <a:tab pos="7821613" algn="l"/>
-                <a:tab pos="8232775" algn="l"/>
-              </a:tabLst>
-              <a:defRPr>
-                <a:solidFill>
-                  <a:schemeClr val="bg1"/>
-                </a:solidFill>
-                <a:latin typeface="Arial" panose="020B0604020202020204" pitchFamily="34" charset="0"/>
-                <a:ea typeface="ＭＳ Ｐゴシック" panose="020B0600070205080204" pitchFamily="50" charset="-128"/>
-              </a:defRPr>
-            </a:lvl5pPr>
-            <a:lvl6pPr marL="2514600" indent="-228600" defTabSz="449263" eaLnBrk="0" fontAlgn="base" hangingPunct="0">
-              <a:spcBef>
-                <a:spcPct val="0"/>
-              </a:spcBef>
-              <a:spcAft>
-                <a:spcPct val="0"/>
-              </a:spcAft>
-              <a:tabLst>
-                <a:tab pos="0" algn="l"/>
-                <a:tab pos="409575" algn="l"/>
-                <a:tab pos="820738" algn="l"/>
-                <a:tab pos="1233488" algn="l"/>
-                <a:tab pos="1644650" algn="l"/>
-                <a:tab pos="2055813" algn="l"/>
-                <a:tab pos="2468563" algn="l"/>
-                <a:tab pos="2879725" algn="l"/>
-                <a:tab pos="3292475" algn="l"/>
-                <a:tab pos="3703638" algn="l"/>
-                <a:tab pos="4114800" algn="l"/>
-                <a:tab pos="4527550" algn="l"/>
-                <a:tab pos="4938713" algn="l"/>
-                <a:tab pos="5349875" algn="l"/>
-                <a:tab pos="5762625" algn="l"/>
-                <a:tab pos="6173788" algn="l"/>
-                <a:tab pos="6584950" algn="l"/>
-                <a:tab pos="6997700" algn="l"/>
-                <a:tab pos="7408863" algn="l"/>
-                <a:tab pos="7821613" algn="l"/>
-                <a:tab pos="8232775" algn="l"/>
-              </a:tabLst>
-              <a:defRPr>
-                <a:solidFill>
-                  <a:schemeClr val="bg1"/>
-                </a:solidFill>
-                <a:latin typeface="Arial" panose="020B0604020202020204" pitchFamily="34" charset="0"/>
-                <a:ea typeface="ＭＳ Ｐゴシック" panose="020B0600070205080204" pitchFamily="50" charset="-128"/>
-              </a:defRPr>
-            </a:lvl6pPr>
-            <a:lvl7pPr marL="2971800" indent="-228600" defTabSz="449263" eaLnBrk="0" fontAlgn="base" hangingPunct="0">
-              <a:spcBef>
-                <a:spcPct val="0"/>
-              </a:spcBef>
-              <a:spcAft>
-                <a:spcPct val="0"/>
-              </a:spcAft>
-              <a:tabLst>
-                <a:tab pos="0" algn="l"/>
-                <a:tab pos="409575" algn="l"/>
-                <a:tab pos="820738" algn="l"/>
-                <a:tab pos="1233488" algn="l"/>
-                <a:tab pos="1644650" algn="l"/>
-                <a:tab pos="2055813" algn="l"/>
-                <a:tab pos="2468563" algn="l"/>
-                <a:tab pos="2879725" algn="l"/>
-                <a:tab pos="3292475" algn="l"/>
-                <a:tab pos="3703638" algn="l"/>
-                <a:tab pos="4114800" algn="l"/>
-                <a:tab pos="4527550" algn="l"/>
-                <a:tab pos="4938713" algn="l"/>
-                <a:tab pos="5349875" algn="l"/>
-                <a:tab pos="5762625" algn="l"/>
-                <a:tab pos="6173788" algn="l"/>
-                <a:tab pos="6584950" algn="l"/>
-                <a:tab pos="6997700" algn="l"/>
-                <a:tab pos="7408863" algn="l"/>
-                <a:tab pos="7821613" algn="l"/>
-                <a:tab pos="8232775" algn="l"/>
-              </a:tabLst>
-              <a:defRPr>
-                <a:solidFill>
-                  <a:schemeClr val="bg1"/>
-                </a:solidFill>
-                <a:latin typeface="Arial" panose="020B0604020202020204" pitchFamily="34" charset="0"/>
-                <a:ea typeface="ＭＳ Ｐゴシック" panose="020B0600070205080204" pitchFamily="50" charset="-128"/>
-              </a:defRPr>
-            </a:lvl7pPr>
-            <a:lvl8pPr marL="3429000" indent="-228600" defTabSz="449263" eaLnBrk="0" fontAlgn="base" hangingPunct="0">
-              <a:spcBef>
-                <a:spcPct val="0"/>
-              </a:spcBef>
-              <a:spcAft>
-                <a:spcPct val="0"/>
-              </a:spcAft>
-              <a:tabLst>
-                <a:tab pos="0" algn="l"/>
-                <a:tab pos="409575" algn="l"/>
-                <a:tab pos="820738" algn="l"/>
-                <a:tab pos="1233488" algn="l"/>
-                <a:tab pos="1644650" algn="l"/>
-                <a:tab pos="2055813" algn="l"/>
-                <a:tab pos="2468563" algn="l"/>
-                <a:tab pos="2879725" algn="l"/>
-                <a:tab pos="3292475" algn="l"/>
-                <a:tab pos="3703638" algn="l"/>
-                <a:tab pos="4114800" algn="l"/>
-                <a:tab pos="4527550" algn="l"/>
-                <a:tab pos="4938713" algn="l"/>
-                <a:tab pos="5349875" algn="l"/>
-                <a:tab pos="5762625" algn="l"/>
-                <a:tab pos="6173788" algn="l"/>
-                <a:tab pos="6584950" algn="l"/>
-                <a:tab pos="6997700" algn="l"/>
-                <a:tab pos="7408863" algn="l"/>
-                <a:tab pos="7821613" algn="l"/>
-                <a:tab pos="8232775" algn="l"/>
-              </a:tabLst>
-              <a:defRPr>
-                <a:solidFill>
-                  <a:schemeClr val="bg1"/>
-                </a:solidFill>
-                <a:latin typeface="Arial" panose="020B0604020202020204" pitchFamily="34" charset="0"/>
-                <a:ea typeface="ＭＳ Ｐゴシック" panose="020B0600070205080204" pitchFamily="50" charset="-128"/>
-              </a:defRPr>
-            </a:lvl8pPr>
-            <a:lvl9pPr marL="3886200" indent="-228600" defTabSz="449263" eaLnBrk="0" fontAlgn="base" hangingPunct="0">
-              <a:spcBef>
-                <a:spcPct val="0"/>
-              </a:spcBef>
-              <a:spcAft>
-                <a:spcPct val="0"/>
-              </a:spcAft>
-              <a:tabLst>
-                <a:tab pos="0" algn="l"/>
-                <a:tab pos="409575" algn="l"/>
-                <a:tab pos="820738" algn="l"/>
-                <a:tab pos="1233488" algn="l"/>
-                <a:tab pos="1644650" algn="l"/>
-                <a:tab pos="2055813" algn="l"/>
-                <a:tab pos="2468563" algn="l"/>
-                <a:tab pos="2879725" algn="l"/>
-                <a:tab pos="3292475" algn="l"/>
-                <a:tab pos="3703638" algn="l"/>
-                <a:tab pos="4114800" algn="l"/>
-                <a:tab pos="4527550" algn="l"/>
-                <a:tab pos="4938713" algn="l"/>
-                <a:tab pos="5349875" algn="l"/>
-                <a:tab pos="5762625" algn="l"/>
-                <a:tab pos="6173788" algn="l"/>
-                <a:tab pos="6584950" algn="l"/>
-                <a:tab pos="6997700" algn="l"/>
-                <a:tab pos="7408863" algn="l"/>
-                <a:tab pos="7821613" algn="l"/>
-                <a:tab pos="8232775" algn="l"/>
-              </a:tabLst>
-              <a:defRPr>
-                <a:solidFill>
-                  <a:schemeClr val="bg1"/>
-                </a:solidFill>
-                <a:latin typeface="Arial" panose="020B0604020202020204" pitchFamily="34" charset="0"/>
-                <a:ea typeface="ＭＳ Ｐゴシック" panose="020B0600070205080204" pitchFamily="50" charset="-128"/>
-              </a:defRPr>
-            </a:lvl9pPr>
-          </a:lstStyle>
-          <a:p>
-            <a:fld id="{14DA6A17-B3F9-43C6-BDDD-8332AE8C87B3}" type="slidenum">
-              <a:rPr lang="en-US" altLang="ja-JP" smtClean="0">
-                <a:solidFill>
-                  <a:srgbClr val="000000"/>
-                </a:solidFill>
-                <a:latin typeface="Times New Roman" panose="02020603050405020304" pitchFamily="18" charset="0"/>
-                <a:ea typeface="ＭＳ Ｐ明朝" panose="02020600040205080304" pitchFamily="18" charset="-128"/>
-              </a:rPr>
-              <a:pPr/>
-              <a:t>2</a:t>
-            </a:fld>
-            <a:endParaRPr lang="en-US" altLang="ja-JP">
-              <a:solidFill>
-                <a:srgbClr val="000000"/>
-              </a:solidFill>
-              <a:latin typeface="Times New Roman" panose="02020603050405020304" pitchFamily="18" charset="0"/>
-              <a:ea typeface="ＭＳ Ｐ明朝" panose="02020600040205080304" pitchFamily="18" charset="-128"/>
-            </a:endParaRPr>
-          </a:p>
-        </p:txBody>
-      </p:sp>
-      <p:sp>
-        <p:nvSpPr>
-          <p:cNvPr id="6147" name="Text Box 1">
-            <a:extLst>
-              <a:ext uri="{FF2B5EF4-FFF2-40B4-BE49-F238E27FC236}">
-                <a16:creationId xmlns="" xmlns:a16="http://schemas.microsoft.com/office/drawing/2014/main" id="{4BD13AC9-3BE9-46DB-BAC2-7757716DE1AC}"/>
-              </a:ext>
-            </a:extLst>
-          </p:cNvPr>
-          <p:cNvSpPr txBox="1">
-            <a:spLocks noChangeArrowheads="1"/>
-          </p:cNvSpPr>
-          <p:nvPr/>
-        </p:nvSpPr>
-        <p:spPr bwMode="auto">
-          <a:xfrm>
-            <a:off x="3848100" y="9432925"/>
-            <a:ext cx="2949575" cy="495300"/>
-          </a:xfrm>
-          <a:prstGeom prst="rect">
-            <a:avLst/>
-          </a:prstGeom>
-          <a:noFill/>
-          <a:ln>
-            <a:noFill/>
-          </a:ln>
-          <a:extLst>
-            <a:ext uri="{909E8E84-426E-40DD-AFC4-6F175D3DCCD1}">
-              <a14:hiddenFill xmlns:a14="http://schemas.microsoft.com/office/drawing/2010/main">
-                <a:solidFill>
-                  <a:srgbClr val="FFFFFF"/>
-                </a:solidFill>
-              </a14:hiddenFill>
-            </a:ext>
-            <a:ext uri="{91240B29-F687-4F45-9708-019B960494DF}">
-              <a14:hiddenLine xmlns:a14="http://schemas.microsoft.com/office/drawing/2010/main" w="9525">
-                <a:solidFill>
-                  <a:srgbClr val="000000"/>
-                </a:solidFill>
-                <a:round/>
-                <a:headEnd/>
-                <a:tailEnd/>
-              </a14:hiddenLine>
-            </a:ext>
-          </a:extLst>
-        </p:spPr>
-        <p:txBody>
-          <a:bodyPr lIns="0" tIns="0" rIns="0" bIns="0" anchor="b"/>
-          <a:lstStyle>
-            <a:lvl1pPr>
-              <a:tabLst>
-                <a:tab pos="0" algn="l"/>
-                <a:tab pos="447675" algn="l"/>
-                <a:tab pos="896938" algn="l"/>
-                <a:tab pos="1346200" algn="l"/>
-                <a:tab pos="1795463" algn="l"/>
-                <a:tab pos="2244725" algn="l"/>
-                <a:tab pos="2693988" algn="l"/>
-                <a:tab pos="3143250" algn="l"/>
-                <a:tab pos="3592513" algn="l"/>
-                <a:tab pos="4041775" algn="l"/>
-                <a:tab pos="4491038" algn="l"/>
-                <a:tab pos="4940300" algn="l"/>
-                <a:tab pos="5389563" algn="l"/>
-                <a:tab pos="5838825" algn="l"/>
-                <a:tab pos="6288088" algn="l"/>
-                <a:tab pos="6737350" algn="l"/>
-                <a:tab pos="7186613" algn="l"/>
-                <a:tab pos="7635875" algn="l"/>
-                <a:tab pos="8085138" algn="l"/>
-                <a:tab pos="8534400" algn="l"/>
-                <a:tab pos="8983663" algn="l"/>
-              </a:tabLst>
-              <a:defRPr>
-                <a:solidFill>
-                  <a:schemeClr val="bg1"/>
-                </a:solidFill>
-                <a:latin typeface="Arial" panose="020B0604020202020204" pitchFamily="34" charset="0"/>
-                <a:ea typeface="ＭＳ Ｐゴシック" panose="020B0600070205080204" pitchFamily="50" charset="-128"/>
-              </a:defRPr>
-            </a:lvl1pPr>
-            <a:lvl2pPr>
-              <a:tabLst>
-                <a:tab pos="0" algn="l"/>
-                <a:tab pos="447675" algn="l"/>
-                <a:tab pos="896938" algn="l"/>
-                <a:tab pos="1346200" algn="l"/>
-                <a:tab pos="1795463" algn="l"/>
-                <a:tab pos="2244725" algn="l"/>
-                <a:tab pos="2693988" algn="l"/>
-                <a:tab pos="3143250" algn="l"/>
-                <a:tab pos="3592513" algn="l"/>
-                <a:tab pos="4041775" algn="l"/>
-                <a:tab pos="4491038" algn="l"/>
-                <a:tab pos="4940300" algn="l"/>
-                <a:tab pos="5389563" algn="l"/>
-                <a:tab pos="5838825" algn="l"/>
-                <a:tab pos="6288088" algn="l"/>
-                <a:tab pos="6737350" algn="l"/>
-                <a:tab pos="7186613" algn="l"/>
-                <a:tab pos="7635875" algn="l"/>
-                <a:tab pos="8085138" algn="l"/>
-                <a:tab pos="8534400" algn="l"/>
-                <a:tab pos="8983663" algn="l"/>
-              </a:tabLst>
-              <a:defRPr>
-                <a:solidFill>
-                  <a:schemeClr val="bg1"/>
-                </a:solidFill>
-                <a:latin typeface="Arial" panose="020B0604020202020204" pitchFamily="34" charset="0"/>
-                <a:ea typeface="ＭＳ Ｐゴシック" panose="020B0600070205080204" pitchFamily="50" charset="-128"/>
-              </a:defRPr>
-            </a:lvl2pPr>
-            <a:lvl3pPr>
-              <a:tabLst>
-                <a:tab pos="0" algn="l"/>
-                <a:tab pos="447675" algn="l"/>
-                <a:tab pos="896938" algn="l"/>
-                <a:tab pos="1346200" algn="l"/>
-                <a:tab pos="1795463" algn="l"/>
-                <a:tab pos="2244725" algn="l"/>
-                <a:tab pos="2693988" algn="l"/>
-                <a:tab pos="3143250" algn="l"/>
-                <a:tab pos="3592513" algn="l"/>
-                <a:tab pos="4041775" algn="l"/>
-                <a:tab pos="4491038" algn="l"/>
-                <a:tab pos="4940300" algn="l"/>
-                <a:tab pos="5389563" algn="l"/>
-                <a:tab pos="5838825" algn="l"/>
-                <a:tab pos="6288088" algn="l"/>
-                <a:tab pos="6737350" algn="l"/>
-                <a:tab pos="7186613" algn="l"/>
-                <a:tab pos="7635875" algn="l"/>
-                <a:tab pos="8085138" algn="l"/>
-                <a:tab pos="8534400" algn="l"/>
-                <a:tab pos="8983663" algn="l"/>
-              </a:tabLst>
-              <a:defRPr>
-                <a:solidFill>
-                  <a:schemeClr val="bg1"/>
-                </a:solidFill>
-                <a:latin typeface="Arial" panose="020B0604020202020204" pitchFamily="34" charset="0"/>
-                <a:ea typeface="ＭＳ Ｐゴシック" panose="020B0600070205080204" pitchFamily="50" charset="-128"/>
-              </a:defRPr>
-            </a:lvl3pPr>
-            <a:lvl4pPr>
-              <a:tabLst>
-                <a:tab pos="0" algn="l"/>
-                <a:tab pos="447675" algn="l"/>
-                <a:tab pos="896938" algn="l"/>
-                <a:tab pos="1346200" algn="l"/>
-                <a:tab pos="1795463" algn="l"/>
-                <a:tab pos="2244725" algn="l"/>
-                <a:tab pos="2693988" algn="l"/>
-                <a:tab pos="3143250" algn="l"/>
-                <a:tab pos="3592513" algn="l"/>
-                <a:tab pos="4041775" algn="l"/>
-                <a:tab pos="4491038" algn="l"/>
-                <a:tab pos="4940300" algn="l"/>
-                <a:tab pos="5389563" algn="l"/>
-                <a:tab pos="5838825" algn="l"/>
-                <a:tab pos="6288088" algn="l"/>
-                <a:tab pos="6737350" algn="l"/>
-                <a:tab pos="7186613" algn="l"/>
-                <a:tab pos="7635875" algn="l"/>
-                <a:tab pos="8085138" algn="l"/>
-                <a:tab pos="8534400" algn="l"/>
-                <a:tab pos="8983663" algn="l"/>
-              </a:tabLst>
-              <a:defRPr>
-                <a:solidFill>
-                  <a:schemeClr val="bg1"/>
-                </a:solidFill>
-                <a:latin typeface="Arial" panose="020B0604020202020204" pitchFamily="34" charset="0"/>
-                <a:ea typeface="ＭＳ Ｐゴシック" panose="020B0600070205080204" pitchFamily="50" charset="-128"/>
-              </a:defRPr>
-            </a:lvl4pPr>
-            <a:lvl5pPr>
-              <a:tabLst>
-                <a:tab pos="0" algn="l"/>
-                <a:tab pos="447675" algn="l"/>
-                <a:tab pos="896938" algn="l"/>
-                <a:tab pos="1346200" algn="l"/>
-                <a:tab pos="1795463" algn="l"/>
-                <a:tab pos="2244725" algn="l"/>
-                <a:tab pos="2693988" algn="l"/>
-                <a:tab pos="3143250" algn="l"/>
-                <a:tab pos="3592513" algn="l"/>
-                <a:tab pos="4041775" algn="l"/>
-                <a:tab pos="4491038" algn="l"/>
-                <a:tab pos="4940300" algn="l"/>
-                <a:tab pos="5389563" algn="l"/>
-                <a:tab pos="5838825" algn="l"/>
-                <a:tab pos="6288088" algn="l"/>
-                <a:tab pos="6737350" algn="l"/>
-                <a:tab pos="7186613" algn="l"/>
-                <a:tab pos="7635875" algn="l"/>
-                <a:tab pos="8085138" algn="l"/>
-                <a:tab pos="8534400" algn="l"/>
-                <a:tab pos="8983663" algn="l"/>
-              </a:tabLst>
-              <a:defRPr>
-                <a:solidFill>
-                  <a:schemeClr val="bg1"/>
-                </a:solidFill>
-                <a:latin typeface="Arial" panose="020B0604020202020204" pitchFamily="34" charset="0"/>
-                <a:ea typeface="ＭＳ Ｐゴシック" panose="020B0600070205080204" pitchFamily="50" charset="-128"/>
-              </a:defRPr>
-            </a:lvl5pPr>
-            <a:lvl6pPr marL="2514600" indent="-228600" defTabSz="449263" eaLnBrk="0" fontAlgn="base" hangingPunct="0">
-              <a:spcBef>
-                <a:spcPct val="0"/>
-              </a:spcBef>
-              <a:spcAft>
-                <a:spcPct val="0"/>
-              </a:spcAft>
-              <a:tabLst>
-                <a:tab pos="0" algn="l"/>
-                <a:tab pos="447675" algn="l"/>
-                <a:tab pos="896938" algn="l"/>
-                <a:tab pos="1346200" algn="l"/>
-                <a:tab pos="1795463" algn="l"/>
-                <a:tab pos="2244725" algn="l"/>
-                <a:tab pos="2693988" algn="l"/>
-                <a:tab pos="3143250" algn="l"/>
-                <a:tab pos="3592513" algn="l"/>
-                <a:tab pos="4041775" algn="l"/>
-                <a:tab pos="4491038" algn="l"/>
-                <a:tab pos="4940300" algn="l"/>
-                <a:tab pos="5389563" algn="l"/>
-                <a:tab pos="5838825" algn="l"/>
-                <a:tab pos="6288088" algn="l"/>
-                <a:tab pos="6737350" algn="l"/>
-                <a:tab pos="7186613" algn="l"/>
-                <a:tab pos="7635875" algn="l"/>
-                <a:tab pos="8085138" algn="l"/>
-                <a:tab pos="8534400" algn="l"/>
-                <a:tab pos="8983663" algn="l"/>
-              </a:tabLst>
-              <a:defRPr>
-                <a:solidFill>
-                  <a:schemeClr val="bg1"/>
-                </a:solidFill>
-                <a:latin typeface="Arial" panose="020B0604020202020204" pitchFamily="34" charset="0"/>
-                <a:ea typeface="ＭＳ Ｐゴシック" panose="020B0600070205080204" pitchFamily="50" charset="-128"/>
-              </a:defRPr>
-            </a:lvl6pPr>
-            <a:lvl7pPr marL="2971800" indent="-228600" defTabSz="449263" eaLnBrk="0" fontAlgn="base" hangingPunct="0">
-              <a:spcBef>
-                <a:spcPct val="0"/>
-              </a:spcBef>
-              <a:spcAft>
-                <a:spcPct val="0"/>
-              </a:spcAft>
-              <a:tabLst>
-                <a:tab pos="0" algn="l"/>
-                <a:tab pos="447675" algn="l"/>
-                <a:tab pos="896938" algn="l"/>
-                <a:tab pos="1346200" algn="l"/>
-                <a:tab pos="1795463" algn="l"/>
-                <a:tab pos="2244725" algn="l"/>
-                <a:tab pos="2693988" algn="l"/>
-                <a:tab pos="3143250" algn="l"/>
-                <a:tab pos="3592513" algn="l"/>
-                <a:tab pos="4041775" algn="l"/>
-                <a:tab pos="4491038" algn="l"/>
-                <a:tab pos="4940300" algn="l"/>
-                <a:tab pos="5389563" algn="l"/>
-                <a:tab pos="5838825" algn="l"/>
-                <a:tab pos="6288088" algn="l"/>
-                <a:tab pos="6737350" algn="l"/>
-                <a:tab pos="7186613" algn="l"/>
-                <a:tab pos="7635875" algn="l"/>
-                <a:tab pos="8085138" algn="l"/>
-                <a:tab pos="8534400" algn="l"/>
-                <a:tab pos="8983663" algn="l"/>
-              </a:tabLst>
-              <a:defRPr>
-                <a:solidFill>
-                  <a:schemeClr val="bg1"/>
-                </a:solidFill>
-                <a:latin typeface="Arial" panose="020B0604020202020204" pitchFamily="34" charset="0"/>
-                <a:ea typeface="ＭＳ Ｐゴシック" panose="020B0600070205080204" pitchFamily="50" charset="-128"/>
-              </a:defRPr>
-            </a:lvl7pPr>
-            <a:lvl8pPr marL="3429000" indent="-228600" defTabSz="449263" eaLnBrk="0" fontAlgn="base" hangingPunct="0">
-              <a:spcBef>
-                <a:spcPct val="0"/>
-              </a:spcBef>
-              <a:spcAft>
-                <a:spcPct val="0"/>
-              </a:spcAft>
-              <a:tabLst>
-                <a:tab pos="0" algn="l"/>
-                <a:tab pos="447675" algn="l"/>
-                <a:tab pos="896938" algn="l"/>
-                <a:tab pos="1346200" algn="l"/>
-                <a:tab pos="1795463" algn="l"/>
-                <a:tab pos="2244725" algn="l"/>
-                <a:tab pos="2693988" algn="l"/>
-                <a:tab pos="3143250" algn="l"/>
-                <a:tab pos="3592513" algn="l"/>
-                <a:tab pos="4041775" algn="l"/>
-                <a:tab pos="4491038" algn="l"/>
-                <a:tab pos="4940300" algn="l"/>
-                <a:tab pos="5389563" algn="l"/>
-                <a:tab pos="5838825" algn="l"/>
-                <a:tab pos="6288088" algn="l"/>
-                <a:tab pos="6737350" algn="l"/>
-                <a:tab pos="7186613" algn="l"/>
-                <a:tab pos="7635875" algn="l"/>
-                <a:tab pos="8085138" algn="l"/>
-                <a:tab pos="8534400" algn="l"/>
-                <a:tab pos="8983663" algn="l"/>
-              </a:tabLst>
-              <a:defRPr>
-                <a:solidFill>
-                  <a:schemeClr val="bg1"/>
-                </a:solidFill>
-                <a:latin typeface="Arial" panose="020B0604020202020204" pitchFamily="34" charset="0"/>
-                <a:ea typeface="ＭＳ Ｐゴシック" panose="020B0600070205080204" pitchFamily="50" charset="-128"/>
-              </a:defRPr>
-            </a:lvl8pPr>
-            <a:lvl9pPr marL="3886200" indent="-228600" defTabSz="449263" eaLnBrk="0" fontAlgn="base" hangingPunct="0">
-              <a:spcBef>
-                <a:spcPct val="0"/>
-              </a:spcBef>
-              <a:spcAft>
-                <a:spcPct val="0"/>
-              </a:spcAft>
-              <a:tabLst>
-                <a:tab pos="0" algn="l"/>
-                <a:tab pos="447675" algn="l"/>
-                <a:tab pos="896938" algn="l"/>
-                <a:tab pos="1346200" algn="l"/>
-                <a:tab pos="1795463" algn="l"/>
-                <a:tab pos="2244725" algn="l"/>
-                <a:tab pos="2693988" algn="l"/>
-                <a:tab pos="3143250" algn="l"/>
-                <a:tab pos="3592513" algn="l"/>
-                <a:tab pos="4041775" algn="l"/>
-                <a:tab pos="4491038" algn="l"/>
-                <a:tab pos="4940300" algn="l"/>
-                <a:tab pos="5389563" algn="l"/>
-                <a:tab pos="5838825" algn="l"/>
-                <a:tab pos="6288088" algn="l"/>
-                <a:tab pos="6737350" algn="l"/>
-                <a:tab pos="7186613" algn="l"/>
-                <a:tab pos="7635875" algn="l"/>
-                <a:tab pos="8085138" algn="l"/>
-                <a:tab pos="8534400" algn="l"/>
-                <a:tab pos="8983663" algn="l"/>
-              </a:tabLst>
-              <a:defRPr>
-                <a:solidFill>
-                  <a:schemeClr val="bg1"/>
-                </a:solidFill>
-                <a:latin typeface="Arial" panose="020B0604020202020204" pitchFamily="34" charset="0"/>
-                <a:ea typeface="ＭＳ Ｐゴシック" panose="020B0600070205080204" pitchFamily="50" charset="-128"/>
-              </a:defRPr>
-            </a:lvl9pPr>
-          </a:lstStyle>
-          <a:p>
-            <a:pPr algn="r" eaLnBrk="1">
-              <a:lnSpc>
-                <a:spcPct val="95000"/>
-              </a:lnSpc>
-              <a:buSzPct val="100000"/>
-            </a:pPr>
             <a:fld id="{49D41F68-F813-4297-A1EC-6172E65DF11B}" type="slidenum">
               <a:rPr lang="en-US" altLang="ja-JP" sz="1300">
                 <a:solidFill>
@@ -11362,7 +10310,7 @@
           <p:cNvPr id="6148" name="Rectangle 2">
             <a:extLst>
               <a:ext uri="{FF2B5EF4-FFF2-40B4-BE49-F238E27FC236}">
-                <a16:creationId xmlns="" xmlns:a16="http://schemas.microsoft.com/office/drawing/2014/main" id="{6F20A8AD-F85E-4AC0-B449-7BB1405EE0C0}"/>
+                <a16:creationId xmlns:a16="http://schemas.microsoft.com/office/drawing/2014/main" xmlns="" id="{6F20A8AD-F85E-4AC0-B449-7BB1405EE0C0}"/>
               </a:ext>
             </a:extLst>
           </p:cNvPr>
@@ -11396,7 +10344,7 @@
           <p:cNvPr id="6149" name="Rectangle 3">
             <a:extLst>
               <a:ext uri="{FF2B5EF4-FFF2-40B4-BE49-F238E27FC236}">
-                <a16:creationId xmlns="" xmlns:a16="http://schemas.microsoft.com/office/drawing/2014/main" id="{05F5C49D-B32D-49AB-98A7-EDF91AC812FD}"/>
+                <a16:creationId xmlns:a16="http://schemas.microsoft.com/office/drawing/2014/main" xmlns="" id="{05F5C49D-B32D-49AB-98A7-EDF91AC812FD}"/>
               </a:ext>
             </a:extLst>
           </p:cNvPr>
@@ -11487,7 +10435,7 @@
           <p:cNvPr id="8194" name="Rectangle 7">
             <a:extLst>
               <a:ext uri="{FF2B5EF4-FFF2-40B4-BE49-F238E27FC236}">
-                <a16:creationId xmlns="" xmlns:a16="http://schemas.microsoft.com/office/drawing/2014/main" id="{DCAABFE2-DF32-4988-AEBC-7D4E858359FA}"/>
+                <a16:creationId xmlns:a16="http://schemas.microsoft.com/office/drawing/2014/main" xmlns="" id="{DCAABFE2-DF32-4988-AEBC-7D4E858359FA}"/>
               </a:ext>
             </a:extLst>
           </p:cNvPr>
@@ -11864,7 +10812,7 @@
           <p:cNvPr id="8195" name="Text Box 1">
             <a:extLst>
               <a:ext uri="{FF2B5EF4-FFF2-40B4-BE49-F238E27FC236}">
-                <a16:creationId xmlns="" xmlns:a16="http://schemas.microsoft.com/office/drawing/2014/main" id="{2D92002B-E661-47F4-B918-AFFC54A62558}"/>
+                <a16:creationId xmlns:a16="http://schemas.microsoft.com/office/drawing/2014/main" xmlns="" id="{2D92002B-E661-47F4-B918-AFFC54A62558}"/>
               </a:ext>
             </a:extLst>
           </p:cNvPr>
@@ -12259,7 +11207,7 @@
           <p:cNvPr id="8196" name="Rectangle 2">
             <a:extLst>
               <a:ext uri="{FF2B5EF4-FFF2-40B4-BE49-F238E27FC236}">
-                <a16:creationId xmlns="" xmlns:a16="http://schemas.microsoft.com/office/drawing/2014/main" id="{4FB943EC-DFDF-4A61-9B6A-98A30E0233D7}"/>
+                <a16:creationId xmlns:a16="http://schemas.microsoft.com/office/drawing/2014/main" xmlns="" id="{4FB943EC-DFDF-4A61-9B6A-98A30E0233D7}"/>
               </a:ext>
             </a:extLst>
           </p:cNvPr>
@@ -12293,7 +11241,7 @@
           <p:cNvPr id="8197" name="Rectangle 3">
             <a:extLst>
               <a:ext uri="{FF2B5EF4-FFF2-40B4-BE49-F238E27FC236}">
-                <a16:creationId xmlns="" xmlns:a16="http://schemas.microsoft.com/office/drawing/2014/main" id="{2AB46EE3-62F5-4322-8513-0835281E2F22}"/>
+                <a16:creationId xmlns:a16="http://schemas.microsoft.com/office/drawing/2014/main" xmlns="" id="{2AB46EE3-62F5-4322-8513-0835281E2F22}"/>
               </a:ext>
             </a:extLst>
           </p:cNvPr>
@@ -12384,7 +11332,7 @@
           <p:cNvPr id="8194" name="Rectangle 7">
             <a:extLst>
               <a:ext uri="{FF2B5EF4-FFF2-40B4-BE49-F238E27FC236}">
-                <a16:creationId xmlns="" xmlns:a16="http://schemas.microsoft.com/office/drawing/2014/main" id="{DCAABFE2-DF32-4988-AEBC-7D4E858359FA}"/>
+                <a16:creationId xmlns:a16="http://schemas.microsoft.com/office/drawing/2014/main" xmlns="" id="{DCAABFE2-DF32-4988-AEBC-7D4E858359FA}"/>
               </a:ext>
             </a:extLst>
           </p:cNvPr>
@@ -12761,7 +11709,7 @@
           <p:cNvPr id="8195" name="Text Box 1">
             <a:extLst>
               <a:ext uri="{FF2B5EF4-FFF2-40B4-BE49-F238E27FC236}">
-                <a16:creationId xmlns="" xmlns:a16="http://schemas.microsoft.com/office/drawing/2014/main" id="{2D92002B-E661-47F4-B918-AFFC54A62558}"/>
+                <a16:creationId xmlns:a16="http://schemas.microsoft.com/office/drawing/2014/main" xmlns="" id="{2D92002B-E661-47F4-B918-AFFC54A62558}"/>
               </a:ext>
             </a:extLst>
           </p:cNvPr>
@@ -13156,7 +12104,7 @@
           <p:cNvPr id="8196" name="Rectangle 2">
             <a:extLst>
               <a:ext uri="{FF2B5EF4-FFF2-40B4-BE49-F238E27FC236}">
-                <a16:creationId xmlns="" xmlns:a16="http://schemas.microsoft.com/office/drawing/2014/main" id="{4FB943EC-DFDF-4A61-9B6A-98A30E0233D7}"/>
+                <a16:creationId xmlns:a16="http://schemas.microsoft.com/office/drawing/2014/main" xmlns="" id="{4FB943EC-DFDF-4A61-9B6A-98A30E0233D7}"/>
               </a:ext>
             </a:extLst>
           </p:cNvPr>
@@ -13190,7 +12138,7 @@
           <p:cNvPr id="8197" name="Rectangle 3">
             <a:extLst>
               <a:ext uri="{FF2B5EF4-FFF2-40B4-BE49-F238E27FC236}">
-                <a16:creationId xmlns="" xmlns:a16="http://schemas.microsoft.com/office/drawing/2014/main" id="{2AB46EE3-62F5-4322-8513-0835281E2F22}"/>
+                <a16:creationId xmlns:a16="http://schemas.microsoft.com/office/drawing/2014/main" xmlns="" id="{2AB46EE3-62F5-4322-8513-0835281E2F22}"/>
               </a:ext>
             </a:extLst>
           </p:cNvPr>
@@ -15027,7 +13975,7 @@
           <p:cNvPr id="21506" name="Rectangle 7">
             <a:extLst>
               <a:ext uri="{FF2B5EF4-FFF2-40B4-BE49-F238E27FC236}">
-                <a16:creationId xmlns:a16="http://schemas.microsoft.com/office/drawing/2014/main" xmlns="" id="{7136D086-C290-4FB0-A16E-13EFD4A9352E}"/>
+                <a16:creationId xmlns="" xmlns:a16="http://schemas.microsoft.com/office/drawing/2014/main" id="{7136D086-C290-4FB0-A16E-13EFD4A9352E}"/>
               </a:ext>
             </a:extLst>
           </p:cNvPr>
@@ -15404,7 +14352,7 @@
           <p:cNvPr id="21507" name="Text Box 1">
             <a:extLst>
               <a:ext uri="{FF2B5EF4-FFF2-40B4-BE49-F238E27FC236}">
-                <a16:creationId xmlns:a16="http://schemas.microsoft.com/office/drawing/2014/main" xmlns="" id="{1536FC5C-F72A-4495-A698-B1D269041D4C}"/>
+                <a16:creationId xmlns="" xmlns:a16="http://schemas.microsoft.com/office/drawing/2014/main" id="{1536FC5C-F72A-4495-A698-B1D269041D4C}"/>
               </a:ext>
             </a:extLst>
           </p:cNvPr>
@@ -15799,7 +14747,7 @@
           <p:cNvPr id="21508" name="Rectangle 2">
             <a:extLst>
               <a:ext uri="{FF2B5EF4-FFF2-40B4-BE49-F238E27FC236}">
-                <a16:creationId xmlns:a16="http://schemas.microsoft.com/office/drawing/2014/main" xmlns="" id="{4F16C1FF-8F22-4B4B-B700-D4F327AF2100}"/>
+                <a16:creationId xmlns="" xmlns:a16="http://schemas.microsoft.com/office/drawing/2014/main" id="{4F16C1FF-8F22-4B4B-B700-D4F327AF2100}"/>
               </a:ext>
             </a:extLst>
           </p:cNvPr>
@@ -15833,7 +14781,7 @@
           <p:cNvPr id="21509" name="Rectangle 3">
             <a:extLst>
               <a:ext uri="{FF2B5EF4-FFF2-40B4-BE49-F238E27FC236}">
-                <a16:creationId xmlns:a16="http://schemas.microsoft.com/office/drawing/2014/main" xmlns="" id="{47305A03-22F7-4775-AD46-D48F9C814426}"/>
+                <a16:creationId xmlns="" xmlns:a16="http://schemas.microsoft.com/office/drawing/2014/main" id="{47305A03-22F7-4775-AD46-D48F9C814426}"/>
               </a:ext>
             </a:extLst>
           </p:cNvPr>
@@ -22890,7 +21838,7 @@
           <p:cNvPr id="3075" name="Text Box 2">
             <a:extLst>
               <a:ext uri="{FF2B5EF4-FFF2-40B4-BE49-F238E27FC236}">
-                <a16:creationId xmlns="" xmlns:a16="http://schemas.microsoft.com/office/drawing/2014/main" id="{46767CDD-9BA8-4561-A1EF-6E04BFFFB777}"/>
+                <a16:creationId xmlns:a16="http://schemas.microsoft.com/office/drawing/2014/main" xmlns="" id="{46767CDD-9BA8-4561-A1EF-6E04BFFFB777}"/>
               </a:ext>
             </a:extLst>
           </p:cNvPr>
@@ -23255,7 +22203,7 @@
               <a:buSzPct val="100000"/>
             </a:pPr>
             <a:r>
-              <a:rPr lang="en-US" altLang="ja-JP" sz="3200" b="1" dirty="0" smtClean="0">
+              <a:rPr lang="en-US" altLang="ja-JP" sz="3600" b="1" dirty="0" smtClean="0">
                 <a:solidFill>
                   <a:schemeClr val="tx1"/>
                 </a:solidFill>
@@ -23265,7 +22213,7 @@
               <a:t>2021</a:t>
             </a:r>
             <a:r>
-              <a:rPr lang="ja-JP" altLang="en-US" sz="3200" b="1" dirty="0" smtClean="0">
+              <a:rPr lang="ja-JP" altLang="en-US" sz="3600" b="1" dirty="0" smtClean="0">
                 <a:solidFill>
                   <a:schemeClr val="tx1"/>
                 </a:solidFill>
@@ -23275,7 +22223,7 @@
               <a:t>年度</a:t>
             </a:r>
             <a:r>
-              <a:rPr lang="ja-JP" altLang="en-US" sz="3200" b="1" dirty="0">
+              <a:rPr lang="ja-JP" altLang="en-US" sz="3600" b="1" dirty="0">
                 <a:solidFill>
                   <a:schemeClr val="tx1"/>
                 </a:solidFill>
@@ -23285,7 +22233,7 @@
               <a:t>新人</a:t>
             </a:r>
             <a:r>
-              <a:rPr lang="en-US" altLang="ja-JP" sz="3200" b="1" dirty="0">
+              <a:rPr lang="en-US" altLang="ja-JP" sz="3600" b="1" dirty="0">
                 <a:solidFill>
                   <a:schemeClr val="tx1"/>
                 </a:solidFill>
@@ -23295,7 +22243,7 @@
               <a:t>Java</a:t>
             </a:r>
             <a:r>
-              <a:rPr lang="ja-JP" altLang="en-US" sz="3200" b="1" dirty="0">
+              <a:rPr lang="ja-JP" altLang="en-US" sz="3600" b="1" dirty="0">
                 <a:solidFill>
                   <a:schemeClr val="tx1"/>
                 </a:solidFill>
@@ -23304,7 +22252,7 @@
               </a:rPr>
               <a:t>研修</a:t>
             </a:r>
-            <a:endParaRPr lang="ja-JP" altLang="ja-JP" sz="3200" b="1" dirty="0">
+            <a:endParaRPr lang="ja-JP" altLang="ja-JP" sz="3600" b="1" dirty="0">
               <a:solidFill>
                 <a:schemeClr val="tx1"/>
               </a:solidFill>
@@ -23319,7 +22267,7 @@
           <p:cNvPr id="3076" name="Line 4">
             <a:extLst>
               <a:ext uri="{FF2B5EF4-FFF2-40B4-BE49-F238E27FC236}">
-                <a16:creationId xmlns="" xmlns:a16="http://schemas.microsoft.com/office/drawing/2014/main" id="{A1DAE715-FFAA-4BE6-B9B1-5BC60D29E887}"/>
+                <a16:creationId xmlns:a16="http://schemas.microsoft.com/office/drawing/2014/main" xmlns="" id="{A1DAE715-FFAA-4BE6-B9B1-5BC60D29E887}"/>
               </a:ext>
             </a:extLst>
           </p:cNvPr>
@@ -23366,7 +22314,7 @@
           <p:cNvPr id="3078" name="Text Box 6">
             <a:extLst>
               <a:ext uri="{FF2B5EF4-FFF2-40B4-BE49-F238E27FC236}">
-                <a16:creationId xmlns="" xmlns:a16="http://schemas.microsoft.com/office/drawing/2014/main" id="{CAFFB12F-B527-415D-AD56-CF8469816CDC}"/>
+                <a16:creationId xmlns:a16="http://schemas.microsoft.com/office/drawing/2014/main" xmlns="" id="{CAFFB12F-B527-415D-AD56-CF8469816CDC}"/>
               </a:ext>
             </a:extLst>
           </p:cNvPr>
@@ -24458,7 +23406,7 @@
               <a:buSzPct val="100000"/>
             </a:pPr>
             <a:r>
-              <a:rPr lang="ja-JP" altLang="ja-JP" sz="3200" b="1" dirty="0" smtClean="0">
+              <a:rPr lang="ja-JP" altLang="ja-JP" sz="3600" b="1" dirty="0" smtClean="0">
                 <a:solidFill>
                   <a:srgbClr val="000000"/>
                 </a:solidFill>
@@ -24467,7 +23415,7 @@
               </a:rPr>
               <a:t>デモンストレーション</a:t>
             </a:r>
-            <a:endParaRPr lang="ja-JP" altLang="ja-JP" sz="3200" b="1" dirty="0">
+            <a:endParaRPr lang="ja-JP" altLang="ja-JP" sz="3600" b="1" dirty="0">
               <a:solidFill>
                 <a:srgbClr val="000000"/>
               </a:solidFill>
@@ -25962,7 +24910,7 @@
           <p:cNvPr id="20483" name="Text Box 2">
             <a:extLst>
               <a:ext uri="{FF2B5EF4-FFF2-40B4-BE49-F238E27FC236}">
-                <a16:creationId xmlns:a16="http://schemas.microsoft.com/office/drawing/2014/main" xmlns="" id="{651B08D6-55D4-4A3E-AF9B-9727286E4AFC}"/>
+                <a16:creationId xmlns="" xmlns:a16="http://schemas.microsoft.com/office/drawing/2014/main" id="{651B08D6-55D4-4A3E-AF9B-9727286E4AFC}"/>
               </a:ext>
             </a:extLst>
           </p:cNvPr>
@@ -26327,26 +25275,26 @@
               <a:buSzPct val="100000"/>
             </a:pPr>
             <a:r>
-              <a:rPr lang="en-US" altLang="ja-JP" sz="2800" b="1">
+              <a:rPr lang="ja-JP" altLang="en-US" sz="3600" b="1" dirty="0" smtClean="0">
                 <a:solidFill>
                   <a:srgbClr val="000000"/>
                 </a:solidFill>
                 <a:latin typeface="メイリオ" panose="020B0604030504040204" pitchFamily="50" charset="-128"/>
                 <a:ea typeface="メイリオ" panose="020B0604030504040204" pitchFamily="50" charset="-128"/>
               </a:rPr>
-              <a:t>2. </a:t>
-            </a:r>
-            <a:r>
-              <a:rPr lang="ja-JP" altLang="en-US" sz="2800" b="1">
+              <a:t>苦労</a:t>
+            </a:r>
+            <a:r>
+              <a:rPr lang="ja-JP" altLang="en-US" sz="3600" b="1" dirty="0">
                 <a:solidFill>
                   <a:srgbClr val="000000"/>
                 </a:solidFill>
                 <a:latin typeface="メイリオ" panose="020B0604030504040204" pitchFamily="50" charset="-128"/>
                 <a:ea typeface="メイリオ" panose="020B0604030504040204" pitchFamily="50" charset="-128"/>
               </a:rPr>
-              <a:t>苦労した点、工夫した点</a:t>
-            </a:r>
-            <a:endParaRPr lang="ja-JP" altLang="ja-JP" sz="2800" b="1">
+              <a:t>した点、工夫した点</a:t>
+            </a:r>
+            <a:endParaRPr lang="ja-JP" altLang="ja-JP" sz="3600" b="1" dirty="0">
               <a:solidFill>
                 <a:srgbClr val="000000"/>
               </a:solidFill>
@@ -26361,7 +25309,7 @@
           <p:cNvPr id="20484" name="Text Box 3">
             <a:extLst>
               <a:ext uri="{FF2B5EF4-FFF2-40B4-BE49-F238E27FC236}">
-                <a16:creationId xmlns:a16="http://schemas.microsoft.com/office/drawing/2014/main" xmlns="" id="{24B74A06-ABAD-441E-9840-04F644CB8266}"/>
+                <a16:creationId xmlns="" xmlns:a16="http://schemas.microsoft.com/office/drawing/2014/main" id="{24B74A06-ABAD-441E-9840-04F644CB8266}"/>
               </a:ext>
             </a:extLst>
           </p:cNvPr>
@@ -26816,7 +25764,7 @@
           <p:cNvPr id="20485" name="Text Box 4">
             <a:extLst>
               <a:ext uri="{FF2B5EF4-FFF2-40B4-BE49-F238E27FC236}">
-                <a16:creationId xmlns:a16="http://schemas.microsoft.com/office/drawing/2014/main" xmlns="" id="{3B8B6E50-E08A-4EBB-B277-8362848F1600}"/>
+                <a16:creationId xmlns="" xmlns:a16="http://schemas.microsoft.com/office/drawing/2014/main" id="{3B8B6E50-E08A-4EBB-B277-8362848F1600}"/>
               </a:ext>
             </a:extLst>
           </p:cNvPr>
@@ -27245,7 +26193,7 @@
           <p:cNvPr id="20486" name="Text Box 5">
             <a:extLst>
               <a:ext uri="{FF2B5EF4-FFF2-40B4-BE49-F238E27FC236}">
-                <a16:creationId xmlns:a16="http://schemas.microsoft.com/office/drawing/2014/main" xmlns="" id="{BF43DA1A-F5E3-4600-81E5-1EE135236E4E}"/>
+                <a16:creationId xmlns="" xmlns:a16="http://schemas.microsoft.com/office/drawing/2014/main" id="{BF43DA1A-F5E3-4600-81E5-1EE135236E4E}"/>
               </a:ext>
             </a:extLst>
           </p:cNvPr>
@@ -27607,6 +26555,9 @@
               <a:lnSpc>
                 <a:spcPct val="125000"/>
               </a:lnSpc>
+              <a:buClr>
+                <a:srgbClr val="92D050"/>
+              </a:buClr>
               <a:buSzPct val="100000"/>
               <a:buFont typeface="Arial" panose="020B0604020202020204" pitchFamily="34" charset="0"/>
               <a:buChar char="•"/>
@@ -27634,6 +26585,9 @@
               <a:lnSpc>
                 <a:spcPct val="125000"/>
               </a:lnSpc>
+              <a:buClr>
+                <a:srgbClr val="92D050"/>
+              </a:buClr>
               <a:buSzPct val="100000"/>
               <a:buFont typeface="Arial" panose="020B0604020202020204" pitchFamily="34" charset="0"/>
               <a:buChar char="•"/>
@@ -27681,6 +26635,9 @@
               <a:lnSpc>
                 <a:spcPct val="125000"/>
               </a:lnSpc>
+              <a:buClr>
+                <a:srgbClr val="92D050"/>
+              </a:buClr>
               <a:buSzPct val="100000"/>
               <a:buFont typeface="Arial" panose="020B0604020202020204" pitchFamily="34" charset="0"/>
               <a:buChar char="•"/>
@@ -27708,6 +26665,9 @@
               <a:lnSpc>
                 <a:spcPct val="125000"/>
               </a:lnSpc>
+              <a:buClr>
+                <a:srgbClr val="92D050"/>
+              </a:buClr>
               <a:buSzPct val="100000"/>
               <a:buFont typeface="Arial" panose="020B0604020202020204" pitchFamily="34" charset="0"/>
               <a:buChar char="•"/>
@@ -27725,6 +26685,9 @@
               <a:lnSpc>
                 <a:spcPct val="125000"/>
               </a:lnSpc>
+              <a:buClr>
+                <a:srgbClr val="92D050"/>
+              </a:buClr>
               <a:buSzPct val="100000"/>
               <a:buFont typeface="Arial" panose="020B0604020202020204" pitchFamily="34" charset="0"/>
               <a:buChar char="•"/>
@@ -27752,6 +26715,9 @@
               <a:lnSpc>
                 <a:spcPct val="125000"/>
               </a:lnSpc>
+              <a:buClr>
+                <a:srgbClr val="92D050"/>
+              </a:buClr>
               <a:buSzPct val="100000"/>
               <a:buFont typeface="Arial" panose="020B0604020202020204" pitchFamily="34" charset="0"/>
               <a:buChar char="•"/>
@@ -27779,6 +26745,9 @@
               <a:lnSpc>
                 <a:spcPct val="125000"/>
               </a:lnSpc>
+              <a:buClr>
+                <a:srgbClr val="92D050"/>
+              </a:buClr>
               <a:buSzPct val="100000"/>
               <a:buFont typeface="Arial" panose="020B0604020202020204" pitchFamily="34" charset="0"/>
               <a:buChar char="•"/>
@@ -27823,7 +26792,7 @@
           <p:cNvPr id="20487" name="Line 7">
             <a:extLst>
               <a:ext uri="{FF2B5EF4-FFF2-40B4-BE49-F238E27FC236}">
-                <a16:creationId xmlns:a16="http://schemas.microsoft.com/office/drawing/2014/main" xmlns="" id="{67F8E4BF-F10C-41C2-8631-31C564B71613}"/>
+                <a16:creationId xmlns="" xmlns:a16="http://schemas.microsoft.com/office/drawing/2014/main" id="{67F8E4BF-F10C-41C2-8631-31C564B71613}"/>
               </a:ext>
             </a:extLst>
           </p:cNvPr>
@@ -28028,7 +26997,7 @@
           <a:p>
             <a:pPr algn="ctr"/>
             <a:r>
-              <a:rPr lang="ja-JP" altLang="en-US" sz="4000" b="1" dirty="0">
+              <a:rPr lang="ja-JP" altLang="en-US" sz="4400" b="1" dirty="0">
                 <a:solidFill>
                   <a:srgbClr val="000000"/>
                 </a:solidFill>
@@ -28038,7 +27007,7 @@
               <a:t>研修</a:t>
             </a:r>
             <a:r>
-              <a:rPr lang="en-US" altLang="ja-JP" sz="4000" b="1" dirty="0">
+              <a:rPr lang="en-US" altLang="ja-JP" sz="4400" b="1" dirty="0">
                 <a:solidFill>
                   <a:srgbClr val="000000"/>
                 </a:solidFill>
@@ -28048,7 +27017,7 @@
               <a:t>3</a:t>
             </a:r>
             <a:r>
-              <a:rPr lang="ja-JP" altLang="en-US" sz="4000" b="1" dirty="0">
+              <a:rPr lang="ja-JP" altLang="en-US" sz="4400" b="1" dirty="0">
                 <a:solidFill>
                   <a:srgbClr val="000000"/>
                 </a:solidFill>
@@ -28058,7 +27027,7 @@
               <a:t>ヶ月間</a:t>
             </a:r>
             <a:r>
-              <a:rPr lang="ja-JP" altLang="en-US" sz="4000" b="1" dirty="0" smtClean="0">
+              <a:rPr lang="ja-JP" altLang="en-US" sz="4400" b="1" dirty="0" smtClean="0">
                 <a:solidFill>
                   <a:srgbClr val="000000"/>
                 </a:solidFill>
@@ -28068,7 +27037,7 @@
               <a:t>の振り返り</a:t>
             </a:r>
             <a:r>
-              <a:rPr lang="en-US" altLang="ja-JP" sz="4000" b="1" dirty="0" smtClean="0">
+              <a:rPr lang="en-US" altLang="ja-JP" sz="4400" b="1" dirty="0" smtClean="0">
                 <a:solidFill>
                   <a:srgbClr val="000000"/>
                 </a:solidFill>
@@ -28078,7 +27047,7 @@
               <a:t/>
             </a:r>
             <a:br>
-              <a:rPr lang="en-US" altLang="ja-JP" sz="4000" b="1" dirty="0" smtClean="0">
+              <a:rPr lang="en-US" altLang="ja-JP" sz="4400" b="1" dirty="0" smtClean="0">
                 <a:solidFill>
                   <a:srgbClr val="000000"/>
                 </a:solidFill>
@@ -28087,7 +27056,7 @@
               </a:rPr>
             </a:br>
             <a:r>
-              <a:rPr lang="en-US" altLang="ja-JP" sz="4000" b="1" dirty="0">
+              <a:rPr lang="en-US" altLang="ja-JP" sz="4400" b="1" dirty="0">
                 <a:solidFill>
                   <a:srgbClr val="000000"/>
                 </a:solidFill>
@@ -28097,7 +27066,7 @@
               <a:t/>
             </a:r>
             <a:br>
-              <a:rPr lang="en-US" altLang="ja-JP" sz="4000" b="1" dirty="0">
+              <a:rPr lang="en-US" altLang="ja-JP" sz="4400" b="1" dirty="0">
                 <a:solidFill>
                   <a:srgbClr val="000000"/>
                 </a:solidFill>
@@ -28268,24 +27237,33 @@
             <p:ph type="title"/>
           </p:nvPr>
         </p:nvSpPr>
-        <p:spPr/>
+        <p:spPr>
+          <a:xfrm>
+            <a:off x="567036" y="605565"/>
+            <a:ext cx="8596381" cy="1269828"/>
+          </a:xfrm>
+        </p:spPr>
         <p:txBody>
           <a:bodyPr/>
           <a:lstStyle/>
           <a:p>
             <a:pPr algn="l"/>
             <a:r>
-              <a:rPr kumimoji="1" lang="ja-JP" altLang="en-US" sz="3600" dirty="0" smtClean="0">
+              <a:rPr kumimoji="1" lang="ja-JP" altLang="en-US" sz="3600" b="1" dirty="0" smtClean="0">
                 <a:solidFill>
                   <a:schemeClr val="tx1"/>
                 </a:solidFill>
+                <a:latin typeface="メイリオ" panose="020B0604030504040204" pitchFamily="50" charset="-128"/>
+                <a:ea typeface="メイリオ" panose="020B0604030504040204" pitchFamily="50" charset="-128"/>
               </a:rPr>
               <a:t>成長した点</a:t>
             </a:r>
-            <a:endParaRPr kumimoji="1" lang="ja-JP" altLang="en-US" sz="3600" dirty="0">
+            <a:endParaRPr kumimoji="1" lang="ja-JP" altLang="en-US" sz="3600" b="1" dirty="0">
               <a:solidFill>
                 <a:schemeClr val="tx1"/>
               </a:solidFill>
+              <a:latin typeface="メイリオ" panose="020B0604030504040204" pitchFamily="50" charset="-128"/>
+              <a:ea typeface="メイリオ" panose="020B0604030504040204" pitchFamily="50" charset="-128"/>
             </a:endParaRPr>
           </a:p>
         </p:txBody>
@@ -28478,13 +27456,6 @@
         </p:nvPicPr>
         <p:blipFill>
           <a:blip r:embed="rId3">
-            <a:duotone>
-              <a:schemeClr val="accent3">
-                <a:shade val="45000"/>
-                <a:satMod val="135000"/>
-              </a:schemeClr>
-              <a:prstClr val="white"/>
-            </a:duotone>
             <a:extLst>
               <a:ext uri="{28A0092B-C50C-407E-A947-70E740481C1C}">
                 <a14:useLocalDpi xmlns:a14="http://schemas.microsoft.com/office/drawing/2010/main" val="0"/>
@@ -28605,6 +27576,40 @@
           </a:prstGeom>
         </p:spPr>
       </p:pic>
+      <p:sp>
+        <p:nvSpPr>
+          <p:cNvPr id="11" name="Line 2"/>
+          <p:cNvSpPr/>
+          <p:nvPr/>
+        </p:nvSpPr>
+        <p:spPr>
+          <a:xfrm>
+            <a:off x="567036" y="1591522"/>
+            <a:ext cx="5183280" cy="1440"/>
+          </a:xfrm>
+          <a:prstGeom prst="line">
+            <a:avLst/>
+          </a:prstGeom>
+          <a:ln w="9360" cap="sq">
+            <a:solidFill>
+              <a:srgbClr val="000000"/>
+            </a:solidFill>
+            <a:miter/>
+          </a:ln>
+        </p:spPr>
+        <p:style>
+          <a:lnRef idx="0">
+            <a:scrgbClr r="0" g="0" b="0"/>
+          </a:lnRef>
+          <a:fillRef idx="0">
+            <a:scrgbClr r="0" g="0" b="0"/>
+          </a:fillRef>
+          <a:effectRef idx="0">
+            <a:scrgbClr r="0" g="0" b="0"/>
+          </a:effectRef>
+          <a:fontRef idx="minor"/>
+        </p:style>
+      </p:sp>
     </p:spTree>
     <p:extLst>
       <p:ext uri="{BB962C8B-B14F-4D97-AF65-F5344CB8AC3E}">
@@ -28664,7 +27669,7 @@
           <a:p>
             <a:pPr algn="l"/>
             <a:r>
-              <a:rPr kumimoji="1" lang="ja-JP" altLang="en-US" sz="3200" b="1" dirty="0" smtClean="0">
+              <a:rPr kumimoji="1" lang="ja-JP" altLang="en-US" sz="3600" b="1" dirty="0" smtClean="0">
                 <a:solidFill>
                   <a:schemeClr val="tx1"/>
                 </a:solidFill>
@@ -28673,7 +27678,7 @@
               </a:rPr>
               <a:t>今後に向けた課題</a:t>
             </a:r>
-            <a:endParaRPr kumimoji="1" lang="ja-JP" altLang="en-US" sz="3200" b="1" dirty="0">
+            <a:endParaRPr kumimoji="1" lang="ja-JP" altLang="en-US" sz="3600" b="1" dirty="0">
               <a:solidFill>
                 <a:schemeClr val="tx1"/>
               </a:solidFill>
@@ -28695,7 +27700,7 @@
         </p:nvSpPr>
         <p:spPr>
           <a:xfrm>
-            <a:off x="567036" y="4313411"/>
+            <a:off x="567036" y="4841005"/>
             <a:ext cx="3964227" cy="635222"/>
           </a:xfrm>
         </p:spPr>
@@ -28711,9 +27716,39 @@
                 <a:latin typeface="SimSun" panose="02010600030101010101" pitchFamily="2" charset="-122"/>
                 <a:ea typeface="SimSun" panose="02010600030101010101" pitchFamily="2" charset="-122"/>
               </a:rPr>
-              <a:t>一人でコードをかけるようになる</a:t>
-            </a:r>
-            <a:endParaRPr kumimoji="1" lang="ja-JP" altLang="en-US" dirty="0">
+              <a:t>一人でコード</a:t>
+            </a:r>
+            <a:r>
+              <a:rPr kumimoji="1" lang="ja-JP" altLang="en-US" dirty="0" smtClean="0">
+                <a:solidFill>
+                  <a:schemeClr val="tx1"/>
+                </a:solidFill>
+                <a:latin typeface="SimSun" panose="02010600030101010101" pitchFamily="2" charset="-122"/>
+                <a:ea typeface="SimSun" panose="02010600030101010101" pitchFamily="2" charset="-122"/>
+              </a:rPr>
+              <a:t>を書ける</a:t>
+            </a:r>
+            <a:r>
+              <a:rPr kumimoji="1" lang="ja-JP" altLang="en-US" dirty="0" smtClean="0">
+                <a:solidFill>
+                  <a:schemeClr val="tx1"/>
+                </a:solidFill>
+                <a:latin typeface="SimSun" panose="02010600030101010101" pitchFamily="2" charset="-122"/>
+                <a:ea typeface="SimSun" panose="02010600030101010101" pitchFamily="2" charset="-122"/>
+              </a:rPr>
+              <a:t>ように</a:t>
+            </a:r>
+            <a:r>
+              <a:rPr kumimoji="1" lang="ja-JP" altLang="en-US" dirty="0" smtClean="0">
+                <a:solidFill>
+                  <a:schemeClr val="tx1"/>
+                </a:solidFill>
+                <a:latin typeface="SimSun" panose="02010600030101010101" pitchFamily="2" charset="-122"/>
+                <a:ea typeface="SimSun" panose="02010600030101010101" pitchFamily="2" charset="-122"/>
+              </a:rPr>
+              <a:t>なる</a:t>
+            </a:r>
+            <a:endParaRPr kumimoji="1" lang="en-US" altLang="ja-JP" dirty="0" smtClean="0">
               <a:solidFill>
                 <a:schemeClr val="tx1"/>
               </a:solidFill>
@@ -28735,7 +27770,7 @@
         </p:nvSpPr>
         <p:spPr>
           <a:xfrm>
-            <a:off x="4897215" y="4205783"/>
+            <a:off x="4897215" y="4639552"/>
             <a:ext cx="3382952" cy="635222"/>
           </a:xfrm>
         </p:spPr>
@@ -28839,7 +27874,7 @@
         <p:spPr>
           <a:xfrm>
             <a:off x="1436360" y="2157662"/>
-            <a:ext cx="2028433" cy="2028433"/>
+            <a:ext cx="2128986" cy="2128986"/>
           </a:xfrm>
           <a:prstGeom prst="rect">
             <a:avLst/>
@@ -28868,7 +27903,7 @@
         </p:blipFill>
         <p:spPr>
           <a:xfrm>
-            <a:off x="5565945" y="2157662"/>
+            <a:off x="5565945" y="2241156"/>
             <a:ext cx="2045492" cy="2045492"/>
           </a:xfrm>
           <a:prstGeom prst="rect">
@@ -28906,6 +27941,40 @@
           </a:prstGeom>
         </p:spPr>
       </p:pic>
+      <p:sp>
+        <p:nvSpPr>
+          <p:cNvPr id="9" name="Line 2"/>
+          <p:cNvSpPr/>
+          <p:nvPr/>
+        </p:nvSpPr>
+        <p:spPr>
+          <a:xfrm>
+            <a:off x="598701" y="1619597"/>
+            <a:ext cx="5183280" cy="1440"/>
+          </a:xfrm>
+          <a:prstGeom prst="line">
+            <a:avLst/>
+          </a:prstGeom>
+          <a:ln w="9360" cap="sq">
+            <a:solidFill>
+              <a:srgbClr val="000000"/>
+            </a:solidFill>
+            <a:miter/>
+          </a:ln>
+        </p:spPr>
+        <p:style>
+          <a:lnRef idx="0">
+            <a:scrgbClr r="0" g="0" b="0"/>
+          </a:lnRef>
+          <a:fillRef idx="0">
+            <a:scrgbClr r="0" g="0" b="0"/>
+          </a:fillRef>
+          <a:effectRef idx="0">
+            <a:scrgbClr r="0" g="0" b="0"/>
+          </a:effectRef>
+          <a:fontRef idx="minor"/>
+        </p:style>
+      </p:sp>
     </p:spTree>
     <p:extLst>
       <p:ext uri="{BB962C8B-B14F-4D97-AF65-F5344CB8AC3E}">
@@ -28965,7 +28034,7 @@
           <a:p>
             <a:pPr algn="ctr"/>
             <a:r>
-              <a:rPr lang="ja-JP" altLang="en-US" sz="4000" b="1" dirty="0">
+              <a:rPr lang="ja-JP" altLang="en-US" sz="4400" b="1" dirty="0">
                 <a:solidFill>
                   <a:srgbClr val="000000"/>
                 </a:solidFill>
@@ -28975,7 +28044,7 @@
               <a:t>研修</a:t>
             </a:r>
             <a:r>
-              <a:rPr lang="en-US" altLang="ja-JP" sz="4000" b="1" dirty="0">
+              <a:rPr lang="en-US" altLang="ja-JP" sz="4400" b="1" dirty="0">
                 <a:solidFill>
                   <a:srgbClr val="000000"/>
                 </a:solidFill>
@@ -28985,7 +28054,7 @@
               <a:t>3</a:t>
             </a:r>
             <a:r>
-              <a:rPr lang="ja-JP" altLang="en-US" sz="4000" b="1" dirty="0">
+              <a:rPr lang="ja-JP" altLang="en-US" sz="4400" b="1" dirty="0">
                 <a:solidFill>
                   <a:srgbClr val="000000"/>
                 </a:solidFill>
@@ -28995,7 +28064,7 @@
               <a:t>ヶ月間</a:t>
             </a:r>
             <a:r>
-              <a:rPr lang="ja-JP" altLang="en-US" sz="4000" b="1" dirty="0" smtClean="0">
+              <a:rPr lang="ja-JP" altLang="en-US" sz="4400" b="1" dirty="0" smtClean="0">
                 <a:solidFill>
                   <a:srgbClr val="000000"/>
                 </a:solidFill>
@@ -29005,7 +28074,7 @@
               <a:t>の振り返り</a:t>
             </a:r>
             <a:r>
-              <a:rPr lang="en-US" altLang="ja-JP" sz="4000" b="1" dirty="0" smtClean="0">
+              <a:rPr lang="en-US" altLang="ja-JP" sz="4400" b="1" dirty="0" smtClean="0">
                 <a:solidFill>
                   <a:srgbClr val="000000"/>
                 </a:solidFill>
@@ -29015,7 +28084,7 @@
               <a:t/>
             </a:r>
             <a:br>
-              <a:rPr lang="en-US" altLang="ja-JP" sz="4000" b="1" dirty="0" smtClean="0">
+              <a:rPr lang="en-US" altLang="ja-JP" sz="4400" b="1" dirty="0" smtClean="0">
                 <a:solidFill>
                   <a:srgbClr val="000000"/>
                 </a:solidFill>
@@ -29235,7 +28304,7 @@
           <a:lstStyle/>
           <a:p>
             <a:r>
-              <a:rPr lang="ja-JP" altLang="en-US" sz="3200" b="1" dirty="0" smtClean="0">
+              <a:rPr lang="ja-JP" altLang="en-US" sz="3600" b="1" dirty="0" smtClean="0">
                 <a:solidFill>
                   <a:srgbClr val="000000"/>
                 </a:solidFill>
@@ -29244,7 +28313,7 @@
               </a:rPr>
               <a:t>成長したこと</a:t>
             </a:r>
-            <a:endParaRPr kumimoji="1" lang="ja-JP" altLang="en-US" sz="3200" dirty="0"/>
+            <a:endParaRPr kumimoji="1" lang="ja-JP" altLang="en-US" sz="3600" dirty="0"/>
           </a:p>
         </p:txBody>
       </p:sp>
@@ -29546,6 +28615,40 @@
           </a:prstGeom>
         </p:spPr>
       </p:pic>
+      <p:sp>
+        <p:nvSpPr>
+          <p:cNvPr id="14" name="Line 2"/>
+          <p:cNvSpPr/>
+          <p:nvPr/>
+        </p:nvSpPr>
+        <p:spPr>
+          <a:xfrm>
+            <a:off x="536073" y="1475581"/>
+            <a:ext cx="5183280" cy="1440"/>
+          </a:xfrm>
+          <a:prstGeom prst="line">
+            <a:avLst/>
+          </a:prstGeom>
+          <a:ln w="9360" cap="sq">
+            <a:solidFill>
+              <a:srgbClr val="000000"/>
+            </a:solidFill>
+            <a:miter/>
+          </a:ln>
+        </p:spPr>
+        <p:style>
+          <a:lnRef idx="0">
+            <a:scrgbClr r="0" g="0" b="0"/>
+          </a:lnRef>
+          <a:fillRef idx="0">
+            <a:scrgbClr r="0" g="0" b="0"/>
+          </a:fillRef>
+          <a:effectRef idx="0">
+            <a:scrgbClr r="0" g="0" b="0"/>
+          </a:effectRef>
+          <a:fontRef idx="minor"/>
+        </p:style>
+      </p:sp>
     </p:spTree>
     <p:extLst>
       <p:ext uri="{BB962C8B-B14F-4D97-AF65-F5344CB8AC3E}">
@@ -29604,7 +28707,7 @@
           <a:lstStyle/>
           <a:p>
             <a:r>
-              <a:rPr lang="ja-JP" altLang="en-US" sz="3200" b="1" dirty="0" smtClean="0">
+              <a:rPr lang="ja-JP" altLang="en-US" sz="3600" b="1" dirty="0" smtClean="0">
                 <a:solidFill>
                   <a:srgbClr val="000000"/>
                 </a:solidFill>
@@ -29613,7 +28716,7 @@
               </a:rPr>
               <a:t>今後に向けた課題</a:t>
             </a:r>
-            <a:endParaRPr kumimoji="1" lang="ja-JP" altLang="en-US" sz="3200" dirty="0">
+            <a:endParaRPr kumimoji="1" lang="ja-JP" altLang="en-US" sz="3600" dirty="0">
               <a:latin typeface="SimSun" panose="02010600030101010101" pitchFamily="2" charset="-122"/>
               <a:ea typeface="SimSun" panose="02010600030101010101" pitchFamily="2" charset="-122"/>
             </a:endParaRPr>
@@ -29913,6 +29016,40 @@
           </a:prstGeom>
         </p:spPr>
       </p:pic>
+      <p:sp>
+        <p:nvSpPr>
+          <p:cNvPr id="13" name="Line 2"/>
+          <p:cNvSpPr/>
+          <p:nvPr/>
+        </p:nvSpPr>
+        <p:spPr>
+          <a:xfrm>
+            <a:off x="567037" y="1547589"/>
+            <a:ext cx="5183280" cy="1440"/>
+          </a:xfrm>
+          <a:prstGeom prst="line">
+            <a:avLst/>
+          </a:prstGeom>
+          <a:ln w="9360" cap="sq">
+            <a:solidFill>
+              <a:srgbClr val="000000"/>
+            </a:solidFill>
+            <a:miter/>
+          </a:ln>
+        </p:spPr>
+        <p:style>
+          <a:lnRef idx="0">
+            <a:scrgbClr r="0" g="0" b="0"/>
+          </a:lnRef>
+          <a:fillRef idx="0">
+            <a:scrgbClr r="0" g="0" b="0"/>
+          </a:fillRef>
+          <a:effectRef idx="0">
+            <a:scrgbClr r="0" g="0" b="0"/>
+          </a:effectRef>
+          <a:fontRef idx="minor"/>
+        </p:style>
+      </p:sp>
     </p:spTree>
     <p:extLst>
       <p:ext uri="{BB962C8B-B14F-4D97-AF65-F5344CB8AC3E}">
@@ -29972,7 +29109,7 @@
           <a:p>
             <a:pPr algn="ctr"/>
             <a:r>
-              <a:rPr lang="ja-JP" altLang="en-US" sz="4000" b="1" dirty="0">
+              <a:rPr lang="ja-JP" altLang="en-US" sz="4400" b="1" dirty="0">
                 <a:solidFill>
                   <a:srgbClr val="000000"/>
                 </a:solidFill>
@@ -29982,7 +29119,7 @@
               <a:t>研修</a:t>
             </a:r>
             <a:r>
-              <a:rPr lang="en-US" altLang="ja-JP" sz="4000" b="1" dirty="0">
+              <a:rPr lang="en-US" altLang="ja-JP" sz="4400" b="1" dirty="0">
                 <a:solidFill>
                   <a:srgbClr val="000000"/>
                 </a:solidFill>
@@ -29992,7 +29129,7 @@
               <a:t>3</a:t>
             </a:r>
             <a:r>
-              <a:rPr lang="ja-JP" altLang="en-US" sz="4000" b="1" dirty="0">
+              <a:rPr lang="ja-JP" altLang="en-US" sz="4400" b="1" dirty="0">
                 <a:solidFill>
                   <a:srgbClr val="000000"/>
                 </a:solidFill>
@@ -30002,7 +29139,7 @@
               <a:t>ヶ月間</a:t>
             </a:r>
             <a:r>
-              <a:rPr lang="ja-JP" altLang="en-US" sz="4000" b="1" dirty="0" smtClean="0">
+              <a:rPr lang="ja-JP" altLang="en-US" sz="4400" b="1" dirty="0" smtClean="0">
                 <a:solidFill>
                   <a:srgbClr val="000000"/>
                 </a:solidFill>
@@ -30263,23 +29400,32 @@
             <p:ph type="title"/>
           </p:nvPr>
         </p:nvSpPr>
-        <p:spPr/>
+        <p:spPr>
+          <a:xfrm>
+            <a:off x="567037" y="569809"/>
+            <a:ext cx="8594582" cy="1276635"/>
+          </a:xfrm>
+        </p:spPr>
         <p:txBody>
           <a:bodyPr/>
           <a:lstStyle/>
           <a:p>
             <a:r>
-              <a:rPr kumimoji="1" lang="ja-JP" altLang="en-US" sz="3600" dirty="0" smtClean="0">
+              <a:rPr kumimoji="1" lang="ja-JP" altLang="en-US" sz="3600" b="1" dirty="0" smtClean="0">
                 <a:solidFill>
                   <a:schemeClr val="tx1"/>
                 </a:solidFill>
+                <a:latin typeface="メイリオ" panose="020B0604030504040204" pitchFamily="50" charset="-128"/>
+                <a:ea typeface="メイリオ" panose="020B0604030504040204" pitchFamily="50" charset="-128"/>
               </a:rPr>
               <a:t>成長した点</a:t>
             </a:r>
-            <a:endParaRPr kumimoji="1" lang="ja-JP" altLang="en-US" sz="3600" dirty="0">
+            <a:endParaRPr kumimoji="1" lang="ja-JP" altLang="en-US" sz="3600" b="1" dirty="0">
               <a:solidFill>
                 <a:schemeClr val="tx1"/>
               </a:solidFill>
+              <a:latin typeface="メイリオ" panose="020B0604030504040204" pitchFamily="50" charset="-128"/>
+              <a:ea typeface="メイリオ" panose="020B0604030504040204" pitchFamily="50" charset="-128"/>
             </a:endParaRPr>
           </a:p>
         </p:txBody>
@@ -30550,6 +29696,40 @@
           </a:prstGeom>
         </p:spPr>
       </p:pic>
+      <p:sp>
+        <p:nvSpPr>
+          <p:cNvPr id="12" name="Line 2"/>
+          <p:cNvSpPr/>
+          <p:nvPr/>
+        </p:nvSpPr>
+        <p:spPr>
+          <a:xfrm>
+            <a:off x="567037" y="1475581"/>
+            <a:ext cx="5183280" cy="1440"/>
+          </a:xfrm>
+          <a:prstGeom prst="line">
+            <a:avLst/>
+          </a:prstGeom>
+          <a:ln w="9360" cap="sq">
+            <a:solidFill>
+              <a:srgbClr val="000000"/>
+            </a:solidFill>
+            <a:miter/>
+          </a:ln>
+        </p:spPr>
+        <p:style>
+          <a:lnRef idx="0">
+            <a:scrgbClr r="0" g="0" b="0"/>
+          </a:lnRef>
+          <a:fillRef idx="0">
+            <a:scrgbClr r="0" g="0" b="0"/>
+          </a:fillRef>
+          <a:effectRef idx="0">
+            <a:scrgbClr r="0" g="0" b="0"/>
+          </a:effectRef>
+          <a:fontRef idx="minor"/>
+        </p:style>
+      </p:sp>
     </p:spTree>
     <p:extLst>
       <p:ext uri="{BB962C8B-B14F-4D97-AF65-F5344CB8AC3E}">
@@ -30592,7 +29772,7 @@
           <p:cNvPr id="5123" name="Text Box 2">
             <a:extLst>
               <a:ext uri="{FF2B5EF4-FFF2-40B4-BE49-F238E27FC236}">
-                <a16:creationId xmlns="" xmlns:a16="http://schemas.microsoft.com/office/drawing/2014/main" id="{B0631F43-305F-476B-8729-D9BCCD18F597}"/>
+                <a16:creationId xmlns:a16="http://schemas.microsoft.com/office/drawing/2014/main" xmlns="" id="{B0631F43-305F-476B-8729-D9BCCD18F597}"/>
               </a:ext>
             </a:extLst>
           </p:cNvPr>
@@ -30957,7 +30137,7 @@
               <a:buSzPct val="100000"/>
             </a:pPr>
             <a:r>
-              <a:rPr lang="ja-JP" altLang="en-US" sz="3200" b="1" dirty="0" smtClean="0">
+              <a:rPr lang="ja-JP" altLang="en-US" sz="3600" b="1" dirty="0" smtClean="0">
                 <a:solidFill>
                   <a:srgbClr val="000000"/>
                 </a:solidFill>
@@ -30967,7 +30147,7 @@
               <a:t>はじめ</a:t>
             </a:r>
             <a:r>
-              <a:rPr lang="ja-JP" altLang="en-US" sz="3200" b="1" dirty="0">
+              <a:rPr lang="ja-JP" altLang="en-US" sz="3600" b="1" dirty="0">
                 <a:solidFill>
                   <a:srgbClr val="000000"/>
                 </a:solidFill>
@@ -30976,7 +30156,7 @@
               </a:rPr>
               <a:t>に</a:t>
             </a:r>
-            <a:endParaRPr lang="ja-JP" altLang="ja-JP" sz="3200" dirty="0">
+            <a:endParaRPr lang="ja-JP" altLang="ja-JP" sz="3600" dirty="0">
               <a:solidFill>
                 <a:schemeClr val="tx1"/>
               </a:solidFill>
@@ -30991,7 +30171,7 @@
           <p:cNvPr id="5124" name="Line 4">
             <a:extLst>
               <a:ext uri="{FF2B5EF4-FFF2-40B4-BE49-F238E27FC236}">
-                <a16:creationId xmlns="" xmlns:a16="http://schemas.microsoft.com/office/drawing/2014/main" id="{6C337AA1-BBAF-4D17-8765-494A7BC5F80D}"/>
+                <a16:creationId xmlns:a16="http://schemas.microsoft.com/office/drawing/2014/main" xmlns="" id="{6C337AA1-BBAF-4D17-8765-494A7BC5F80D}"/>
               </a:ext>
             </a:extLst>
           </p:cNvPr>
@@ -31038,7 +30218,7 @@
           <p:cNvPr id="5126" name="Text Box 6">
             <a:extLst>
               <a:ext uri="{FF2B5EF4-FFF2-40B4-BE49-F238E27FC236}">
-                <a16:creationId xmlns="" xmlns:a16="http://schemas.microsoft.com/office/drawing/2014/main" id="{E289A0E4-3DF5-4912-BE80-E2449558E136}"/>
+                <a16:creationId xmlns:a16="http://schemas.microsoft.com/office/drawing/2014/main" xmlns="" id="{E289A0E4-3DF5-4912-BE80-E2449558E136}"/>
               </a:ext>
             </a:extLst>
           </p:cNvPr>
@@ -31635,7 +30815,7 @@
         </p:nvSpPr>
         <p:spPr>
           <a:xfrm>
-            <a:off x="567036" y="755968"/>
+            <a:off x="568996" y="582866"/>
             <a:ext cx="8596381" cy="1096636"/>
           </a:xfrm>
         </p:spPr>
@@ -31644,7 +30824,7 @@
           <a:lstStyle/>
           <a:p>
             <a:r>
-              <a:rPr kumimoji="1" lang="ja-JP" altLang="en-US" sz="3600" dirty="0" smtClean="0">
+              <a:rPr kumimoji="1" lang="ja-JP" altLang="en-US" sz="3600" b="1" dirty="0" smtClean="0">
                 <a:solidFill>
                   <a:schemeClr val="tx1"/>
                 </a:solidFill>
@@ -31653,7 +30833,7 @@
               </a:rPr>
               <a:t>今後の目標と課題</a:t>
             </a:r>
-            <a:endParaRPr kumimoji="1" lang="ja-JP" altLang="en-US" sz="3600" dirty="0">
+            <a:endParaRPr kumimoji="1" lang="ja-JP" altLang="en-US" sz="3600" b="1" dirty="0">
               <a:solidFill>
                 <a:schemeClr val="tx1"/>
               </a:solidFill>
@@ -31692,7 +30872,7 @@
               <a:buNone/>
             </a:pPr>
             <a:r>
-              <a:rPr lang="ja-JP" altLang="en-US" sz="2800" dirty="0" smtClean="0">
+              <a:rPr lang="ja-JP" altLang="en-US" sz="2800" b="1" dirty="0" smtClean="0">
                 <a:latin typeface="SimSun" panose="02010600030101010101" pitchFamily="2" charset="-122"/>
                 <a:ea typeface="SimSun" panose="02010600030101010101" pitchFamily="2" charset="-122"/>
               </a:rPr>
@@ -31802,13 +30982,13 @@
               <a:buNone/>
             </a:pPr>
             <a:r>
-              <a:rPr lang="ja-JP" altLang="en-US" sz="2800" dirty="0">
+              <a:rPr lang="ja-JP" altLang="en-US" sz="2800" b="1" dirty="0">
                 <a:latin typeface="SimSun" panose="02010600030101010101" pitchFamily="2" charset="-122"/>
                 <a:ea typeface="SimSun" panose="02010600030101010101" pitchFamily="2" charset="-122"/>
               </a:rPr>
               <a:t>課題</a:t>
             </a:r>
-            <a:endParaRPr lang="en-US" altLang="ja-JP" sz="2800" dirty="0">
+            <a:endParaRPr lang="en-US" altLang="ja-JP" sz="2800" b="1" dirty="0">
               <a:latin typeface="SimSun" panose="02010600030101010101" pitchFamily="2" charset="-122"/>
               <a:ea typeface="SimSun" panose="02010600030101010101" pitchFamily="2" charset="-122"/>
             </a:endParaRPr>
@@ -32039,6 +31219,40 @@
           </a:p>
         </p:txBody>
       </p:sp>
+      <p:sp>
+        <p:nvSpPr>
+          <p:cNvPr id="9" name="Line 2"/>
+          <p:cNvSpPr/>
+          <p:nvPr/>
+        </p:nvSpPr>
+        <p:spPr>
+          <a:xfrm>
+            <a:off x="701661" y="1422039"/>
+            <a:ext cx="5183280" cy="1440"/>
+          </a:xfrm>
+          <a:prstGeom prst="line">
+            <a:avLst/>
+          </a:prstGeom>
+          <a:ln w="9360" cap="sq">
+            <a:solidFill>
+              <a:srgbClr val="000000"/>
+            </a:solidFill>
+            <a:miter/>
+          </a:ln>
+        </p:spPr>
+        <p:style>
+          <a:lnRef idx="0">
+            <a:scrgbClr r="0" g="0" b="0"/>
+          </a:lnRef>
+          <a:fillRef idx="0">
+            <a:scrgbClr r="0" g="0" b="0"/>
+          </a:fillRef>
+          <a:effectRef idx="0">
+            <a:scrgbClr r="0" g="0" b="0"/>
+          </a:effectRef>
+          <a:fontRef idx="minor"/>
+        </p:style>
+      </p:sp>
     </p:spTree>
     <p:extLst>
       <p:ext uri="{BB962C8B-B14F-4D97-AF65-F5344CB8AC3E}">
@@ -32098,7 +31312,7 @@
           <a:p>
             <a:pPr algn="ctr"/>
             <a:r>
-              <a:rPr lang="ja-JP" altLang="en-US" sz="4000" b="1" dirty="0">
+              <a:rPr lang="ja-JP" altLang="en-US" sz="4400" b="1" dirty="0">
                 <a:solidFill>
                   <a:srgbClr val="000000"/>
                 </a:solidFill>
@@ -32108,7 +31322,7 @@
               <a:t>研修</a:t>
             </a:r>
             <a:r>
-              <a:rPr lang="en-US" altLang="ja-JP" sz="4000" b="1" dirty="0">
+              <a:rPr lang="en-US" altLang="ja-JP" sz="4400" b="1" dirty="0">
                 <a:solidFill>
                   <a:srgbClr val="000000"/>
                 </a:solidFill>
@@ -32118,7 +31332,7 @@
               <a:t>3</a:t>
             </a:r>
             <a:r>
-              <a:rPr lang="ja-JP" altLang="en-US" sz="4000" b="1" dirty="0">
+              <a:rPr lang="ja-JP" altLang="en-US" sz="4400" b="1" dirty="0">
                 <a:solidFill>
                   <a:srgbClr val="000000"/>
                 </a:solidFill>
@@ -32128,7 +31342,7 @@
               <a:t>ヶ月間</a:t>
             </a:r>
             <a:r>
-              <a:rPr lang="ja-JP" altLang="en-US" sz="4000" b="1" dirty="0" smtClean="0">
+              <a:rPr lang="ja-JP" altLang="en-US" sz="4400" b="1" dirty="0" smtClean="0">
                 <a:solidFill>
                   <a:srgbClr val="000000"/>
                 </a:solidFill>
@@ -32455,8 +31669,8 @@
         </p:nvSpPr>
         <p:spPr>
           <a:xfrm>
-            <a:off x="1138314" y="1174086"/>
-            <a:ext cx="7239149" cy="584775"/>
+            <a:off x="1152045" y="932655"/>
+            <a:ext cx="7239149" cy="646331"/>
           </a:xfrm>
           <a:prstGeom prst="rect">
             <a:avLst/>
@@ -32470,31 +31684,31 @@
           <a:lstStyle/>
           <a:p>
             <a:r>
-              <a:rPr kumimoji="1" lang="ja-JP" altLang="en-US" sz="3200" b="1" dirty="0">
+              <a:rPr kumimoji="1" lang="ja-JP" altLang="en-US" sz="3600" b="1" dirty="0">
                 <a:solidFill>
                   <a:schemeClr val="tx1"/>
                 </a:solidFill>
-                <a:latin typeface="BIZ UDP明朝 Medium" panose="02020500000000000000" pitchFamily="18" charset="-128"/>
-                <a:ea typeface="BIZ UDP明朝 Medium" panose="02020500000000000000" pitchFamily="18" charset="-128"/>
+                <a:latin typeface="メイリオ" panose="020B0604030504040204" pitchFamily="50" charset="-128"/>
+                <a:ea typeface="メイリオ" panose="020B0604030504040204" pitchFamily="50" charset="-128"/>
               </a:rPr>
               <a:t>成長</a:t>
             </a:r>
             <a:r>
-              <a:rPr kumimoji="1" lang="ja-JP" altLang="en-US" sz="3200" b="1" dirty="0" smtClean="0">
+              <a:rPr kumimoji="1" lang="ja-JP" altLang="en-US" sz="3600" b="1" dirty="0" smtClean="0">
                 <a:solidFill>
                   <a:schemeClr val="tx1"/>
                 </a:solidFill>
-                <a:latin typeface="BIZ UDP明朝 Medium" panose="02020500000000000000" pitchFamily="18" charset="-128"/>
-                <a:ea typeface="BIZ UDP明朝 Medium" panose="02020500000000000000" pitchFamily="18" charset="-128"/>
+                <a:latin typeface="メイリオ" panose="020B0604030504040204" pitchFamily="50" charset="-128"/>
+                <a:ea typeface="メイリオ" panose="020B0604030504040204" pitchFamily="50" charset="-128"/>
               </a:rPr>
               <a:t>した点</a:t>
             </a:r>
-            <a:endParaRPr kumimoji="1" lang="ja-JP" altLang="en-US" sz="3200" b="1" dirty="0">
+            <a:endParaRPr kumimoji="1" lang="ja-JP" altLang="en-US" sz="3600" b="1" dirty="0">
               <a:solidFill>
                 <a:schemeClr val="tx1"/>
               </a:solidFill>
-              <a:latin typeface="BIZ UDP明朝 Medium" panose="02020500000000000000" pitchFamily="18" charset="-128"/>
-              <a:ea typeface="BIZ UDP明朝 Medium" panose="02020500000000000000" pitchFamily="18" charset="-128"/>
+              <a:latin typeface="メイリオ" panose="020B0604030504040204" pitchFamily="50" charset="-128"/>
+              <a:ea typeface="メイリオ" panose="020B0604030504040204" pitchFamily="50" charset="-128"/>
             </a:endParaRPr>
           </a:p>
         </p:txBody>
@@ -32704,6 +31918,40 @@
           </a:prstGeom>
         </p:spPr>
       </p:pic>
+      <p:sp>
+        <p:nvSpPr>
+          <p:cNvPr id="11" name="Line 2"/>
+          <p:cNvSpPr/>
+          <p:nvPr/>
+        </p:nvSpPr>
+        <p:spPr>
+          <a:xfrm>
+            <a:off x="1227833" y="1544776"/>
+            <a:ext cx="5183280" cy="1440"/>
+          </a:xfrm>
+          <a:prstGeom prst="line">
+            <a:avLst/>
+          </a:prstGeom>
+          <a:ln w="9360" cap="sq">
+            <a:solidFill>
+              <a:srgbClr val="000000"/>
+            </a:solidFill>
+            <a:miter/>
+          </a:ln>
+        </p:spPr>
+        <p:style>
+          <a:lnRef idx="0">
+            <a:scrgbClr r="0" g="0" b="0"/>
+          </a:lnRef>
+          <a:fillRef idx="0">
+            <a:scrgbClr r="0" g="0" b="0"/>
+          </a:fillRef>
+          <a:effectRef idx="0">
+            <a:scrgbClr r="0" g="0" b="0"/>
+          </a:effectRef>
+          <a:fontRef idx="minor"/>
+        </p:style>
+      </p:sp>
     </p:spTree>
     <p:extLst>
       <p:ext uri="{BB962C8B-B14F-4D97-AF65-F5344CB8AC3E}">
@@ -32714,11 +31962,11 @@
   <p:clrMapOvr>
     <a:masterClrMapping/>
   </p:clrMapOvr>
-  <mc:AlternateContent xmlns:mc="http://schemas.openxmlformats.org/markup-compatibility/2006">
-    <mc:Choice xmlns:p14="http://schemas.microsoft.com/office/powerpoint/2010/main" Requires="p14">
+  <mc:AlternateContent xmlns:mc="http://schemas.openxmlformats.org/markup-compatibility/2006" xmlns:p14="http://schemas.microsoft.com/office/powerpoint/2010/main">
+    <mc:Choice Requires="p14">
       <p:transition p14:dur="0"/>
     </mc:Choice>
-    <mc:Fallback>
+    <mc:Fallback xmlns="">
       <p:transition/>
     </mc:Fallback>
   </mc:AlternateContent>
@@ -32787,8 +32035,8 @@
         </p:nvSpPr>
         <p:spPr>
           <a:xfrm>
-            <a:off x="1573080" y="1549585"/>
-            <a:ext cx="6401197" cy="550279"/>
+            <a:off x="877734" y="853197"/>
+            <a:ext cx="6966413" cy="646331"/>
           </a:xfrm>
           <a:prstGeom prst="rect">
             <a:avLst/>
@@ -32801,23 +32049,42 @@
           </a:bodyPr>
           <a:lstStyle/>
           <a:p>
-            <a:pPr algn="ctr"/>
-            <a:r>
-              <a:rPr lang="ja-JP" altLang="en-US" sz="2976" dirty="0">
+            <a:r>
+              <a:rPr lang="ja-JP" altLang="en-US" sz="3600" b="1" dirty="0" smtClean="0">
                 <a:solidFill>
                   <a:schemeClr val="tx1"/>
                 </a:solidFill>
-                <a:latin typeface="BIZ UDP明朝 Medium" panose="02020500000000000000" pitchFamily="18" charset="-128"/>
-                <a:ea typeface="BIZ UDP明朝 Medium" panose="02020500000000000000" pitchFamily="18" charset="-128"/>
-              </a:rPr>
-              <a:t>今後の目標と課題</a:t>
-            </a:r>
-            <a:endParaRPr kumimoji="1" lang="ja-JP" altLang="en-US" sz="2976" dirty="0">
+                <a:latin typeface="メイリオ" panose="020B0604030504040204" pitchFamily="50" charset="-128"/>
+                <a:ea typeface="メイリオ" panose="020B0604030504040204" pitchFamily="50" charset="-128"/>
+              </a:rPr>
+              <a:t>今後</a:t>
+            </a:r>
+            <a:r>
+              <a:rPr lang="ja-JP" altLang="en-US" sz="3600" b="1" dirty="0">
+                <a:solidFill>
+                  <a:schemeClr val="tx1"/>
+                </a:solidFill>
+                <a:latin typeface="メイリオ" panose="020B0604030504040204" pitchFamily="50" charset="-128"/>
+                <a:ea typeface="メイリオ" panose="020B0604030504040204" pitchFamily="50" charset="-128"/>
+              </a:rPr>
+              <a:t>に向けた</a:t>
+            </a:r>
+            <a:r>
+              <a:rPr lang="ja-JP" altLang="en-US" sz="3600" b="1" dirty="0" smtClean="0">
+                <a:solidFill>
+                  <a:schemeClr val="tx1"/>
+                </a:solidFill>
+                <a:latin typeface="メイリオ" panose="020B0604030504040204" pitchFamily="50" charset="-128"/>
+                <a:ea typeface="メイリオ" panose="020B0604030504040204" pitchFamily="50" charset="-128"/>
+              </a:rPr>
+              <a:t>課題</a:t>
+            </a:r>
+            <a:endParaRPr kumimoji="1" lang="ja-JP" altLang="en-US" sz="3600" b="1" dirty="0">
               <a:solidFill>
                 <a:schemeClr val="tx1"/>
               </a:solidFill>
-              <a:latin typeface="BIZ UDP明朝 Medium" panose="02020500000000000000" pitchFamily="18" charset="-128"/>
-              <a:ea typeface="BIZ UDP明朝 Medium" panose="02020500000000000000" pitchFamily="18" charset="-128"/>
+              <a:latin typeface="メイリオ" panose="020B0604030504040204" pitchFamily="50" charset="-128"/>
+              <a:ea typeface="メイリオ" panose="020B0604030504040204" pitchFamily="50" charset="-128"/>
             </a:endParaRPr>
           </a:p>
         </p:txBody>
@@ -33090,6 +32357,40 @@
           </a:p>
         </p:txBody>
       </p:sp>
+      <p:sp>
+        <p:nvSpPr>
+          <p:cNvPr id="11" name="Line 2"/>
+          <p:cNvSpPr/>
+          <p:nvPr/>
+        </p:nvSpPr>
+        <p:spPr>
+          <a:xfrm>
+            <a:off x="877734" y="1465478"/>
+            <a:ext cx="5183280" cy="1440"/>
+          </a:xfrm>
+          <a:prstGeom prst="line">
+            <a:avLst/>
+          </a:prstGeom>
+          <a:ln w="9360" cap="sq">
+            <a:solidFill>
+              <a:srgbClr val="000000"/>
+            </a:solidFill>
+            <a:miter/>
+          </a:ln>
+        </p:spPr>
+        <p:style>
+          <a:lnRef idx="0">
+            <a:scrgbClr r="0" g="0" b="0"/>
+          </a:lnRef>
+          <a:fillRef idx="0">
+            <a:scrgbClr r="0" g="0" b="0"/>
+          </a:fillRef>
+          <a:effectRef idx="0">
+            <a:scrgbClr r="0" g="0" b="0"/>
+          </a:effectRef>
+          <a:fontRef idx="minor"/>
+        </p:style>
+      </p:sp>
     </p:spTree>
     <p:extLst>
       <p:ext uri="{BB962C8B-B14F-4D97-AF65-F5344CB8AC3E}">
@@ -33100,11 +32401,11 @@
   <p:clrMapOvr>
     <a:masterClrMapping/>
   </p:clrMapOvr>
-  <mc:AlternateContent xmlns:mc="http://schemas.openxmlformats.org/markup-compatibility/2006">
-    <mc:Choice xmlns:p14="http://schemas.microsoft.com/office/powerpoint/2010/main" Requires="p14">
+  <mc:AlternateContent xmlns:mc="http://schemas.openxmlformats.org/markup-compatibility/2006" xmlns:p14="http://schemas.microsoft.com/office/powerpoint/2010/main">
+    <mc:Choice Requires="p14">
       <p:transition p14:dur="0"/>
     </mc:Choice>
-    <mc:Fallback>
+    <mc:Fallback xmlns="">
       <p:transition/>
     </mc:Fallback>
   </mc:AlternateContent>
@@ -33157,7 +32458,7 @@
           <a:p>
             <a:pPr algn="ctr"/>
             <a:r>
-              <a:rPr lang="ja-JP" altLang="en-US" sz="4000" b="1" dirty="0">
+              <a:rPr lang="ja-JP" altLang="en-US" sz="4400" b="1" dirty="0">
                 <a:solidFill>
                   <a:srgbClr val="000000"/>
                 </a:solidFill>
@@ -33167,7 +32468,7 @@
               <a:t>研修</a:t>
             </a:r>
             <a:r>
-              <a:rPr lang="en-US" altLang="ja-JP" sz="4000" b="1" dirty="0">
+              <a:rPr lang="en-US" altLang="ja-JP" sz="4400" b="1" dirty="0">
                 <a:solidFill>
                   <a:srgbClr val="000000"/>
                 </a:solidFill>
@@ -33177,7 +32478,7 @@
               <a:t>3</a:t>
             </a:r>
             <a:r>
-              <a:rPr lang="ja-JP" altLang="en-US" sz="4000" b="1" dirty="0">
+              <a:rPr lang="ja-JP" altLang="en-US" sz="4400" b="1" dirty="0">
                 <a:solidFill>
                   <a:srgbClr val="000000"/>
                 </a:solidFill>
@@ -33187,7 +32488,7 @@
               <a:t>ヶ月間</a:t>
             </a:r>
             <a:r>
-              <a:rPr lang="ja-JP" altLang="en-US" sz="4000" b="1" dirty="0" smtClean="0">
+              <a:rPr lang="ja-JP" altLang="en-US" sz="4400" b="1" dirty="0" smtClean="0">
                 <a:solidFill>
                   <a:srgbClr val="000000"/>
                 </a:solidFill>
@@ -33197,7 +32498,7 @@
               <a:t>の振り返り</a:t>
             </a:r>
             <a:r>
-              <a:rPr lang="en-US" altLang="ja-JP" sz="4000" b="1" dirty="0" smtClean="0">
+              <a:rPr lang="en-US" altLang="ja-JP" sz="4400" b="1" dirty="0" smtClean="0">
                 <a:solidFill>
                   <a:srgbClr val="000000"/>
                 </a:solidFill>
@@ -33207,7 +32508,7 @@
               <a:t/>
             </a:r>
             <a:br>
-              <a:rPr lang="en-US" altLang="ja-JP" sz="4000" b="1" dirty="0" smtClean="0">
+              <a:rPr lang="en-US" altLang="ja-JP" sz="4400" b="1" dirty="0" smtClean="0">
                 <a:solidFill>
                   <a:srgbClr val="000000"/>
                 </a:solidFill>
@@ -33216,7 +32517,7 @@
               </a:rPr>
             </a:br>
             <a:r>
-              <a:rPr lang="en-US" altLang="ja-JP" sz="4000" b="1" dirty="0">
+              <a:rPr lang="en-US" altLang="ja-JP" sz="4400" b="1" dirty="0">
                 <a:solidFill>
                   <a:srgbClr val="000000"/>
                 </a:solidFill>
@@ -33226,7 +32527,7 @@
               <a:t/>
             </a:r>
             <a:br>
-              <a:rPr lang="en-US" altLang="ja-JP" sz="4000" b="1" dirty="0">
+              <a:rPr lang="en-US" altLang="ja-JP" sz="4400" b="1" dirty="0">
                 <a:solidFill>
                   <a:srgbClr val="000000"/>
                 </a:solidFill>
@@ -33472,7 +32773,7 @@
               </a:tabLst>
             </a:pPr>
             <a:r>
-              <a:rPr lang="ja-JP" sz="3200" b="0" strike="noStrike" spc="-1" dirty="0" smtClean="0">
+              <a:rPr lang="ja-JP" sz="3600" b="1" strike="noStrike" spc="-1" dirty="0" smtClean="0">
                 <a:solidFill>
                   <a:srgbClr val="000000"/>
                 </a:solidFill>
@@ -33482,7 +32783,7 @@
               <a:t>成長</a:t>
             </a:r>
             <a:r>
-              <a:rPr lang="ja-JP" sz="3200" b="0" strike="noStrike" spc="-1" dirty="0">
+              <a:rPr lang="ja-JP" sz="3600" b="1" strike="noStrike" spc="-1" dirty="0">
                 <a:solidFill>
                   <a:srgbClr val="000000"/>
                 </a:solidFill>
@@ -33492,7 +32793,7 @@
               <a:t>した</a:t>
             </a:r>
             <a:r>
-              <a:rPr lang="ja-JP" sz="3200" b="0" strike="noStrike" spc="-1" dirty="0" smtClean="0">
+              <a:rPr lang="ja-JP" sz="3600" b="1" strike="noStrike" spc="-1" dirty="0" smtClean="0">
                 <a:solidFill>
                   <a:srgbClr val="000000"/>
                 </a:solidFill>
@@ -33501,7 +32802,7 @@
               </a:rPr>
               <a:t>点</a:t>
             </a:r>
-            <a:endParaRPr lang="en-US" sz="3200" b="0" strike="noStrike" spc="-1" dirty="0">
+            <a:endParaRPr lang="en-US" sz="3600" b="1" strike="noStrike" spc="-1" dirty="0">
               <a:latin typeface="Arial"/>
             </a:endParaRPr>
           </a:p>
@@ -33550,7 +32851,7 @@
         <p:spPr>
           <a:xfrm>
             <a:off x="504000" y="1768680"/>
-            <a:ext cx="4426560" cy="4383720"/>
+            <a:ext cx="4032256" cy="4383720"/>
           </a:xfrm>
           <a:prstGeom prst="rect">
             <a:avLst/>
@@ -33643,7 +32944,7 @@
             </a:endParaRPr>
           </a:p>
           <a:p>
-            <a:pPr marL="432000" indent="-323640">
+            <a:pPr marL="108360">
               <a:lnSpc>
                 <a:spcPct val="100000"/>
               </a:lnSpc>
@@ -33654,8 +32955,6 @@
                 <a:srgbClr val="000000"/>
               </a:buClr>
               <a:buSzPct val="45000"/>
-              <a:buFont typeface="Wingdings" charset="2"/>
-              <a:buChar char=""/>
             </a:pPr>
             <a:r>
               <a:rPr lang="ja-JP" sz="2400" b="0" strike="noStrike" cap="all" spc="-1" dirty="0">
@@ -33776,7 +33075,7 @@
             </a:endParaRPr>
           </a:p>
           <a:p>
-            <a:pPr marL="432000" indent="-323640">
+            <a:pPr marL="108360">
               <a:lnSpc>
                 <a:spcPct val="100000"/>
               </a:lnSpc>
@@ -33787,8 +33086,6 @@
                 <a:srgbClr val="000000"/>
               </a:buClr>
               <a:buSzPct val="45000"/>
-              <a:buFont typeface="Wingdings" charset="2"/>
-              <a:buChar char=""/>
             </a:pPr>
             <a:r>
               <a:rPr lang="ja-JP" sz="2400" b="0" strike="noStrike" cap="all" spc="-1" dirty="0">
@@ -33882,7 +33179,7 @@
         </p:blipFill>
         <p:spPr>
           <a:xfrm>
-            <a:off x="6300000" y="1800000"/>
+            <a:off x="5852880" y="1800900"/>
             <a:ext cx="2159640" cy="2159640"/>
           </a:xfrm>
           <a:prstGeom prst="rect">
@@ -34087,7 +33384,7 @@
               </a:tabLst>
             </a:pPr>
             <a:r>
-              <a:rPr lang="ja-JP" sz="3200" b="1" strike="noStrike" spc="-1" dirty="0" smtClean="0">
+              <a:rPr lang="ja-JP" sz="3600" b="1" strike="noStrike" spc="-1" dirty="0" smtClean="0">
                 <a:solidFill>
                   <a:srgbClr val="000000"/>
                 </a:solidFill>
@@ -34097,7 +33394,7 @@
               <a:t>今後</a:t>
             </a:r>
             <a:r>
-              <a:rPr lang="ja-JP" sz="3200" b="1" strike="noStrike" spc="-1" dirty="0">
+              <a:rPr lang="ja-JP" sz="3600" b="1" strike="noStrike" spc="-1" dirty="0">
                 <a:solidFill>
                   <a:srgbClr val="000000"/>
                 </a:solidFill>
@@ -34107,7 +33404,7 @@
               <a:t>に向けた</a:t>
             </a:r>
             <a:r>
-              <a:rPr lang="ja-JP" sz="3200" b="1" strike="noStrike" spc="-1" dirty="0" smtClean="0">
+              <a:rPr lang="ja-JP" sz="3600" b="1" strike="noStrike" spc="-1" dirty="0" smtClean="0">
                 <a:solidFill>
                   <a:srgbClr val="000000"/>
                 </a:solidFill>
@@ -34116,7 +33413,7 @@
               </a:rPr>
               <a:t>課題</a:t>
             </a:r>
-            <a:endParaRPr lang="en-US" sz="3200" b="1" strike="noStrike" spc="-1" dirty="0">
+            <a:endParaRPr lang="en-US" sz="3600" b="1" strike="noStrike" spc="-1" dirty="0">
               <a:latin typeface="Arial"/>
             </a:endParaRPr>
           </a:p>
@@ -34264,7 +33561,7 @@
             </a:endParaRPr>
           </a:p>
           <a:p>
-            <a:pPr marL="432000" indent="-323640">
+            <a:pPr marL="108360">
               <a:lnSpc>
                 <a:spcPct val="100000"/>
               </a:lnSpc>
@@ -34275,18 +33572,47 @@
                 <a:srgbClr val="000000"/>
               </a:buClr>
               <a:buSzPct val="45000"/>
-              <a:buFont typeface="Wingdings" charset="2"/>
-              <a:buChar char=""/>
             </a:pPr>
-            <a:r>
-              <a:rPr lang="ja-JP" sz="2400" b="0" strike="noStrike" cap="all" spc="-1" dirty="0">
+            <a:endParaRPr lang="en-US" altLang="ja-JP" sz="2400" b="0" strike="noStrike" cap="all" spc="-1" dirty="0" smtClean="0">
+              <a:solidFill>
+                <a:srgbClr val="000000"/>
+              </a:solidFill>
+              <a:latin typeface="SimSun" panose="02010600030101010101" pitchFamily="2" charset="-122"/>
+              <a:ea typeface="SimSun" panose="02010600030101010101" pitchFamily="2" charset="-122"/>
+            </a:endParaRPr>
+          </a:p>
+          <a:p>
+            <a:pPr marL="108360">
+              <a:lnSpc>
+                <a:spcPct val="100000"/>
+              </a:lnSpc>
+              <a:spcBef>
+                <a:spcPts val="1417"/>
+              </a:spcBef>
+              <a:buClr>
+                <a:srgbClr val="000000"/>
+              </a:buClr>
+              <a:buSzPct val="45000"/>
+            </a:pPr>
+            <a:r>
+              <a:rPr lang="ja-JP" sz="2400" b="0" strike="noStrike" cap="all" spc="-1" dirty="0" smtClean="0">
                 <a:solidFill>
                   <a:srgbClr val="000000"/>
                 </a:solidFill>
                 <a:latin typeface="SimSun" panose="02010600030101010101" pitchFamily="2" charset="-122"/>
                 <a:ea typeface="SimSun" panose="02010600030101010101" pitchFamily="2" charset="-122"/>
               </a:rPr>
-              <a:t>自分の力でコードを書けるようにする</a:t>
+              <a:t>自分</a:t>
+            </a:r>
+            <a:r>
+              <a:rPr lang="ja-JP" sz="2400" b="0" strike="noStrike" cap="all" spc="-1" dirty="0">
+                <a:solidFill>
+                  <a:srgbClr val="000000"/>
+                </a:solidFill>
+                <a:latin typeface="SimSun" panose="02010600030101010101" pitchFamily="2" charset="-122"/>
+                <a:ea typeface="SimSun" panose="02010600030101010101" pitchFamily="2" charset="-122"/>
+              </a:rPr>
+              <a:t>の力でコードを書けるようにする</a:t>
             </a:r>
             <a:endParaRPr lang="en-US" sz="2400" b="0" strike="noStrike" spc="-1" dirty="0">
               <a:latin typeface="SimSun" panose="02010600030101010101" pitchFamily="2" charset="-122"/>
@@ -34397,7 +33723,7 @@
             </a:endParaRPr>
           </a:p>
           <a:p>
-            <a:pPr marL="451260" indent="-342900">
+            <a:pPr marL="108360">
               <a:lnSpc>
                 <a:spcPct val="100000"/>
               </a:lnSpc>
@@ -34408,18 +33734,47 @@
                 <a:srgbClr val="000000"/>
               </a:buClr>
               <a:buSzPct val="45000"/>
-              <a:buFont typeface="Wingdings" panose="05000000000000000000" pitchFamily="2" charset="2"/>
-              <a:buChar char="l"/>
             </a:pPr>
-            <a:r>
-              <a:rPr lang="ja-JP" sz="2400" b="0" strike="noStrike" cap="all" spc="-1" dirty="0">
+            <a:endParaRPr lang="en-US" altLang="ja-JP" sz="2400" b="0" strike="noStrike" cap="all" spc="-1" dirty="0" smtClean="0">
+              <a:solidFill>
+                <a:srgbClr val="000000"/>
+              </a:solidFill>
+              <a:latin typeface="SimSun" panose="02010600030101010101" pitchFamily="2" charset="-122"/>
+              <a:ea typeface="SimSun" panose="02010600030101010101" pitchFamily="2" charset="-122"/>
+            </a:endParaRPr>
+          </a:p>
+          <a:p>
+            <a:pPr marL="108360">
+              <a:lnSpc>
+                <a:spcPct val="100000"/>
+              </a:lnSpc>
+              <a:spcBef>
+                <a:spcPts val="1417"/>
+              </a:spcBef>
+              <a:buClr>
+                <a:srgbClr val="000000"/>
+              </a:buClr>
+              <a:buSzPct val="45000"/>
+            </a:pPr>
+            <a:r>
+              <a:rPr lang="ja-JP" sz="2400" b="0" strike="noStrike" cap="all" spc="-1" dirty="0" smtClean="0">
                 <a:solidFill>
                   <a:srgbClr val="000000"/>
                 </a:solidFill>
                 <a:latin typeface="SimSun" panose="02010600030101010101" pitchFamily="2" charset="-122"/>
                 <a:ea typeface="SimSun" panose="02010600030101010101" pitchFamily="2" charset="-122"/>
               </a:rPr>
-              <a:t>不明点は積極的</a:t>
+              <a:t>不明点</a:t>
+            </a:r>
+            <a:r>
+              <a:rPr lang="ja-JP" sz="2400" b="0" strike="noStrike" cap="all" spc="-1" dirty="0">
+                <a:solidFill>
+                  <a:srgbClr val="000000"/>
+                </a:solidFill>
+                <a:latin typeface="SimSun" panose="02010600030101010101" pitchFamily="2" charset="-122"/>
+                <a:ea typeface="SimSun" panose="02010600030101010101" pitchFamily="2" charset="-122"/>
+              </a:rPr>
+              <a:t>は積極的</a:t>
             </a:r>
             <a:r>
               <a:rPr lang="ja-JP" sz="2400" b="0" strike="noStrike" cap="all" spc="-1" dirty="0" smtClean="0">
@@ -34480,7 +33835,7 @@
         </p:blipFill>
         <p:spPr>
           <a:xfrm>
-            <a:off x="1652400" y="1782000"/>
+            <a:off x="1548320" y="1993702"/>
             <a:ext cx="2159640" cy="2159640"/>
           </a:xfrm>
           <a:prstGeom prst="rect">
@@ -34503,7 +33858,7 @@
         </p:blipFill>
         <p:spPr>
           <a:xfrm>
-            <a:off x="5832400" y="1986053"/>
+            <a:off x="5924216" y="2167422"/>
             <a:ext cx="1728576" cy="1751533"/>
           </a:xfrm>
           <a:prstGeom prst="rect">
@@ -34923,13 +34278,18 @@
             <p:ph type="title"/>
           </p:nvPr>
         </p:nvSpPr>
-        <p:spPr/>
+        <p:spPr>
+          <a:xfrm>
+            <a:off x="567037" y="683493"/>
+            <a:ext cx="8596381" cy="1269828"/>
+          </a:xfrm>
+        </p:spPr>
         <p:txBody>
           <a:bodyPr/>
           <a:lstStyle/>
           <a:p>
             <a:r>
-              <a:rPr kumimoji="1" lang="ja-JP" altLang="en-US" sz="3200" b="1" dirty="0" smtClean="0">
+              <a:rPr kumimoji="1" lang="ja-JP" altLang="en-US" sz="3600" b="1" dirty="0" smtClean="0">
                 <a:solidFill>
                   <a:schemeClr val="tx1"/>
                 </a:solidFill>
@@ -34938,7 +34298,7 @@
               </a:rPr>
               <a:t>成長した点</a:t>
             </a:r>
-            <a:endParaRPr kumimoji="1" lang="ja-JP" altLang="en-US" sz="3200" b="1" dirty="0">
+            <a:endParaRPr kumimoji="1" lang="ja-JP" altLang="en-US" sz="3600" b="1" dirty="0">
               <a:solidFill>
                 <a:schemeClr val="tx1"/>
               </a:solidFill>
@@ -34958,14 +34318,14 @@
             <p:ph idx="4294967295"/>
             <p:extLst>
               <p:ext uri="{D42A27DB-BD31-4B8C-83A1-F6EECF244321}">
-                <p14:modId xmlns:p14="http://schemas.microsoft.com/office/powerpoint/2010/main" val="1895542605"/>
+                <p14:modId xmlns:p14="http://schemas.microsoft.com/office/powerpoint/2010/main" val="794653742"/>
               </p:ext>
             </p:extLst>
           </p:nvPr>
         </p:nvGraphicFramePr>
         <p:xfrm>
-          <a:off x="818573" y="2123653"/>
-          <a:ext cx="8316516" cy="3326081"/>
+          <a:off x="287784" y="2123653"/>
+          <a:ext cx="9433047" cy="3528392"/>
         </p:xfrm>
         <a:graphic>
           <a:graphicData uri="http://schemas.openxmlformats.org/drawingml/2006/diagram">
@@ -35056,6 +34416,40 @@
           </a:prstGeom>
         </p:spPr>
       </p:pic>
+      <p:sp>
+        <p:nvSpPr>
+          <p:cNvPr id="6" name="Line 2"/>
+          <p:cNvSpPr/>
+          <p:nvPr/>
+        </p:nvSpPr>
+        <p:spPr>
+          <a:xfrm>
+            <a:off x="567037" y="1619597"/>
+            <a:ext cx="5183280" cy="1440"/>
+          </a:xfrm>
+          <a:prstGeom prst="line">
+            <a:avLst/>
+          </a:prstGeom>
+          <a:ln w="9360" cap="sq">
+            <a:solidFill>
+              <a:srgbClr val="000000"/>
+            </a:solidFill>
+            <a:miter/>
+          </a:ln>
+        </p:spPr>
+        <p:style>
+          <a:lnRef idx="0">
+            <a:scrgbClr r="0" g="0" b="0"/>
+          </a:lnRef>
+          <a:fillRef idx="0">
+            <a:scrgbClr r="0" g="0" b="0"/>
+          </a:fillRef>
+          <a:effectRef idx="0">
+            <a:scrgbClr r="0" g="0" b="0"/>
+          </a:effectRef>
+          <a:fontRef idx="minor"/>
+        </p:style>
+      </p:sp>
     </p:spTree>
     <p:extLst>
       <p:ext uri="{BB962C8B-B14F-4D97-AF65-F5344CB8AC3E}">
@@ -35103,13 +34497,18 @@
             <p:ph type="title"/>
           </p:nvPr>
         </p:nvSpPr>
-        <p:spPr/>
+        <p:spPr>
+          <a:xfrm>
+            <a:off x="779106" y="683493"/>
+            <a:ext cx="8596381" cy="1269828"/>
+          </a:xfrm>
+        </p:spPr>
         <p:txBody>
           <a:bodyPr/>
           <a:lstStyle/>
           <a:p>
             <a:r>
-              <a:rPr kumimoji="1" lang="ja-JP" altLang="en-US" sz="3200" b="1" dirty="0" smtClean="0">
+              <a:rPr kumimoji="1" lang="ja-JP" altLang="en-US" sz="3600" b="1" dirty="0" smtClean="0">
                 <a:solidFill>
                   <a:schemeClr val="tx1"/>
                 </a:solidFill>
@@ -35118,7 +34517,7 @@
               </a:rPr>
               <a:t>今後の課題</a:t>
             </a:r>
-            <a:endParaRPr kumimoji="1" lang="ja-JP" altLang="en-US" sz="3200" b="1" dirty="0">
+            <a:endParaRPr kumimoji="1" lang="ja-JP" altLang="en-US" sz="3600" b="1" dirty="0">
               <a:solidFill>
                 <a:schemeClr val="tx1"/>
               </a:solidFill>
@@ -35138,14 +34537,14 @@
             <p:ph idx="4294967295"/>
             <p:extLst>
               <p:ext uri="{D42A27DB-BD31-4B8C-83A1-F6EECF244321}">
-                <p14:modId xmlns:p14="http://schemas.microsoft.com/office/powerpoint/2010/main" val="2455483689"/>
+                <p14:modId xmlns:p14="http://schemas.microsoft.com/office/powerpoint/2010/main" val="1725553114"/>
               </p:ext>
             </p:extLst>
           </p:nvPr>
         </p:nvGraphicFramePr>
         <p:xfrm>
           <a:off x="0" y="2025797"/>
-          <a:ext cx="8644864" cy="3597786"/>
+          <a:ext cx="9000752" cy="3597786"/>
         </p:xfrm>
         <a:graphic>
           <a:graphicData uri="http://schemas.openxmlformats.org/drawingml/2006/diagram">
@@ -35236,6 +34635,40 @@
           </a:prstGeom>
         </p:spPr>
       </p:pic>
+      <p:sp>
+        <p:nvSpPr>
+          <p:cNvPr id="6" name="Line 2"/>
+          <p:cNvSpPr/>
+          <p:nvPr/>
+        </p:nvSpPr>
+        <p:spPr>
+          <a:xfrm>
+            <a:off x="779106" y="1619597"/>
+            <a:ext cx="5183280" cy="1440"/>
+          </a:xfrm>
+          <a:prstGeom prst="line">
+            <a:avLst/>
+          </a:prstGeom>
+          <a:ln w="9360" cap="sq">
+            <a:solidFill>
+              <a:srgbClr val="000000"/>
+            </a:solidFill>
+            <a:miter/>
+          </a:ln>
+        </p:spPr>
+        <p:style>
+          <a:lnRef idx="0">
+            <a:scrgbClr r="0" g="0" b="0"/>
+          </a:lnRef>
+          <a:fillRef idx="0">
+            <a:scrgbClr r="0" g="0" b="0"/>
+          </a:fillRef>
+          <a:effectRef idx="0">
+            <a:scrgbClr r="0" g="0" b="0"/>
+          </a:effectRef>
+          <a:fontRef idx="minor"/>
+        </p:style>
+      </p:sp>
     </p:spTree>
     <p:extLst>
       <p:ext uri="{BB962C8B-B14F-4D97-AF65-F5344CB8AC3E}">
@@ -35278,7 +34711,7 @@
           <p:cNvPr id="7171" name="Text Box 2">
             <a:extLst>
               <a:ext uri="{FF2B5EF4-FFF2-40B4-BE49-F238E27FC236}">
-                <a16:creationId xmlns="" xmlns:a16="http://schemas.microsoft.com/office/drawing/2014/main" id="{2A9FB9B3-A694-4BFF-9F4B-802A96DBA486}"/>
+                <a16:creationId xmlns:a16="http://schemas.microsoft.com/office/drawing/2014/main" xmlns="" id="{2A9FB9B3-A694-4BFF-9F4B-802A96DBA486}"/>
               </a:ext>
             </a:extLst>
           </p:cNvPr>
@@ -35643,7 +35076,7 @@
               <a:buSzPct val="100000"/>
             </a:pPr>
             <a:r>
-              <a:rPr lang="ja-JP" altLang="ja-JP" sz="3200" b="1" dirty="0">
+              <a:rPr lang="ja-JP" altLang="ja-JP" sz="3600" b="1" dirty="0">
                 <a:solidFill>
                   <a:srgbClr val="000000"/>
                 </a:solidFill>
@@ -35660,7 +35093,7 @@
           <p:cNvPr id="7173" name="Line 5">
             <a:extLst>
               <a:ext uri="{FF2B5EF4-FFF2-40B4-BE49-F238E27FC236}">
-                <a16:creationId xmlns="" xmlns:a16="http://schemas.microsoft.com/office/drawing/2014/main" id="{6924EA0B-A060-4E7C-9BDE-018226CE6611}"/>
+                <a16:creationId xmlns:a16="http://schemas.microsoft.com/office/drawing/2014/main" xmlns="" id="{6924EA0B-A060-4E7C-9BDE-018226CE6611}"/>
               </a:ext>
             </a:extLst>
           </p:cNvPr>
@@ -35707,7 +35140,7 @@
           <p:cNvPr id="3" name="コンテンツ プレースホルダー 2">
             <a:extLst>
               <a:ext uri="{FF2B5EF4-FFF2-40B4-BE49-F238E27FC236}">
-                <a16:creationId xmlns="" xmlns:a16="http://schemas.microsoft.com/office/drawing/2014/main" id="{4AA43CD3-228F-4659-BB4B-665BBD61F4C0}"/>
+                <a16:creationId xmlns:a16="http://schemas.microsoft.com/office/drawing/2014/main" xmlns="" id="{4AA43CD3-228F-4659-BB4B-665BBD61F4C0}"/>
               </a:ext>
             </a:extLst>
           </p:cNvPr>
@@ -35737,7 +35170,7 @@
               <a:spcAft>
                 <a:spcPts val="1425"/>
               </a:spcAft>
-              <a:buSzPct val="45000"/>
+              <a:buSzPct val="50000"/>
               <a:buFont typeface="Wingdings" panose="05000000000000000000" pitchFamily="2" charset="2"/>
               <a:buChar char="l"/>
             </a:pPr>
@@ -35777,7 +35210,7 @@
               <a:spcAft>
                 <a:spcPts val="1425"/>
               </a:spcAft>
-              <a:buSzPct val="45000"/>
+              <a:buSzPct val="50000"/>
               <a:buFont typeface="Wingdings" panose="05000000000000000000" pitchFamily="2" charset="2"/>
               <a:buChar char="l"/>
             </a:pPr>
@@ -35817,7 +35250,7 @@
               <a:spcAft>
                 <a:spcPts val="1425"/>
               </a:spcAft>
-              <a:buSzPct val="45000"/>
+              <a:buSzPct val="50000"/>
               <a:buFont typeface="Wingdings" panose="05000000000000000000" pitchFamily="2" charset="2"/>
               <a:buChar char="l"/>
             </a:pPr>
@@ -35857,7 +35290,7 @@
               <a:spcAft>
                 <a:spcPts val="1425"/>
               </a:spcAft>
-              <a:buSzPct val="45000"/>
+              <a:buSzPct val="50000"/>
               <a:buFont typeface="Wingdings" panose="05000000000000000000" pitchFamily="2" charset="2"/>
               <a:buChar char="l"/>
             </a:pPr>
@@ -35887,7 +35320,7 @@
               <a:spcAft>
                 <a:spcPts val="1425"/>
               </a:spcAft>
-              <a:buSzPct val="45000"/>
+              <a:buSzPct val="50000"/>
               <a:buFont typeface="Wingdings" panose="05000000000000000000" pitchFamily="2" charset="2"/>
               <a:buChar char="l"/>
             </a:pPr>
@@ -36072,7 +35505,33 @@
           <a:bodyPr/>
           <a:lstStyle/>
           <a:p>
-            <a:endParaRPr kumimoji="1" lang="ja-JP" altLang="en-US" dirty="0"/>
+            <a:r>
+              <a:rPr lang="ja-JP" altLang="en-US" sz="3600" b="1" dirty="0">
+                <a:solidFill>
+                  <a:schemeClr val="tx1"/>
+                </a:solidFill>
+                <a:latin typeface="メイリオ" panose="020B0604030504040204" pitchFamily="50" charset="-128"/>
+                <a:ea typeface="メイリオ" panose="020B0604030504040204" pitchFamily="50" charset="-128"/>
+              </a:rPr>
+              <a:t>チームとして</a:t>
+            </a:r>
+            <a:r>
+              <a:rPr lang="ja-JP" altLang="en-US" sz="3600" b="1" dirty="0" smtClean="0">
+                <a:solidFill>
+                  <a:schemeClr val="tx1"/>
+                </a:solidFill>
+                <a:latin typeface="メイリオ" panose="020B0604030504040204" pitchFamily="50" charset="-128"/>
+                <a:ea typeface="メイリオ" panose="020B0604030504040204" pitchFamily="50" charset="-128"/>
+              </a:rPr>
+              <a:t>の抱負</a:t>
+            </a:r>
+            <a:endParaRPr kumimoji="1" lang="ja-JP" altLang="en-US" sz="3600" b="1" dirty="0">
+              <a:solidFill>
+                <a:schemeClr val="tx1"/>
+              </a:solidFill>
+              <a:latin typeface="メイリオ" panose="020B0604030504040204" pitchFamily="50" charset="-128"/>
+              <a:ea typeface="メイリオ" panose="020B0604030504040204" pitchFamily="50" charset="-128"/>
+            </a:endParaRPr>
           </a:p>
         </p:txBody>
       </p:sp>
@@ -36086,12 +35545,68 @@
             <p:ph sz="quarter" idx="13"/>
           </p:nvPr>
         </p:nvSpPr>
-        <p:spPr/>
+        <p:spPr>
+          <a:xfrm>
+            <a:off x="567036" y="2274512"/>
+            <a:ext cx="8594582" cy="3161509"/>
+          </a:xfrm>
+        </p:spPr>
         <p:txBody>
-          <a:bodyPr/>
+          <a:bodyPr>
+            <a:normAutofit/>
+          </a:bodyPr>
           <a:lstStyle/>
           <a:p>
-            <a:endParaRPr kumimoji="1" lang="ja-JP" altLang="en-US"/>
+            <a:pPr marL="0" indent="0">
+              <a:buNone/>
+            </a:pPr>
+            <a:r>
+              <a:rPr kumimoji="1" lang="ja-JP" altLang="en-US" sz="3600" dirty="0" smtClean="0">
+                <a:latin typeface="SimSun" panose="02010600030101010101" pitchFamily="2" charset="-122"/>
+                <a:ea typeface="SimSun" panose="02010600030101010101" pitchFamily="2" charset="-122"/>
+              </a:rPr>
+              <a:t>話しやすい環境づくりに心がける</a:t>
+            </a:r>
+            <a:endParaRPr kumimoji="1" lang="en-US" altLang="ja-JP" sz="3600" dirty="0" smtClean="0">
+              <a:latin typeface="SimSun" panose="02010600030101010101" pitchFamily="2" charset="-122"/>
+              <a:ea typeface="SimSun" panose="02010600030101010101" pitchFamily="2" charset="-122"/>
+            </a:endParaRPr>
+          </a:p>
+          <a:p>
+            <a:pPr marL="0" indent="0">
+              <a:buNone/>
+            </a:pPr>
+            <a:r>
+              <a:rPr lang="ja-JP" altLang="en-US" sz="2400" dirty="0">
+                <a:latin typeface="SimSun" panose="02010600030101010101" pitchFamily="2" charset="-122"/>
+                <a:ea typeface="SimSun" panose="02010600030101010101" pitchFamily="2" charset="-122"/>
+              </a:rPr>
+              <a:t>意思疎通やコミュニケーションを取れていないと完成イメージがバラバラになってしまう</a:t>
+            </a:r>
+            <a:r>
+              <a:rPr lang="ja-JP" altLang="en-US" sz="2400" dirty="0">
+                <a:latin typeface="SimSun" panose="02010600030101010101" pitchFamily="2" charset="-122"/>
+                <a:ea typeface="SimSun" panose="02010600030101010101" pitchFamily="2" charset="-122"/>
+              </a:rPr>
+              <a:t/>
+            </a:r>
+            <a:br>
+              <a:rPr lang="ja-JP" altLang="en-US" sz="2400" dirty="0">
+                <a:latin typeface="SimSun" panose="02010600030101010101" pitchFamily="2" charset="-122"/>
+                <a:ea typeface="SimSun" panose="02010600030101010101" pitchFamily="2" charset="-122"/>
+              </a:rPr>
+            </a:br>
+            <a:r>
+              <a:rPr lang="ja-JP" altLang="en-US" sz="2400" dirty="0">
+                <a:latin typeface="SimSun" panose="02010600030101010101" pitchFamily="2" charset="-122"/>
+                <a:ea typeface="SimSun" panose="02010600030101010101" pitchFamily="2" charset="-122"/>
+              </a:rPr>
+              <a:t>そのため、疑問点が出た場合、具体的に伝わりやすく質問できる環境を作ること。</a:t>
+            </a:r>
+            <a:endParaRPr kumimoji="1" lang="ja-JP" altLang="en-US" sz="2400" dirty="0">
+              <a:latin typeface="SimSun" panose="02010600030101010101" pitchFamily="2" charset="-122"/>
+              <a:ea typeface="SimSun" panose="02010600030101010101" pitchFamily="2" charset="-122"/>
+            </a:endParaRPr>
           </a:p>
         </p:txBody>
       </p:sp>
@@ -36105,26 +35620,112 @@
             <p:ph type="ftr" sz="quarter" idx="11"/>
           </p:nvPr>
         </p:nvSpPr>
-        <p:spPr/>
+        <p:spPr>
+          <a:xfrm>
+            <a:off x="567037" y="6346394"/>
+            <a:ext cx="9009779" cy="549471"/>
+          </a:xfrm>
+        </p:spPr>
         <p:txBody>
           <a:bodyPr/>
           <a:lstStyle/>
           <a:p>
-            <a:r>
-              <a:rPr lang="en-US" altLang="ja-JP" smtClean="0"/>
+            <a:pPr algn="r"/>
+            <a:r>
+              <a:rPr lang="en-US" altLang="ja-JP" sz="2400" dirty="0" smtClean="0">
+                <a:solidFill>
+                  <a:srgbClr val="FFC000"/>
+                </a:solidFill>
+              </a:rPr>
               <a:t>©</a:t>
             </a:r>
             <a:r>
-              <a:rPr lang="ja-JP" altLang="en-US" smtClean="0"/>
+              <a:rPr lang="ja-JP" altLang="en-US" sz="2400" dirty="0" smtClean="0">
+                <a:solidFill>
+                  <a:srgbClr val="FFC000"/>
+                </a:solidFill>
+              </a:rPr>
               <a:t>花より漢気  </a:t>
             </a:r>
             <a:r>
-              <a:rPr lang="en-US" altLang="ja-JP" smtClean="0"/>
+              <a:rPr lang="en-US" altLang="ja-JP" sz="2400" dirty="0" smtClean="0">
+                <a:solidFill>
+                  <a:srgbClr val="FFC000"/>
+                </a:solidFill>
+              </a:rPr>
               <a:t>| BOF</a:t>
             </a:r>
-            <a:endParaRPr lang="en-US" dirty="0"/>
+            <a:endParaRPr lang="en-US" sz="2400" dirty="0">
+              <a:solidFill>
+                <a:srgbClr val="FFC000"/>
+              </a:solidFill>
+            </a:endParaRPr>
           </a:p>
         </p:txBody>
+      </p:sp>
+      <p:pic>
+        <p:nvPicPr>
+          <p:cNvPr id="5" name="図 4"/>
+          <p:cNvPicPr>
+            <a:picLocks noChangeAspect="1"/>
+          </p:cNvPicPr>
+          <p:nvPr/>
+        </p:nvPicPr>
+        <p:blipFill>
+          <a:blip r:embed="rId2" cstate="print">
+            <a:extLst>
+              <a:ext uri="{28A0092B-C50C-407E-A947-70E740481C1C}">
+                <a14:useLocalDpi xmlns:a14="http://schemas.microsoft.com/office/drawing/2010/main" val="0"/>
+              </a:ext>
+            </a:extLst>
+          </a:blip>
+          <a:stretch>
+            <a:fillRect/>
+          </a:stretch>
+        </p:blipFill>
+        <p:spPr>
+          <a:xfrm>
+            <a:off x="7904510" y="96131"/>
+            <a:ext cx="1683047" cy="1673049"/>
+          </a:xfrm>
+          <a:prstGeom prst="rect">
+            <a:avLst/>
+          </a:prstGeom>
+        </p:spPr>
+      </p:pic>
+      <p:sp>
+        <p:nvSpPr>
+          <p:cNvPr id="6" name="Line 2"/>
+          <p:cNvSpPr/>
+          <p:nvPr/>
+        </p:nvSpPr>
+        <p:spPr>
+          <a:xfrm>
+            <a:off x="581044" y="1765180"/>
+            <a:ext cx="5183280" cy="1440"/>
+          </a:xfrm>
+          <a:prstGeom prst="line">
+            <a:avLst/>
+          </a:prstGeom>
+          <a:ln w="9360" cap="sq">
+            <a:solidFill>
+              <a:srgbClr val="000000"/>
+            </a:solidFill>
+            <a:miter/>
+          </a:ln>
+        </p:spPr>
+        <p:style>
+          <a:lnRef idx="0">
+            <a:scrgbClr r="0" g="0" b="0"/>
+          </a:lnRef>
+          <a:fillRef idx="0">
+            <a:scrgbClr r="0" g="0" b="0"/>
+          </a:fillRef>
+          <a:effectRef idx="0">
+            <a:scrgbClr r="0" g="0" b="0"/>
+          </a:effectRef>
+          <a:fontRef idx="minor"/>
+        </p:style>
       </p:sp>
     </p:spTree>
     <p:extLst>
@@ -36168,7 +35769,7 @@
           <p:cNvPr id="26627" name="Text Box 2">
             <a:extLst>
               <a:ext uri="{FF2B5EF4-FFF2-40B4-BE49-F238E27FC236}">
-                <a16:creationId xmlns="" xmlns:a16="http://schemas.microsoft.com/office/drawing/2014/main" id="{44BC3010-C15B-49DF-BA60-84DDC8D55069}"/>
+                <a16:creationId xmlns:a16="http://schemas.microsoft.com/office/drawing/2014/main" xmlns="" id="{44BC3010-C15B-49DF-BA60-84DDC8D55069}"/>
               </a:ext>
             </a:extLst>
           </p:cNvPr>
@@ -36543,7 +36144,7 @@
               <a:t> </a:t>
             </a:r>
             <a:r>
-              <a:rPr lang="ja-JP" altLang="ja-JP" sz="3200" b="1" dirty="0">
+              <a:rPr lang="ja-JP" altLang="ja-JP" sz="3600" b="1" dirty="0">
                 <a:solidFill>
                   <a:srgbClr val="000000"/>
                 </a:solidFill>
@@ -36552,6 +36153,13 @@
               </a:rPr>
               <a:t>最後に</a:t>
             </a:r>
+            <a:endParaRPr lang="ja-JP" altLang="ja-JP" sz="3200" b="1" dirty="0">
+              <a:solidFill>
+                <a:srgbClr val="000000"/>
+              </a:solidFill>
+              <a:latin typeface="メイリオ" panose="020B0604030504040204" pitchFamily="50" charset="-128"/>
+              <a:ea typeface="メイリオ" panose="020B0604030504040204" pitchFamily="50" charset="-128"/>
+            </a:endParaRPr>
           </a:p>
         </p:txBody>
       </p:sp>
@@ -36560,7 +36168,7 @@
           <p:cNvPr id="26628" name="Text Box 3">
             <a:extLst>
               <a:ext uri="{FF2B5EF4-FFF2-40B4-BE49-F238E27FC236}">
-                <a16:creationId xmlns="" xmlns:a16="http://schemas.microsoft.com/office/drawing/2014/main" id="{78868C76-D1F8-4602-AD74-D9A23D3D18F9}"/>
+                <a16:creationId xmlns:a16="http://schemas.microsoft.com/office/drawing/2014/main" xmlns="" id="{78868C76-D1F8-4602-AD74-D9A23D3D18F9}"/>
               </a:ext>
             </a:extLst>
           </p:cNvPr>
@@ -37028,7 +36636,7 @@
           <p:cNvPr id="26629" name="Line 5">
             <a:extLst>
               <a:ext uri="{FF2B5EF4-FFF2-40B4-BE49-F238E27FC236}">
-                <a16:creationId xmlns="" xmlns:a16="http://schemas.microsoft.com/office/drawing/2014/main" id="{819920FD-0180-4D54-8EB3-D31E75ED2D23}"/>
+                <a16:creationId xmlns:a16="http://schemas.microsoft.com/office/drawing/2014/main" xmlns="" id="{819920FD-0180-4D54-8EB3-D31E75ED2D23}"/>
               </a:ext>
             </a:extLst>
           </p:cNvPr>
@@ -37190,1425 +36798,6 @@
 </file>
 
 <file path=ppt/slides/slide32.xml><?xml version="1.0" encoding="utf-8"?>
-<p:sld xmlns:a="http://schemas.openxmlformats.org/drawingml/2006/main" xmlns:r="http://schemas.openxmlformats.org/officeDocument/2006/relationships" xmlns:p="http://schemas.openxmlformats.org/presentationml/2006/main">
-  <p:cSld>
-    <p:spTree>
-      <p:nvGrpSpPr>
-        <p:cNvPr id="1" name=""/>
-        <p:cNvGrpSpPr/>
-        <p:nvPr/>
-      </p:nvGrpSpPr>
-      <p:grpSpPr>
-        <a:xfrm>
-          <a:off x="0" y="0"/>
-          <a:ext cx="0" cy="0"/>
-          <a:chOff x="0" y="0"/>
-          <a:chExt cx="0" cy="0"/>
-        </a:xfrm>
-      </p:grpSpPr>
-      <p:sp>
-        <p:nvSpPr>
-          <p:cNvPr id="26626" name="Text Box 1"/>
-          <p:cNvSpPr txBox="1">
-            <a:spLocks noChangeArrowheads="1"/>
-          </p:cNvSpPr>
-          <p:nvPr/>
-        </p:nvSpPr>
-        <p:spPr bwMode="auto">
-          <a:xfrm>
-            <a:off x="7227888" y="6886575"/>
-            <a:ext cx="2346325" cy="519113"/>
-          </a:xfrm>
-          <a:prstGeom prst="rect">
-            <a:avLst/>
-          </a:prstGeom>
-          <a:noFill/>
-          <a:ln>
-            <a:noFill/>
-          </a:ln>
-          <a:extLst>
-            <a:ext uri="{909E8E84-426E-40DD-AFC4-6F175D3DCCD1}">
-              <a14:hiddenFill xmlns:a14="http://schemas.microsoft.com/office/drawing/2010/main">
-                <a:solidFill>
-                  <a:srgbClr val="FFFFFF"/>
-                </a:solidFill>
-              </a14:hiddenFill>
-            </a:ext>
-            <a:ext uri="{91240B29-F687-4F45-9708-019B960494DF}">
-              <a14:hiddenLine xmlns:a14="http://schemas.microsoft.com/office/drawing/2010/main" w="9525">
-                <a:solidFill>
-                  <a:srgbClr val="000000"/>
-                </a:solidFill>
-                <a:round/>
-                <a:headEnd/>
-                <a:tailEnd/>
-              </a14:hiddenLine>
-            </a:ext>
-          </a:extLst>
-        </p:spPr>
-        <p:txBody>
-          <a:bodyPr lIns="0" tIns="0" rIns="0" bIns="0"/>
-          <a:lstStyle>
-            <a:lvl1pPr>
-              <a:tabLst>
-                <a:tab pos="0" algn="l"/>
-                <a:tab pos="447675" algn="l"/>
-                <a:tab pos="896938" algn="l"/>
-                <a:tab pos="1346200" algn="l"/>
-                <a:tab pos="1795463" algn="l"/>
-                <a:tab pos="2244725" algn="l"/>
-                <a:tab pos="2693988" algn="l"/>
-                <a:tab pos="3143250" algn="l"/>
-                <a:tab pos="3592513" algn="l"/>
-                <a:tab pos="4041775" algn="l"/>
-                <a:tab pos="4491038" algn="l"/>
-                <a:tab pos="4940300" algn="l"/>
-                <a:tab pos="5389563" algn="l"/>
-                <a:tab pos="5838825" algn="l"/>
-                <a:tab pos="6288088" algn="l"/>
-                <a:tab pos="6737350" algn="l"/>
-                <a:tab pos="7186613" algn="l"/>
-                <a:tab pos="7635875" algn="l"/>
-                <a:tab pos="8085138" algn="l"/>
-                <a:tab pos="8534400" algn="l"/>
-                <a:tab pos="8983663" algn="l"/>
-              </a:tabLst>
-              <a:defRPr>
-                <a:solidFill>
-                  <a:schemeClr val="bg1"/>
-                </a:solidFill>
-                <a:latin typeface="Arial" panose="020B0604020202020204" pitchFamily="34" charset="0"/>
-                <a:ea typeface="ＭＳ Ｐゴシック" panose="020B0600070205080204" pitchFamily="50" charset="-128"/>
-              </a:defRPr>
-            </a:lvl1pPr>
-            <a:lvl2pPr>
-              <a:tabLst>
-                <a:tab pos="0" algn="l"/>
-                <a:tab pos="447675" algn="l"/>
-                <a:tab pos="896938" algn="l"/>
-                <a:tab pos="1346200" algn="l"/>
-                <a:tab pos="1795463" algn="l"/>
-                <a:tab pos="2244725" algn="l"/>
-                <a:tab pos="2693988" algn="l"/>
-                <a:tab pos="3143250" algn="l"/>
-                <a:tab pos="3592513" algn="l"/>
-                <a:tab pos="4041775" algn="l"/>
-                <a:tab pos="4491038" algn="l"/>
-                <a:tab pos="4940300" algn="l"/>
-                <a:tab pos="5389563" algn="l"/>
-                <a:tab pos="5838825" algn="l"/>
-                <a:tab pos="6288088" algn="l"/>
-                <a:tab pos="6737350" algn="l"/>
-                <a:tab pos="7186613" algn="l"/>
-                <a:tab pos="7635875" algn="l"/>
-                <a:tab pos="8085138" algn="l"/>
-                <a:tab pos="8534400" algn="l"/>
-                <a:tab pos="8983663" algn="l"/>
-              </a:tabLst>
-              <a:defRPr>
-                <a:solidFill>
-                  <a:schemeClr val="bg1"/>
-                </a:solidFill>
-                <a:latin typeface="Arial" panose="020B0604020202020204" pitchFamily="34" charset="0"/>
-                <a:ea typeface="ＭＳ Ｐゴシック" panose="020B0600070205080204" pitchFamily="50" charset="-128"/>
-              </a:defRPr>
-            </a:lvl2pPr>
-            <a:lvl3pPr>
-              <a:tabLst>
-                <a:tab pos="0" algn="l"/>
-                <a:tab pos="447675" algn="l"/>
-                <a:tab pos="896938" algn="l"/>
-                <a:tab pos="1346200" algn="l"/>
-                <a:tab pos="1795463" algn="l"/>
-                <a:tab pos="2244725" algn="l"/>
-                <a:tab pos="2693988" algn="l"/>
-                <a:tab pos="3143250" algn="l"/>
-                <a:tab pos="3592513" algn="l"/>
-                <a:tab pos="4041775" algn="l"/>
-                <a:tab pos="4491038" algn="l"/>
-                <a:tab pos="4940300" algn="l"/>
-                <a:tab pos="5389563" algn="l"/>
-                <a:tab pos="5838825" algn="l"/>
-                <a:tab pos="6288088" algn="l"/>
-                <a:tab pos="6737350" algn="l"/>
-                <a:tab pos="7186613" algn="l"/>
-                <a:tab pos="7635875" algn="l"/>
-                <a:tab pos="8085138" algn="l"/>
-                <a:tab pos="8534400" algn="l"/>
-                <a:tab pos="8983663" algn="l"/>
-              </a:tabLst>
-              <a:defRPr>
-                <a:solidFill>
-                  <a:schemeClr val="bg1"/>
-                </a:solidFill>
-                <a:latin typeface="Arial" panose="020B0604020202020204" pitchFamily="34" charset="0"/>
-                <a:ea typeface="ＭＳ Ｐゴシック" panose="020B0600070205080204" pitchFamily="50" charset="-128"/>
-              </a:defRPr>
-            </a:lvl3pPr>
-            <a:lvl4pPr>
-              <a:tabLst>
-                <a:tab pos="0" algn="l"/>
-                <a:tab pos="447675" algn="l"/>
-                <a:tab pos="896938" algn="l"/>
-                <a:tab pos="1346200" algn="l"/>
-                <a:tab pos="1795463" algn="l"/>
-                <a:tab pos="2244725" algn="l"/>
-                <a:tab pos="2693988" algn="l"/>
-                <a:tab pos="3143250" algn="l"/>
-                <a:tab pos="3592513" algn="l"/>
-                <a:tab pos="4041775" algn="l"/>
-                <a:tab pos="4491038" algn="l"/>
-                <a:tab pos="4940300" algn="l"/>
-                <a:tab pos="5389563" algn="l"/>
-                <a:tab pos="5838825" algn="l"/>
-                <a:tab pos="6288088" algn="l"/>
-                <a:tab pos="6737350" algn="l"/>
-                <a:tab pos="7186613" algn="l"/>
-                <a:tab pos="7635875" algn="l"/>
-                <a:tab pos="8085138" algn="l"/>
-                <a:tab pos="8534400" algn="l"/>
-                <a:tab pos="8983663" algn="l"/>
-              </a:tabLst>
-              <a:defRPr>
-                <a:solidFill>
-                  <a:schemeClr val="bg1"/>
-                </a:solidFill>
-                <a:latin typeface="Arial" panose="020B0604020202020204" pitchFamily="34" charset="0"/>
-                <a:ea typeface="ＭＳ Ｐゴシック" panose="020B0600070205080204" pitchFamily="50" charset="-128"/>
-              </a:defRPr>
-            </a:lvl4pPr>
-            <a:lvl5pPr>
-              <a:tabLst>
-                <a:tab pos="0" algn="l"/>
-                <a:tab pos="447675" algn="l"/>
-                <a:tab pos="896938" algn="l"/>
-                <a:tab pos="1346200" algn="l"/>
-                <a:tab pos="1795463" algn="l"/>
-                <a:tab pos="2244725" algn="l"/>
-                <a:tab pos="2693988" algn="l"/>
-                <a:tab pos="3143250" algn="l"/>
-                <a:tab pos="3592513" algn="l"/>
-                <a:tab pos="4041775" algn="l"/>
-                <a:tab pos="4491038" algn="l"/>
-                <a:tab pos="4940300" algn="l"/>
-                <a:tab pos="5389563" algn="l"/>
-                <a:tab pos="5838825" algn="l"/>
-                <a:tab pos="6288088" algn="l"/>
-                <a:tab pos="6737350" algn="l"/>
-                <a:tab pos="7186613" algn="l"/>
-                <a:tab pos="7635875" algn="l"/>
-                <a:tab pos="8085138" algn="l"/>
-                <a:tab pos="8534400" algn="l"/>
-                <a:tab pos="8983663" algn="l"/>
-              </a:tabLst>
-              <a:defRPr>
-                <a:solidFill>
-                  <a:schemeClr val="bg1"/>
-                </a:solidFill>
-                <a:latin typeface="Arial" panose="020B0604020202020204" pitchFamily="34" charset="0"/>
-                <a:ea typeface="ＭＳ Ｐゴシック" panose="020B0600070205080204" pitchFamily="50" charset="-128"/>
-              </a:defRPr>
-            </a:lvl5pPr>
-            <a:lvl6pPr marL="2514600" indent="-228600" defTabSz="449263" eaLnBrk="0" fontAlgn="base" hangingPunct="0">
-              <a:spcBef>
-                <a:spcPct val="0"/>
-              </a:spcBef>
-              <a:spcAft>
-                <a:spcPct val="0"/>
-              </a:spcAft>
-              <a:tabLst>
-                <a:tab pos="0" algn="l"/>
-                <a:tab pos="447675" algn="l"/>
-                <a:tab pos="896938" algn="l"/>
-                <a:tab pos="1346200" algn="l"/>
-                <a:tab pos="1795463" algn="l"/>
-                <a:tab pos="2244725" algn="l"/>
-                <a:tab pos="2693988" algn="l"/>
-                <a:tab pos="3143250" algn="l"/>
-                <a:tab pos="3592513" algn="l"/>
-                <a:tab pos="4041775" algn="l"/>
-                <a:tab pos="4491038" algn="l"/>
-                <a:tab pos="4940300" algn="l"/>
-                <a:tab pos="5389563" algn="l"/>
-                <a:tab pos="5838825" algn="l"/>
-                <a:tab pos="6288088" algn="l"/>
-                <a:tab pos="6737350" algn="l"/>
-                <a:tab pos="7186613" algn="l"/>
-                <a:tab pos="7635875" algn="l"/>
-                <a:tab pos="8085138" algn="l"/>
-                <a:tab pos="8534400" algn="l"/>
-                <a:tab pos="8983663" algn="l"/>
-              </a:tabLst>
-              <a:defRPr>
-                <a:solidFill>
-                  <a:schemeClr val="bg1"/>
-                </a:solidFill>
-                <a:latin typeface="Arial" panose="020B0604020202020204" pitchFamily="34" charset="0"/>
-                <a:ea typeface="ＭＳ Ｐゴシック" panose="020B0600070205080204" pitchFamily="50" charset="-128"/>
-              </a:defRPr>
-            </a:lvl6pPr>
-            <a:lvl7pPr marL="2971800" indent="-228600" defTabSz="449263" eaLnBrk="0" fontAlgn="base" hangingPunct="0">
-              <a:spcBef>
-                <a:spcPct val="0"/>
-              </a:spcBef>
-              <a:spcAft>
-                <a:spcPct val="0"/>
-              </a:spcAft>
-              <a:tabLst>
-                <a:tab pos="0" algn="l"/>
-                <a:tab pos="447675" algn="l"/>
-                <a:tab pos="896938" algn="l"/>
-                <a:tab pos="1346200" algn="l"/>
-                <a:tab pos="1795463" algn="l"/>
-                <a:tab pos="2244725" algn="l"/>
-                <a:tab pos="2693988" algn="l"/>
-                <a:tab pos="3143250" algn="l"/>
-                <a:tab pos="3592513" algn="l"/>
-                <a:tab pos="4041775" algn="l"/>
-                <a:tab pos="4491038" algn="l"/>
-                <a:tab pos="4940300" algn="l"/>
-                <a:tab pos="5389563" algn="l"/>
-                <a:tab pos="5838825" algn="l"/>
-                <a:tab pos="6288088" algn="l"/>
-                <a:tab pos="6737350" algn="l"/>
-                <a:tab pos="7186613" algn="l"/>
-                <a:tab pos="7635875" algn="l"/>
-                <a:tab pos="8085138" algn="l"/>
-                <a:tab pos="8534400" algn="l"/>
-                <a:tab pos="8983663" algn="l"/>
-              </a:tabLst>
-              <a:defRPr>
-                <a:solidFill>
-                  <a:schemeClr val="bg1"/>
-                </a:solidFill>
-                <a:latin typeface="Arial" panose="020B0604020202020204" pitchFamily="34" charset="0"/>
-                <a:ea typeface="ＭＳ Ｐゴシック" panose="020B0600070205080204" pitchFamily="50" charset="-128"/>
-              </a:defRPr>
-            </a:lvl7pPr>
-            <a:lvl8pPr marL="3429000" indent="-228600" defTabSz="449263" eaLnBrk="0" fontAlgn="base" hangingPunct="0">
-              <a:spcBef>
-                <a:spcPct val="0"/>
-              </a:spcBef>
-              <a:spcAft>
-                <a:spcPct val="0"/>
-              </a:spcAft>
-              <a:tabLst>
-                <a:tab pos="0" algn="l"/>
-                <a:tab pos="447675" algn="l"/>
-                <a:tab pos="896938" algn="l"/>
-                <a:tab pos="1346200" algn="l"/>
-                <a:tab pos="1795463" algn="l"/>
-                <a:tab pos="2244725" algn="l"/>
-                <a:tab pos="2693988" algn="l"/>
-                <a:tab pos="3143250" algn="l"/>
-                <a:tab pos="3592513" algn="l"/>
-                <a:tab pos="4041775" algn="l"/>
-                <a:tab pos="4491038" algn="l"/>
-                <a:tab pos="4940300" algn="l"/>
-                <a:tab pos="5389563" algn="l"/>
-                <a:tab pos="5838825" algn="l"/>
-                <a:tab pos="6288088" algn="l"/>
-                <a:tab pos="6737350" algn="l"/>
-                <a:tab pos="7186613" algn="l"/>
-                <a:tab pos="7635875" algn="l"/>
-                <a:tab pos="8085138" algn="l"/>
-                <a:tab pos="8534400" algn="l"/>
-                <a:tab pos="8983663" algn="l"/>
-              </a:tabLst>
-              <a:defRPr>
-                <a:solidFill>
-                  <a:schemeClr val="bg1"/>
-                </a:solidFill>
-                <a:latin typeface="Arial" panose="020B0604020202020204" pitchFamily="34" charset="0"/>
-                <a:ea typeface="ＭＳ Ｐゴシック" panose="020B0600070205080204" pitchFamily="50" charset="-128"/>
-              </a:defRPr>
-            </a:lvl8pPr>
-            <a:lvl9pPr marL="3886200" indent="-228600" defTabSz="449263" eaLnBrk="0" fontAlgn="base" hangingPunct="0">
-              <a:spcBef>
-                <a:spcPct val="0"/>
-              </a:spcBef>
-              <a:spcAft>
-                <a:spcPct val="0"/>
-              </a:spcAft>
-              <a:tabLst>
-                <a:tab pos="0" algn="l"/>
-                <a:tab pos="447675" algn="l"/>
-                <a:tab pos="896938" algn="l"/>
-                <a:tab pos="1346200" algn="l"/>
-                <a:tab pos="1795463" algn="l"/>
-                <a:tab pos="2244725" algn="l"/>
-                <a:tab pos="2693988" algn="l"/>
-                <a:tab pos="3143250" algn="l"/>
-                <a:tab pos="3592513" algn="l"/>
-                <a:tab pos="4041775" algn="l"/>
-                <a:tab pos="4491038" algn="l"/>
-                <a:tab pos="4940300" algn="l"/>
-                <a:tab pos="5389563" algn="l"/>
-                <a:tab pos="5838825" algn="l"/>
-                <a:tab pos="6288088" algn="l"/>
-                <a:tab pos="6737350" algn="l"/>
-                <a:tab pos="7186613" algn="l"/>
-                <a:tab pos="7635875" algn="l"/>
-                <a:tab pos="8085138" algn="l"/>
-                <a:tab pos="8534400" algn="l"/>
-                <a:tab pos="8983663" algn="l"/>
-              </a:tabLst>
-              <a:defRPr>
-                <a:solidFill>
-                  <a:schemeClr val="bg1"/>
-                </a:solidFill>
-                <a:latin typeface="Arial" panose="020B0604020202020204" pitchFamily="34" charset="0"/>
-                <a:ea typeface="ＭＳ Ｐゴシック" panose="020B0600070205080204" pitchFamily="50" charset="-128"/>
-              </a:defRPr>
-            </a:lvl9pPr>
-          </a:lstStyle>
-          <a:p>
-            <a:pPr algn="r" eaLnBrk="1">
-              <a:lnSpc>
-                <a:spcPct val="125000"/>
-              </a:lnSpc>
-              <a:buSzPct val="100000"/>
-            </a:pPr>
-            <a:fld id="{B5EE80E6-264D-40E8-B733-AF4D634BDEC6}" type="slidenum">
-              <a:rPr lang="en-US" altLang="ja-JP">
-                <a:solidFill>
-                  <a:srgbClr val="000000"/>
-                </a:solidFill>
-                <a:latin typeface="メイリオ" panose="020B0604030504040204" pitchFamily="50" charset="-128"/>
-                <a:ea typeface="メイリオ" panose="020B0604030504040204" pitchFamily="50" charset="-128"/>
-              </a:rPr>
-              <a:pPr algn="r" eaLnBrk="1">
-                <a:lnSpc>
-                  <a:spcPct val="125000"/>
-                </a:lnSpc>
-                <a:buSzPct val="100000"/>
-              </a:pPr>
-              <a:t>32</a:t>
-            </a:fld>
-            <a:endParaRPr lang="en-US" altLang="ja-JP">
-              <a:solidFill>
-                <a:srgbClr val="000000"/>
-              </a:solidFill>
-              <a:latin typeface="メイリオ" panose="020B0604030504040204" pitchFamily="50" charset="-128"/>
-              <a:ea typeface="メイリオ" panose="020B0604030504040204" pitchFamily="50" charset="-128"/>
-            </a:endParaRPr>
-          </a:p>
-        </p:txBody>
-      </p:sp>
-      <p:sp>
-        <p:nvSpPr>
-          <p:cNvPr id="26627" name="Text Box 2"/>
-          <p:cNvSpPr txBox="1">
-            <a:spLocks noChangeArrowheads="1"/>
-          </p:cNvSpPr>
-          <p:nvPr/>
-        </p:nvSpPr>
-        <p:spPr bwMode="auto">
-          <a:xfrm>
-            <a:off x="503238" y="301625"/>
-            <a:ext cx="9070975" cy="1262063"/>
-          </a:xfrm>
-          <a:prstGeom prst="rect">
-            <a:avLst/>
-          </a:prstGeom>
-          <a:noFill/>
-          <a:ln>
-            <a:noFill/>
-          </a:ln>
-          <a:extLst>
-            <a:ext uri="{909E8E84-426E-40DD-AFC4-6F175D3DCCD1}">
-              <a14:hiddenFill xmlns:a14="http://schemas.microsoft.com/office/drawing/2010/main">
-                <a:solidFill>
-                  <a:srgbClr val="FFFFFF"/>
-                </a:solidFill>
-              </a14:hiddenFill>
-            </a:ext>
-            <a:ext uri="{91240B29-F687-4F45-9708-019B960494DF}">
-              <a14:hiddenLine xmlns:a14="http://schemas.microsoft.com/office/drawing/2010/main" w="9525">
-                <a:solidFill>
-                  <a:srgbClr val="000000"/>
-                </a:solidFill>
-                <a:round/>
-                <a:headEnd/>
-                <a:tailEnd/>
-              </a14:hiddenLine>
-            </a:ext>
-          </a:extLst>
-        </p:spPr>
-        <p:txBody>
-          <a:bodyPr lIns="0" tIns="0" rIns="0" bIns="0" anchor="ctr"/>
-          <a:lstStyle>
-            <a:lvl1pPr>
-              <a:tabLst>
-                <a:tab pos="0" algn="l"/>
-                <a:tab pos="447675" algn="l"/>
-                <a:tab pos="896938" algn="l"/>
-                <a:tab pos="1346200" algn="l"/>
-                <a:tab pos="1795463" algn="l"/>
-                <a:tab pos="2244725" algn="l"/>
-                <a:tab pos="2693988" algn="l"/>
-                <a:tab pos="3143250" algn="l"/>
-                <a:tab pos="3592513" algn="l"/>
-                <a:tab pos="4041775" algn="l"/>
-                <a:tab pos="4491038" algn="l"/>
-                <a:tab pos="4940300" algn="l"/>
-                <a:tab pos="5389563" algn="l"/>
-                <a:tab pos="5838825" algn="l"/>
-                <a:tab pos="6288088" algn="l"/>
-                <a:tab pos="6737350" algn="l"/>
-                <a:tab pos="7186613" algn="l"/>
-                <a:tab pos="7635875" algn="l"/>
-                <a:tab pos="8085138" algn="l"/>
-                <a:tab pos="8534400" algn="l"/>
-                <a:tab pos="8983663" algn="l"/>
-              </a:tabLst>
-              <a:defRPr>
-                <a:solidFill>
-                  <a:schemeClr val="bg1"/>
-                </a:solidFill>
-                <a:latin typeface="Arial" panose="020B0604020202020204" pitchFamily="34" charset="0"/>
-                <a:ea typeface="ＭＳ Ｐゴシック" panose="020B0600070205080204" pitchFamily="50" charset="-128"/>
-              </a:defRPr>
-            </a:lvl1pPr>
-            <a:lvl2pPr>
-              <a:tabLst>
-                <a:tab pos="0" algn="l"/>
-                <a:tab pos="447675" algn="l"/>
-                <a:tab pos="896938" algn="l"/>
-                <a:tab pos="1346200" algn="l"/>
-                <a:tab pos="1795463" algn="l"/>
-                <a:tab pos="2244725" algn="l"/>
-                <a:tab pos="2693988" algn="l"/>
-                <a:tab pos="3143250" algn="l"/>
-                <a:tab pos="3592513" algn="l"/>
-                <a:tab pos="4041775" algn="l"/>
-                <a:tab pos="4491038" algn="l"/>
-                <a:tab pos="4940300" algn="l"/>
-                <a:tab pos="5389563" algn="l"/>
-                <a:tab pos="5838825" algn="l"/>
-                <a:tab pos="6288088" algn="l"/>
-                <a:tab pos="6737350" algn="l"/>
-                <a:tab pos="7186613" algn="l"/>
-                <a:tab pos="7635875" algn="l"/>
-                <a:tab pos="8085138" algn="l"/>
-                <a:tab pos="8534400" algn="l"/>
-                <a:tab pos="8983663" algn="l"/>
-              </a:tabLst>
-              <a:defRPr>
-                <a:solidFill>
-                  <a:schemeClr val="bg1"/>
-                </a:solidFill>
-                <a:latin typeface="Arial" panose="020B0604020202020204" pitchFamily="34" charset="0"/>
-                <a:ea typeface="ＭＳ Ｐゴシック" panose="020B0600070205080204" pitchFamily="50" charset="-128"/>
-              </a:defRPr>
-            </a:lvl2pPr>
-            <a:lvl3pPr>
-              <a:tabLst>
-                <a:tab pos="0" algn="l"/>
-                <a:tab pos="447675" algn="l"/>
-                <a:tab pos="896938" algn="l"/>
-                <a:tab pos="1346200" algn="l"/>
-                <a:tab pos="1795463" algn="l"/>
-                <a:tab pos="2244725" algn="l"/>
-                <a:tab pos="2693988" algn="l"/>
-                <a:tab pos="3143250" algn="l"/>
-                <a:tab pos="3592513" algn="l"/>
-                <a:tab pos="4041775" algn="l"/>
-                <a:tab pos="4491038" algn="l"/>
-                <a:tab pos="4940300" algn="l"/>
-                <a:tab pos="5389563" algn="l"/>
-                <a:tab pos="5838825" algn="l"/>
-                <a:tab pos="6288088" algn="l"/>
-                <a:tab pos="6737350" algn="l"/>
-                <a:tab pos="7186613" algn="l"/>
-                <a:tab pos="7635875" algn="l"/>
-                <a:tab pos="8085138" algn="l"/>
-                <a:tab pos="8534400" algn="l"/>
-                <a:tab pos="8983663" algn="l"/>
-              </a:tabLst>
-              <a:defRPr>
-                <a:solidFill>
-                  <a:schemeClr val="bg1"/>
-                </a:solidFill>
-                <a:latin typeface="Arial" panose="020B0604020202020204" pitchFamily="34" charset="0"/>
-                <a:ea typeface="ＭＳ Ｐゴシック" panose="020B0600070205080204" pitchFamily="50" charset="-128"/>
-              </a:defRPr>
-            </a:lvl3pPr>
-            <a:lvl4pPr>
-              <a:tabLst>
-                <a:tab pos="0" algn="l"/>
-                <a:tab pos="447675" algn="l"/>
-                <a:tab pos="896938" algn="l"/>
-                <a:tab pos="1346200" algn="l"/>
-                <a:tab pos="1795463" algn="l"/>
-                <a:tab pos="2244725" algn="l"/>
-                <a:tab pos="2693988" algn="l"/>
-                <a:tab pos="3143250" algn="l"/>
-                <a:tab pos="3592513" algn="l"/>
-                <a:tab pos="4041775" algn="l"/>
-                <a:tab pos="4491038" algn="l"/>
-                <a:tab pos="4940300" algn="l"/>
-                <a:tab pos="5389563" algn="l"/>
-                <a:tab pos="5838825" algn="l"/>
-                <a:tab pos="6288088" algn="l"/>
-                <a:tab pos="6737350" algn="l"/>
-                <a:tab pos="7186613" algn="l"/>
-                <a:tab pos="7635875" algn="l"/>
-                <a:tab pos="8085138" algn="l"/>
-                <a:tab pos="8534400" algn="l"/>
-                <a:tab pos="8983663" algn="l"/>
-              </a:tabLst>
-              <a:defRPr>
-                <a:solidFill>
-                  <a:schemeClr val="bg1"/>
-                </a:solidFill>
-                <a:latin typeface="Arial" panose="020B0604020202020204" pitchFamily="34" charset="0"/>
-                <a:ea typeface="ＭＳ Ｐゴシック" panose="020B0600070205080204" pitchFamily="50" charset="-128"/>
-              </a:defRPr>
-            </a:lvl4pPr>
-            <a:lvl5pPr>
-              <a:tabLst>
-                <a:tab pos="0" algn="l"/>
-                <a:tab pos="447675" algn="l"/>
-                <a:tab pos="896938" algn="l"/>
-                <a:tab pos="1346200" algn="l"/>
-                <a:tab pos="1795463" algn="l"/>
-                <a:tab pos="2244725" algn="l"/>
-                <a:tab pos="2693988" algn="l"/>
-                <a:tab pos="3143250" algn="l"/>
-                <a:tab pos="3592513" algn="l"/>
-                <a:tab pos="4041775" algn="l"/>
-                <a:tab pos="4491038" algn="l"/>
-                <a:tab pos="4940300" algn="l"/>
-                <a:tab pos="5389563" algn="l"/>
-                <a:tab pos="5838825" algn="l"/>
-                <a:tab pos="6288088" algn="l"/>
-                <a:tab pos="6737350" algn="l"/>
-                <a:tab pos="7186613" algn="l"/>
-                <a:tab pos="7635875" algn="l"/>
-                <a:tab pos="8085138" algn="l"/>
-                <a:tab pos="8534400" algn="l"/>
-                <a:tab pos="8983663" algn="l"/>
-              </a:tabLst>
-              <a:defRPr>
-                <a:solidFill>
-                  <a:schemeClr val="bg1"/>
-                </a:solidFill>
-                <a:latin typeface="Arial" panose="020B0604020202020204" pitchFamily="34" charset="0"/>
-                <a:ea typeface="ＭＳ Ｐゴシック" panose="020B0600070205080204" pitchFamily="50" charset="-128"/>
-              </a:defRPr>
-            </a:lvl5pPr>
-            <a:lvl6pPr marL="2514600" indent="-228600" defTabSz="449263" eaLnBrk="0" fontAlgn="base" hangingPunct="0">
-              <a:spcBef>
-                <a:spcPct val="0"/>
-              </a:spcBef>
-              <a:spcAft>
-                <a:spcPct val="0"/>
-              </a:spcAft>
-              <a:tabLst>
-                <a:tab pos="0" algn="l"/>
-                <a:tab pos="447675" algn="l"/>
-                <a:tab pos="896938" algn="l"/>
-                <a:tab pos="1346200" algn="l"/>
-                <a:tab pos="1795463" algn="l"/>
-                <a:tab pos="2244725" algn="l"/>
-                <a:tab pos="2693988" algn="l"/>
-                <a:tab pos="3143250" algn="l"/>
-                <a:tab pos="3592513" algn="l"/>
-                <a:tab pos="4041775" algn="l"/>
-                <a:tab pos="4491038" algn="l"/>
-                <a:tab pos="4940300" algn="l"/>
-                <a:tab pos="5389563" algn="l"/>
-                <a:tab pos="5838825" algn="l"/>
-                <a:tab pos="6288088" algn="l"/>
-                <a:tab pos="6737350" algn="l"/>
-                <a:tab pos="7186613" algn="l"/>
-                <a:tab pos="7635875" algn="l"/>
-                <a:tab pos="8085138" algn="l"/>
-                <a:tab pos="8534400" algn="l"/>
-                <a:tab pos="8983663" algn="l"/>
-              </a:tabLst>
-              <a:defRPr>
-                <a:solidFill>
-                  <a:schemeClr val="bg1"/>
-                </a:solidFill>
-                <a:latin typeface="Arial" panose="020B0604020202020204" pitchFamily="34" charset="0"/>
-                <a:ea typeface="ＭＳ Ｐゴシック" panose="020B0600070205080204" pitchFamily="50" charset="-128"/>
-              </a:defRPr>
-            </a:lvl6pPr>
-            <a:lvl7pPr marL="2971800" indent="-228600" defTabSz="449263" eaLnBrk="0" fontAlgn="base" hangingPunct="0">
-              <a:spcBef>
-                <a:spcPct val="0"/>
-              </a:spcBef>
-              <a:spcAft>
-                <a:spcPct val="0"/>
-              </a:spcAft>
-              <a:tabLst>
-                <a:tab pos="0" algn="l"/>
-                <a:tab pos="447675" algn="l"/>
-                <a:tab pos="896938" algn="l"/>
-                <a:tab pos="1346200" algn="l"/>
-                <a:tab pos="1795463" algn="l"/>
-                <a:tab pos="2244725" algn="l"/>
-                <a:tab pos="2693988" algn="l"/>
-                <a:tab pos="3143250" algn="l"/>
-                <a:tab pos="3592513" algn="l"/>
-                <a:tab pos="4041775" algn="l"/>
-                <a:tab pos="4491038" algn="l"/>
-                <a:tab pos="4940300" algn="l"/>
-                <a:tab pos="5389563" algn="l"/>
-                <a:tab pos="5838825" algn="l"/>
-                <a:tab pos="6288088" algn="l"/>
-                <a:tab pos="6737350" algn="l"/>
-                <a:tab pos="7186613" algn="l"/>
-                <a:tab pos="7635875" algn="l"/>
-                <a:tab pos="8085138" algn="l"/>
-                <a:tab pos="8534400" algn="l"/>
-                <a:tab pos="8983663" algn="l"/>
-              </a:tabLst>
-              <a:defRPr>
-                <a:solidFill>
-                  <a:schemeClr val="bg1"/>
-                </a:solidFill>
-                <a:latin typeface="Arial" panose="020B0604020202020204" pitchFamily="34" charset="0"/>
-                <a:ea typeface="ＭＳ Ｐゴシック" panose="020B0600070205080204" pitchFamily="50" charset="-128"/>
-              </a:defRPr>
-            </a:lvl7pPr>
-            <a:lvl8pPr marL="3429000" indent="-228600" defTabSz="449263" eaLnBrk="0" fontAlgn="base" hangingPunct="0">
-              <a:spcBef>
-                <a:spcPct val="0"/>
-              </a:spcBef>
-              <a:spcAft>
-                <a:spcPct val="0"/>
-              </a:spcAft>
-              <a:tabLst>
-                <a:tab pos="0" algn="l"/>
-                <a:tab pos="447675" algn="l"/>
-                <a:tab pos="896938" algn="l"/>
-                <a:tab pos="1346200" algn="l"/>
-                <a:tab pos="1795463" algn="l"/>
-                <a:tab pos="2244725" algn="l"/>
-                <a:tab pos="2693988" algn="l"/>
-                <a:tab pos="3143250" algn="l"/>
-                <a:tab pos="3592513" algn="l"/>
-                <a:tab pos="4041775" algn="l"/>
-                <a:tab pos="4491038" algn="l"/>
-                <a:tab pos="4940300" algn="l"/>
-                <a:tab pos="5389563" algn="l"/>
-                <a:tab pos="5838825" algn="l"/>
-                <a:tab pos="6288088" algn="l"/>
-                <a:tab pos="6737350" algn="l"/>
-                <a:tab pos="7186613" algn="l"/>
-                <a:tab pos="7635875" algn="l"/>
-                <a:tab pos="8085138" algn="l"/>
-                <a:tab pos="8534400" algn="l"/>
-                <a:tab pos="8983663" algn="l"/>
-              </a:tabLst>
-              <a:defRPr>
-                <a:solidFill>
-                  <a:schemeClr val="bg1"/>
-                </a:solidFill>
-                <a:latin typeface="Arial" panose="020B0604020202020204" pitchFamily="34" charset="0"/>
-                <a:ea typeface="ＭＳ Ｐゴシック" panose="020B0600070205080204" pitchFamily="50" charset="-128"/>
-              </a:defRPr>
-            </a:lvl8pPr>
-            <a:lvl9pPr marL="3886200" indent="-228600" defTabSz="449263" eaLnBrk="0" fontAlgn="base" hangingPunct="0">
-              <a:spcBef>
-                <a:spcPct val="0"/>
-              </a:spcBef>
-              <a:spcAft>
-                <a:spcPct val="0"/>
-              </a:spcAft>
-              <a:tabLst>
-                <a:tab pos="0" algn="l"/>
-                <a:tab pos="447675" algn="l"/>
-                <a:tab pos="896938" algn="l"/>
-                <a:tab pos="1346200" algn="l"/>
-                <a:tab pos="1795463" algn="l"/>
-                <a:tab pos="2244725" algn="l"/>
-                <a:tab pos="2693988" algn="l"/>
-                <a:tab pos="3143250" algn="l"/>
-                <a:tab pos="3592513" algn="l"/>
-                <a:tab pos="4041775" algn="l"/>
-                <a:tab pos="4491038" algn="l"/>
-                <a:tab pos="4940300" algn="l"/>
-                <a:tab pos="5389563" algn="l"/>
-                <a:tab pos="5838825" algn="l"/>
-                <a:tab pos="6288088" algn="l"/>
-                <a:tab pos="6737350" algn="l"/>
-                <a:tab pos="7186613" algn="l"/>
-                <a:tab pos="7635875" algn="l"/>
-                <a:tab pos="8085138" algn="l"/>
-                <a:tab pos="8534400" algn="l"/>
-                <a:tab pos="8983663" algn="l"/>
-              </a:tabLst>
-              <a:defRPr>
-                <a:solidFill>
-                  <a:schemeClr val="bg1"/>
-                </a:solidFill>
-                <a:latin typeface="Arial" panose="020B0604020202020204" pitchFamily="34" charset="0"/>
-                <a:ea typeface="ＭＳ Ｐゴシック" panose="020B0600070205080204" pitchFamily="50" charset="-128"/>
-              </a:defRPr>
-            </a:lvl9pPr>
-          </a:lstStyle>
-          <a:p>
-            <a:pPr eaLnBrk="1">
-              <a:lnSpc>
-                <a:spcPct val="125000"/>
-              </a:lnSpc>
-              <a:buSzPct val="100000"/>
-            </a:pPr>
-            <a:r>
-              <a:rPr lang="en-US" altLang="ja-JP" sz="2800" b="1">
-                <a:solidFill>
-                  <a:srgbClr val="000000"/>
-                </a:solidFill>
-                <a:latin typeface="メイリオ" panose="020B0604030504040204" pitchFamily="50" charset="-128"/>
-                <a:ea typeface="メイリオ" panose="020B0604030504040204" pitchFamily="50" charset="-128"/>
-              </a:rPr>
-              <a:t>7. </a:t>
-            </a:r>
-            <a:r>
-              <a:rPr lang="ja-JP" altLang="ja-JP" sz="2800" b="1">
-                <a:solidFill>
-                  <a:srgbClr val="000000"/>
-                </a:solidFill>
-                <a:latin typeface="メイリオ" panose="020B0604030504040204" pitchFamily="50" charset="-128"/>
-                <a:ea typeface="メイリオ" panose="020B0604030504040204" pitchFamily="50" charset="-128"/>
-              </a:rPr>
-              <a:t>最後に</a:t>
-            </a:r>
-          </a:p>
-        </p:txBody>
-      </p:sp>
-      <p:sp>
-        <p:nvSpPr>
-          <p:cNvPr id="26628" name="Text Box 3"/>
-          <p:cNvSpPr txBox="1">
-            <a:spLocks noChangeArrowheads="1"/>
-          </p:cNvSpPr>
-          <p:nvPr/>
-        </p:nvSpPr>
-        <p:spPr bwMode="auto">
-          <a:xfrm>
-            <a:off x="647700" y="1476375"/>
-            <a:ext cx="9009063" cy="5111750"/>
-          </a:xfrm>
-          <a:prstGeom prst="rect">
-            <a:avLst/>
-          </a:prstGeom>
-          <a:noFill/>
-          <a:ln>
-            <a:noFill/>
-          </a:ln>
-          <a:extLst>
-            <a:ext uri="{909E8E84-426E-40DD-AFC4-6F175D3DCCD1}">
-              <a14:hiddenFill xmlns:a14="http://schemas.microsoft.com/office/drawing/2010/main">
-                <a:solidFill>
-                  <a:srgbClr val="FFFFFF"/>
-                </a:solidFill>
-              </a14:hiddenFill>
-            </a:ext>
-            <a:ext uri="{91240B29-F687-4F45-9708-019B960494DF}">
-              <a14:hiddenLine xmlns:a14="http://schemas.microsoft.com/office/drawing/2010/main" w="9525">
-                <a:solidFill>
-                  <a:srgbClr val="000000"/>
-                </a:solidFill>
-                <a:round/>
-                <a:headEnd/>
-                <a:tailEnd/>
-              </a14:hiddenLine>
-            </a:ext>
-          </a:extLst>
-        </p:spPr>
-        <p:txBody>
-          <a:bodyPr wrap="none" lIns="90000" tIns="45000" rIns="90000" bIns="45000"/>
-          <a:lstStyle>
-            <a:lvl1pPr>
-              <a:tabLst>
-                <a:tab pos="0" algn="l"/>
-                <a:tab pos="447675" algn="l"/>
-                <a:tab pos="896938" algn="l"/>
-                <a:tab pos="1346200" algn="l"/>
-                <a:tab pos="1795463" algn="l"/>
-                <a:tab pos="2244725" algn="l"/>
-                <a:tab pos="2693988" algn="l"/>
-                <a:tab pos="3143250" algn="l"/>
-                <a:tab pos="3592513" algn="l"/>
-                <a:tab pos="4041775" algn="l"/>
-                <a:tab pos="4491038" algn="l"/>
-                <a:tab pos="4940300" algn="l"/>
-                <a:tab pos="5389563" algn="l"/>
-                <a:tab pos="5838825" algn="l"/>
-                <a:tab pos="6288088" algn="l"/>
-                <a:tab pos="6737350" algn="l"/>
-                <a:tab pos="7186613" algn="l"/>
-                <a:tab pos="7635875" algn="l"/>
-                <a:tab pos="8085138" algn="l"/>
-                <a:tab pos="8534400" algn="l"/>
-                <a:tab pos="8983663" algn="l"/>
-              </a:tabLst>
-              <a:defRPr>
-                <a:solidFill>
-                  <a:schemeClr val="bg1"/>
-                </a:solidFill>
-                <a:latin typeface="Arial" panose="020B0604020202020204" pitchFamily="34" charset="0"/>
-                <a:ea typeface="ＭＳ Ｐゴシック" panose="020B0600070205080204" pitchFamily="50" charset="-128"/>
-              </a:defRPr>
-            </a:lvl1pPr>
-            <a:lvl2pPr>
-              <a:tabLst>
-                <a:tab pos="0" algn="l"/>
-                <a:tab pos="447675" algn="l"/>
-                <a:tab pos="896938" algn="l"/>
-                <a:tab pos="1346200" algn="l"/>
-                <a:tab pos="1795463" algn="l"/>
-                <a:tab pos="2244725" algn="l"/>
-                <a:tab pos="2693988" algn="l"/>
-                <a:tab pos="3143250" algn="l"/>
-                <a:tab pos="3592513" algn="l"/>
-                <a:tab pos="4041775" algn="l"/>
-                <a:tab pos="4491038" algn="l"/>
-                <a:tab pos="4940300" algn="l"/>
-                <a:tab pos="5389563" algn="l"/>
-                <a:tab pos="5838825" algn="l"/>
-                <a:tab pos="6288088" algn="l"/>
-                <a:tab pos="6737350" algn="l"/>
-                <a:tab pos="7186613" algn="l"/>
-                <a:tab pos="7635875" algn="l"/>
-                <a:tab pos="8085138" algn="l"/>
-                <a:tab pos="8534400" algn="l"/>
-                <a:tab pos="8983663" algn="l"/>
-              </a:tabLst>
-              <a:defRPr>
-                <a:solidFill>
-                  <a:schemeClr val="bg1"/>
-                </a:solidFill>
-                <a:latin typeface="Arial" panose="020B0604020202020204" pitchFamily="34" charset="0"/>
-                <a:ea typeface="ＭＳ Ｐゴシック" panose="020B0600070205080204" pitchFamily="50" charset="-128"/>
-              </a:defRPr>
-            </a:lvl2pPr>
-            <a:lvl3pPr>
-              <a:tabLst>
-                <a:tab pos="0" algn="l"/>
-                <a:tab pos="447675" algn="l"/>
-                <a:tab pos="896938" algn="l"/>
-                <a:tab pos="1346200" algn="l"/>
-                <a:tab pos="1795463" algn="l"/>
-                <a:tab pos="2244725" algn="l"/>
-                <a:tab pos="2693988" algn="l"/>
-                <a:tab pos="3143250" algn="l"/>
-                <a:tab pos="3592513" algn="l"/>
-                <a:tab pos="4041775" algn="l"/>
-                <a:tab pos="4491038" algn="l"/>
-                <a:tab pos="4940300" algn="l"/>
-                <a:tab pos="5389563" algn="l"/>
-                <a:tab pos="5838825" algn="l"/>
-                <a:tab pos="6288088" algn="l"/>
-                <a:tab pos="6737350" algn="l"/>
-                <a:tab pos="7186613" algn="l"/>
-                <a:tab pos="7635875" algn="l"/>
-                <a:tab pos="8085138" algn="l"/>
-                <a:tab pos="8534400" algn="l"/>
-                <a:tab pos="8983663" algn="l"/>
-              </a:tabLst>
-              <a:defRPr>
-                <a:solidFill>
-                  <a:schemeClr val="bg1"/>
-                </a:solidFill>
-                <a:latin typeface="Arial" panose="020B0604020202020204" pitchFamily="34" charset="0"/>
-                <a:ea typeface="ＭＳ Ｐゴシック" panose="020B0600070205080204" pitchFamily="50" charset="-128"/>
-              </a:defRPr>
-            </a:lvl3pPr>
-            <a:lvl4pPr>
-              <a:tabLst>
-                <a:tab pos="0" algn="l"/>
-                <a:tab pos="447675" algn="l"/>
-                <a:tab pos="896938" algn="l"/>
-                <a:tab pos="1346200" algn="l"/>
-                <a:tab pos="1795463" algn="l"/>
-                <a:tab pos="2244725" algn="l"/>
-                <a:tab pos="2693988" algn="l"/>
-                <a:tab pos="3143250" algn="l"/>
-                <a:tab pos="3592513" algn="l"/>
-                <a:tab pos="4041775" algn="l"/>
-                <a:tab pos="4491038" algn="l"/>
-                <a:tab pos="4940300" algn="l"/>
-                <a:tab pos="5389563" algn="l"/>
-                <a:tab pos="5838825" algn="l"/>
-                <a:tab pos="6288088" algn="l"/>
-                <a:tab pos="6737350" algn="l"/>
-                <a:tab pos="7186613" algn="l"/>
-                <a:tab pos="7635875" algn="l"/>
-                <a:tab pos="8085138" algn="l"/>
-                <a:tab pos="8534400" algn="l"/>
-                <a:tab pos="8983663" algn="l"/>
-              </a:tabLst>
-              <a:defRPr>
-                <a:solidFill>
-                  <a:schemeClr val="bg1"/>
-                </a:solidFill>
-                <a:latin typeface="Arial" panose="020B0604020202020204" pitchFamily="34" charset="0"/>
-                <a:ea typeface="ＭＳ Ｐゴシック" panose="020B0600070205080204" pitchFamily="50" charset="-128"/>
-              </a:defRPr>
-            </a:lvl4pPr>
-            <a:lvl5pPr>
-              <a:tabLst>
-                <a:tab pos="0" algn="l"/>
-                <a:tab pos="447675" algn="l"/>
-                <a:tab pos="896938" algn="l"/>
-                <a:tab pos="1346200" algn="l"/>
-                <a:tab pos="1795463" algn="l"/>
-                <a:tab pos="2244725" algn="l"/>
-                <a:tab pos="2693988" algn="l"/>
-                <a:tab pos="3143250" algn="l"/>
-                <a:tab pos="3592513" algn="l"/>
-                <a:tab pos="4041775" algn="l"/>
-                <a:tab pos="4491038" algn="l"/>
-                <a:tab pos="4940300" algn="l"/>
-                <a:tab pos="5389563" algn="l"/>
-                <a:tab pos="5838825" algn="l"/>
-                <a:tab pos="6288088" algn="l"/>
-                <a:tab pos="6737350" algn="l"/>
-                <a:tab pos="7186613" algn="l"/>
-                <a:tab pos="7635875" algn="l"/>
-                <a:tab pos="8085138" algn="l"/>
-                <a:tab pos="8534400" algn="l"/>
-                <a:tab pos="8983663" algn="l"/>
-              </a:tabLst>
-              <a:defRPr>
-                <a:solidFill>
-                  <a:schemeClr val="bg1"/>
-                </a:solidFill>
-                <a:latin typeface="Arial" panose="020B0604020202020204" pitchFamily="34" charset="0"/>
-                <a:ea typeface="ＭＳ Ｐゴシック" panose="020B0600070205080204" pitchFamily="50" charset="-128"/>
-              </a:defRPr>
-            </a:lvl5pPr>
-            <a:lvl6pPr marL="2514600" indent="-228600" defTabSz="449263" eaLnBrk="0" fontAlgn="base" hangingPunct="0">
-              <a:spcBef>
-                <a:spcPct val="0"/>
-              </a:spcBef>
-              <a:spcAft>
-                <a:spcPct val="0"/>
-              </a:spcAft>
-              <a:tabLst>
-                <a:tab pos="0" algn="l"/>
-                <a:tab pos="447675" algn="l"/>
-                <a:tab pos="896938" algn="l"/>
-                <a:tab pos="1346200" algn="l"/>
-                <a:tab pos="1795463" algn="l"/>
-                <a:tab pos="2244725" algn="l"/>
-                <a:tab pos="2693988" algn="l"/>
-                <a:tab pos="3143250" algn="l"/>
-                <a:tab pos="3592513" algn="l"/>
-                <a:tab pos="4041775" algn="l"/>
-                <a:tab pos="4491038" algn="l"/>
-                <a:tab pos="4940300" algn="l"/>
-                <a:tab pos="5389563" algn="l"/>
-                <a:tab pos="5838825" algn="l"/>
-                <a:tab pos="6288088" algn="l"/>
-                <a:tab pos="6737350" algn="l"/>
-                <a:tab pos="7186613" algn="l"/>
-                <a:tab pos="7635875" algn="l"/>
-                <a:tab pos="8085138" algn="l"/>
-                <a:tab pos="8534400" algn="l"/>
-                <a:tab pos="8983663" algn="l"/>
-              </a:tabLst>
-              <a:defRPr>
-                <a:solidFill>
-                  <a:schemeClr val="bg1"/>
-                </a:solidFill>
-                <a:latin typeface="Arial" panose="020B0604020202020204" pitchFamily="34" charset="0"/>
-                <a:ea typeface="ＭＳ Ｐゴシック" panose="020B0600070205080204" pitchFamily="50" charset="-128"/>
-              </a:defRPr>
-            </a:lvl6pPr>
-            <a:lvl7pPr marL="2971800" indent="-228600" defTabSz="449263" eaLnBrk="0" fontAlgn="base" hangingPunct="0">
-              <a:spcBef>
-                <a:spcPct val="0"/>
-              </a:spcBef>
-              <a:spcAft>
-                <a:spcPct val="0"/>
-              </a:spcAft>
-              <a:tabLst>
-                <a:tab pos="0" algn="l"/>
-                <a:tab pos="447675" algn="l"/>
-                <a:tab pos="896938" algn="l"/>
-                <a:tab pos="1346200" algn="l"/>
-                <a:tab pos="1795463" algn="l"/>
-                <a:tab pos="2244725" algn="l"/>
-                <a:tab pos="2693988" algn="l"/>
-                <a:tab pos="3143250" algn="l"/>
-                <a:tab pos="3592513" algn="l"/>
-                <a:tab pos="4041775" algn="l"/>
-                <a:tab pos="4491038" algn="l"/>
-                <a:tab pos="4940300" algn="l"/>
-                <a:tab pos="5389563" algn="l"/>
-                <a:tab pos="5838825" algn="l"/>
-                <a:tab pos="6288088" algn="l"/>
-                <a:tab pos="6737350" algn="l"/>
-                <a:tab pos="7186613" algn="l"/>
-                <a:tab pos="7635875" algn="l"/>
-                <a:tab pos="8085138" algn="l"/>
-                <a:tab pos="8534400" algn="l"/>
-                <a:tab pos="8983663" algn="l"/>
-              </a:tabLst>
-              <a:defRPr>
-                <a:solidFill>
-                  <a:schemeClr val="bg1"/>
-                </a:solidFill>
-                <a:latin typeface="Arial" panose="020B0604020202020204" pitchFamily="34" charset="0"/>
-                <a:ea typeface="ＭＳ Ｐゴシック" panose="020B0600070205080204" pitchFamily="50" charset="-128"/>
-              </a:defRPr>
-            </a:lvl7pPr>
-            <a:lvl8pPr marL="3429000" indent="-228600" defTabSz="449263" eaLnBrk="0" fontAlgn="base" hangingPunct="0">
-              <a:spcBef>
-                <a:spcPct val="0"/>
-              </a:spcBef>
-              <a:spcAft>
-                <a:spcPct val="0"/>
-              </a:spcAft>
-              <a:tabLst>
-                <a:tab pos="0" algn="l"/>
-                <a:tab pos="447675" algn="l"/>
-                <a:tab pos="896938" algn="l"/>
-                <a:tab pos="1346200" algn="l"/>
-                <a:tab pos="1795463" algn="l"/>
-                <a:tab pos="2244725" algn="l"/>
-                <a:tab pos="2693988" algn="l"/>
-                <a:tab pos="3143250" algn="l"/>
-                <a:tab pos="3592513" algn="l"/>
-                <a:tab pos="4041775" algn="l"/>
-                <a:tab pos="4491038" algn="l"/>
-                <a:tab pos="4940300" algn="l"/>
-                <a:tab pos="5389563" algn="l"/>
-                <a:tab pos="5838825" algn="l"/>
-                <a:tab pos="6288088" algn="l"/>
-                <a:tab pos="6737350" algn="l"/>
-                <a:tab pos="7186613" algn="l"/>
-                <a:tab pos="7635875" algn="l"/>
-                <a:tab pos="8085138" algn="l"/>
-                <a:tab pos="8534400" algn="l"/>
-                <a:tab pos="8983663" algn="l"/>
-              </a:tabLst>
-              <a:defRPr>
-                <a:solidFill>
-                  <a:schemeClr val="bg1"/>
-                </a:solidFill>
-                <a:latin typeface="Arial" panose="020B0604020202020204" pitchFamily="34" charset="0"/>
-                <a:ea typeface="ＭＳ Ｐゴシック" panose="020B0600070205080204" pitchFamily="50" charset="-128"/>
-              </a:defRPr>
-            </a:lvl8pPr>
-            <a:lvl9pPr marL="3886200" indent="-228600" defTabSz="449263" eaLnBrk="0" fontAlgn="base" hangingPunct="0">
-              <a:spcBef>
-                <a:spcPct val="0"/>
-              </a:spcBef>
-              <a:spcAft>
-                <a:spcPct val="0"/>
-              </a:spcAft>
-              <a:tabLst>
-                <a:tab pos="0" algn="l"/>
-                <a:tab pos="447675" algn="l"/>
-                <a:tab pos="896938" algn="l"/>
-                <a:tab pos="1346200" algn="l"/>
-                <a:tab pos="1795463" algn="l"/>
-                <a:tab pos="2244725" algn="l"/>
-                <a:tab pos="2693988" algn="l"/>
-                <a:tab pos="3143250" algn="l"/>
-                <a:tab pos="3592513" algn="l"/>
-                <a:tab pos="4041775" algn="l"/>
-                <a:tab pos="4491038" algn="l"/>
-                <a:tab pos="4940300" algn="l"/>
-                <a:tab pos="5389563" algn="l"/>
-                <a:tab pos="5838825" algn="l"/>
-                <a:tab pos="6288088" algn="l"/>
-                <a:tab pos="6737350" algn="l"/>
-                <a:tab pos="7186613" algn="l"/>
-                <a:tab pos="7635875" algn="l"/>
-                <a:tab pos="8085138" algn="l"/>
-                <a:tab pos="8534400" algn="l"/>
-                <a:tab pos="8983663" algn="l"/>
-              </a:tabLst>
-              <a:defRPr>
-                <a:solidFill>
-                  <a:schemeClr val="bg1"/>
-                </a:solidFill>
-                <a:latin typeface="Arial" panose="020B0604020202020204" pitchFamily="34" charset="0"/>
-                <a:ea typeface="ＭＳ Ｐゴシック" panose="020B0600070205080204" pitchFamily="50" charset="-128"/>
-              </a:defRPr>
-            </a:lvl9pPr>
-          </a:lstStyle>
-          <a:p>
-            <a:pPr eaLnBrk="1">
-              <a:lnSpc>
-                <a:spcPct val="125000"/>
-              </a:lnSpc>
-              <a:buSzPct val="100000"/>
-            </a:pPr>
-            <a:r>
-              <a:rPr lang="ja-JP" altLang="en-US">
-                <a:solidFill>
-                  <a:srgbClr val="FF0000"/>
-                </a:solidFill>
-                <a:latin typeface="メイリオ" panose="020B0604030504040204" pitchFamily="50" charset="-128"/>
-                <a:ea typeface="メイリオ" panose="020B0604030504040204" pitchFamily="50" charset="-128"/>
-              </a:rPr>
-              <a:t>当研修を通して、チームのメンバー全体がどのように成長できたかの総評を</a:t>
-            </a:r>
-            <a:endParaRPr lang="en-US" altLang="ja-JP">
-              <a:solidFill>
-                <a:srgbClr val="FF0000"/>
-              </a:solidFill>
-              <a:latin typeface="メイリオ" panose="020B0604030504040204" pitchFamily="50" charset="-128"/>
-              <a:ea typeface="メイリオ" panose="020B0604030504040204" pitchFamily="50" charset="-128"/>
-            </a:endParaRPr>
-          </a:p>
-          <a:p>
-            <a:pPr eaLnBrk="1">
-              <a:lnSpc>
-                <a:spcPct val="125000"/>
-              </a:lnSpc>
-              <a:buSzPct val="100000"/>
-            </a:pPr>
-            <a:r>
-              <a:rPr lang="ja-JP" altLang="en-US">
-                <a:solidFill>
-                  <a:srgbClr val="FF0000"/>
-                </a:solidFill>
-                <a:latin typeface="メイリオ" panose="020B0604030504040204" pitchFamily="50" charset="-128"/>
-                <a:ea typeface="メイリオ" panose="020B0604030504040204" pitchFamily="50" charset="-128"/>
-              </a:rPr>
-              <a:t>記入してください。</a:t>
-            </a:r>
-            <a:endParaRPr lang="en-US" altLang="ja-JP">
-              <a:solidFill>
-                <a:srgbClr val="FF0000"/>
-              </a:solidFill>
-              <a:latin typeface="メイリオ" panose="020B0604030504040204" pitchFamily="50" charset="-128"/>
-              <a:ea typeface="メイリオ" panose="020B0604030504040204" pitchFamily="50" charset="-128"/>
-            </a:endParaRPr>
-          </a:p>
-          <a:p>
-            <a:pPr eaLnBrk="1">
-              <a:lnSpc>
-                <a:spcPct val="125000"/>
-              </a:lnSpc>
-              <a:buSzPct val="100000"/>
-            </a:pPr>
-            <a:endParaRPr lang="en-US" altLang="ja-JP">
-              <a:solidFill>
-                <a:srgbClr val="FF0000"/>
-              </a:solidFill>
-              <a:latin typeface="メイリオ" panose="020B0604030504040204" pitchFamily="50" charset="-128"/>
-              <a:ea typeface="メイリオ" panose="020B0604030504040204" pitchFamily="50" charset="-128"/>
-            </a:endParaRPr>
-          </a:p>
-          <a:p>
-            <a:pPr eaLnBrk="1">
-              <a:lnSpc>
-                <a:spcPct val="125000"/>
-              </a:lnSpc>
-              <a:buSzPct val="100000"/>
-            </a:pPr>
-            <a:r>
-              <a:rPr lang="ja-JP" altLang="en-US">
-                <a:solidFill>
-                  <a:srgbClr val="FF0000"/>
-                </a:solidFill>
-                <a:latin typeface="メイリオ" panose="020B0604030504040204" pitchFamily="50" charset="-128"/>
-                <a:ea typeface="メイリオ" panose="020B0604030504040204" pitchFamily="50" charset="-128"/>
-              </a:rPr>
-              <a:t>また、最後に当研修に受講させて頂いた企業担当者への感謝の言葉を</a:t>
-            </a:r>
-            <a:endParaRPr lang="en-US" altLang="ja-JP">
-              <a:solidFill>
-                <a:srgbClr val="FF0000"/>
-              </a:solidFill>
-              <a:latin typeface="メイリオ" panose="020B0604030504040204" pitchFamily="50" charset="-128"/>
-              <a:ea typeface="メイリオ" panose="020B0604030504040204" pitchFamily="50" charset="-128"/>
-            </a:endParaRPr>
-          </a:p>
-          <a:p>
-            <a:pPr eaLnBrk="1">
-              <a:lnSpc>
-                <a:spcPct val="125000"/>
-              </a:lnSpc>
-              <a:buSzPct val="100000"/>
-            </a:pPr>
-            <a:r>
-              <a:rPr lang="ja-JP" altLang="en-US">
-                <a:solidFill>
-                  <a:srgbClr val="FF0000"/>
-                </a:solidFill>
-                <a:latin typeface="メイリオ" panose="020B0604030504040204" pitchFamily="50" charset="-128"/>
-                <a:ea typeface="メイリオ" panose="020B0604030504040204" pitchFamily="50" charset="-128"/>
-              </a:rPr>
-              <a:t>記入してください。</a:t>
-            </a:r>
-            <a:endParaRPr lang="ja-JP" altLang="ja-JP">
-              <a:solidFill>
-                <a:srgbClr val="FF0000"/>
-              </a:solidFill>
-              <a:latin typeface="メイリオ" panose="020B0604030504040204" pitchFamily="50" charset="-128"/>
-              <a:ea typeface="メイリオ" panose="020B0604030504040204" pitchFamily="50" charset="-128"/>
-            </a:endParaRPr>
-          </a:p>
-        </p:txBody>
-      </p:sp>
-      <p:sp>
-        <p:nvSpPr>
-          <p:cNvPr id="26629" name="Line 5"/>
-          <p:cNvSpPr>
-            <a:spLocks noChangeShapeType="1"/>
-          </p:cNvSpPr>
-          <p:nvPr/>
-        </p:nvSpPr>
-        <p:spPr bwMode="auto">
-          <a:xfrm>
-            <a:off x="503238" y="1373188"/>
-            <a:ext cx="5183187" cy="1587"/>
-          </a:xfrm>
-          <a:prstGeom prst="line">
-            <a:avLst/>
-          </a:prstGeom>
-          <a:noFill/>
-          <a:ln w="9360" cap="sq">
-            <a:solidFill>
-              <a:srgbClr val="000000"/>
-            </a:solidFill>
-            <a:miter lim="800000"/>
-            <a:headEnd/>
-            <a:tailEnd/>
-          </a:ln>
-          <a:extLst>
-            <a:ext uri="{909E8E84-426E-40DD-AFC4-6F175D3DCCD1}">
-              <a14:hiddenFill xmlns:a14="http://schemas.microsoft.com/office/drawing/2010/main">
-                <a:noFill/>
-              </a14:hiddenFill>
-            </a:ext>
-          </a:extLst>
-        </p:spPr>
-        <p:txBody>
-          <a:bodyPr/>
-          <a:lstStyle/>
-          <a:p>
-            <a:endParaRPr lang="ja-JP" altLang="en-US"/>
-          </a:p>
-        </p:txBody>
-      </p:sp>
-      <p:sp>
-        <p:nvSpPr>
-          <p:cNvPr id="26630" name="Line 6"/>
-          <p:cNvSpPr>
-            <a:spLocks noChangeShapeType="1"/>
-          </p:cNvSpPr>
-          <p:nvPr/>
-        </p:nvSpPr>
-        <p:spPr bwMode="auto">
-          <a:xfrm>
-            <a:off x="4356100" y="6808788"/>
-            <a:ext cx="5183188" cy="1587"/>
-          </a:xfrm>
-          <a:prstGeom prst="line">
-            <a:avLst/>
-          </a:prstGeom>
-          <a:noFill/>
-          <a:ln w="9360" cap="sq">
-            <a:solidFill>
-              <a:srgbClr val="000000"/>
-            </a:solidFill>
-            <a:miter lim="800000"/>
-            <a:headEnd/>
-            <a:tailEnd/>
-          </a:ln>
-          <a:extLst>
-            <a:ext uri="{909E8E84-426E-40DD-AFC4-6F175D3DCCD1}">
-              <a14:hiddenFill xmlns:a14="http://schemas.microsoft.com/office/drawing/2010/main">
-                <a:noFill/>
-              </a14:hiddenFill>
-            </a:ext>
-          </a:extLst>
-        </p:spPr>
-        <p:txBody>
-          <a:bodyPr/>
-          <a:lstStyle/>
-          <a:p>
-            <a:endParaRPr lang="ja-JP" altLang="en-US"/>
-          </a:p>
-        </p:txBody>
-      </p:sp>
-      <p:sp>
-        <p:nvSpPr>
-          <p:cNvPr id="2" name="フッター プレースホルダー 1"/>
-          <p:cNvSpPr>
-            <a:spLocks noGrp="1"/>
-          </p:cNvSpPr>
-          <p:nvPr>
-            <p:ph type="ftr" sz="quarter" idx="11"/>
-          </p:nvPr>
-        </p:nvSpPr>
-        <p:spPr/>
-        <p:txBody>
-          <a:bodyPr/>
-          <a:lstStyle/>
-          <a:p>
-            <a:r>
-              <a:rPr lang="en-US" altLang="ja-JP" smtClean="0"/>
-              <a:t>©</a:t>
-            </a:r>
-            <a:r>
-              <a:rPr lang="ja-JP" altLang="en-US" smtClean="0"/>
-              <a:t>花より漢気  </a:t>
-            </a:r>
-            <a:r>
-              <a:rPr lang="en-US" altLang="ja-JP" smtClean="0"/>
-              <a:t>| BOF</a:t>
-            </a:r>
-            <a:endParaRPr lang="en-US" dirty="0"/>
-          </a:p>
-        </p:txBody>
-      </p:sp>
-    </p:spTree>
-    <p:extLst>
-      <p:ext uri="{BB962C8B-B14F-4D97-AF65-F5344CB8AC3E}">
-        <p14:creationId xmlns:p14="http://schemas.microsoft.com/office/powerpoint/2010/main" val="2194253151"/>
-      </p:ext>
-    </p:extLst>
-  </p:cSld>
-  <p:clrMapOvr>
-    <a:masterClrMapping/>
-  </p:clrMapOvr>
-  <p:transition spd="med"/>
-  <p:timing>
-    <p:tnLst>
-      <p:par>
-        <p:cTn id="1" dur="indefinite" restart="never" nodeType="tmRoot">
-          <p:childTnLst>
-            <p:seq concurrent="1" nextAc="seek">
-              <p:cTn id="2" dur="indefinite" nodeType="mainSeq"/>
-              <p:prevCondLst>
-                <p:cond evt="onPrev" delay="0">
-                  <p:tgtEl>
-                    <p:sldTgt/>
-                  </p:tgtEl>
-                </p:cond>
-              </p:prevCondLst>
-              <p:nextCondLst>
-                <p:cond evt="onNext" delay="0">
-                  <p:tgtEl>
-                    <p:sldTgt/>
-                  </p:tgtEl>
-                </p:cond>
-              </p:nextCondLst>
-            </p:seq>
-          </p:childTnLst>
-        </p:cTn>
-      </p:par>
-    </p:tnLst>
-  </p:timing>
-</p:sld>
-</file>
-
-<file path=ppt/slides/slide33.xml><?xml version="1.0" encoding="utf-8"?>
 <p:sld xmlns:a="http://schemas.openxmlformats.org/drawingml/2006/main" xmlns:r="http://schemas.openxmlformats.org/officeDocument/2006/relationships" xmlns:p="http://schemas.openxmlformats.org/presentationml/2006/main">
   <p:cSld>
     <p:spTree>
@@ -40004,7 +38193,7 @@
 </p:sld>
 </file>
 
-<file path=ppt/slides/slide34.xml><?xml version="1.0" encoding="utf-8"?>
+<file path=ppt/slides/slide4.xml><?xml version="1.0" encoding="utf-8"?>
 <p:sld xmlns:a="http://schemas.openxmlformats.org/drawingml/2006/main" xmlns:r="http://schemas.openxmlformats.org/officeDocument/2006/relationships" xmlns:p="http://schemas.openxmlformats.org/presentationml/2006/main">
   <p:cSld>
     <p:spTree>
@@ -40023,10 +38212,10 @@
       </p:grpSpPr>
       <p:sp>
         <p:nvSpPr>
-          <p:cNvPr id="20483" name="Text Box 2">
+          <p:cNvPr id="7171" name="Text Box 2">
             <a:extLst>
               <a:ext uri="{FF2B5EF4-FFF2-40B4-BE49-F238E27FC236}">
-                <a16:creationId xmlns="" xmlns:a16="http://schemas.microsoft.com/office/drawing/2014/main" id="{651B08D6-55D4-4A3E-AF9B-9727286E4AFC}"/>
+                <a16:creationId xmlns:a16="http://schemas.microsoft.com/office/drawing/2014/main" xmlns="" id="{2A9FB9B3-A694-4BFF-9F4B-802A96DBA486}"/>
               </a:ext>
             </a:extLst>
           </p:cNvPr>
@@ -40391,1876 +38580,7 @@
               <a:buSzPct val="100000"/>
             </a:pPr>
             <a:r>
-              <a:rPr lang="en-US" altLang="ja-JP" sz="2800" b="1">
-                <a:solidFill>
-                  <a:srgbClr val="000000"/>
-                </a:solidFill>
-                <a:latin typeface="メイリオ" panose="020B0604030504040204" pitchFamily="50" charset="-128"/>
-                <a:ea typeface="メイリオ" panose="020B0604030504040204" pitchFamily="50" charset="-128"/>
-              </a:rPr>
-              <a:t>2. </a:t>
-            </a:r>
-            <a:r>
-              <a:rPr lang="ja-JP" altLang="en-US" sz="2800" b="1">
-                <a:solidFill>
-                  <a:srgbClr val="000000"/>
-                </a:solidFill>
-                <a:latin typeface="メイリオ" panose="020B0604030504040204" pitchFamily="50" charset="-128"/>
-                <a:ea typeface="メイリオ" panose="020B0604030504040204" pitchFamily="50" charset="-128"/>
-              </a:rPr>
-              <a:t>苦労した点、工夫した点</a:t>
-            </a:r>
-            <a:endParaRPr lang="ja-JP" altLang="ja-JP" sz="2800" b="1">
-              <a:solidFill>
-                <a:srgbClr val="000000"/>
-              </a:solidFill>
-              <a:latin typeface="メイリオ" panose="020B0604030504040204" pitchFamily="50" charset="-128"/>
-              <a:ea typeface="メイリオ" panose="020B0604030504040204" pitchFamily="50" charset="-128"/>
-            </a:endParaRPr>
-          </a:p>
-        </p:txBody>
-      </p:sp>
-      <p:sp>
-        <p:nvSpPr>
-          <p:cNvPr id="20484" name="Text Box 3">
-            <a:extLst>
-              <a:ext uri="{FF2B5EF4-FFF2-40B4-BE49-F238E27FC236}">
-                <a16:creationId xmlns="" xmlns:a16="http://schemas.microsoft.com/office/drawing/2014/main" id="{24B74A06-ABAD-441E-9840-04F644CB8266}"/>
-              </a:ext>
-            </a:extLst>
-          </p:cNvPr>
-          <p:cNvSpPr txBox="1">
-            <a:spLocks noChangeArrowheads="1"/>
-          </p:cNvSpPr>
-          <p:nvPr/>
-        </p:nvSpPr>
-        <p:spPr bwMode="auto">
-          <a:xfrm>
-            <a:off x="319088" y="1530350"/>
-            <a:ext cx="9070975" cy="4899025"/>
-          </a:xfrm>
-          <a:prstGeom prst="rect">
-            <a:avLst/>
-          </a:prstGeom>
-          <a:noFill/>
-          <a:ln>
-            <a:noFill/>
-          </a:ln>
-          <a:extLst>
-            <a:ext uri="{909E8E84-426E-40DD-AFC4-6F175D3DCCD1}">
-              <a14:hiddenFill xmlns:a14="http://schemas.microsoft.com/office/drawing/2010/main">
-                <a:solidFill>
-                  <a:srgbClr val="FFFFFF"/>
-                </a:solidFill>
-              </a14:hiddenFill>
-            </a:ext>
-            <a:ext uri="{91240B29-F687-4F45-9708-019B960494DF}">
-              <a14:hiddenLine xmlns:a14="http://schemas.microsoft.com/office/drawing/2010/main" w="9525">
-                <a:solidFill>
-                  <a:srgbClr val="000000"/>
-                </a:solidFill>
-                <a:round/>
-                <a:headEnd/>
-                <a:tailEnd/>
-              </a14:hiddenLine>
-            </a:ext>
-          </a:extLst>
-        </p:spPr>
-        <p:txBody>
-          <a:bodyPr lIns="0" tIns="23040" rIns="0" bIns="0" anchor="ctr"/>
-          <a:lstStyle>
-            <a:lvl1pPr>
-              <a:tabLst>
-                <a:tab pos="0" algn="l"/>
-                <a:tab pos="447675" algn="l"/>
-                <a:tab pos="896938" algn="l"/>
-                <a:tab pos="1346200" algn="l"/>
-                <a:tab pos="1795463" algn="l"/>
-                <a:tab pos="2244725" algn="l"/>
-                <a:tab pos="2693988" algn="l"/>
-                <a:tab pos="3143250" algn="l"/>
-                <a:tab pos="3592513" algn="l"/>
-                <a:tab pos="4041775" algn="l"/>
-                <a:tab pos="4491038" algn="l"/>
-                <a:tab pos="4940300" algn="l"/>
-                <a:tab pos="5389563" algn="l"/>
-                <a:tab pos="5838825" algn="l"/>
-                <a:tab pos="6288088" algn="l"/>
-                <a:tab pos="6737350" algn="l"/>
-                <a:tab pos="7186613" algn="l"/>
-                <a:tab pos="7635875" algn="l"/>
-                <a:tab pos="8085138" algn="l"/>
-                <a:tab pos="8534400" algn="l"/>
-                <a:tab pos="8983663" algn="l"/>
-              </a:tabLst>
-              <a:defRPr>
-                <a:solidFill>
-                  <a:schemeClr val="bg1"/>
-                </a:solidFill>
-                <a:latin typeface="Arial" panose="020B0604020202020204" pitchFamily="34" charset="0"/>
-                <a:ea typeface="ＭＳ Ｐゴシック" panose="020B0600070205080204" pitchFamily="50" charset="-128"/>
-              </a:defRPr>
-            </a:lvl1pPr>
-            <a:lvl2pPr>
-              <a:tabLst>
-                <a:tab pos="0" algn="l"/>
-                <a:tab pos="447675" algn="l"/>
-                <a:tab pos="896938" algn="l"/>
-                <a:tab pos="1346200" algn="l"/>
-                <a:tab pos="1795463" algn="l"/>
-                <a:tab pos="2244725" algn="l"/>
-                <a:tab pos="2693988" algn="l"/>
-                <a:tab pos="3143250" algn="l"/>
-                <a:tab pos="3592513" algn="l"/>
-                <a:tab pos="4041775" algn="l"/>
-                <a:tab pos="4491038" algn="l"/>
-                <a:tab pos="4940300" algn="l"/>
-                <a:tab pos="5389563" algn="l"/>
-                <a:tab pos="5838825" algn="l"/>
-                <a:tab pos="6288088" algn="l"/>
-                <a:tab pos="6737350" algn="l"/>
-                <a:tab pos="7186613" algn="l"/>
-                <a:tab pos="7635875" algn="l"/>
-                <a:tab pos="8085138" algn="l"/>
-                <a:tab pos="8534400" algn="l"/>
-                <a:tab pos="8983663" algn="l"/>
-              </a:tabLst>
-              <a:defRPr>
-                <a:solidFill>
-                  <a:schemeClr val="bg1"/>
-                </a:solidFill>
-                <a:latin typeface="Arial" panose="020B0604020202020204" pitchFamily="34" charset="0"/>
-                <a:ea typeface="ＭＳ Ｐゴシック" panose="020B0600070205080204" pitchFamily="50" charset="-128"/>
-              </a:defRPr>
-            </a:lvl2pPr>
-            <a:lvl3pPr>
-              <a:tabLst>
-                <a:tab pos="0" algn="l"/>
-                <a:tab pos="447675" algn="l"/>
-                <a:tab pos="896938" algn="l"/>
-                <a:tab pos="1346200" algn="l"/>
-                <a:tab pos="1795463" algn="l"/>
-                <a:tab pos="2244725" algn="l"/>
-                <a:tab pos="2693988" algn="l"/>
-                <a:tab pos="3143250" algn="l"/>
-                <a:tab pos="3592513" algn="l"/>
-                <a:tab pos="4041775" algn="l"/>
-                <a:tab pos="4491038" algn="l"/>
-                <a:tab pos="4940300" algn="l"/>
-                <a:tab pos="5389563" algn="l"/>
-                <a:tab pos="5838825" algn="l"/>
-                <a:tab pos="6288088" algn="l"/>
-                <a:tab pos="6737350" algn="l"/>
-                <a:tab pos="7186613" algn="l"/>
-                <a:tab pos="7635875" algn="l"/>
-                <a:tab pos="8085138" algn="l"/>
-                <a:tab pos="8534400" algn="l"/>
-                <a:tab pos="8983663" algn="l"/>
-              </a:tabLst>
-              <a:defRPr>
-                <a:solidFill>
-                  <a:schemeClr val="bg1"/>
-                </a:solidFill>
-                <a:latin typeface="Arial" panose="020B0604020202020204" pitchFamily="34" charset="0"/>
-                <a:ea typeface="ＭＳ Ｐゴシック" panose="020B0600070205080204" pitchFamily="50" charset="-128"/>
-              </a:defRPr>
-            </a:lvl3pPr>
-            <a:lvl4pPr>
-              <a:tabLst>
-                <a:tab pos="0" algn="l"/>
-                <a:tab pos="447675" algn="l"/>
-                <a:tab pos="896938" algn="l"/>
-                <a:tab pos="1346200" algn="l"/>
-                <a:tab pos="1795463" algn="l"/>
-                <a:tab pos="2244725" algn="l"/>
-                <a:tab pos="2693988" algn="l"/>
-                <a:tab pos="3143250" algn="l"/>
-                <a:tab pos="3592513" algn="l"/>
-                <a:tab pos="4041775" algn="l"/>
-                <a:tab pos="4491038" algn="l"/>
-                <a:tab pos="4940300" algn="l"/>
-                <a:tab pos="5389563" algn="l"/>
-                <a:tab pos="5838825" algn="l"/>
-                <a:tab pos="6288088" algn="l"/>
-                <a:tab pos="6737350" algn="l"/>
-                <a:tab pos="7186613" algn="l"/>
-                <a:tab pos="7635875" algn="l"/>
-                <a:tab pos="8085138" algn="l"/>
-                <a:tab pos="8534400" algn="l"/>
-                <a:tab pos="8983663" algn="l"/>
-              </a:tabLst>
-              <a:defRPr>
-                <a:solidFill>
-                  <a:schemeClr val="bg1"/>
-                </a:solidFill>
-                <a:latin typeface="Arial" panose="020B0604020202020204" pitchFamily="34" charset="0"/>
-                <a:ea typeface="ＭＳ Ｐゴシック" panose="020B0600070205080204" pitchFamily="50" charset="-128"/>
-              </a:defRPr>
-            </a:lvl4pPr>
-            <a:lvl5pPr>
-              <a:tabLst>
-                <a:tab pos="0" algn="l"/>
-                <a:tab pos="447675" algn="l"/>
-                <a:tab pos="896938" algn="l"/>
-                <a:tab pos="1346200" algn="l"/>
-                <a:tab pos="1795463" algn="l"/>
-                <a:tab pos="2244725" algn="l"/>
-                <a:tab pos="2693988" algn="l"/>
-                <a:tab pos="3143250" algn="l"/>
-                <a:tab pos="3592513" algn="l"/>
-                <a:tab pos="4041775" algn="l"/>
-                <a:tab pos="4491038" algn="l"/>
-                <a:tab pos="4940300" algn="l"/>
-                <a:tab pos="5389563" algn="l"/>
-                <a:tab pos="5838825" algn="l"/>
-                <a:tab pos="6288088" algn="l"/>
-                <a:tab pos="6737350" algn="l"/>
-                <a:tab pos="7186613" algn="l"/>
-                <a:tab pos="7635875" algn="l"/>
-                <a:tab pos="8085138" algn="l"/>
-                <a:tab pos="8534400" algn="l"/>
-                <a:tab pos="8983663" algn="l"/>
-              </a:tabLst>
-              <a:defRPr>
-                <a:solidFill>
-                  <a:schemeClr val="bg1"/>
-                </a:solidFill>
-                <a:latin typeface="Arial" panose="020B0604020202020204" pitchFamily="34" charset="0"/>
-                <a:ea typeface="ＭＳ Ｐゴシック" panose="020B0600070205080204" pitchFamily="50" charset="-128"/>
-              </a:defRPr>
-            </a:lvl5pPr>
-            <a:lvl6pPr marL="2514600" indent="-228600" defTabSz="449263" eaLnBrk="0" fontAlgn="base" hangingPunct="0">
-              <a:spcBef>
-                <a:spcPct val="0"/>
-              </a:spcBef>
-              <a:spcAft>
-                <a:spcPct val="0"/>
-              </a:spcAft>
-              <a:tabLst>
-                <a:tab pos="0" algn="l"/>
-                <a:tab pos="447675" algn="l"/>
-                <a:tab pos="896938" algn="l"/>
-                <a:tab pos="1346200" algn="l"/>
-                <a:tab pos="1795463" algn="l"/>
-                <a:tab pos="2244725" algn="l"/>
-                <a:tab pos="2693988" algn="l"/>
-                <a:tab pos="3143250" algn="l"/>
-                <a:tab pos="3592513" algn="l"/>
-                <a:tab pos="4041775" algn="l"/>
-                <a:tab pos="4491038" algn="l"/>
-                <a:tab pos="4940300" algn="l"/>
-                <a:tab pos="5389563" algn="l"/>
-                <a:tab pos="5838825" algn="l"/>
-                <a:tab pos="6288088" algn="l"/>
-                <a:tab pos="6737350" algn="l"/>
-                <a:tab pos="7186613" algn="l"/>
-                <a:tab pos="7635875" algn="l"/>
-                <a:tab pos="8085138" algn="l"/>
-                <a:tab pos="8534400" algn="l"/>
-                <a:tab pos="8983663" algn="l"/>
-              </a:tabLst>
-              <a:defRPr>
-                <a:solidFill>
-                  <a:schemeClr val="bg1"/>
-                </a:solidFill>
-                <a:latin typeface="Arial" panose="020B0604020202020204" pitchFamily="34" charset="0"/>
-                <a:ea typeface="ＭＳ Ｐゴシック" panose="020B0600070205080204" pitchFamily="50" charset="-128"/>
-              </a:defRPr>
-            </a:lvl6pPr>
-            <a:lvl7pPr marL="2971800" indent="-228600" defTabSz="449263" eaLnBrk="0" fontAlgn="base" hangingPunct="0">
-              <a:spcBef>
-                <a:spcPct val="0"/>
-              </a:spcBef>
-              <a:spcAft>
-                <a:spcPct val="0"/>
-              </a:spcAft>
-              <a:tabLst>
-                <a:tab pos="0" algn="l"/>
-                <a:tab pos="447675" algn="l"/>
-                <a:tab pos="896938" algn="l"/>
-                <a:tab pos="1346200" algn="l"/>
-                <a:tab pos="1795463" algn="l"/>
-                <a:tab pos="2244725" algn="l"/>
-                <a:tab pos="2693988" algn="l"/>
-                <a:tab pos="3143250" algn="l"/>
-                <a:tab pos="3592513" algn="l"/>
-                <a:tab pos="4041775" algn="l"/>
-                <a:tab pos="4491038" algn="l"/>
-                <a:tab pos="4940300" algn="l"/>
-                <a:tab pos="5389563" algn="l"/>
-                <a:tab pos="5838825" algn="l"/>
-                <a:tab pos="6288088" algn="l"/>
-                <a:tab pos="6737350" algn="l"/>
-                <a:tab pos="7186613" algn="l"/>
-                <a:tab pos="7635875" algn="l"/>
-                <a:tab pos="8085138" algn="l"/>
-                <a:tab pos="8534400" algn="l"/>
-                <a:tab pos="8983663" algn="l"/>
-              </a:tabLst>
-              <a:defRPr>
-                <a:solidFill>
-                  <a:schemeClr val="bg1"/>
-                </a:solidFill>
-                <a:latin typeface="Arial" panose="020B0604020202020204" pitchFamily="34" charset="0"/>
-                <a:ea typeface="ＭＳ Ｐゴシック" panose="020B0600070205080204" pitchFamily="50" charset="-128"/>
-              </a:defRPr>
-            </a:lvl7pPr>
-            <a:lvl8pPr marL="3429000" indent="-228600" defTabSz="449263" eaLnBrk="0" fontAlgn="base" hangingPunct="0">
-              <a:spcBef>
-                <a:spcPct val="0"/>
-              </a:spcBef>
-              <a:spcAft>
-                <a:spcPct val="0"/>
-              </a:spcAft>
-              <a:tabLst>
-                <a:tab pos="0" algn="l"/>
-                <a:tab pos="447675" algn="l"/>
-                <a:tab pos="896938" algn="l"/>
-                <a:tab pos="1346200" algn="l"/>
-                <a:tab pos="1795463" algn="l"/>
-                <a:tab pos="2244725" algn="l"/>
-                <a:tab pos="2693988" algn="l"/>
-                <a:tab pos="3143250" algn="l"/>
-                <a:tab pos="3592513" algn="l"/>
-                <a:tab pos="4041775" algn="l"/>
-                <a:tab pos="4491038" algn="l"/>
-                <a:tab pos="4940300" algn="l"/>
-                <a:tab pos="5389563" algn="l"/>
-                <a:tab pos="5838825" algn="l"/>
-                <a:tab pos="6288088" algn="l"/>
-                <a:tab pos="6737350" algn="l"/>
-                <a:tab pos="7186613" algn="l"/>
-                <a:tab pos="7635875" algn="l"/>
-                <a:tab pos="8085138" algn="l"/>
-                <a:tab pos="8534400" algn="l"/>
-                <a:tab pos="8983663" algn="l"/>
-              </a:tabLst>
-              <a:defRPr>
-                <a:solidFill>
-                  <a:schemeClr val="bg1"/>
-                </a:solidFill>
-                <a:latin typeface="Arial" panose="020B0604020202020204" pitchFamily="34" charset="0"/>
-                <a:ea typeface="ＭＳ Ｐゴシック" panose="020B0600070205080204" pitchFamily="50" charset="-128"/>
-              </a:defRPr>
-            </a:lvl8pPr>
-            <a:lvl9pPr marL="3886200" indent="-228600" defTabSz="449263" eaLnBrk="0" fontAlgn="base" hangingPunct="0">
-              <a:spcBef>
-                <a:spcPct val="0"/>
-              </a:spcBef>
-              <a:spcAft>
-                <a:spcPct val="0"/>
-              </a:spcAft>
-              <a:tabLst>
-                <a:tab pos="0" algn="l"/>
-                <a:tab pos="447675" algn="l"/>
-                <a:tab pos="896938" algn="l"/>
-                <a:tab pos="1346200" algn="l"/>
-                <a:tab pos="1795463" algn="l"/>
-                <a:tab pos="2244725" algn="l"/>
-                <a:tab pos="2693988" algn="l"/>
-                <a:tab pos="3143250" algn="l"/>
-                <a:tab pos="3592513" algn="l"/>
-                <a:tab pos="4041775" algn="l"/>
-                <a:tab pos="4491038" algn="l"/>
-                <a:tab pos="4940300" algn="l"/>
-                <a:tab pos="5389563" algn="l"/>
-                <a:tab pos="5838825" algn="l"/>
-                <a:tab pos="6288088" algn="l"/>
-                <a:tab pos="6737350" algn="l"/>
-                <a:tab pos="7186613" algn="l"/>
-                <a:tab pos="7635875" algn="l"/>
-                <a:tab pos="8085138" algn="l"/>
-                <a:tab pos="8534400" algn="l"/>
-                <a:tab pos="8983663" algn="l"/>
-              </a:tabLst>
-              <a:defRPr>
-                <a:solidFill>
-                  <a:schemeClr val="bg1"/>
-                </a:solidFill>
-                <a:latin typeface="Arial" panose="020B0604020202020204" pitchFamily="34" charset="0"/>
-                <a:ea typeface="ＭＳ Ｐゴシック" panose="020B0600070205080204" pitchFamily="50" charset="-128"/>
-              </a:defRPr>
-            </a:lvl9pPr>
-          </a:lstStyle>
-          <a:p>
-            <a:pPr eaLnBrk="1">
-              <a:lnSpc>
-                <a:spcPct val="93000"/>
-              </a:lnSpc>
-              <a:buSzPct val="100000"/>
-            </a:pPr>
-            <a:endParaRPr lang="en-US" altLang="ja-JP" sz="2600">
-              <a:solidFill>
-                <a:srgbClr val="000000"/>
-              </a:solidFill>
-            </a:endParaRPr>
-          </a:p>
-          <a:p>
-            <a:pPr eaLnBrk="1">
-              <a:lnSpc>
-                <a:spcPct val="93000"/>
-              </a:lnSpc>
-              <a:buSzPct val="100000"/>
-            </a:pPr>
-            <a:endParaRPr lang="en-US" altLang="ja-JP" sz="2600">
-              <a:solidFill>
-                <a:srgbClr val="000000"/>
-              </a:solidFill>
-            </a:endParaRPr>
-          </a:p>
-          <a:p>
-            <a:pPr eaLnBrk="1">
-              <a:lnSpc>
-                <a:spcPct val="93000"/>
-              </a:lnSpc>
-              <a:buSzPct val="100000"/>
-            </a:pPr>
-            <a:endParaRPr lang="en-US" altLang="ja-JP" sz="2600">
-              <a:solidFill>
-                <a:srgbClr val="000000"/>
-              </a:solidFill>
-            </a:endParaRPr>
-          </a:p>
-          <a:p>
-            <a:pPr eaLnBrk="1">
-              <a:lnSpc>
-                <a:spcPct val="93000"/>
-              </a:lnSpc>
-              <a:buSzPct val="100000"/>
-            </a:pPr>
-            <a:endParaRPr lang="en-US" altLang="ja-JP" sz="2600">
-              <a:solidFill>
-                <a:srgbClr val="000000"/>
-              </a:solidFill>
-            </a:endParaRPr>
-          </a:p>
-          <a:p>
-            <a:pPr eaLnBrk="1">
-              <a:lnSpc>
-                <a:spcPct val="93000"/>
-              </a:lnSpc>
-              <a:buSzPct val="100000"/>
-            </a:pPr>
-            <a:endParaRPr lang="en-US" altLang="ja-JP" sz="2600">
-              <a:solidFill>
-                <a:srgbClr val="000000"/>
-              </a:solidFill>
-            </a:endParaRPr>
-          </a:p>
-          <a:p>
-            <a:pPr eaLnBrk="1">
-              <a:lnSpc>
-                <a:spcPct val="93000"/>
-              </a:lnSpc>
-              <a:buSzPct val="100000"/>
-            </a:pPr>
-            <a:endParaRPr lang="en-US" altLang="ja-JP" sz="2600">
-              <a:solidFill>
-                <a:srgbClr val="000000"/>
-              </a:solidFill>
-            </a:endParaRPr>
-          </a:p>
-          <a:p>
-            <a:pPr eaLnBrk="1">
-              <a:lnSpc>
-                <a:spcPct val="93000"/>
-              </a:lnSpc>
-              <a:buSzPct val="100000"/>
-            </a:pPr>
-            <a:endParaRPr lang="en-US" altLang="ja-JP" sz="2600">
-              <a:solidFill>
-                <a:srgbClr val="000000"/>
-              </a:solidFill>
-            </a:endParaRPr>
-          </a:p>
-        </p:txBody>
-      </p:sp>
-      <p:sp>
-        <p:nvSpPr>
-          <p:cNvPr id="20485" name="Text Box 4">
-            <a:extLst>
-              <a:ext uri="{FF2B5EF4-FFF2-40B4-BE49-F238E27FC236}">
-                <a16:creationId xmlns="" xmlns:a16="http://schemas.microsoft.com/office/drawing/2014/main" id="{3B8B6E50-E08A-4EBB-B277-8362848F1600}"/>
-              </a:ext>
-            </a:extLst>
-          </p:cNvPr>
-          <p:cNvSpPr txBox="1">
-            <a:spLocks noChangeArrowheads="1"/>
-          </p:cNvSpPr>
-          <p:nvPr/>
-        </p:nvSpPr>
-        <p:spPr bwMode="auto">
-          <a:xfrm>
-            <a:off x="628650" y="1435100"/>
-            <a:ext cx="8761413" cy="4654550"/>
-          </a:xfrm>
-          <a:prstGeom prst="rect">
-            <a:avLst/>
-          </a:prstGeom>
-          <a:noFill/>
-          <a:ln>
-            <a:noFill/>
-          </a:ln>
-          <a:extLst>
-            <a:ext uri="{909E8E84-426E-40DD-AFC4-6F175D3DCCD1}">
-              <a14:hiddenFill xmlns:a14="http://schemas.microsoft.com/office/drawing/2010/main">
-                <a:solidFill>
-                  <a:srgbClr val="FFFFFF"/>
-                </a:solidFill>
-              </a14:hiddenFill>
-            </a:ext>
-            <a:ext uri="{91240B29-F687-4F45-9708-019B960494DF}">
-              <a14:hiddenLine xmlns:a14="http://schemas.microsoft.com/office/drawing/2010/main" w="9525">
-                <a:solidFill>
-                  <a:srgbClr val="000000"/>
-                </a:solidFill>
-                <a:round/>
-                <a:headEnd/>
-                <a:tailEnd/>
-              </a14:hiddenLine>
-            </a:ext>
-          </a:extLst>
-        </p:spPr>
-        <p:txBody>
-          <a:bodyPr lIns="0" tIns="23040" rIns="0" bIns="0" anchor="ctr"/>
-          <a:lstStyle>
-            <a:lvl1pPr>
-              <a:tabLst>
-                <a:tab pos="0" algn="l"/>
-                <a:tab pos="447675" algn="l"/>
-                <a:tab pos="896938" algn="l"/>
-                <a:tab pos="1346200" algn="l"/>
-                <a:tab pos="1795463" algn="l"/>
-                <a:tab pos="2244725" algn="l"/>
-                <a:tab pos="2693988" algn="l"/>
-                <a:tab pos="3143250" algn="l"/>
-                <a:tab pos="3592513" algn="l"/>
-                <a:tab pos="4041775" algn="l"/>
-                <a:tab pos="4491038" algn="l"/>
-                <a:tab pos="4940300" algn="l"/>
-                <a:tab pos="5389563" algn="l"/>
-                <a:tab pos="5838825" algn="l"/>
-                <a:tab pos="6288088" algn="l"/>
-                <a:tab pos="6737350" algn="l"/>
-                <a:tab pos="7186613" algn="l"/>
-                <a:tab pos="7635875" algn="l"/>
-                <a:tab pos="8085138" algn="l"/>
-                <a:tab pos="8534400" algn="l"/>
-                <a:tab pos="8983663" algn="l"/>
-              </a:tabLst>
-              <a:defRPr>
-                <a:solidFill>
-                  <a:schemeClr val="bg1"/>
-                </a:solidFill>
-                <a:latin typeface="Arial" panose="020B0604020202020204" pitchFamily="34" charset="0"/>
-                <a:ea typeface="ＭＳ Ｐゴシック" panose="020B0600070205080204" pitchFamily="50" charset="-128"/>
-              </a:defRPr>
-            </a:lvl1pPr>
-            <a:lvl2pPr>
-              <a:tabLst>
-                <a:tab pos="0" algn="l"/>
-                <a:tab pos="447675" algn="l"/>
-                <a:tab pos="896938" algn="l"/>
-                <a:tab pos="1346200" algn="l"/>
-                <a:tab pos="1795463" algn="l"/>
-                <a:tab pos="2244725" algn="l"/>
-                <a:tab pos="2693988" algn="l"/>
-                <a:tab pos="3143250" algn="l"/>
-                <a:tab pos="3592513" algn="l"/>
-                <a:tab pos="4041775" algn="l"/>
-                <a:tab pos="4491038" algn="l"/>
-                <a:tab pos="4940300" algn="l"/>
-                <a:tab pos="5389563" algn="l"/>
-                <a:tab pos="5838825" algn="l"/>
-                <a:tab pos="6288088" algn="l"/>
-                <a:tab pos="6737350" algn="l"/>
-                <a:tab pos="7186613" algn="l"/>
-                <a:tab pos="7635875" algn="l"/>
-                <a:tab pos="8085138" algn="l"/>
-                <a:tab pos="8534400" algn="l"/>
-                <a:tab pos="8983663" algn="l"/>
-              </a:tabLst>
-              <a:defRPr>
-                <a:solidFill>
-                  <a:schemeClr val="bg1"/>
-                </a:solidFill>
-                <a:latin typeface="Arial" panose="020B0604020202020204" pitchFamily="34" charset="0"/>
-                <a:ea typeface="ＭＳ Ｐゴシック" panose="020B0600070205080204" pitchFamily="50" charset="-128"/>
-              </a:defRPr>
-            </a:lvl2pPr>
-            <a:lvl3pPr>
-              <a:tabLst>
-                <a:tab pos="0" algn="l"/>
-                <a:tab pos="447675" algn="l"/>
-                <a:tab pos="896938" algn="l"/>
-                <a:tab pos="1346200" algn="l"/>
-                <a:tab pos="1795463" algn="l"/>
-                <a:tab pos="2244725" algn="l"/>
-                <a:tab pos="2693988" algn="l"/>
-                <a:tab pos="3143250" algn="l"/>
-                <a:tab pos="3592513" algn="l"/>
-                <a:tab pos="4041775" algn="l"/>
-                <a:tab pos="4491038" algn="l"/>
-                <a:tab pos="4940300" algn="l"/>
-                <a:tab pos="5389563" algn="l"/>
-                <a:tab pos="5838825" algn="l"/>
-                <a:tab pos="6288088" algn="l"/>
-                <a:tab pos="6737350" algn="l"/>
-                <a:tab pos="7186613" algn="l"/>
-                <a:tab pos="7635875" algn="l"/>
-                <a:tab pos="8085138" algn="l"/>
-                <a:tab pos="8534400" algn="l"/>
-                <a:tab pos="8983663" algn="l"/>
-              </a:tabLst>
-              <a:defRPr>
-                <a:solidFill>
-                  <a:schemeClr val="bg1"/>
-                </a:solidFill>
-                <a:latin typeface="Arial" panose="020B0604020202020204" pitchFamily="34" charset="0"/>
-                <a:ea typeface="ＭＳ Ｐゴシック" panose="020B0600070205080204" pitchFamily="50" charset="-128"/>
-              </a:defRPr>
-            </a:lvl3pPr>
-            <a:lvl4pPr>
-              <a:tabLst>
-                <a:tab pos="0" algn="l"/>
-                <a:tab pos="447675" algn="l"/>
-                <a:tab pos="896938" algn="l"/>
-                <a:tab pos="1346200" algn="l"/>
-                <a:tab pos="1795463" algn="l"/>
-                <a:tab pos="2244725" algn="l"/>
-                <a:tab pos="2693988" algn="l"/>
-                <a:tab pos="3143250" algn="l"/>
-                <a:tab pos="3592513" algn="l"/>
-                <a:tab pos="4041775" algn="l"/>
-                <a:tab pos="4491038" algn="l"/>
-                <a:tab pos="4940300" algn="l"/>
-                <a:tab pos="5389563" algn="l"/>
-                <a:tab pos="5838825" algn="l"/>
-                <a:tab pos="6288088" algn="l"/>
-                <a:tab pos="6737350" algn="l"/>
-                <a:tab pos="7186613" algn="l"/>
-                <a:tab pos="7635875" algn="l"/>
-                <a:tab pos="8085138" algn="l"/>
-                <a:tab pos="8534400" algn="l"/>
-                <a:tab pos="8983663" algn="l"/>
-              </a:tabLst>
-              <a:defRPr>
-                <a:solidFill>
-                  <a:schemeClr val="bg1"/>
-                </a:solidFill>
-                <a:latin typeface="Arial" panose="020B0604020202020204" pitchFamily="34" charset="0"/>
-                <a:ea typeface="ＭＳ Ｐゴシック" panose="020B0600070205080204" pitchFamily="50" charset="-128"/>
-              </a:defRPr>
-            </a:lvl4pPr>
-            <a:lvl5pPr>
-              <a:tabLst>
-                <a:tab pos="0" algn="l"/>
-                <a:tab pos="447675" algn="l"/>
-                <a:tab pos="896938" algn="l"/>
-                <a:tab pos="1346200" algn="l"/>
-                <a:tab pos="1795463" algn="l"/>
-                <a:tab pos="2244725" algn="l"/>
-                <a:tab pos="2693988" algn="l"/>
-                <a:tab pos="3143250" algn="l"/>
-                <a:tab pos="3592513" algn="l"/>
-                <a:tab pos="4041775" algn="l"/>
-                <a:tab pos="4491038" algn="l"/>
-                <a:tab pos="4940300" algn="l"/>
-                <a:tab pos="5389563" algn="l"/>
-                <a:tab pos="5838825" algn="l"/>
-                <a:tab pos="6288088" algn="l"/>
-                <a:tab pos="6737350" algn="l"/>
-                <a:tab pos="7186613" algn="l"/>
-                <a:tab pos="7635875" algn="l"/>
-                <a:tab pos="8085138" algn="l"/>
-                <a:tab pos="8534400" algn="l"/>
-                <a:tab pos="8983663" algn="l"/>
-              </a:tabLst>
-              <a:defRPr>
-                <a:solidFill>
-                  <a:schemeClr val="bg1"/>
-                </a:solidFill>
-                <a:latin typeface="Arial" panose="020B0604020202020204" pitchFamily="34" charset="0"/>
-                <a:ea typeface="ＭＳ Ｐゴシック" panose="020B0600070205080204" pitchFamily="50" charset="-128"/>
-              </a:defRPr>
-            </a:lvl5pPr>
-            <a:lvl6pPr marL="2514600" indent="-228600" defTabSz="449263" eaLnBrk="0" fontAlgn="base" hangingPunct="0">
-              <a:spcBef>
-                <a:spcPct val="0"/>
-              </a:spcBef>
-              <a:spcAft>
-                <a:spcPct val="0"/>
-              </a:spcAft>
-              <a:tabLst>
-                <a:tab pos="0" algn="l"/>
-                <a:tab pos="447675" algn="l"/>
-                <a:tab pos="896938" algn="l"/>
-                <a:tab pos="1346200" algn="l"/>
-                <a:tab pos="1795463" algn="l"/>
-                <a:tab pos="2244725" algn="l"/>
-                <a:tab pos="2693988" algn="l"/>
-                <a:tab pos="3143250" algn="l"/>
-                <a:tab pos="3592513" algn="l"/>
-                <a:tab pos="4041775" algn="l"/>
-                <a:tab pos="4491038" algn="l"/>
-                <a:tab pos="4940300" algn="l"/>
-                <a:tab pos="5389563" algn="l"/>
-                <a:tab pos="5838825" algn="l"/>
-                <a:tab pos="6288088" algn="l"/>
-                <a:tab pos="6737350" algn="l"/>
-                <a:tab pos="7186613" algn="l"/>
-                <a:tab pos="7635875" algn="l"/>
-                <a:tab pos="8085138" algn="l"/>
-                <a:tab pos="8534400" algn="l"/>
-                <a:tab pos="8983663" algn="l"/>
-              </a:tabLst>
-              <a:defRPr>
-                <a:solidFill>
-                  <a:schemeClr val="bg1"/>
-                </a:solidFill>
-                <a:latin typeface="Arial" panose="020B0604020202020204" pitchFamily="34" charset="0"/>
-                <a:ea typeface="ＭＳ Ｐゴシック" panose="020B0600070205080204" pitchFamily="50" charset="-128"/>
-              </a:defRPr>
-            </a:lvl6pPr>
-            <a:lvl7pPr marL="2971800" indent="-228600" defTabSz="449263" eaLnBrk="0" fontAlgn="base" hangingPunct="0">
-              <a:spcBef>
-                <a:spcPct val="0"/>
-              </a:spcBef>
-              <a:spcAft>
-                <a:spcPct val="0"/>
-              </a:spcAft>
-              <a:tabLst>
-                <a:tab pos="0" algn="l"/>
-                <a:tab pos="447675" algn="l"/>
-                <a:tab pos="896938" algn="l"/>
-                <a:tab pos="1346200" algn="l"/>
-                <a:tab pos="1795463" algn="l"/>
-                <a:tab pos="2244725" algn="l"/>
-                <a:tab pos="2693988" algn="l"/>
-                <a:tab pos="3143250" algn="l"/>
-                <a:tab pos="3592513" algn="l"/>
-                <a:tab pos="4041775" algn="l"/>
-                <a:tab pos="4491038" algn="l"/>
-                <a:tab pos="4940300" algn="l"/>
-                <a:tab pos="5389563" algn="l"/>
-                <a:tab pos="5838825" algn="l"/>
-                <a:tab pos="6288088" algn="l"/>
-                <a:tab pos="6737350" algn="l"/>
-                <a:tab pos="7186613" algn="l"/>
-                <a:tab pos="7635875" algn="l"/>
-                <a:tab pos="8085138" algn="l"/>
-                <a:tab pos="8534400" algn="l"/>
-                <a:tab pos="8983663" algn="l"/>
-              </a:tabLst>
-              <a:defRPr>
-                <a:solidFill>
-                  <a:schemeClr val="bg1"/>
-                </a:solidFill>
-                <a:latin typeface="Arial" panose="020B0604020202020204" pitchFamily="34" charset="0"/>
-                <a:ea typeface="ＭＳ Ｐゴシック" panose="020B0600070205080204" pitchFamily="50" charset="-128"/>
-              </a:defRPr>
-            </a:lvl7pPr>
-            <a:lvl8pPr marL="3429000" indent="-228600" defTabSz="449263" eaLnBrk="0" fontAlgn="base" hangingPunct="0">
-              <a:spcBef>
-                <a:spcPct val="0"/>
-              </a:spcBef>
-              <a:spcAft>
-                <a:spcPct val="0"/>
-              </a:spcAft>
-              <a:tabLst>
-                <a:tab pos="0" algn="l"/>
-                <a:tab pos="447675" algn="l"/>
-                <a:tab pos="896938" algn="l"/>
-                <a:tab pos="1346200" algn="l"/>
-                <a:tab pos="1795463" algn="l"/>
-                <a:tab pos="2244725" algn="l"/>
-                <a:tab pos="2693988" algn="l"/>
-                <a:tab pos="3143250" algn="l"/>
-                <a:tab pos="3592513" algn="l"/>
-                <a:tab pos="4041775" algn="l"/>
-                <a:tab pos="4491038" algn="l"/>
-                <a:tab pos="4940300" algn="l"/>
-                <a:tab pos="5389563" algn="l"/>
-                <a:tab pos="5838825" algn="l"/>
-                <a:tab pos="6288088" algn="l"/>
-                <a:tab pos="6737350" algn="l"/>
-                <a:tab pos="7186613" algn="l"/>
-                <a:tab pos="7635875" algn="l"/>
-                <a:tab pos="8085138" algn="l"/>
-                <a:tab pos="8534400" algn="l"/>
-                <a:tab pos="8983663" algn="l"/>
-              </a:tabLst>
-              <a:defRPr>
-                <a:solidFill>
-                  <a:schemeClr val="bg1"/>
-                </a:solidFill>
-                <a:latin typeface="Arial" panose="020B0604020202020204" pitchFamily="34" charset="0"/>
-                <a:ea typeface="ＭＳ Ｐゴシック" panose="020B0600070205080204" pitchFamily="50" charset="-128"/>
-              </a:defRPr>
-            </a:lvl8pPr>
-            <a:lvl9pPr marL="3886200" indent="-228600" defTabSz="449263" eaLnBrk="0" fontAlgn="base" hangingPunct="0">
-              <a:spcBef>
-                <a:spcPct val="0"/>
-              </a:spcBef>
-              <a:spcAft>
-                <a:spcPct val="0"/>
-              </a:spcAft>
-              <a:tabLst>
-                <a:tab pos="0" algn="l"/>
-                <a:tab pos="447675" algn="l"/>
-                <a:tab pos="896938" algn="l"/>
-                <a:tab pos="1346200" algn="l"/>
-                <a:tab pos="1795463" algn="l"/>
-                <a:tab pos="2244725" algn="l"/>
-                <a:tab pos="2693988" algn="l"/>
-                <a:tab pos="3143250" algn="l"/>
-                <a:tab pos="3592513" algn="l"/>
-                <a:tab pos="4041775" algn="l"/>
-                <a:tab pos="4491038" algn="l"/>
-                <a:tab pos="4940300" algn="l"/>
-                <a:tab pos="5389563" algn="l"/>
-                <a:tab pos="5838825" algn="l"/>
-                <a:tab pos="6288088" algn="l"/>
-                <a:tab pos="6737350" algn="l"/>
-                <a:tab pos="7186613" algn="l"/>
-                <a:tab pos="7635875" algn="l"/>
-                <a:tab pos="8085138" algn="l"/>
-                <a:tab pos="8534400" algn="l"/>
-                <a:tab pos="8983663" algn="l"/>
-              </a:tabLst>
-              <a:defRPr>
-                <a:solidFill>
-                  <a:schemeClr val="bg1"/>
-                </a:solidFill>
-                <a:latin typeface="Arial" panose="020B0604020202020204" pitchFamily="34" charset="0"/>
-                <a:ea typeface="ＭＳ Ｐゴシック" panose="020B0600070205080204" pitchFamily="50" charset="-128"/>
-              </a:defRPr>
-            </a:lvl9pPr>
-          </a:lstStyle>
-          <a:p>
-            <a:pPr eaLnBrk="1">
-              <a:lnSpc>
-                <a:spcPct val="93000"/>
-              </a:lnSpc>
-              <a:buSzPct val="100000"/>
-            </a:pPr>
-            <a:endParaRPr lang="en-US" altLang="ja-JP" sz="2600" b="1">
-              <a:solidFill>
-                <a:srgbClr val="000000"/>
-              </a:solidFill>
-            </a:endParaRPr>
-          </a:p>
-          <a:p>
-            <a:pPr eaLnBrk="1">
-              <a:lnSpc>
-                <a:spcPct val="93000"/>
-              </a:lnSpc>
-              <a:buSzPct val="100000"/>
-            </a:pPr>
-            <a:endParaRPr lang="en-US" altLang="ja-JP" sz="2600" b="1">
-              <a:solidFill>
-                <a:srgbClr val="000000"/>
-              </a:solidFill>
-            </a:endParaRPr>
-          </a:p>
-          <a:p>
-            <a:pPr eaLnBrk="1">
-              <a:lnSpc>
-                <a:spcPct val="93000"/>
-              </a:lnSpc>
-              <a:buSzPct val="100000"/>
-            </a:pPr>
-            <a:endParaRPr lang="en-US" altLang="ja-JP" sz="2600" b="1">
-              <a:solidFill>
-                <a:srgbClr val="000000"/>
-              </a:solidFill>
-            </a:endParaRPr>
-          </a:p>
-          <a:p>
-            <a:pPr eaLnBrk="1">
-              <a:lnSpc>
-                <a:spcPct val="93000"/>
-              </a:lnSpc>
-              <a:buSzPct val="100000"/>
-            </a:pPr>
-            <a:endParaRPr lang="en-US" altLang="ja-JP" sz="2600" b="1">
-              <a:solidFill>
-                <a:srgbClr val="000000"/>
-              </a:solidFill>
-            </a:endParaRPr>
-          </a:p>
-          <a:p>
-            <a:pPr eaLnBrk="1">
-              <a:lnSpc>
-                <a:spcPct val="93000"/>
-              </a:lnSpc>
-              <a:buSzPct val="100000"/>
-            </a:pPr>
-            <a:endParaRPr lang="en-US" altLang="ja-JP" sz="2600" b="1">
-              <a:solidFill>
-                <a:srgbClr val="000000"/>
-              </a:solidFill>
-            </a:endParaRPr>
-          </a:p>
-        </p:txBody>
-      </p:sp>
-      <p:sp>
-        <p:nvSpPr>
-          <p:cNvPr id="20486" name="Text Box 5">
-            <a:extLst>
-              <a:ext uri="{FF2B5EF4-FFF2-40B4-BE49-F238E27FC236}">
-                <a16:creationId xmlns="" xmlns:a16="http://schemas.microsoft.com/office/drawing/2014/main" id="{BF43DA1A-F5E3-4600-81E5-1EE135236E4E}"/>
-              </a:ext>
-            </a:extLst>
-          </p:cNvPr>
-          <p:cNvSpPr txBox="1">
-            <a:spLocks noChangeArrowheads="1"/>
-          </p:cNvSpPr>
-          <p:nvPr/>
-        </p:nvSpPr>
-        <p:spPr bwMode="auto">
-          <a:xfrm>
-            <a:off x="503238" y="1760537"/>
-            <a:ext cx="8886825" cy="4329113"/>
-          </a:xfrm>
-          <a:prstGeom prst="rect">
-            <a:avLst/>
-          </a:prstGeom>
-          <a:noFill/>
-          <a:ln>
-            <a:noFill/>
-          </a:ln>
-          <a:extLst>
-            <a:ext uri="{909E8E84-426E-40DD-AFC4-6F175D3DCCD1}">
-              <a14:hiddenFill xmlns:a14="http://schemas.microsoft.com/office/drawing/2010/main">
-                <a:solidFill>
-                  <a:srgbClr val="FFFFFF"/>
-                </a:solidFill>
-              </a14:hiddenFill>
-            </a:ext>
-            <a:ext uri="{91240B29-F687-4F45-9708-019B960494DF}">
-              <a14:hiddenLine xmlns:a14="http://schemas.microsoft.com/office/drawing/2010/main" w="9525">
-                <a:solidFill>
-                  <a:srgbClr val="000000"/>
-                </a:solidFill>
-                <a:round/>
-                <a:headEnd/>
-                <a:tailEnd/>
-              </a14:hiddenLine>
-            </a:ext>
-          </a:extLst>
-        </p:spPr>
-        <p:txBody>
-          <a:bodyPr lIns="0" tIns="0" rIns="0" bIns="0" anchor="ctr"/>
-          <a:lstStyle>
-            <a:lvl1pPr>
-              <a:tabLst>
-                <a:tab pos="0" algn="l"/>
-                <a:tab pos="447675" algn="l"/>
-                <a:tab pos="896938" algn="l"/>
-                <a:tab pos="1346200" algn="l"/>
-                <a:tab pos="1795463" algn="l"/>
-                <a:tab pos="2244725" algn="l"/>
-                <a:tab pos="2693988" algn="l"/>
-                <a:tab pos="3143250" algn="l"/>
-                <a:tab pos="3592513" algn="l"/>
-                <a:tab pos="4041775" algn="l"/>
-                <a:tab pos="4491038" algn="l"/>
-                <a:tab pos="4940300" algn="l"/>
-                <a:tab pos="5389563" algn="l"/>
-                <a:tab pos="5838825" algn="l"/>
-                <a:tab pos="6288088" algn="l"/>
-                <a:tab pos="6737350" algn="l"/>
-                <a:tab pos="7186613" algn="l"/>
-                <a:tab pos="7635875" algn="l"/>
-                <a:tab pos="8085138" algn="l"/>
-                <a:tab pos="8534400" algn="l"/>
-                <a:tab pos="8983663" algn="l"/>
-              </a:tabLst>
-              <a:defRPr>
-                <a:solidFill>
-                  <a:schemeClr val="bg1"/>
-                </a:solidFill>
-                <a:latin typeface="Arial" panose="020B0604020202020204" pitchFamily="34" charset="0"/>
-                <a:ea typeface="ＭＳ Ｐゴシック" panose="020B0600070205080204" pitchFamily="50" charset="-128"/>
-              </a:defRPr>
-            </a:lvl1pPr>
-            <a:lvl2pPr>
-              <a:tabLst>
-                <a:tab pos="0" algn="l"/>
-                <a:tab pos="447675" algn="l"/>
-                <a:tab pos="896938" algn="l"/>
-                <a:tab pos="1346200" algn="l"/>
-                <a:tab pos="1795463" algn="l"/>
-                <a:tab pos="2244725" algn="l"/>
-                <a:tab pos="2693988" algn="l"/>
-                <a:tab pos="3143250" algn="l"/>
-                <a:tab pos="3592513" algn="l"/>
-                <a:tab pos="4041775" algn="l"/>
-                <a:tab pos="4491038" algn="l"/>
-                <a:tab pos="4940300" algn="l"/>
-                <a:tab pos="5389563" algn="l"/>
-                <a:tab pos="5838825" algn="l"/>
-                <a:tab pos="6288088" algn="l"/>
-                <a:tab pos="6737350" algn="l"/>
-                <a:tab pos="7186613" algn="l"/>
-                <a:tab pos="7635875" algn="l"/>
-                <a:tab pos="8085138" algn="l"/>
-                <a:tab pos="8534400" algn="l"/>
-                <a:tab pos="8983663" algn="l"/>
-              </a:tabLst>
-              <a:defRPr>
-                <a:solidFill>
-                  <a:schemeClr val="bg1"/>
-                </a:solidFill>
-                <a:latin typeface="Arial" panose="020B0604020202020204" pitchFamily="34" charset="0"/>
-                <a:ea typeface="ＭＳ Ｐゴシック" panose="020B0600070205080204" pitchFamily="50" charset="-128"/>
-              </a:defRPr>
-            </a:lvl2pPr>
-            <a:lvl3pPr>
-              <a:tabLst>
-                <a:tab pos="0" algn="l"/>
-                <a:tab pos="447675" algn="l"/>
-                <a:tab pos="896938" algn="l"/>
-                <a:tab pos="1346200" algn="l"/>
-                <a:tab pos="1795463" algn="l"/>
-                <a:tab pos="2244725" algn="l"/>
-                <a:tab pos="2693988" algn="l"/>
-                <a:tab pos="3143250" algn="l"/>
-                <a:tab pos="3592513" algn="l"/>
-                <a:tab pos="4041775" algn="l"/>
-                <a:tab pos="4491038" algn="l"/>
-                <a:tab pos="4940300" algn="l"/>
-                <a:tab pos="5389563" algn="l"/>
-                <a:tab pos="5838825" algn="l"/>
-                <a:tab pos="6288088" algn="l"/>
-                <a:tab pos="6737350" algn="l"/>
-                <a:tab pos="7186613" algn="l"/>
-                <a:tab pos="7635875" algn="l"/>
-                <a:tab pos="8085138" algn="l"/>
-                <a:tab pos="8534400" algn="l"/>
-                <a:tab pos="8983663" algn="l"/>
-              </a:tabLst>
-              <a:defRPr>
-                <a:solidFill>
-                  <a:schemeClr val="bg1"/>
-                </a:solidFill>
-                <a:latin typeface="Arial" panose="020B0604020202020204" pitchFamily="34" charset="0"/>
-                <a:ea typeface="ＭＳ Ｐゴシック" panose="020B0600070205080204" pitchFamily="50" charset="-128"/>
-              </a:defRPr>
-            </a:lvl3pPr>
-            <a:lvl4pPr>
-              <a:tabLst>
-                <a:tab pos="0" algn="l"/>
-                <a:tab pos="447675" algn="l"/>
-                <a:tab pos="896938" algn="l"/>
-                <a:tab pos="1346200" algn="l"/>
-                <a:tab pos="1795463" algn="l"/>
-                <a:tab pos="2244725" algn="l"/>
-                <a:tab pos="2693988" algn="l"/>
-                <a:tab pos="3143250" algn="l"/>
-                <a:tab pos="3592513" algn="l"/>
-                <a:tab pos="4041775" algn="l"/>
-                <a:tab pos="4491038" algn="l"/>
-                <a:tab pos="4940300" algn="l"/>
-                <a:tab pos="5389563" algn="l"/>
-                <a:tab pos="5838825" algn="l"/>
-                <a:tab pos="6288088" algn="l"/>
-                <a:tab pos="6737350" algn="l"/>
-                <a:tab pos="7186613" algn="l"/>
-                <a:tab pos="7635875" algn="l"/>
-                <a:tab pos="8085138" algn="l"/>
-                <a:tab pos="8534400" algn="l"/>
-                <a:tab pos="8983663" algn="l"/>
-              </a:tabLst>
-              <a:defRPr>
-                <a:solidFill>
-                  <a:schemeClr val="bg1"/>
-                </a:solidFill>
-                <a:latin typeface="Arial" panose="020B0604020202020204" pitchFamily="34" charset="0"/>
-                <a:ea typeface="ＭＳ Ｐゴシック" panose="020B0600070205080204" pitchFamily="50" charset="-128"/>
-              </a:defRPr>
-            </a:lvl4pPr>
-            <a:lvl5pPr>
-              <a:tabLst>
-                <a:tab pos="0" algn="l"/>
-                <a:tab pos="447675" algn="l"/>
-                <a:tab pos="896938" algn="l"/>
-                <a:tab pos="1346200" algn="l"/>
-                <a:tab pos="1795463" algn="l"/>
-                <a:tab pos="2244725" algn="l"/>
-                <a:tab pos="2693988" algn="l"/>
-                <a:tab pos="3143250" algn="l"/>
-                <a:tab pos="3592513" algn="l"/>
-                <a:tab pos="4041775" algn="l"/>
-                <a:tab pos="4491038" algn="l"/>
-                <a:tab pos="4940300" algn="l"/>
-                <a:tab pos="5389563" algn="l"/>
-                <a:tab pos="5838825" algn="l"/>
-                <a:tab pos="6288088" algn="l"/>
-                <a:tab pos="6737350" algn="l"/>
-                <a:tab pos="7186613" algn="l"/>
-                <a:tab pos="7635875" algn="l"/>
-                <a:tab pos="8085138" algn="l"/>
-                <a:tab pos="8534400" algn="l"/>
-                <a:tab pos="8983663" algn="l"/>
-              </a:tabLst>
-              <a:defRPr>
-                <a:solidFill>
-                  <a:schemeClr val="bg1"/>
-                </a:solidFill>
-                <a:latin typeface="Arial" panose="020B0604020202020204" pitchFamily="34" charset="0"/>
-                <a:ea typeface="ＭＳ Ｐゴシック" panose="020B0600070205080204" pitchFamily="50" charset="-128"/>
-              </a:defRPr>
-            </a:lvl5pPr>
-            <a:lvl6pPr marL="2514600" indent="-228600" defTabSz="449263" eaLnBrk="0" fontAlgn="base" hangingPunct="0">
-              <a:spcBef>
-                <a:spcPct val="0"/>
-              </a:spcBef>
-              <a:spcAft>
-                <a:spcPct val="0"/>
-              </a:spcAft>
-              <a:tabLst>
-                <a:tab pos="0" algn="l"/>
-                <a:tab pos="447675" algn="l"/>
-                <a:tab pos="896938" algn="l"/>
-                <a:tab pos="1346200" algn="l"/>
-                <a:tab pos="1795463" algn="l"/>
-                <a:tab pos="2244725" algn="l"/>
-                <a:tab pos="2693988" algn="l"/>
-                <a:tab pos="3143250" algn="l"/>
-                <a:tab pos="3592513" algn="l"/>
-                <a:tab pos="4041775" algn="l"/>
-                <a:tab pos="4491038" algn="l"/>
-                <a:tab pos="4940300" algn="l"/>
-                <a:tab pos="5389563" algn="l"/>
-                <a:tab pos="5838825" algn="l"/>
-                <a:tab pos="6288088" algn="l"/>
-                <a:tab pos="6737350" algn="l"/>
-                <a:tab pos="7186613" algn="l"/>
-                <a:tab pos="7635875" algn="l"/>
-                <a:tab pos="8085138" algn="l"/>
-                <a:tab pos="8534400" algn="l"/>
-                <a:tab pos="8983663" algn="l"/>
-              </a:tabLst>
-              <a:defRPr>
-                <a:solidFill>
-                  <a:schemeClr val="bg1"/>
-                </a:solidFill>
-                <a:latin typeface="Arial" panose="020B0604020202020204" pitchFamily="34" charset="0"/>
-                <a:ea typeface="ＭＳ Ｐゴシック" panose="020B0600070205080204" pitchFamily="50" charset="-128"/>
-              </a:defRPr>
-            </a:lvl6pPr>
-            <a:lvl7pPr marL="2971800" indent="-228600" defTabSz="449263" eaLnBrk="0" fontAlgn="base" hangingPunct="0">
-              <a:spcBef>
-                <a:spcPct val="0"/>
-              </a:spcBef>
-              <a:spcAft>
-                <a:spcPct val="0"/>
-              </a:spcAft>
-              <a:tabLst>
-                <a:tab pos="0" algn="l"/>
-                <a:tab pos="447675" algn="l"/>
-                <a:tab pos="896938" algn="l"/>
-                <a:tab pos="1346200" algn="l"/>
-                <a:tab pos="1795463" algn="l"/>
-                <a:tab pos="2244725" algn="l"/>
-                <a:tab pos="2693988" algn="l"/>
-                <a:tab pos="3143250" algn="l"/>
-                <a:tab pos="3592513" algn="l"/>
-                <a:tab pos="4041775" algn="l"/>
-                <a:tab pos="4491038" algn="l"/>
-                <a:tab pos="4940300" algn="l"/>
-                <a:tab pos="5389563" algn="l"/>
-                <a:tab pos="5838825" algn="l"/>
-                <a:tab pos="6288088" algn="l"/>
-                <a:tab pos="6737350" algn="l"/>
-                <a:tab pos="7186613" algn="l"/>
-                <a:tab pos="7635875" algn="l"/>
-                <a:tab pos="8085138" algn="l"/>
-                <a:tab pos="8534400" algn="l"/>
-                <a:tab pos="8983663" algn="l"/>
-              </a:tabLst>
-              <a:defRPr>
-                <a:solidFill>
-                  <a:schemeClr val="bg1"/>
-                </a:solidFill>
-                <a:latin typeface="Arial" panose="020B0604020202020204" pitchFamily="34" charset="0"/>
-                <a:ea typeface="ＭＳ Ｐゴシック" panose="020B0600070205080204" pitchFamily="50" charset="-128"/>
-              </a:defRPr>
-            </a:lvl7pPr>
-            <a:lvl8pPr marL="3429000" indent="-228600" defTabSz="449263" eaLnBrk="0" fontAlgn="base" hangingPunct="0">
-              <a:spcBef>
-                <a:spcPct val="0"/>
-              </a:spcBef>
-              <a:spcAft>
-                <a:spcPct val="0"/>
-              </a:spcAft>
-              <a:tabLst>
-                <a:tab pos="0" algn="l"/>
-                <a:tab pos="447675" algn="l"/>
-                <a:tab pos="896938" algn="l"/>
-                <a:tab pos="1346200" algn="l"/>
-                <a:tab pos="1795463" algn="l"/>
-                <a:tab pos="2244725" algn="l"/>
-                <a:tab pos="2693988" algn="l"/>
-                <a:tab pos="3143250" algn="l"/>
-                <a:tab pos="3592513" algn="l"/>
-                <a:tab pos="4041775" algn="l"/>
-                <a:tab pos="4491038" algn="l"/>
-                <a:tab pos="4940300" algn="l"/>
-                <a:tab pos="5389563" algn="l"/>
-                <a:tab pos="5838825" algn="l"/>
-                <a:tab pos="6288088" algn="l"/>
-                <a:tab pos="6737350" algn="l"/>
-                <a:tab pos="7186613" algn="l"/>
-                <a:tab pos="7635875" algn="l"/>
-                <a:tab pos="8085138" algn="l"/>
-                <a:tab pos="8534400" algn="l"/>
-                <a:tab pos="8983663" algn="l"/>
-              </a:tabLst>
-              <a:defRPr>
-                <a:solidFill>
-                  <a:schemeClr val="bg1"/>
-                </a:solidFill>
-                <a:latin typeface="Arial" panose="020B0604020202020204" pitchFamily="34" charset="0"/>
-                <a:ea typeface="ＭＳ Ｐゴシック" panose="020B0600070205080204" pitchFamily="50" charset="-128"/>
-              </a:defRPr>
-            </a:lvl8pPr>
-            <a:lvl9pPr marL="3886200" indent="-228600" defTabSz="449263" eaLnBrk="0" fontAlgn="base" hangingPunct="0">
-              <a:spcBef>
-                <a:spcPct val="0"/>
-              </a:spcBef>
-              <a:spcAft>
-                <a:spcPct val="0"/>
-              </a:spcAft>
-              <a:tabLst>
-                <a:tab pos="0" algn="l"/>
-                <a:tab pos="447675" algn="l"/>
-                <a:tab pos="896938" algn="l"/>
-                <a:tab pos="1346200" algn="l"/>
-                <a:tab pos="1795463" algn="l"/>
-                <a:tab pos="2244725" algn="l"/>
-                <a:tab pos="2693988" algn="l"/>
-                <a:tab pos="3143250" algn="l"/>
-                <a:tab pos="3592513" algn="l"/>
-                <a:tab pos="4041775" algn="l"/>
-                <a:tab pos="4491038" algn="l"/>
-                <a:tab pos="4940300" algn="l"/>
-                <a:tab pos="5389563" algn="l"/>
-                <a:tab pos="5838825" algn="l"/>
-                <a:tab pos="6288088" algn="l"/>
-                <a:tab pos="6737350" algn="l"/>
-                <a:tab pos="7186613" algn="l"/>
-                <a:tab pos="7635875" algn="l"/>
-                <a:tab pos="8085138" algn="l"/>
-                <a:tab pos="8534400" algn="l"/>
-                <a:tab pos="8983663" algn="l"/>
-              </a:tabLst>
-              <a:defRPr>
-                <a:solidFill>
-                  <a:schemeClr val="bg1"/>
-                </a:solidFill>
-                <a:latin typeface="Arial" panose="020B0604020202020204" pitchFamily="34" charset="0"/>
-                <a:ea typeface="ＭＳ Ｐゴシック" panose="020B0600070205080204" pitchFamily="50" charset="-128"/>
-              </a:defRPr>
-            </a:lvl9pPr>
-          </a:lstStyle>
-          <a:p>
-            <a:pPr marL="285750" indent="-285750" eaLnBrk="1">
-              <a:lnSpc>
-                <a:spcPct val="125000"/>
-              </a:lnSpc>
-              <a:buSzPct val="100000"/>
-              <a:buFont typeface="Arial" panose="020B0604020202020204" pitchFamily="34" charset="0"/>
-              <a:buChar char="•"/>
-            </a:pPr>
-            <a:r>
-              <a:rPr lang="ja-JP" altLang="en-US">
-                <a:solidFill>
-                  <a:srgbClr val="FF0000"/>
-                </a:solidFill>
-                <a:latin typeface="メイリオ" panose="020B0604030504040204" pitchFamily="50" charset="-128"/>
-                <a:ea typeface="メイリオ" panose="020B0604030504040204" pitchFamily="50" charset="-128"/>
-              </a:rPr>
-              <a:t>チーム開発演習の中でどのような点が苦労したか、大きな課題だったか</a:t>
-            </a:r>
-            <a:endParaRPr lang="en-US" altLang="ja-JP">
-              <a:solidFill>
-                <a:srgbClr val="FF0000"/>
-              </a:solidFill>
-              <a:latin typeface="メイリオ" panose="020B0604030504040204" pitchFamily="50" charset="-128"/>
-              <a:ea typeface="メイリオ" panose="020B0604030504040204" pitchFamily="50" charset="-128"/>
-            </a:endParaRPr>
-          </a:p>
-          <a:p>
-            <a:pPr marL="285750" indent="-285750" eaLnBrk="1">
-              <a:lnSpc>
-                <a:spcPct val="125000"/>
-              </a:lnSpc>
-              <a:buSzPct val="100000"/>
-              <a:buFont typeface="Arial" panose="020B0604020202020204" pitchFamily="34" charset="0"/>
-              <a:buChar char="•"/>
-            </a:pPr>
-            <a:r>
-              <a:rPr lang="ja-JP" altLang="en-US">
-                <a:solidFill>
-                  <a:srgbClr val="FF0000"/>
-                </a:solidFill>
-                <a:latin typeface="メイリオ" panose="020B0604030504040204" pitchFamily="50" charset="-128"/>
-                <a:ea typeface="メイリオ" panose="020B0604030504040204" pitchFamily="50" charset="-128"/>
-              </a:rPr>
-              <a:t>その課題解決のためにどのようなことを行なったか</a:t>
-            </a:r>
-            <a:endParaRPr lang="en-US" altLang="ja-JP">
-              <a:solidFill>
-                <a:srgbClr val="FF0000"/>
-              </a:solidFill>
-              <a:latin typeface="メイリオ" panose="020B0604030504040204" pitchFamily="50" charset="-128"/>
-              <a:ea typeface="メイリオ" panose="020B0604030504040204" pitchFamily="50" charset="-128"/>
-            </a:endParaRPr>
-          </a:p>
-          <a:p>
-            <a:pPr eaLnBrk="1">
-              <a:lnSpc>
-                <a:spcPct val="125000"/>
-              </a:lnSpc>
-              <a:buSzPct val="100000"/>
-            </a:pPr>
-            <a:endParaRPr lang="en-US" altLang="ja-JP">
-              <a:solidFill>
-                <a:srgbClr val="FF0000"/>
-              </a:solidFill>
-              <a:latin typeface="メイリオ" panose="020B0604030504040204" pitchFamily="50" charset="-128"/>
-              <a:ea typeface="メイリオ" panose="020B0604030504040204" pitchFamily="50" charset="-128"/>
-            </a:endParaRPr>
-          </a:p>
-        </p:txBody>
-      </p:sp>
-      <p:sp>
-        <p:nvSpPr>
-          <p:cNvPr id="20487" name="Line 7">
-            <a:extLst>
-              <a:ext uri="{FF2B5EF4-FFF2-40B4-BE49-F238E27FC236}">
-                <a16:creationId xmlns="" xmlns:a16="http://schemas.microsoft.com/office/drawing/2014/main" id="{67F8E4BF-F10C-41C2-8631-31C564B71613}"/>
-              </a:ext>
-            </a:extLst>
-          </p:cNvPr>
-          <p:cNvSpPr>
-            <a:spLocks noChangeShapeType="1"/>
-          </p:cNvSpPr>
-          <p:nvPr/>
-        </p:nvSpPr>
-        <p:spPr bwMode="auto">
-          <a:xfrm>
-            <a:off x="504825" y="1373188"/>
-            <a:ext cx="5183188" cy="1587"/>
-          </a:xfrm>
-          <a:prstGeom prst="line">
-            <a:avLst/>
-          </a:prstGeom>
-          <a:noFill/>
-          <a:ln w="9360" cap="sq">
-            <a:solidFill>
-              <a:srgbClr val="000000"/>
-            </a:solidFill>
-            <a:miter lim="800000"/>
-            <a:headEnd/>
-            <a:tailEnd/>
-          </a:ln>
-          <a:extLst>
-            <a:ext uri="{909E8E84-426E-40DD-AFC4-6F175D3DCCD1}">
-              <a14:hiddenFill xmlns:a14="http://schemas.microsoft.com/office/drawing/2010/main">
-                <a:noFill/>
-              </a14:hiddenFill>
-            </a:ext>
-          </a:extLst>
-        </p:spPr>
-        <p:txBody>
-          <a:bodyPr/>
-          <a:lstStyle/>
-          <a:p>
-            <a:endParaRPr lang="ja-JP" altLang="en-US"/>
-          </a:p>
-        </p:txBody>
-      </p:sp>
-      <p:sp>
-        <p:nvSpPr>
-          <p:cNvPr id="4" name="フッター プレースホルダー 3"/>
-          <p:cNvSpPr>
-            <a:spLocks noGrp="1"/>
-          </p:cNvSpPr>
-          <p:nvPr>
-            <p:ph type="ftr" sz="quarter" idx="11"/>
-          </p:nvPr>
-        </p:nvSpPr>
-        <p:spPr>
-          <a:xfrm>
-            <a:off x="767733" y="6458320"/>
-            <a:ext cx="8783758" cy="402483"/>
-          </a:xfrm>
-        </p:spPr>
-        <p:txBody>
-          <a:bodyPr/>
-          <a:lstStyle/>
-          <a:p>
-            <a:pPr algn="r"/>
-            <a:r>
-              <a:rPr lang="en-US" altLang="ja-JP" sz="2400" dirty="0" smtClean="0">
-                <a:solidFill>
-                  <a:srgbClr val="FFC000"/>
-                </a:solidFill>
-              </a:rPr>
-              <a:t>©</a:t>
-            </a:r>
-            <a:r>
-              <a:rPr lang="ja-JP" altLang="en-US" sz="2400" dirty="0" smtClean="0">
-                <a:solidFill>
-                  <a:srgbClr val="FFC000"/>
-                </a:solidFill>
-              </a:rPr>
-              <a:t>花より漢気  </a:t>
-            </a:r>
-            <a:r>
-              <a:rPr lang="en-US" altLang="ja-JP" sz="2400" dirty="0" smtClean="0">
-                <a:solidFill>
-                  <a:srgbClr val="FFC000"/>
-                </a:solidFill>
-              </a:rPr>
-              <a:t>| BOF</a:t>
-            </a:r>
-            <a:endParaRPr lang="en-US" sz="2400" dirty="0">
-              <a:solidFill>
-                <a:srgbClr val="FFC000"/>
-              </a:solidFill>
-            </a:endParaRPr>
-          </a:p>
-        </p:txBody>
-      </p:sp>
-    </p:spTree>
-  </p:cSld>
-  <p:clrMapOvr>
-    <a:masterClrMapping/>
-  </p:clrMapOvr>
-  <p:transition spd="med"/>
-  <p:timing>
-    <p:tnLst>
-      <p:par>
-        <p:cTn id="1" dur="indefinite" restart="never" nodeType="tmRoot">
-          <p:childTnLst>
-            <p:seq concurrent="1" nextAc="seek">
-              <p:cTn id="2" dur="indefinite" nodeType="mainSeq"/>
-              <p:prevCondLst>
-                <p:cond evt="onPrev" delay="0">
-                  <p:tgtEl>
-                    <p:sldTgt/>
-                  </p:tgtEl>
-                </p:cond>
-              </p:prevCondLst>
-              <p:nextCondLst>
-                <p:cond evt="onNext" delay="0">
-                  <p:tgtEl>
-                    <p:sldTgt/>
-                  </p:tgtEl>
-                </p:cond>
-              </p:nextCondLst>
-            </p:seq>
-          </p:childTnLst>
-        </p:cTn>
-      </p:par>
-    </p:tnLst>
-  </p:timing>
-</p:sld>
-</file>
-
-<file path=ppt/slides/slide4.xml><?xml version="1.0" encoding="utf-8"?>
-<p:sld xmlns:a="http://schemas.openxmlformats.org/drawingml/2006/main" xmlns:r="http://schemas.openxmlformats.org/officeDocument/2006/relationships" xmlns:p="http://schemas.openxmlformats.org/presentationml/2006/main">
-  <p:cSld>
-    <p:spTree>
-      <p:nvGrpSpPr>
-        <p:cNvPr id="1" name=""/>
-        <p:cNvGrpSpPr/>
-        <p:nvPr/>
-      </p:nvGrpSpPr>
-      <p:grpSpPr>
-        <a:xfrm>
-          <a:off x="0" y="0"/>
-          <a:ext cx="0" cy="0"/>
-          <a:chOff x="0" y="0"/>
-          <a:chExt cx="0" cy="0"/>
-        </a:xfrm>
-      </p:grpSpPr>
-      <p:sp>
-        <p:nvSpPr>
-          <p:cNvPr id="7171" name="Text Box 2">
-            <a:extLst>
-              <a:ext uri="{FF2B5EF4-FFF2-40B4-BE49-F238E27FC236}">
-                <a16:creationId xmlns="" xmlns:a16="http://schemas.microsoft.com/office/drawing/2014/main" id="{2A9FB9B3-A694-4BFF-9F4B-802A96DBA486}"/>
-              </a:ext>
-            </a:extLst>
-          </p:cNvPr>
-          <p:cNvSpPr txBox="1">
-            <a:spLocks noChangeArrowheads="1"/>
-          </p:cNvSpPr>
-          <p:nvPr/>
-        </p:nvSpPr>
-        <p:spPr bwMode="auto">
-          <a:xfrm>
-            <a:off x="503238" y="301625"/>
-            <a:ext cx="9070975" cy="1262063"/>
-          </a:xfrm>
-          <a:prstGeom prst="rect">
-            <a:avLst/>
-          </a:prstGeom>
-          <a:noFill/>
-          <a:ln>
-            <a:noFill/>
-          </a:ln>
-          <a:extLst>
-            <a:ext uri="{909E8E84-426E-40DD-AFC4-6F175D3DCCD1}">
-              <a14:hiddenFill xmlns:a14="http://schemas.microsoft.com/office/drawing/2010/main">
-                <a:solidFill>
-                  <a:srgbClr val="FFFFFF"/>
-                </a:solidFill>
-              </a14:hiddenFill>
-            </a:ext>
-            <a:ext uri="{91240B29-F687-4F45-9708-019B960494DF}">
-              <a14:hiddenLine xmlns:a14="http://schemas.microsoft.com/office/drawing/2010/main" w="9525">
-                <a:solidFill>
-                  <a:srgbClr val="000000"/>
-                </a:solidFill>
-                <a:round/>
-                <a:headEnd/>
-                <a:tailEnd/>
-              </a14:hiddenLine>
-            </a:ext>
-          </a:extLst>
-        </p:spPr>
-        <p:txBody>
-          <a:bodyPr lIns="0" tIns="0" rIns="0" bIns="0" anchor="ctr"/>
-          <a:lstStyle>
-            <a:lvl1pPr>
-              <a:tabLst>
-                <a:tab pos="0" algn="l"/>
-                <a:tab pos="447675" algn="l"/>
-                <a:tab pos="896938" algn="l"/>
-                <a:tab pos="1346200" algn="l"/>
-                <a:tab pos="1795463" algn="l"/>
-                <a:tab pos="2244725" algn="l"/>
-                <a:tab pos="2693988" algn="l"/>
-                <a:tab pos="3143250" algn="l"/>
-                <a:tab pos="3592513" algn="l"/>
-                <a:tab pos="4041775" algn="l"/>
-                <a:tab pos="4491038" algn="l"/>
-                <a:tab pos="4940300" algn="l"/>
-                <a:tab pos="5389563" algn="l"/>
-                <a:tab pos="5838825" algn="l"/>
-                <a:tab pos="6288088" algn="l"/>
-                <a:tab pos="6737350" algn="l"/>
-                <a:tab pos="7186613" algn="l"/>
-                <a:tab pos="7635875" algn="l"/>
-                <a:tab pos="8085138" algn="l"/>
-                <a:tab pos="8534400" algn="l"/>
-                <a:tab pos="8983663" algn="l"/>
-              </a:tabLst>
-              <a:defRPr>
-                <a:solidFill>
-                  <a:schemeClr val="bg1"/>
-                </a:solidFill>
-                <a:latin typeface="Arial" panose="020B0604020202020204" pitchFamily="34" charset="0"/>
-                <a:ea typeface="ＭＳ Ｐゴシック" panose="020B0600070205080204" pitchFamily="50" charset="-128"/>
-              </a:defRPr>
-            </a:lvl1pPr>
-            <a:lvl2pPr>
-              <a:tabLst>
-                <a:tab pos="0" algn="l"/>
-                <a:tab pos="447675" algn="l"/>
-                <a:tab pos="896938" algn="l"/>
-                <a:tab pos="1346200" algn="l"/>
-                <a:tab pos="1795463" algn="l"/>
-                <a:tab pos="2244725" algn="l"/>
-                <a:tab pos="2693988" algn="l"/>
-                <a:tab pos="3143250" algn="l"/>
-                <a:tab pos="3592513" algn="l"/>
-                <a:tab pos="4041775" algn="l"/>
-                <a:tab pos="4491038" algn="l"/>
-                <a:tab pos="4940300" algn="l"/>
-                <a:tab pos="5389563" algn="l"/>
-                <a:tab pos="5838825" algn="l"/>
-                <a:tab pos="6288088" algn="l"/>
-                <a:tab pos="6737350" algn="l"/>
-                <a:tab pos="7186613" algn="l"/>
-                <a:tab pos="7635875" algn="l"/>
-                <a:tab pos="8085138" algn="l"/>
-                <a:tab pos="8534400" algn="l"/>
-                <a:tab pos="8983663" algn="l"/>
-              </a:tabLst>
-              <a:defRPr>
-                <a:solidFill>
-                  <a:schemeClr val="bg1"/>
-                </a:solidFill>
-                <a:latin typeface="Arial" panose="020B0604020202020204" pitchFamily="34" charset="0"/>
-                <a:ea typeface="ＭＳ Ｐゴシック" panose="020B0600070205080204" pitchFamily="50" charset="-128"/>
-              </a:defRPr>
-            </a:lvl2pPr>
-            <a:lvl3pPr>
-              <a:tabLst>
-                <a:tab pos="0" algn="l"/>
-                <a:tab pos="447675" algn="l"/>
-                <a:tab pos="896938" algn="l"/>
-                <a:tab pos="1346200" algn="l"/>
-                <a:tab pos="1795463" algn="l"/>
-                <a:tab pos="2244725" algn="l"/>
-                <a:tab pos="2693988" algn="l"/>
-                <a:tab pos="3143250" algn="l"/>
-                <a:tab pos="3592513" algn="l"/>
-                <a:tab pos="4041775" algn="l"/>
-                <a:tab pos="4491038" algn="l"/>
-                <a:tab pos="4940300" algn="l"/>
-                <a:tab pos="5389563" algn="l"/>
-                <a:tab pos="5838825" algn="l"/>
-                <a:tab pos="6288088" algn="l"/>
-                <a:tab pos="6737350" algn="l"/>
-                <a:tab pos="7186613" algn="l"/>
-                <a:tab pos="7635875" algn="l"/>
-                <a:tab pos="8085138" algn="l"/>
-                <a:tab pos="8534400" algn="l"/>
-                <a:tab pos="8983663" algn="l"/>
-              </a:tabLst>
-              <a:defRPr>
-                <a:solidFill>
-                  <a:schemeClr val="bg1"/>
-                </a:solidFill>
-                <a:latin typeface="Arial" panose="020B0604020202020204" pitchFamily="34" charset="0"/>
-                <a:ea typeface="ＭＳ Ｐゴシック" panose="020B0600070205080204" pitchFamily="50" charset="-128"/>
-              </a:defRPr>
-            </a:lvl3pPr>
-            <a:lvl4pPr>
-              <a:tabLst>
-                <a:tab pos="0" algn="l"/>
-                <a:tab pos="447675" algn="l"/>
-                <a:tab pos="896938" algn="l"/>
-                <a:tab pos="1346200" algn="l"/>
-                <a:tab pos="1795463" algn="l"/>
-                <a:tab pos="2244725" algn="l"/>
-                <a:tab pos="2693988" algn="l"/>
-                <a:tab pos="3143250" algn="l"/>
-                <a:tab pos="3592513" algn="l"/>
-                <a:tab pos="4041775" algn="l"/>
-                <a:tab pos="4491038" algn="l"/>
-                <a:tab pos="4940300" algn="l"/>
-                <a:tab pos="5389563" algn="l"/>
-                <a:tab pos="5838825" algn="l"/>
-                <a:tab pos="6288088" algn="l"/>
-                <a:tab pos="6737350" algn="l"/>
-                <a:tab pos="7186613" algn="l"/>
-                <a:tab pos="7635875" algn="l"/>
-                <a:tab pos="8085138" algn="l"/>
-                <a:tab pos="8534400" algn="l"/>
-                <a:tab pos="8983663" algn="l"/>
-              </a:tabLst>
-              <a:defRPr>
-                <a:solidFill>
-                  <a:schemeClr val="bg1"/>
-                </a:solidFill>
-                <a:latin typeface="Arial" panose="020B0604020202020204" pitchFamily="34" charset="0"/>
-                <a:ea typeface="ＭＳ Ｐゴシック" panose="020B0600070205080204" pitchFamily="50" charset="-128"/>
-              </a:defRPr>
-            </a:lvl4pPr>
-            <a:lvl5pPr>
-              <a:tabLst>
-                <a:tab pos="0" algn="l"/>
-                <a:tab pos="447675" algn="l"/>
-                <a:tab pos="896938" algn="l"/>
-                <a:tab pos="1346200" algn="l"/>
-                <a:tab pos="1795463" algn="l"/>
-                <a:tab pos="2244725" algn="l"/>
-                <a:tab pos="2693988" algn="l"/>
-                <a:tab pos="3143250" algn="l"/>
-                <a:tab pos="3592513" algn="l"/>
-                <a:tab pos="4041775" algn="l"/>
-                <a:tab pos="4491038" algn="l"/>
-                <a:tab pos="4940300" algn="l"/>
-                <a:tab pos="5389563" algn="l"/>
-                <a:tab pos="5838825" algn="l"/>
-                <a:tab pos="6288088" algn="l"/>
-                <a:tab pos="6737350" algn="l"/>
-                <a:tab pos="7186613" algn="l"/>
-                <a:tab pos="7635875" algn="l"/>
-                <a:tab pos="8085138" algn="l"/>
-                <a:tab pos="8534400" algn="l"/>
-                <a:tab pos="8983663" algn="l"/>
-              </a:tabLst>
-              <a:defRPr>
-                <a:solidFill>
-                  <a:schemeClr val="bg1"/>
-                </a:solidFill>
-                <a:latin typeface="Arial" panose="020B0604020202020204" pitchFamily="34" charset="0"/>
-                <a:ea typeface="ＭＳ Ｐゴシック" panose="020B0600070205080204" pitchFamily="50" charset="-128"/>
-              </a:defRPr>
-            </a:lvl5pPr>
-            <a:lvl6pPr marL="2514600" indent="-228600" defTabSz="449263" eaLnBrk="0" fontAlgn="base" hangingPunct="0">
-              <a:spcBef>
-                <a:spcPct val="0"/>
-              </a:spcBef>
-              <a:spcAft>
-                <a:spcPct val="0"/>
-              </a:spcAft>
-              <a:tabLst>
-                <a:tab pos="0" algn="l"/>
-                <a:tab pos="447675" algn="l"/>
-                <a:tab pos="896938" algn="l"/>
-                <a:tab pos="1346200" algn="l"/>
-                <a:tab pos="1795463" algn="l"/>
-                <a:tab pos="2244725" algn="l"/>
-                <a:tab pos="2693988" algn="l"/>
-                <a:tab pos="3143250" algn="l"/>
-                <a:tab pos="3592513" algn="l"/>
-                <a:tab pos="4041775" algn="l"/>
-                <a:tab pos="4491038" algn="l"/>
-                <a:tab pos="4940300" algn="l"/>
-                <a:tab pos="5389563" algn="l"/>
-                <a:tab pos="5838825" algn="l"/>
-                <a:tab pos="6288088" algn="l"/>
-                <a:tab pos="6737350" algn="l"/>
-                <a:tab pos="7186613" algn="l"/>
-                <a:tab pos="7635875" algn="l"/>
-                <a:tab pos="8085138" algn="l"/>
-                <a:tab pos="8534400" algn="l"/>
-                <a:tab pos="8983663" algn="l"/>
-              </a:tabLst>
-              <a:defRPr>
-                <a:solidFill>
-                  <a:schemeClr val="bg1"/>
-                </a:solidFill>
-                <a:latin typeface="Arial" panose="020B0604020202020204" pitchFamily="34" charset="0"/>
-                <a:ea typeface="ＭＳ Ｐゴシック" panose="020B0600070205080204" pitchFamily="50" charset="-128"/>
-              </a:defRPr>
-            </a:lvl6pPr>
-            <a:lvl7pPr marL="2971800" indent="-228600" defTabSz="449263" eaLnBrk="0" fontAlgn="base" hangingPunct="0">
-              <a:spcBef>
-                <a:spcPct val="0"/>
-              </a:spcBef>
-              <a:spcAft>
-                <a:spcPct val="0"/>
-              </a:spcAft>
-              <a:tabLst>
-                <a:tab pos="0" algn="l"/>
-                <a:tab pos="447675" algn="l"/>
-                <a:tab pos="896938" algn="l"/>
-                <a:tab pos="1346200" algn="l"/>
-                <a:tab pos="1795463" algn="l"/>
-                <a:tab pos="2244725" algn="l"/>
-                <a:tab pos="2693988" algn="l"/>
-                <a:tab pos="3143250" algn="l"/>
-                <a:tab pos="3592513" algn="l"/>
-                <a:tab pos="4041775" algn="l"/>
-                <a:tab pos="4491038" algn="l"/>
-                <a:tab pos="4940300" algn="l"/>
-                <a:tab pos="5389563" algn="l"/>
-                <a:tab pos="5838825" algn="l"/>
-                <a:tab pos="6288088" algn="l"/>
-                <a:tab pos="6737350" algn="l"/>
-                <a:tab pos="7186613" algn="l"/>
-                <a:tab pos="7635875" algn="l"/>
-                <a:tab pos="8085138" algn="l"/>
-                <a:tab pos="8534400" algn="l"/>
-                <a:tab pos="8983663" algn="l"/>
-              </a:tabLst>
-              <a:defRPr>
-                <a:solidFill>
-                  <a:schemeClr val="bg1"/>
-                </a:solidFill>
-                <a:latin typeface="Arial" panose="020B0604020202020204" pitchFamily="34" charset="0"/>
-                <a:ea typeface="ＭＳ Ｐゴシック" panose="020B0600070205080204" pitchFamily="50" charset="-128"/>
-              </a:defRPr>
-            </a:lvl7pPr>
-            <a:lvl8pPr marL="3429000" indent="-228600" defTabSz="449263" eaLnBrk="0" fontAlgn="base" hangingPunct="0">
-              <a:spcBef>
-                <a:spcPct val="0"/>
-              </a:spcBef>
-              <a:spcAft>
-                <a:spcPct val="0"/>
-              </a:spcAft>
-              <a:tabLst>
-                <a:tab pos="0" algn="l"/>
-                <a:tab pos="447675" algn="l"/>
-                <a:tab pos="896938" algn="l"/>
-                <a:tab pos="1346200" algn="l"/>
-                <a:tab pos="1795463" algn="l"/>
-                <a:tab pos="2244725" algn="l"/>
-                <a:tab pos="2693988" algn="l"/>
-                <a:tab pos="3143250" algn="l"/>
-                <a:tab pos="3592513" algn="l"/>
-                <a:tab pos="4041775" algn="l"/>
-                <a:tab pos="4491038" algn="l"/>
-                <a:tab pos="4940300" algn="l"/>
-                <a:tab pos="5389563" algn="l"/>
-                <a:tab pos="5838825" algn="l"/>
-                <a:tab pos="6288088" algn="l"/>
-                <a:tab pos="6737350" algn="l"/>
-                <a:tab pos="7186613" algn="l"/>
-                <a:tab pos="7635875" algn="l"/>
-                <a:tab pos="8085138" algn="l"/>
-                <a:tab pos="8534400" algn="l"/>
-                <a:tab pos="8983663" algn="l"/>
-              </a:tabLst>
-              <a:defRPr>
-                <a:solidFill>
-                  <a:schemeClr val="bg1"/>
-                </a:solidFill>
-                <a:latin typeface="Arial" panose="020B0604020202020204" pitchFamily="34" charset="0"/>
-                <a:ea typeface="ＭＳ Ｐゴシック" panose="020B0600070205080204" pitchFamily="50" charset="-128"/>
-              </a:defRPr>
-            </a:lvl8pPr>
-            <a:lvl9pPr marL="3886200" indent="-228600" defTabSz="449263" eaLnBrk="0" fontAlgn="base" hangingPunct="0">
-              <a:spcBef>
-                <a:spcPct val="0"/>
-              </a:spcBef>
-              <a:spcAft>
-                <a:spcPct val="0"/>
-              </a:spcAft>
-              <a:tabLst>
-                <a:tab pos="0" algn="l"/>
-                <a:tab pos="447675" algn="l"/>
-                <a:tab pos="896938" algn="l"/>
-                <a:tab pos="1346200" algn="l"/>
-                <a:tab pos="1795463" algn="l"/>
-                <a:tab pos="2244725" algn="l"/>
-                <a:tab pos="2693988" algn="l"/>
-                <a:tab pos="3143250" algn="l"/>
-                <a:tab pos="3592513" algn="l"/>
-                <a:tab pos="4041775" algn="l"/>
-                <a:tab pos="4491038" algn="l"/>
-                <a:tab pos="4940300" algn="l"/>
-                <a:tab pos="5389563" algn="l"/>
-                <a:tab pos="5838825" algn="l"/>
-                <a:tab pos="6288088" algn="l"/>
-                <a:tab pos="6737350" algn="l"/>
-                <a:tab pos="7186613" algn="l"/>
-                <a:tab pos="7635875" algn="l"/>
-                <a:tab pos="8085138" algn="l"/>
-                <a:tab pos="8534400" algn="l"/>
-                <a:tab pos="8983663" algn="l"/>
-              </a:tabLst>
-              <a:defRPr>
-                <a:solidFill>
-                  <a:schemeClr val="bg1"/>
-                </a:solidFill>
-                <a:latin typeface="Arial" panose="020B0604020202020204" pitchFamily="34" charset="0"/>
-                <a:ea typeface="ＭＳ Ｐゴシック" panose="020B0600070205080204" pitchFamily="50" charset="-128"/>
-              </a:defRPr>
-            </a:lvl9pPr>
-          </a:lstStyle>
-          <a:p>
-            <a:pPr eaLnBrk="1">
-              <a:lnSpc>
-                <a:spcPct val="125000"/>
-              </a:lnSpc>
-              <a:buSzPct val="100000"/>
-            </a:pPr>
-            <a:r>
-              <a:rPr lang="ja-JP" altLang="ja-JP" sz="3200" b="1" dirty="0">
+              <a:rPr lang="ja-JP" altLang="ja-JP" sz="3600" b="1" dirty="0">
                 <a:solidFill>
                   <a:srgbClr val="000000"/>
                 </a:solidFill>
@@ -42277,7 +38597,7 @@
           <p:cNvPr id="7173" name="Line 5">
             <a:extLst>
               <a:ext uri="{FF2B5EF4-FFF2-40B4-BE49-F238E27FC236}">
-                <a16:creationId xmlns="" xmlns:a16="http://schemas.microsoft.com/office/drawing/2014/main" id="{6924EA0B-A060-4E7C-9BDE-018226CE6611}"/>
+                <a16:creationId xmlns:a16="http://schemas.microsoft.com/office/drawing/2014/main" xmlns="" id="{6924EA0B-A060-4E7C-9BDE-018226CE6611}"/>
               </a:ext>
             </a:extLst>
           </p:cNvPr>
@@ -42324,7 +38644,7 @@
           <p:cNvPr id="3" name="コンテンツ プレースホルダー 2">
             <a:extLst>
               <a:ext uri="{FF2B5EF4-FFF2-40B4-BE49-F238E27FC236}">
-                <a16:creationId xmlns="" xmlns:a16="http://schemas.microsoft.com/office/drawing/2014/main" id="{4AA43CD3-228F-4659-BB4B-665BBD61F4C0}"/>
+                <a16:creationId xmlns:a16="http://schemas.microsoft.com/office/drawing/2014/main" xmlns="" id="{4AA43CD3-228F-4659-BB4B-665BBD61F4C0}"/>
               </a:ext>
             </a:extLst>
           </p:cNvPr>
@@ -42354,7 +38674,7 @@
               <a:spcAft>
                 <a:spcPts val="1425"/>
               </a:spcAft>
-              <a:buSzPct val="45000"/>
+              <a:buSzPct val="50000"/>
               <a:buFont typeface="Wingdings" panose="05000000000000000000" pitchFamily="2" charset="2"/>
               <a:buChar char="l"/>
             </a:pPr>
@@ -42404,7 +38724,7 @@
               <a:spcAft>
                 <a:spcPts val="1425"/>
               </a:spcAft>
-              <a:buSzPct val="45000"/>
+              <a:buSzPct val="50000"/>
             </a:pPr>
             <a:r>
               <a:rPr lang="ja-JP" altLang="en-US" sz="2800" dirty="0" smtClean="0">
@@ -42444,7 +38764,17 @@
                 <a:latin typeface="SimSun" panose="02010600030101010101" pitchFamily="2" charset="-122"/>
                 <a:ea typeface="SimSun" panose="02010600030101010101" pitchFamily="2" charset="-122"/>
               </a:rPr>
-              <a:t>今後に向けた課題）</a:t>
+              <a:t>今後に向けた課題</a:t>
+            </a:r>
+            <a:r>
+              <a:rPr lang="ja-JP" altLang="en-US" sz="2800" dirty="0" smtClean="0">
+                <a:solidFill>
+                  <a:srgbClr val="000000"/>
+                </a:solidFill>
+                <a:latin typeface="SimSun" panose="02010600030101010101" pitchFamily="2" charset="-122"/>
+                <a:ea typeface="SimSun" panose="02010600030101010101" pitchFamily="2" charset="-122"/>
+              </a:rPr>
+              <a:t>）</a:t>
             </a:r>
             <a:endParaRPr lang="en-US" altLang="ja-JP" sz="2800" dirty="0">
               <a:solidFill>
@@ -42462,19 +38792,59 @@
               <a:spcAft>
                 <a:spcPts val="1425"/>
               </a:spcAft>
-              <a:buSzPct val="45000"/>
+              <a:buSzPct val="50000"/>
               <a:buFont typeface="Wingdings" panose="05000000000000000000" pitchFamily="2" charset="2"/>
               <a:buChar char="l"/>
             </a:pPr>
             <a:r>
-              <a:rPr lang="ja-JP" altLang="ja-JP" sz="2800" dirty="0">
+              <a:rPr lang="ja-JP" altLang="en-US" sz="2800" dirty="0" smtClean="0">
                 <a:solidFill>
                   <a:srgbClr val="000000"/>
                 </a:solidFill>
                 <a:latin typeface="SimSun" panose="02010600030101010101" pitchFamily="2" charset="-122"/>
                 <a:ea typeface="SimSun" panose="02010600030101010101" pitchFamily="2" charset="-122"/>
               </a:rPr>
-              <a:t>最後に</a:t>
+              <a:t>チームとしての今後の抱負</a:t>
+            </a:r>
+            <a:endParaRPr lang="en-US" altLang="ja-JP" sz="2800" dirty="0" smtClean="0">
+              <a:solidFill>
+                <a:srgbClr val="000000"/>
+              </a:solidFill>
+              <a:latin typeface="SimSun" panose="02010600030101010101" pitchFamily="2" charset="-122"/>
+              <a:ea typeface="SimSun" panose="02010600030101010101" pitchFamily="2" charset="-122"/>
+            </a:endParaRPr>
+          </a:p>
+          <a:p>
+            <a:pPr lvl="1">
+              <a:lnSpc>
+                <a:spcPct val="125000"/>
+              </a:lnSpc>
+              <a:spcAft>
+                <a:spcPts val="1425"/>
+              </a:spcAft>
+              <a:buSzPct val="50000"/>
+              <a:buFont typeface="Wingdings" panose="05000000000000000000" pitchFamily="2" charset="2"/>
+              <a:buChar char="l"/>
+            </a:pPr>
+            <a:r>
+              <a:rPr lang="ja-JP" altLang="ja-JP" sz="2800" dirty="0" smtClean="0">
+                <a:solidFill>
+                  <a:srgbClr val="000000"/>
+                </a:solidFill>
+                <a:latin typeface="SimSun" panose="02010600030101010101" pitchFamily="2" charset="-122"/>
+                <a:ea typeface="SimSun" panose="02010600030101010101" pitchFamily="2" charset="-122"/>
+              </a:rPr>
+              <a:t>最後</a:t>
+            </a:r>
+            <a:r>
+              <a:rPr lang="ja-JP" altLang="ja-JP" sz="2800" dirty="0">
+                <a:solidFill>
+                  <a:srgbClr val="000000"/>
+                </a:solidFill>
+                <a:latin typeface="SimSun" panose="02010600030101010101" pitchFamily="2" charset="-122"/>
+                <a:ea typeface="SimSun" panose="02010600030101010101" pitchFamily="2" charset="-122"/>
+              </a:rPr>
+              <a:t>に</a:t>
             </a:r>
           </a:p>
         </p:txBody>
@@ -42984,7 +39354,7 @@
               <a:buSzPct val="100000"/>
             </a:pPr>
             <a:r>
-              <a:rPr lang="ja-JP" altLang="ja-JP" sz="3200" b="1" dirty="0" smtClean="0">
+              <a:rPr lang="ja-JP" altLang="ja-JP" sz="3600" b="1" dirty="0" smtClean="0">
                 <a:solidFill>
                   <a:srgbClr val="000000"/>
                 </a:solidFill>
@@ -42994,7 +39364,7 @@
               <a:t>チーム</a:t>
             </a:r>
             <a:r>
-              <a:rPr lang="ja-JP" altLang="en-US" sz="3200" b="1" dirty="0" smtClean="0">
+              <a:rPr lang="ja-JP" altLang="en-US" sz="3600" b="1" dirty="0" smtClean="0">
                 <a:solidFill>
                   <a:srgbClr val="000000"/>
                 </a:solidFill>
@@ -43812,7 +40182,7 @@
           <a:lstStyle/>
           <a:p>
             <a:r>
-              <a:rPr lang="ja-JP" altLang="en-US" sz="3200" b="1" dirty="0">
+              <a:rPr lang="ja-JP" altLang="en-US" sz="3600" b="1" dirty="0">
                 <a:solidFill>
                   <a:schemeClr val="tx1"/>
                 </a:solidFill>
@@ -43821,7 +40191,7 @@
               </a:rPr>
               <a:t>実装機能一覧</a:t>
             </a:r>
-            <a:endParaRPr kumimoji="1" lang="ja-JP" altLang="en-US" sz="3200" b="1" dirty="0">
+            <a:endParaRPr kumimoji="1" lang="ja-JP" altLang="en-US" sz="3600" b="1" dirty="0">
               <a:solidFill>
                 <a:schemeClr val="tx1"/>
               </a:solidFill>
@@ -43853,6 +40223,12 @@
           </a:bodyPr>
           <a:lstStyle/>
           <a:p>
+            <a:pPr>
+              <a:buClr>
+                <a:srgbClr val="92D050"/>
+              </a:buClr>
+              <a:buSzPct val="145000"/>
+            </a:pPr>
             <a:r>
               <a:rPr lang="ja-JP" altLang="en-US" sz="2600" dirty="0" smtClean="0">
                 <a:latin typeface="SimSun" panose="02010600030101010101" pitchFamily="2" charset="-122"/>
@@ -43873,6 +40249,12 @@
             </a:endParaRPr>
           </a:p>
           <a:p>
+            <a:pPr>
+              <a:buClr>
+                <a:srgbClr val="92D050"/>
+              </a:buClr>
+              <a:buSzPct val="145000"/>
+            </a:pPr>
             <a:r>
               <a:rPr lang="ja-JP" altLang="en-US" sz="2600" dirty="0">
                 <a:latin typeface="SimSun" panose="02010600030101010101" pitchFamily="2" charset="-122"/>
@@ -43910,6 +40292,12 @@
             </a:r>
           </a:p>
           <a:p>
+            <a:pPr>
+              <a:buClr>
+                <a:srgbClr val="92D050"/>
+              </a:buClr>
+              <a:buSzPct val="145000"/>
+            </a:pPr>
             <a:r>
               <a:rPr lang="ja-JP" altLang="en-US" sz="2600" dirty="0" smtClean="0">
                 <a:latin typeface="SimSun" panose="02010600030101010101" pitchFamily="2" charset="-122"/>
@@ -43940,6 +40328,12 @@
             </a:r>
           </a:p>
           <a:p>
+            <a:pPr>
+              <a:buClr>
+                <a:srgbClr val="92D050"/>
+              </a:buClr>
+              <a:buSzPct val="145000"/>
+            </a:pPr>
             <a:r>
               <a:rPr lang="ja-JP" altLang="en-US" sz="2600" dirty="0">
                 <a:latin typeface="SimSun" panose="02010600030101010101" pitchFamily="2" charset="-122"/>
@@ -43977,6 +40371,12 @@
             </a:r>
           </a:p>
           <a:p>
+            <a:pPr>
+              <a:buClr>
+                <a:srgbClr val="92D050"/>
+              </a:buClr>
+              <a:buSzPct val="145000"/>
+            </a:pPr>
             <a:r>
               <a:rPr lang="ja-JP" altLang="en-US" sz="2600" dirty="0">
                 <a:latin typeface="SimSun" panose="02010600030101010101" pitchFamily="2" charset="-122"/>
@@ -44028,6 +40428,12 @@
             </a:r>
           </a:p>
           <a:p>
+            <a:pPr>
+              <a:buClr>
+                <a:srgbClr val="92D050"/>
+              </a:buClr>
+              <a:buSzPct val="145000"/>
+            </a:pPr>
             <a:r>
               <a:rPr lang="ja-JP" altLang="en-US" sz="2600" dirty="0" smtClean="0">
                 <a:latin typeface="SimSun" panose="02010600030101010101" pitchFamily="2" charset="-122"/>
@@ -44142,6 +40548,47 @@
           </a:prstGeom>
         </p:spPr>
       </p:pic>
+      <p:sp>
+        <p:nvSpPr>
+          <p:cNvPr id="7" name="Line 7"/>
+          <p:cNvSpPr>
+            <a:spLocks noChangeShapeType="1"/>
+          </p:cNvSpPr>
+          <p:nvPr/>
+        </p:nvSpPr>
+        <p:spPr bwMode="auto">
+          <a:xfrm>
+            <a:off x="504825" y="1373188"/>
+            <a:ext cx="5183188" cy="1587"/>
+          </a:xfrm>
+          <a:prstGeom prst="line">
+            <a:avLst/>
+          </a:prstGeom>
+          <a:noFill/>
+          <a:ln w="9360" cap="sq">
+            <a:solidFill>
+              <a:srgbClr val="000000"/>
+            </a:solidFill>
+            <a:miter lim="800000"/>
+            <a:headEnd/>
+            <a:tailEnd/>
+          </a:ln>
+          <a:extLst>
+            <a:ext uri="{909E8E84-426E-40DD-AFC4-6F175D3DCCD1}">
+              <a14:hiddenFill xmlns:a14="http://schemas.microsoft.com/office/drawing/2010/main">
+                <a:noFill/>
+              </a14:hiddenFill>
+            </a:ext>
+          </a:extLst>
+        </p:spPr>
+        <p:txBody>
+          <a:bodyPr/>
+          <a:lstStyle/>
+          <a:p>
+            <a:endParaRPr lang="ja-JP" altLang="en-US"/>
+          </a:p>
+        </p:txBody>
+      </p:sp>
     </p:spTree>
     <p:extLst>
       <p:ext uri="{BB962C8B-B14F-4D97-AF65-F5344CB8AC3E}">
@@ -44189,13 +40636,18 @@
             <p:ph type="title"/>
           </p:nvPr>
         </p:nvSpPr>
-        <p:spPr/>
+        <p:spPr>
+          <a:xfrm>
+            <a:off x="533959" y="582775"/>
+            <a:ext cx="8596381" cy="1269828"/>
+          </a:xfrm>
+        </p:spPr>
         <p:txBody>
           <a:bodyPr/>
           <a:lstStyle/>
           <a:p>
             <a:r>
-              <a:rPr kumimoji="1" lang="ja-JP" altLang="en-US" sz="3200" b="1" dirty="0" smtClean="0">
+              <a:rPr kumimoji="1" lang="ja-JP" altLang="en-US" sz="3600" b="1" dirty="0" smtClean="0">
                 <a:solidFill>
                   <a:schemeClr val="tx1"/>
                 </a:solidFill>
@@ -44204,7 +40656,7 @@
               <a:t>実装機能一覧</a:t>
             </a:r>
             <a:r>
-              <a:rPr lang="ja-JP" altLang="en-US" sz="3200" b="1" dirty="0" smtClean="0">
+              <a:rPr lang="ja-JP" altLang="en-US" sz="3600" b="1" dirty="0" smtClean="0">
                 <a:solidFill>
                   <a:schemeClr val="tx1"/>
                 </a:solidFill>
@@ -44213,7 +40665,7 @@
               <a:t>（</a:t>
             </a:r>
             <a:r>
-              <a:rPr lang="ja-JP" altLang="en-US" sz="3200" b="1" dirty="0">
+              <a:rPr lang="ja-JP" altLang="en-US" sz="3600" b="1" dirty="0">
                 <a:solidFill>
                   <a:schemeClr val="tx1"/>
                 </a:solidFill>
@@ -44222,7 +40674,7 @@
               <a:t>オリジナル</a:t>
             </a:r>
             <a:r>
-              <a:rPr lang="ja-JP" altLang="en-US" sz="3200" b="1" dirty="0" smtClean="0">
+              <a:rPr lang="ja-JP" altLang="en-US" sz="3600" b="1" dirty="0" smtClean="0">
                 <a:solidFill>
                   <a:schemeClr val="tx1"/>
                 </a:solidFill>
@@ -44231,7 +40683,7 @@
               <a:t>機能</a:t>
             </a:r>
             <a:r>
-              <a:rPr lang="ja-JP" altLang="en-US" sz="3200" b="1" dirty="0">
+              <a:rPr lang="ja-JP" altLang="en-US" sz="3600" b="1" dirty="0">
                 <a:solidFill>
                   <a:schemeClr val="tx1"/>
                 </a:solidFill>
@@ -44239,7 +40691,7 @@
               </a:rPr>
               <a:t>）</a:t>
             </a:r>
-            <a:endParaRPr kumimoji="1" lang="ja-JP" altLang="en-US" sz="3200" b="1" dirty="0">
+            <a:endParaRPr kumimoji="1" lang="ja-JP" altLang="en-US" sz="3600" b="1" dirty="0">
               <a:solidFill>
                 <a:schemeClr val="tx1"/>
               </a:solidFill>
@@ -44260,7 +40712,7 @@
         </p:nvSpPr>
         <p:spPr>
           <a:xfrm>
-            <a:off x="567036" y="2274512"/>
+            <a:off x="533959" y="1979637"/>
             <a:ext cx="9009780" cy="3649973"/>
           </a:xfrm>
         </p:spPr>
@@ -44268,6 +40720,14 @@
           <a:bodyPr/>
           <a:lstStyle/>
           <a:p>
+            <a:pPr>
+              <a:buClr>
+                <a:srgbClr val="92D050"/>
+              </a:buClr>
+              <a:buSzPct val="50000"/>
+              <a:buFont typeface="Wingdings" panose="05000000000000000000" pitchFamily="2" charset="2"/>
+              <a:buChar char="l"/>
+            </a:pPr>
             <a:r>
               <a:rPr lang="ja-JP" altLang="en-US" sz="2800" dirty="0">
                 <a:latin typeface="SimSun" panose="02010600030101010101" pitchFamily="2" charset="-122"/>
@@ -44298,6 +40758,14 @@
             </a:r>
           </a:p>
           <a:p>
+            <a:pPr>
+              <a:buClr>
+                <a:srgbClr val="92D050"/>
+              </a:buClr>
+              <a:buSzPct val="50000"/>
+              <a:buFont typeface="Wingdings" panose="05000000000000000000" pitchFamily="2" charset="2"/>
+              <a:buChar char="l"/>
+            </a:pPr>
             <a:r>
               <a:rPr lang="ja-JP" altLang="en-US" sz="2800" dirty="0">
                 <a:latin typeface="SimSun" panose="02010600030101010101" pitchFamily="2" charset="-122"/>
@@ -44317,7 +40785,21 @@
                 <a:latin typeface="SimSun" panose="02010600030101010101" pitchFamily="2" charset="-122"/>
                 <a:ea typeface="SimSun" panose="02010600030101010101" pitchFamily="2" charset="-122"/>
               </a:rPr>
-              <a:t>お問い合わせ入力、お問い合わせ一覧、お問い合わせ詳細</a:t>
+              <a:t>お問い合わせ入力、お問い合わせ</a:t>
+            </a:r>
+            <a:r>
+              <a:rPr lang="ja-JP" altLang="en-US" sz="2800" dirty="0" smtClean="0">
+                <a:latin typeface="SimSun" panose="02010600030101010101" pitchFamily="2" charset="-122"/>
+                <a:ea typeface="SimSun" panose="02010600030101010101" pitchFamily="2" charset="-122"/>
+              </a:rPr>
+              <a:t>一覧お問い合わせ</a:t>
+            </a:r>
+            <a:r>
+              <a:rPr lang="ja-JP" altLang="en-US" sz="2800" dirty="0">
+                <a:latin typeface="SimSun" panose="02010600030101010101" pitchFamily="2" charset="-122"/>
+                <a:ea typeface="SimSun" panose="02010600030101010101" pitchFamily="2" charset="-122"/>
+              </a:rPr>
+              <a:t>詳細</a:t>
             </a:r>
             <a:r>
               <a:rPr lang="en-US" altLang="ja-JP" sz="2800" dirty="0">
@@ -44328,6 +40810,14 @@
             </a:r>
           </a:p>
           <a:p>
+            <a:pPr>
+              <a:buClr>
+                <a:srgbClr val="92D050"/>
+              </a:buClr>
+              <a:buSzPct val="50000"/>
+              <a:buFont typeface="Wingdings" panose="05000000000000000000" pitchFamily="2" charset="2"/>
+              <a:buChar char="l"/>
+            </a:pPr>
             <a:r>
               <a:rPr lang="ja-JP" altLang="en-US" sz="2800" dirty="0">
                 <a:latin typeface="SimSun" panose="02010600030101010101" pitchFamily="2" charset="-122"/>
@@ -44365,6 +40855,14 @@
             </a:r>
           </a:p>
           <a:p>
+            <a:pPr>
+              <a:buClr>
+                <a:srgbClr val="92D050"/>
+              </a:buClr>
+              <a:buSzPct val="50000"/>
+              <a:buFont typeface="Wingdings" panose="05000000000000000000" pitchFamily="2" charset="2"/>
+              <a:buChar char="l"/>
+            </a:pPr>
             <a:endParaRPr kumimoji="1" lang="ja-JP" altLang="en-US" dirty="0"/>
           </a:p>
         </p:txBody>
@@ -44452,6 +40950,47 @@
           </a:prstGeom>
         </p:spPr>
       </p:pic>
+      <p:sp>
+        <p:nvSpPr>
+          <p:cNvPr id="6" name="Line 7"/>
+          <p:cNvSpPr>
+            <a:spLocks noChangeShapeType="1"/>
+          </p:cNvSpPr>
+          <p:nvPr/>
+        </p:nvSpPr>
+        <p:spPr bwMode="auto">
+          <a:xfrm>
+            <a:off x="567036" y="1618866"/>
+            <a:ext cx="6489499" cy="732"/>
+          </a:xfrm>
+          <a:prstGeom prst="line">
+            <a:avLst/>
+          </a:prstGeom>
+          <a:noFill/>
+          <a:ln w="9360" cap="sq">
+            <a:solidFill>
+              <a:srgbClr val="000000"/>
+            </a:solidFill>
+            <a:miter lim="800000"/>
+            <a:headEnd/>
+            <a:tailEnd/>
+          </a:ln>
+          <a:extLst>
+            <a:ext uri="{909E8E84-426E-40DD-AFC4-6F175D3DCCD1}">
+              <a14:hiddenFill xmlns:a14="http://schemas.microsoft.com/office/drawing/2010/main">
+                <a:noFill/>
+              </a14:hiddenFill>
+            </a:ext>
+          </a:extLst>
+        </p:spPr>
+        <p:txBody>
+          <a:bodyPr/>
+          <a:lstStyle/>
+          <a:p>
+            <a:endParaRPr lang="ja-JP" altLang="en-US"/>
+          </a:p>
+        </p:txBody>
+      </p:sp>
     </p:spTree>
     <p:extLst>
       <p:ext uri="{BB962C8B-B14F-4D97-AF65-F5344CB8AC3E}">
@@ -44853,7 +41392,7 @@
               <a:buSzPct val="100000"/>
             </a:pPr>
             <a:r>
-              <a:rPr lang="ja-JP" altLang="en-US" sz="3200" b="1" dirty="0" smtClean="0">
+              <a:rPr lang="ja-JP" altLang="en-US" sz="3600" b="1" dirty="0" smtClean="0">
                 <a:solidFill>
                   <a:srgbClr val="000000"/>
                 </a:solidFill>
@@ -44863,7 +41402,7 @@
               <a:t>作業</a:t>
             </a:r>
             <a:r>
-              <a:rPr lang="ja-JP" altLang="en-US" sz="3200" b="1" dirty="0">
+              <a:rPr lang="ja-JP" altLang="en-US" sz="3600" b="1" dirty="0">
                 <a:solidFill>
                   <a:srgbClr val="000000"/>
                 </a:solidFill>
@@ -44872,7 +41411,7 @@
               </a:rPr>
               <a:t>内容</a:t>
             </a:r>
-            <a:endParaRPr lang="ja-JP" altLang="ja-JP" sz="3200" b="1" dirty="0">
+            <a:endParaRPr lang="ja-JP" altLang="ja-JP" sz="3600" b="1" dirty="0">
               <a:solidFill>
                 <a:srgbClr val="000000"/>
               </a:solidFill>
@@ -45252,6 +41791,9 @@
               <a:lnSpc>
                 <a:spcPct val="125000"/>
               </a:lnSpc>
+              <a:buClr>
+                <a:srgbClr val="92D050"/>
+              </a:buClr>
               <a:buSzPct val="100000"/>
               <a:buFont typeface="Arial" panose="020B0604020202020204" pitchFamily="34" charset="0"/>
               <a:buChar char="•"/>
@@ -45329,6 +41871,9 @@
               <a:lnSpc>
                 <a:spcPct val="125000"/>
               </a:lnSpc>
+              <a:buClr>
+                <a:srgbClr val="92D050"/>
+              </a:buClr>
               <a:buSzPct val="100000"/>
               <a:buFont typeface="Arial" panose="020B0604020202020204" pitchFamily="34" charset="0"/>
               <a:buChar char="•"/>
@@ -45436,6 +41981,9 @@
               <a:lnSpc>
                 <a:spcPct val="125000"/>
               </a:lnSpc>
+              <a:buClr>
+                <a:srgbClr val="92D050"/>
+              </a:buClr>
               <a:buSzPct val="100000"/>
               <a:buFont typeface="Arial" panose="020B0604020202020204" pitchFamily="34" charset="0"/>
               <a:buChar char="•"/>
@@ -45553,6 +42101,9 @@
               <a:lnSpc>
                 <a:spcPct val="125000"/>
               </a:lnSpc>
+              <a:buClr>
+                <a:srgbClr val="92D050"/>
+              </a:buClr>
               <a:buSzPct val="100000"/>
               <a:buFont typeface="Arial" panose="020B0604020202020204" pitchFamily="34" charset="0"/>
               <a:buChar char="•"/>
@@ -45660,6 +42211,9 @@
               <a:lnSpc>
                 <a:spcPct val="125000"/>
               </a:lnSpc>
+              <a:buClr>
+                <a:srgbClr val="92D050"/>
+              </a:buClr>
               <a:buSzPct val="100000"/>
               <a:buFont typeface="Arial" panose="020B0604020202020204" pitchFamily="34" charset="0"/>
               <a:buChar char="•"/>
@@ -45700,6 +42254,9 @@
               <a:lnSpc>
                 <a:spcPct val="125000"/>
               </a:lnSpc>
+              <a:buClr>
+                <a:srgbClr val="92D050"/>
+              </a:buClr>
               <a:buSzPct val="100000"/>
               <a:buFont typeface="Arial" panose="020B0604020202020204" pitchFamily="34" charset="0"/>
               <a:buChar char="•"/>
@@ -45820,6 +42377,47 @@
           </a:prstGeom>
         </p:spPr>
       </p:pic>
+      <p:sp>
+        <p:nvSpPr>
+          <p:cNvPr id="6" name="Line 7"/>
+          <p:cNvSpPr>
+            <a:spLocks noChangeShapeType="1"/>
+          </p:cNvSpPr>
+          <p:nvPr/>
+        </p:nvSpPr>
+        <p:spPr bwMode="auto">
+          <a:xfrm>
+            <a:off x="504825" y="1373188"/>
+            <a:ext cx="5183188" cy="1587"/>
+          </a:xfrm>
+          <a:prstGeom prst="line">
+            <a:avLst/>
+          </a:prstGeom>
+          <a:noFill/>
+          <a:ln w="9360" cap="sq">
+            <a:solidFill>
+              <a:srgbClr val="000000"/>
+            </a:solidFill>
+            <a:miter lim="800000"/>
+            <a:headEnd/>
+            <a:tailEnd/>
+          </a:ln>
+          <a:extLst>
+            <a:ext uri="{909E8E84-426E-40DD-AFC4-6F175D3DCCD1}">
+              <a14:hiddenFill xmlns:a14="http://schemas.microsoft.com/office/drawing/2010/main">
+                <a:noFill/>
+              </a14:hiddenFill>
+            </a:ext>
+          </a:extLst>
+        </p:spPr>
+        <p:txBody>
+          <a:bodyPr/>
+          <a:lstStyle/>
+          <a:p>
+            <a:endParaRPr lang="ja-JP" altLang="en-US"/>
+          </a:p>
+        </p:txBody>
+      </p:sp>
     </p:spTree>
     <p:extLst>
       <p:ext uri="{BB962C8B-B14F-4D97-AF65-F5344CB8AC3E}">
@@ -46221,7 +42819,7 @@
               <a:buSzPct val="100000"/>
             </a:pPr>
             <a:r>
-              <a:rPr lang="ja-JP" altLang="en-US" sz="3200" b="1" dirty="0" smtClean="0">
+              <a:rPr lang="ja-JP" altLang="en-US" sz="3600" b="1" dirty="0" smtClean="0">
                 <a:solidFill>
                   <a:srgbClr val="000000"/>
                 </a:solidFill>
@@ -46231,7 +42829,7 @@
               <a:t>作業</a:t>
             </a:r>
             <a:r>
-              <a:rPr lang="ja-JP" altLang="en-US" sz="3200" b="1" dirty="0">
+              <a:rPr lang="ja-JP" altLang="en-US" sz="3600" b="1" dirty="0">
                 <a:solidFill>
                   <a:srgbClr val="000000"/>
                 </a:solidFill>
@@ -46240,7 +42838,7 @@
               </a:rPr>
               <a:t>内容</a:t>
             </a:r>
-            <a:endParaRPr lang="ja-JP" altLang="ja-JP" sz="3200" b="1" dirty="0">
+            <a:endParaRPr lang="ja-JP" altLang="ja-JP" sz="3600" b="1" dirty="0">
               <a:solidFill>
                 <a:srgbClr val="000000"/>
               </a:solidFill>
@@ -46620,6 +43218,9 @@
               <a:lnSpc>
                 <a:spcPct val="125000"/>
               </a:lnSpc>
+              <a:buClr>
+                <a:schemeClr val="accent1"/>
+              </a:buClr>
               <a:buSzPct val="100000"/>
               <a:buFont typeface="Arial" panose="020B0604020202020204" pitchFamily="34" charset="0"/>
               <a:buChar char="•"/>
@@ -46727,6 +43328,9 @@
               <a:lnSpc>
                 <a:spcPct val="125000"/>
               </a:lnSpc>
+              <a:buClr>
+                <a:schemeClr val="accent1"/>
+              </a:buClr>
               <a:buSzPct val="100000"/>
               <a:buFont typeface="Arial" panose="020B0604020202020204" pitchFamily="34" charset="0"/>
               <a:buChar char="•"/>
@@ -46784,6 +43388,9 @@
               <a:lnSpc>
                 <a:spcPct val="125000"/>
               </a:lnSpc>
+              <a:buClr>
+                <a:schemeClr val="accent1"/>
+              </a:buClr>
               <a:buSzPct val="100000"/>
               <a:buFont typeface="Arial" panose="020B0604020202020204" pitchFamily="34" charset="0"/>
               <a:buChar char="•"/>
@@ -46831,6 +43438,9 @@
               <a:lnSpc>
                 <a:spcPct val="125000"/>
               </a:lnSpc>
+              <a:buClr>
+                <a:schemeClr val="accent1"/>
+              </a:buClr>
               <a:buSzPct val="100000"/>
               <a:buFont typeface="Arial" panose="020B0604020202020204" pitchFamily="34" charset="0"/>
               <a:buChar char="•"/>
@@ -46878,6 +43488,9 @@
               <a:lnSpc>
                 <a:spcPct val="125000"/>
               </a:lnSpc>
+              <a:buClr>
+                <a:schemeClr val="accent1"/>
+              </a:buClr>
               <a:buSzPct val="100000"/>
               <a:buFont typeface="Arial" panose="020B0604020202020204" pitchFamily="34" charset="0"/>
               <a:buChar char="•"/>
@@ -46895,6 +43508,9 @@
               <a:lnSpc>
                 <a:spcPct val="125000"/>
               </a:lnSpc>
+              <a:buClr>
+                <a:schemeClr val="accent1"/>
+              </a:buClr>
               <a:buSzPct val="100000"/>
               <a:buFont typeface="Arial" panose="020B0604020202020204" pitchFamily="34" charset="0"/>
               <a:buChar char="•"/>
@@ -46907,37 +43523,37 @@
                 <a:latin typeface="SimSun" panose="02010600030101010101" pitchFamily="2" charset="-122"/>
                 <a:ea typeface="SimSun" panose="02010600030101010101" pitchFamily="2" charset="-122"/>
               </a:rPr>
-              <a:t>成果報告期間　</a:t>
-            </a:r>
-            <a:r>
-              <a:rPr lang="en-US" altLang="ja-JP" sz="2800" dirty="0" smtClean="0">
+              <a:t>成果</a:t>
+            </a:r>
+            <a:r>
+              <a:rPr lang="ja-JP" altLang="en-US" sz="2800" dirty="0" smtClean="0">
                 <a:solidFill>
                   <a:schemeClr val="tx1"/>
                 </a:solidFill>
                 <a:latin typeface="SimSun" panose="02010600030101010101" pitchFamily="2" charset="-122"/>
                 <a:ea typeface="SimSun" panose="02010600030101010101" pitchFamily="2" charset="-122"/>
               </a:rPr>
-              <a:t>6</a:t>
-            </a:r>
-            <a:r>
-              <a:rPr lang="ja-JP" altLang="en-US" sz="2800" dirty="0" smtClean="0">
+              <a:t>報告</a:t>
+            </a:r>
+            <a:r>
+              <a:rPr lang="ja-JP" altLang="en-US" sz="2800" dirty="0">
                 <a:solidFill>
                   <a:schemeClr val="tx1"/>
                 </a:solidFill>
                 <a:latin typeface="SimSun" panose="02010600030101010101" pitchFamily="2" charset="-122"/>
                 <a:ea typeface="SimSun" panose="02010600030101010101" pitchFamily="2" charset="-122"/>
               </a:rPr>
-              <a:t>月</a:t>
-            </a:r>
-            <a:r>
-              <a:rPr lang="en-US" altLang="ja-JP" sz="2800" dirty="0" smtClean="0">
+              <a:t>資料作成</a:t>
+            </a:r>
+            <a:r>
+              <a:rPr lang="ja-JP" altLang="en-US" sz="2800" dirty="0" smtClean="0">
                 <a:solidFill>
                   <a:schemeClr val="tx1"/>
                 </a:solidFill>
                 <a:latin typeface="SimSun" panose="02010600030101010101" pitchFamily="2" charset="-122"/>
                 <a:ea typeface="SimSun" panose="02010600030101010101" pitchFamily="2" charset="-122"/>
               </a:rPr>
-              <a:t>23</a:t>
+              <a:t>期間</a:t>
             </a:r>
             <a:r>
               <a:rPr lang="ja-JP" altLang="en-US" sz="2800" dirty="0" smtClean="0">
@@ -46947,7 +43563,7 @@
                 <a:latin typeface="SimSun" panose="02010600030101010101" pitchFamily="2" charset="-122"/>
                 <a:ea typeface="SimSun" panose="02010600030101010101" pitchFamily="2" charset="-122"/>
               </a:rPr>
-              <a:t>日～</a:t>
+              <a:t>　</a:t>
             </a:r>
             <a:r>
               <a:rPr lang="en-US" altLang="ja-JP" sz="2800" dirty="0" smtClean="0">
@@ -46977,7 +43593,47 @@
                 <a:latin typeface="SimSun" panose="02010600030101010101" pitchFamily="2" charset="-122"/>
                 <a:ea typeface="SimSun" panose="02010600030101010101" pitchFamily="2" charset="-122"/>
               </a:rPr>
-              <a:t>28</a:t>
+              <a:t>23</a:t>
+            </a:r>
+            <a:r>
+              <a:rPr lang="ja-JP" altLang="en-US" sz="2800" dirty="0" smtClean="0">
+                <a:solidFill>
+                  <a:schemeClr val="tx1"/>
+                </a:solidFill>
+                <a:latin typeface="SimSun" panose="02010600030101010101" pitchFamily="2" charset="-122"/>
+                <a:ea typeface="SimSun" panose="02010600030101010101" pitchFamily="2" charset="-122"/>
+              </a:rPr>
+              <a:t>日～</a:t>
+            </a:r>
+            <a:r>
+              <a:rPr lang="en-US" altLang="ja-JP" sz="2800" dirty="0" smtClean="0">
+                <a:solidFill>
+                  <a:schemeClr val="tx1"/>
+                </a:solidFill>
+                <a:latin typeface="SimSun" panose="02010600030101010101" pitchFamily="2" charset="-122"/>
+                <a:ea typeface="SimSun" panose="02010600030101010101" pitchFamily="2" charset="-122"/>
+              </a:rPr>
+              <a:t>6</a:t>
+            </a:r>
+            <a:r>
+              <a:rPr lang="ja-JP" altLang="en-US" sz="2800" dirty="0" smtClean="0">
+                <a:solidFill>
+                  <a:schemeClr val="tx1"/>
+                </a:solidFill>
+                <a:latin typeface="SimSun" panose="02010600030101010101" pitchFamily="2" charset="-122"/>
+                <a:ea typeface="SimSun" panose="02010600030101010101" pitchFamily="2" charset="-122"/>
+              </a:rPr>
+              <a:t>月</a:t>
+            </a:r>
+            <a:r>
+              <a:rPr lang="en-US" altLang="ja-JP" sz="2800" dirty="0" smtClean="0">
+                <a:solidFill>
+                  <a:schemeClr val="tx1"/>
+                </a:solidFill>
+                <a:latin typeface="SimSun" panose="02010600030101010101" pitchFamily="2" charset="-122"/>
+                <a:ea typeface="SimSun" panose="02010600030101010101" pitchFamily="2" charset="-122"/>
+              </a:rPr>
+              <a:t>25</a:t>
             </a:r>
             <a:r>
               <a:rPr lang="ja-JP" altLang="en-US" sz="2800" dirty="0" smtClean="0">
@@ -47002,6 +43658,9 @@
               <a:lnSpc>
                 <a:spcPct val="125000"/>
               </a:lnSpc>
+              <a:buClr>
+                <a:schemeClr val="accent1"/>
+              </a:buClr>
               <a:buSzPct val="100000"/>
               <a:buFont typeface="Arial" panose="020B0604020202020204" pitchFamily="34" charset="0"/>
               <a:buChar char="•"/>
@@ -47099,6 +43758,47 @@
           </a:prstGeom>
         </p:spPr>
       </p:pic>
+      <p:sp>
+        <p:nvSpPr>
+          <p:cNvPr id="6" name="Line 7"/>
+          <p:cNvSpPr>
+            <a:spLocks noChangeShapeType="1"/>
+          </p:cNvSpPr>
+          <p:nvPr/>
+        </p:nvSpPr>
+        <p:spPr bwMode="auto">
+          <a:xfrm>
+            <a:off x="504825" y="1373188"/>
+            <a:ext cx="5183188" cy="1587"/>
+          </a:xfrm>
+          <a:prstGeom prst="line">
+            <a:avLst/>
+          </a:prstGeom>
+          <a:noFill/>
+          <a:ln w="9360" cap="sq">
+            <a:solidFill>
+              <a:srgbClr val="000000"/>
+            </a:solidFill>
+            <a:miter lim="800000"/>
+            <a:headEnd/>
+            <a:tailEnd/>
+          </a:ln>
+          <a:extLst>
+            <a:ext uri="{909E8E84-426E-40DD-AFC4-6F175D3DCCD1}">
+              <a14:hiddenFill xmlns:a14="http://schemas.microsoft.com/office/drawing/2010/main">
+                <a:noFill/>
+              </a14:hiddenFill>
+            </a:ext>
+          </a:extLst>
+        </p:spPr>
+        <p:txBody>
+          <a:bodyPr/>
+          <a:lstStyle/>
+          <a:p>
+            <a:endParaRPr lang="ja-JP" altLang="en-US"/>
+          </a:p>
+        </p:txBody>
+      </p:sp>
     </p:spTree>
     <p:extLst>
       <p:ext uri="{BB962C8B-B14F-4D97-AF65-F5344CB8AC3E}">

--- a/成果報告会_発表用スライド_チーム開発演習編集版_1.2.pptx
+++ b/成果報告会_発表用スライド_チーム開発演習編集版_1.2.pptx
@@ -242,6 +242,32 @@
     </p:ext>
   </p:extLst>
 </p:presentation>
+</file>
+
+<file path=ppt/commentAuthors.xml><?xml version="1.0" encoding="utf-8"?>
+<p:cmAuthorLst xmlns:a="http://schemas.openxmlformats.org/drawingml/2006/main" xmlns:r="http://schemas.openxmlformats.org/officeDocument/2006/relationships" xmlns:p="http://schemas.openxmlformats.org/presentationml/2006/main">
+  <p:cmAuthor id="1" name="aaa" initials="a" lastIdx="1" clrIdx="0">
+    <p:extLst>
+      <p:ext uri="{19B8F6BF-5375-455C-9EA6-DF929625EA0E}">
+        <p15:presenceInfo xmlns:p15="http://schemas.microsoft.com/office/powerpoint/2012/main" userId="aaa" providerId="None"/>
+      </p:ext>
+    </p:extLst>
+  </p:cmAuthor>
+</p:cmAuthorLst>
+</file>
+
+<file path=ppt/comments/comment1.xml><?xml version="1.0" encoding="utf-8"?>
+<p:cmLst xmlns:a="http://schemas.openxmlformats.org/drawingml/2006/main" xmlns:r="http://schemas.openxmlformats.org/officeDocument/2006/relationships" xmlns:p="http://schemas.openxmlformats.org/presentationml/2006/main">
+  <p:cm authorId="1" dt="2021-06-28T09:25:45.492" idx="1">
+    <p:pos x="10" y="10"/>
+    <p:text/>
+    <p:extLst>
+      <p:ext uri="{C676402C-5697-4E1C-873F-D02D1690AC5C}">
+        <p15:threadingInfo xmlns:p15="http://schemas.microsoft.com/office/powerpoint/2012/main" timeZoneBias="-540"/>
+      </p:ext>
+    </p:extLst>
+  </p:cm>
+</p:cmLst>
 </file>
 
 <file path=ppt/diagrams/colors1.xml><?xml version="1.0" encoding="utf-8"?>
@@ -5776,7 +5802,7 @@
           <a:p>
             <a:fld id="{145D7082-D59F-4155-B3C1-7D9EC6DF397E}" type="datetimeFigureOut">
               <a:rPr kumimoji="1" lang="ja-JP" altLang="en-US" smtClean="0"/>
-              <a:t>2021/6/25</a:t>
+              <a:t>2021/6/28</a:t>
             </a:fld>
             <a:endParaRPr kumimoji="1" lang="ja-JP" altLang="en-US"/>
           </a:p>
@@ -5910,7 +5936,7 @@
           <p:cNvPr id="2050" name="AutoShape 1">
             <a:extLst>
               <a:ext uri="{FF2B5EF4-FFF2-40B4-BE49-F238E27FC236}">
-                <a16:creationId xmlns:a16="http://schemas.microsoft.com/office/drawing/2014/main" xmlns="" id="{4CA1C0BF-3E1F-4E95-B1F7-321984E950B3}"/>
+                <a16:creationId xmlns="" xmlns:a16="http://schemas.microsoft.com/office/drawing/2014/main" id="{4CA1C0BF-3E1F-4E95-B1F7-321984E950B3}"/>
               </a:ext>
             </a:extLst>
           </p:cNvPr>
@@ -5972,7 +5998,7 @@
           <p:cNvPr id="2051" name="Rectangle 2">
             <a:extLst>
               <a:ext uri="{FF2B5EF4-FFF2-40B4-BE49-F238E27FC236}">
-                <a16:creationId xmlns:a16="http://schemas.microsoft.com/office/drawing/2014/main" xmlns="" id="{626096B8-37E5-41AD-97A5-1A4DC60A3CB5}"/>
+                <a16:creationId xmlns="" xmlns:a16="http://schemas.microsoft.com/office/drawing/2014/main" id="{626096B8-37E5-41AD-97A5-1A4DC60A3CB5}"/>
               </a:ext>
             </a:extLst>
           </p:cNvPr>
@@ -6021,7 +6047,7 @@
           <p:cNvPr id="2" name="Rectangle 3">
             <a:extLst>
               <a:ext uri="{FF2B5EF4-FFF2-40B4-BE49-F238E27FC236}">
-                <a16:creationId xmlns:a16="http://schemas.microsoft.com/office/drawing/2014/main" xmlns="" id="{2E51DC87-DFDB-4861-B627-F122B14714EB}"/>
+                <a16:creationId xmlns="" xmlns:a16="http://schemas.microsoft.com/office/drawing/2014/main" id="{2E51DC87-DFDB-4861-B627-F122B14714EB}"/>
               </a:ext>
             </a:extLst>
           </p:cNvPr>
@@ -6067,7 +6093,7 @@
           <p:cNvPr id="2053" name="Text Box 4">
             <a:extLst>
               <a:ext uri="{FF2B5EF4-FFF2-40B4-BE49-F238E27FC236}">
-                <a16:creationId xmlns:a16="http://schemas.microsoft.com/office/drawing/2014/main" xmlns="" id="{8BF12B2E-B46E-4B6A-80E1-5FAE0273D79B}"/>
+                <a16:creationId xmlns="" xmlns:a16="http://schemas.microsoft.com/office/drawing/2014/main" id="{8BF12B2E-B46E-4B6A-80E1-5FAE0273D79B}"/>
               </a:ext>
             </a:extLst>
           </p:cNvPr>
@@ -6132,7 +6158,7 @@
           <p:cNvPr id="2054" name="Text Box 5">
             <a:extLst>
               <a:ext uri="{FF2B5EF4-FFF2-40B4-BE49-F238E27FC236}">
-                <a16:creationId xmlns:a16="http://schemas.microsoft.com/office/drawing/2014/main" xmlns="" id="{84966F32-36F5-464A-901F-07E843568211}"/>
+                <a16:creationId xmlns="" xmlns:a16="http://schemas.microsoft.com/office/drawing/2014/main" id="{84966F32-36F5-464A-901F-07E843568211}"/>
               </a:ext>
             </a:extLst>
           </p:cNvPr>
@@ -6197,7 +6223,7 @@
           <p:cNvPr id="2055" name="Text Box 6">
             <a:extLst>
               <a:ext uri="{FF2B5EF4-FFF2-40B4-BE49-F238E27FC236}">
-                <a16:creationId xmlns:a16="http://schemas.microsoft.com/office/drawing/2014/main" xmlns="" id="{14A0060E-917F-4571-A5CE-AAE6CC7F6B24}"/>
+                <a16:creationId xmlns="" xmlns:a16="http://schemas.microsoft.com/office/drawing/2014/main" id="{14A0060E-917F-4571-A5CE-AAE6CC7F6B24}"/>
               </a:ext>
             </a:extLst>
           </p:cNvPr>
@@ -6262,7 +6288,7 @@
           <p:cNvPr id="3" name="Rectangle 7">
             <a:extLst>
               <a:ext uri="{FF2B5EF4-FFF2-40B4-BE49-F238E27FC236}">
-                <a16:creationId xmlns:a16="http://schemas.microsoft.com/office/drawing/2014/main" xmlns="" id="{01DA8FD1-3C78-4CE8-949C-E28BD7E2829C}"/>
+                <a16:creationId xmlns="" xmlns:a16="http://schemas.microsoft.com/office/drawing/2014/main" id="{01DA8FD1-3C78-4CE8-949C-E28BD7E2829C}"/>
               </a:ext>
             </a:extLst>
           </p:cNvPr>
@@ -6538,7 +6564,7 @@
           <p:cNvPr id="4098" name="Rectangle 7">
             <a:extLst>
               <a:ext uri="{FF2B5EF4-FFF2-40B4-BE49-F238E27FC236}">
-                <a16:creationId xmlns:a16="http://schemas.microsoft.com/office/drawing/2014/main" xmlns="" id="{A81116CB-21C5-45CC-9B0C-7CBCF86DC535}"/>
+                <a16:creationId xmlns="" xmlns:a16="http://schemas.microsoft.com/office/drawing/2014/main" id="{A81116CB-21C5-45CC-9B0C-7CBCF86DC535}"/>
               </a:ext>
             </a:extLst>
           </p:cNvPr>
@@ -6915,7 +6941,7 @@
           <p:cNvPr id="4099" name="Text Box 1">
             <a:extLst>
               <a:ext uri="{FF2B5EF4-FFF2-40B4-BE49-F238E27FC236}">
-                <a16:creationId xmlns:a16="http://schemas.microsoft.com/office/drawing/2014/main" xmlns="" id="{105CE3D3-1585-43A0-B0D4-49991ACE6733}"/>
+                <a16:creationId xmlns="" xmlns:a16="http://schemas.microsoft.com/office/drawing/2014/main" id="{105CE3D3-1585-43A0-B0D4-49991ACE6733}"/>
               </a:ext>
             </a:extLst>
           </p:cNvPr>
@@ -7310,7 +7336,7 @@
           <p:cNvPr id="4100" name="Rectangle 2">
             <a:extLst>
               <a:ext uri="{FF2B5EF4-FFF2-40B4-BE49-F238E27FC236}">
-                <a16:creationId xmlns:a16="http://schemas.microsoft.com/office/drawing/2014/main" xmlns="" id="{72777617-9ACF-4FFD-9752-27E3624A01C1}"/>
+                <a16:creationId xmlns="" xmlns:a16="http://schemas.microsoft.com/office/drawing/2014/main" id="{72777617-9ACF-4FFD-9752-27E3624A01C1}"/>
               </a:ext>
             </a:extLst>
           </p:cNvPr>
@@ -7344,7 +7370,7 @@
           <p:cNvPr id="4101" name="Rectangle 3">
             <a:extLst>
               <a:ext uri="{FF2B5EF4-FFF2-40B4-BE49-F238E27FC236}">
-                <a16:creationId xmlns:a16="http://schemas.microsoft.com/office/drawing/2014/main" xmlns="" id="{1AD30686-2424-4702-8C06-D4D8FADACFD7}"/>
+                <a16:creationId xmlns="" xmlns:a16="http://schemas.microsoft.com/office/drawing/2014/main" id="{1AD30686-2424-4702-8C06-D4D8FADACFD7}"/>
               </a:ext>
             </a:extLst>
           </p:cNvPr>
@@ -7406,6 +7432,339 @@
 </file>
 
 <file path=ppt/notesSlides/notesSlide10.xml><?xml version="1.0" encoding="utf-8"?>
+<p:notes xmlns:a="http://schemas.openxmlformats.org/drawingml/2006/main" xmlns:r="http://schemas.openxmlformats.org/officeDocument/2006/relationships" xmlns:p="http://schemas.openxmlformats.org/presentationml/2006/main">
+  <p:cSld>
+    <p:spTree>
+      <p:nvGrpSpPr>
+        <p:cNvPr id="1" name=""/>
+        <p:cNvGrpSpPr/>
+        <p:nvPr/>
+      </p:nvGrpSpPr>
+      <p:grpSpPr>
+        <a:xfrm>
+          <a:off x="0" y="0"/>
+          <a:ext cx="0" cy="0"/>
+          <a:chOff x="0" y="0"/>
+          <a:chExt cx="0" cy="0"/>
+        </a:xfrm>
+      </p:grpSpPr>
+      <p:sp>
+        <p:nvSpPr>
+          <p:cNvPr id="2" name="スライド イメージ プレースホルダー 1"/>
+          <p:cNvSpPr>
+            <a:spLocks noGrp="1" noRot="1" noChangeAspect="1"/>
+          </p:cNvSpPr>
+          <p:nvPr>
+            <p:ph type="sldImg"/>
+          </p:nvPr>
+        </p:nvSpPr>
+        <p:spPr/>
+      </p:sp>
+      <p:sp>
+        <p:nvSpPr>
+          <p:cNvPr id="3" name="ノート プレースホルダー 2"/>
+          <p:cNvSpPr>
+            <a:spLocks noGrp="1"/>
+          </p:cNvSpPr>
+          <p:nvPr>
+            <p:ph type="body" idx="1"/>
+          </p:nvPr>
+        </p:nvSpPr>
+        <p:spPr/>
+        <p:txBody>
+          <a:bodyPr/>
+          <a:lstStyle/>
+          <a:p>
+            <a:endParaRPr kumimoji="1" lang="ja-JP" altLang="en-US" dirty="0"/>
+          </a:p>
+        </p:txBody>
+      </p:sp>
+      <p:sp>
+        <p:nvSpPr>
+          <p:cNvPr id="4" name="スライド番号プレースホルダー 3"/>
+          <p:cNvSpPr>
+            <a:spLocks noGrp="1"/>
+          </p:cNvSpPr>
+          <p:nvPr>
+            <p:ph type="sldNum" idx="10"/>
+          </p:nvPr>
+        </p:nvSpPr>
+        <p:spPr/>
+        <p:txBody>
+          <a:bodyPr/>
+          <a:lstStyle/>
+          <a:p>
+            <a:pPr>
+              <a:defRPr/>
+            </a:pPr>
+            <a:fld id="{7EAE2C39-B3E5-4513-9BD5-401E8269369B}" type="slidenum">
+              <a:rPr lang="en-US" altLang="ja-JP" smtClean="0"/>
+              <a:pPr>
+                <a:defRPr/>
+              </a:pPr>
+              <a:t>24</a:t>
+            </a:fld>
+            <a:endParaRPr lang="en-US" altLang="ja-JP"/>
+          </a:p>
+        </p:txBody>
+      </p:sp>
+    </p:spTree>
+    <p:extLst>
+      <p:ext uri="{BB962C8B-B14F-4D97-AF65-F5344CB8AC3E}">
+        <p14:creationId xmlns:p14="http://schemas.microsoft.com/office/powerpoint/2010/main" val="2894256059"/>
+      </p:ext>
+    </p:extLst>
+  </p:cSld>
+  <p:clrMapOvr>
+    <a:masterClrMapping/>
+  </p:clrMapOvr>
+</p:notes>
+</file>
+
+<file path=ppt/notesSlides/notesSlide11.xml><?xml version="1.0" encoding="utf-8"?>
+<p:notes xmlns:a="http://schemas.openxmlformats.org/drawingml/2006/main" xmlns:r="http://schemas.openxmlformats.org/officeDocument/2006/relationships" xmlns:p="http://schemas.openxmlformats.org/presentationml/2006/main">
+  <p:cSld>
+    <p:spTree>
+      <p:nvGrpSpPr>
+        <p:cNvPr id="1" name=""/>
+        <p:cNvGrpSpPr/>
+        <p:nvPr/>
+      </p:nvGrpSpPr>
+      <p:grpSpPr>
+        <a:xfrm>
+          <a:off x="0" y="0"/>
+          <a:ext cx="0" cy="0"/>
+          <a:chOff x="0" y="0"/>
+          <a:chExt cx="0" cy="0"/>
+        </a:xfrm>
+      </p:grpSpPr>
+      <p:sp>
+        <p:nvSpPr>
+          <p:cNvPr id="111" name="CustomShape 1"/>
+          <p:cNvSpPr/>
+          <p:nvPr/>
+        </p:nvSpPr>
+        <p:spPr>
+          <a:xfrm>
+            <a:off x="3848040" y="9433080"/>
+            <a:ext cx="2947320" cy="492840"/>
+          </a:xfrm>
+          <a:prstGeom prst="rect">
+            <a:avLst/>
+          </a:prstGeom>
+          <a:noFill/>
+          <a:ln w="9360">
+            <a:noFill/>
+          </a:ln>
+        </p:spPr>
+        <p:style>
+          <a:lnRef idx="0">
+            <a:scrgbClr r="0" g="0" b="0"/>
+          </a:lnRef>
+          <a:fillRef idx="0">
+            <a:scrgbClr r="0" g="0" b="0"/>
+          </a:fillRef>
+          <a:effectRef idx="0">
+            <a:scrgbClr r="0" g="0" b="0"/>
+          </a:effectRef>
+          <a:fontRef idx="minor"/>
+        </p:style>
+        <p:txBody>
+          <a:bodyPr lIns="0" tIns="0" rIns="0" bIns="0" anchor="b">
+            <a:noAutofit/>
+          </a:bodyPr>
+          <a:lstStyle/>
+          <a:p>
+            <a:pPr algn="r">
+              <a:lnSpc>
+                <a:spcPct val="95000"/>
+              </a:lnSpc>
+              <a:tabLst>
+                <a:tab pos="0" algn="l"/>
+                <a:tab pos="409680" algn="l"/>
+                <a:tab pos="820800" algn="l"/>
+                <a:tab pos="1233360" algn="l"/>
+                <a:tab pos="1644480" algn="l"/>
+                <a:tab pos="2055960" algn="l"/>
+                <a:tab pos="2468520" algn="l"/>
+                <a:tab pos="2879640" algn="l"/>
+                <a:tab pos="3292560" algn="l"/>
+                <a:tab pos="3703680" algn="l"/>
+                <a:tab pos="4114800" algn="l"/>
+                <a:tab pos="4527720" algn="l"/>
+                <a:tab pos="4938840" algn="l"/>
+                <a:tab pos="5349960" algn="l"/>
+                <a:tab pos="5762520" algn="l"/>
+                <a:tab pos="6173640" algn="l"/>
+                <a:tab pos="6585120" algn="l"/>
+                <a:tab pos="6997680" algn="l"/>
+                <a:tab pos="7408800" algn="l"/>
+                <a:tab pos="7821720" algn="l"/>
+                <a:tab pos="8232840" algn="l"/>
+              </a:tabLst>
+            </a:pPr>
+            <a:fld id="{86C5220B-6F1E-43AB-86D6-74CB13B19B32}" type="slidenum">
+              <a:rPr lang="en-US" sz="1300" b="0" strike="noStrike" spc="-1">
+                <a:solidFill>
+                  <a:srgbClr val="000000"/>
+                </a:solidFill>
+                <a:latin typeface="Times New Roman"/>
+                <a:ea typeface="ＭＳ Ｐ明朝"/>
+              </a:rPr>
+              <a:t>25</a:t>
+            </a:fld>
+            <a:endParaRPr lang="en-US" sz="1300" b="0" strike="noStrike" spc="-1">
+              <a:latin typeface="Arial"/>
+            </a:endParaRPr>
+          </a:p>
+        </p:txBody>
+      </p:sp>
+      <p:sp>
+        <p:nvSpPr>
+          <p:cNvPr id="112" name="CustomShape 2"/>
+          <p:cNvSpPr/>
+          <p:nvPr/>
+        </p:nvSpPr>
+        <p:spPr>
+          <a:xfrm>
+            <a:off x="3848040" y="9433080"/>
+            <a:ext cx="2948760" cy="494640"/>
+          </a:xfrm>
+          <a:prstGeom prst="rect">
+            <a:avLst/>
+          </a:prstGeom>
+          <a:noFill/>
+          <a:ln w="0">
+            <a:noFill/>
+          </a:ln>
+        </p:spPr>
+        <p:style>
+          <a:lnRef idx="0">
+            <a:scrgbClr r="0" g="0" b="0"/>
+          </a:lnRef>
+          <a:fillRef idx="0">
+            <a:scrgbClr r="0" g="0" b="0"/>
+          </a:fillRef>
+          <a:effectRef idx="0">
+            <a:scrgbClr r="0" g="0" b="0"/>
+          </a:effectRef>
+          <a:fontRef idx="minor"/>
+        </p:style>
+        <p:txBody>
+          <a:bodyPr lIns="0" tIns="0" rIns="0" bIns="0" anchor="b">
+            <a:noAutofit/>
+          </a:bodyPr>
+          <a:lstStyle/>
+          <a:p>
+            <a:pPr algn="r">
+              <a:lnSpc>
+                <a:spcPct val="95000"/>
+              </a:lnSpc>
+              <a:tabLst>
+                <a:tab pos="0" algn="l"/>
+                <a:tab pos="447840" algn="l"/>
+                <a:tab pos="896760" algn="l"/>
+                <a:tab pos="1346040" algn="l"/>
+                <a:tab pos="1795320" algn="l"/>
+                <a:tab pos="2244600" algn="l"/>
+                <a:tab pos="2693880" algn="l"/>
+                <a:tab pos="3143160" algn="l"/>
+                <a:tab pos="3592440" algn="l"/>
+                <a:tab pos="4041720" algn="l"/>
+                <a:tab pos="4491000" algn="l"/>
+                <a:tab pos="4940280" algn="l"/>
+                <a:tab pos="5389560" algn="l"/>
+                <a:tab pos="5838840" algn="l"/>
+                <a:tab pos="6288120" algn="l"/>
+                <a:tab pos="6737400" algn="l"/>
+                <a:tab pos="7186680" algn="l"/>
+                <a:tab pos="7635960" algn="l"/>
+                <a:tab pos="8085240" algn="l"/>
+                <a:tab pos="8534520" algn="l"/>
+                <a:tab pos="8983800" algn="l"/>
+              </a:tabLst>
+            </a:pPr>
+            <a:fld id="{1BC5B037-924D-4F51-A361-2B810CC7FDF2}" type="slidenum">
+              <a:rPr lang="en-US" sz="1300" b="0" strike="noStrike" spc="-1">
+                <a:solidFill>
+                  <a:srgbClr val="000000"/>
+                </a:solidFill>
+                <a:latin typeface="Times New Roman"/>
+                <a:ea typeface="ＭＳ Ｐ明朝"/>
+              </a:rPr>
+              <a:t>25</a:t>
+            </a:fld>
+            <a:endParaRPr lang="en-US" sz="1300" b="0" strike="noStrike" spc="-1">
+              <a:latin typeface="Arial"/>
+            </a:endParaRPr>
+          </a:p>
+        </p:txBody>
+      </p:sp>
+      <p:sp>
+        <p:nvSpPr>
+          <p:cNvPr id="113" name="PlaceHolder 3"/>
+          <p:cNvSpPr>
+            <a:spLocks noGrp="1" noRot="1" noChangeAspect="1"/>
+          </p:cNvSpPr>
+          <p:nvPr>
+            <p:ph type="sldImg"/>
+          </p:nvPr>
+        </p:nvSpPr>
+        <p:spPr>
+          <a:xfrm>
+            <a:off x="917575" y="755650"/>
+            <a:ext cx="4962525" cy="3722688"/>
+          </a:xfrm>
+          <a:prstGeom prst="rect">
+            <a:avLst/>
+          </a:prstGeom>
+        </p:spPr>
+      </p:sp>
+      <p:sp>
+        <p:nvSpPr>
+          <p:cNvPr id="114" name="PlaceHolder 4"/>
+          <p:cNvSpPr>
+            <a:spLocks noGrp="1"/>
+          </p:cNvSpPr>
+          <p:nvPr>
+            <p:ph type="body"/>
+          </p:nvPr>
+        </p:nvSpPr>
+        <p:spPr>
+          <a:xfrm>
+            <a:off x="679320" y="4716360"/>
+            <a:ext cx="5439600" cy="4384080"/>
+          </a:xfrm>
+          <a:prstGeom prst="rect">
+            <a:avLst/>
+          </a:prstGeom>
+        </p:spPr>
+        <p:txBody>
+          <a:bodyPr lIns="0" tIns="0" rIns="0" bIns="0" anchor="ctr">
+            <a:noAutofit/>
+          </a:bodyPr>
+          <a:lstStyle/>
+          <a:p>
+            <a:endParaRPr lang="en-US" sz="2000" b="0" strike="noStrike" spc="-1">
+              <a:latin typeface="Arial"/>
+            </a:endParaRPr>
+          </a:p>
+        </p:txBody>
+      </p:sp>
+    </p:spTree>
+    <p:extLst>
+      <p:ext uri="{BB962C8B-B14F-4D97-AF65-F5344CB8AC3E}">
+        <p14:creationId xmlns:p14="http://schemas.microsoft.com/office/powerpoint/2010/main" val="2950857039"/>
+      </p:ext>
+    </p:extLst>
+  </p:cSld>
+  <p:clrMapOvr>
+    <a:masterClrMapping/>
+  </p:clrMapOvr>
+</p:notes>
+</file>
+
+<file path=ppt/notesSlides/notesSlide12.xml><?xml version="1.0" encoding="utf-8"?>
 <p:notes xmlns:a="http://schemas.openxmlformats.org/drawingml/2006/main" xmlns:r="http://schemas.openxmlformats.org/officeDocument/2006/relationships" xmlns:p="http://schemas.openxmlformats.org/presentationml/2006/main">
   <p:cSld>
     <p:spTree>
@@ -7648,7 +8007,7 @@
 </p:notes>
 </file>
 
-<file path=ppt/notesSlides/notesSlide11.xml><?xml version="1.0" encoding="utf-8"?>
+<file path=ppt/notesSlides/notesSlide13.xml><?xml version="1.0" encoding="utf-8"?>
 <p:notes xmlns:a="http://schemas.openxmlformats.org/drawingml/2006/main" xmlns:r="http://schemas.openxmlformats.org/officeDocument/2006/relationships" xmlns:p="http://schemas.openxmlformats.org/presentationml/2006/main">
   <p:cSld>
     <p:spTree>
@@ -7738,7 +8097,142 @@
 </p:notes>
 </file>
 
-<file path=ppt/notesSlides/notesSlide12.xml><?xml version="1.0" encoding="utf-8"?>
+<file path=ppt/notesSlides/notesSlide14.xml><?xml version="1.0" encoding="utf-8"?>
+<p:notes xmlns:a="http://schemas.openxmlformats.org/drawingml/2006/main" xmlns:r="http://schemas.openxmlformats.org/officeDocument/2006/relationships" xmlns:p="http://schemas.openxmlformats.org/presentationml/2006/main">
+  <p:cSld>
+    <p:spTree>
+      <p:nvGrpSpPr>
+        <p:cNvPr id="1" name=""/>
+        <p:cNvGrpSpPr/>
+        <p:nvPr/>
+      </p:nvGrpSpPr>
+      <p:grpSpPr>
+        <a:xfrm>
+          <a:off x="0" y="0"/>
+          <a:ext cx="0" cy="0"/>
+          <a:chOff x="0" y="0"/>
+          <a:chExt cx="0" cy="0"/>
+        </a:xfrm>
+      </p:grpSpPr>
+      <p:sp>
+        <p:nvSpPr>
+          <p:cNvPr id="2" name="スライド イメージ プレースホルダー 1"/>
+          <p:cNvSpPr>
+            <a:spLocks noGrp="1" noRot="1" noChangeAspect="1"/>
+          </p:cNvSpPr>
+          <p:nvPr>
+            <p:ph type="sldImg"/>
+          </p:nvPr>
+        </p:nvSpPr>
+        <p:spPr/>
+      </p:sp>
+      <p:sp>
+        <p:nvSpPr>
+          <p:cNvPr id="3" name="ノート プレースホルダー 2"/>
+          <p:cNvSpPr>
+            <a:spLocks noGrp="1"/>
+          </p:cNvSpPr>
+          <p:nvPr>
+            <p:ph type="body" idx="1"/>
+          </p:nvPr>
+        </p:nvSpPr>
+        <p:spPr/>
+        <p:txBody>
+          <a:bodyPr/>
+          <a:lstStyle/>
+          <a:p>
+            <a:pPr marL="0" marR="0" indent="0" algn="l" defTabSz="449263" rtl="0" eaLnBrk="0" fontAlgn="base" latinLnBrk="0" hangingPunct="0">
+              <a:lnSpc>
+                <a:spcPct val="100000"/>
+              </a:lnSpc>
+              <a:spcBef>
+                <a:spcPct val="30000"/>
+              </a:spcBef>
+              <a:spcAft>
+                <a:spcPct val="0"/>
+              </a:spcAft>
+              <a:buClr>
+                <a:srgbClr val="000000"/>
+              </a:buClr>
+              <a:buSzPct val="100000"/>
+              <a:buFont typeface="Times New Roman" panose="02020603050405020304" pitchFamily="18" charset="0"/>
+              <a:buNone/>
+              <a:tabLst/>
+              <a:defRPr/>
+            </a:pPr>
+            <a:r>
+              <a:rPr lang="ja-JP" altLang="en-US" sz="1200" dirty="0" smtClean="0">
+                <a:latin typeface="SimSun" panose="02010600030101010101" pitchFamily="2" charset="-122"/>
+                <a:ea typeface="SimSun" panose="02010600030101010101" pitchFamily="2" charset="-122"/>
+              </a:rPr>
+              <a:t>意思疎通やコミュニケーションを取れていないと完成イメージがバラバラになってしまう</a:t>
+            </a:r>
+            <a:br>
+              <a:rPr lang="ja-JP" altLang="en-US" sz="1200" dirty="0" smtClean="0">
+                <a:latin typeface="SimSun" panose="02010600030101010101" pitchFamily="2" charset="-122"/>
+                <a:ea typeface="SimSun" panose="02010600030101010101" pitchFamily="2" charset="-122"/>
+              </a:rPr>
+            </a:br>
+            <a:r>
+              <a:rPr lang="ja-JP" altLang="en-US" sz="1200" dirty="0" smtClean="0">
+                <a:latin typeface="SimSun" panose="02010600030101010101" pitchFamily="2" charset="-122"/>
+                <a:ea typeface="SimSun" panose="02010600030101010101" pitchFamily="2" charset="-122"/>
+              </a:rPr>
+              <a:t>そのため、疑問点が出た場合、具体的に伝わりやすく質問できる環境を作ること。</a:t>
+            </a:r>
+            <a:endParaRPr kumimoji="1" lang="ja-JP" altLang="en-US" sz="1200" dirty="0" smtClean="0">
+              <a:latin typeface="SimSun" panose="02010600030101010101" pitchFamily="2" charset="-122"/>
+              <a:ea typeface="SimSun" panose="02010600030101010101" pitchFamily="2" charset="-122"/>
+            </a:endParaRPr>
+          </a:p>
+          <a:p>
+            <a:endParaRPr kumimoji="1" lang="ja-JP" altLang="en-US" dirty="0"/>
+          </a:p>
+        </p:txBody>
+      </p:sp>
+      <p:sp>
+        <p:nvSpPr>
+          <p:cNvPr id="4" name="スライド番号プレースホルダー 3"/>
+          <p:cNvSpPr>
+            <a:spLocks noGrp="1"/>
+          </p:cNvSpPr>
+          <p:nvPr>
+            <p:ph type="sldNum" idx="10"/>
+          </p:nvPr>
+        </p:nvSpPr>
+        <p:spPr/>
+        <p:txBody>
+          <a:bodyPr/>
+          <a:lstStyle/>
+          <a:p>
+            <a:pPr>
+              <a:defRPr/>
+            </a:pPr>
+            <a:fld id="{7EAE2C39-B3E5-4513-9BD5-401E8269369B}" type="slidenum">
+              <a:rPr lang="en-US" altLang="ja-JP" smtClean="0"/>
+              <a:pPr>
+                <a:defRPr/>
+              </a:pPr>
+              <a:t>30</a:t>
+            </a:fld>
+            <a:endParaRPr lang="en-US" altLang="ja-JP"/>
+          </a:p>
+        </p:txBody>
+      </p:sp>
+    </p:spTree>
+    <p:extLst>
+      <p:ext uri="{BB962C8B-B14F-4D97-AF65-F5344CB8AC3E}">
+        <p14:creationId xmlns:p14="http://schemas.microsoft.com/office/powerpoint/2010/main" val="2178985392"/>
+      </p:ext>
+    </p:extLst>
+  </p:cSld>
+  <p:clrMapOvr>
+    <a:masterClrMapping/>
+  </p:clrMapOvr>
+</p:notes>
+</file>
+
+<file path=ppt/notesSlides/notesSlide15.xml><?xml version="1.0" encoding="utf-8"?>
 <p:notes xmlns:a="http://schemas.openxmlformats.org/drawingml/2006/main" xmlns:r="http://schemas.openxmlformats.org/officeDocument/2006/relationships" xmlns:p="http://schemas.openxmlformats.org/presentationml/2006/main">
   <p:cSld>
     <p:bg>
@@ -7768,7 +8262,7 @@
           <p:cNvPr id="27650" name="Rectangle 7">
             <a:extLst>
               <a:ext uri="{FF2B5EF4-FFF2-40B4-BE49-F238E27FC236}">
-                <a16:creationId xmlns:a16="http://schemas.microsoft.com/office/drawing/2014/main" xmlns="" id="{0CB659B4-3EED-462D-8F34-6CF8C9203C2C}"/>
+                <a16:creationId xmlns="" xmlns:a16="http://schemas.microsoft.com/office/drawing/2014/main" id="{0CB659B4-3EED-462D-8F34-6CF8C9203C2C}"/>
               </a:ext>
             </a:extLst>
           </p:cNvPr>
@@ -8145,7 +8639,7 @@
           <p:cNvPr id="27651" name="Text Box 1">
             <a:extLst>
               <a:ext uri="{FF2B5EF4-FFF2-40B4-BE49-F238E27FC236}">
-                <a16:creationId xmlns:a16="http://schemas.microsoft.com/office/drawing/2014/main" xmlns="" id="{E7D465D5-5462-4333-81E9-328F35138F1D}"/>
+                <a16:creationId xmlns="" xmlns:a16="http://schemas.microsoft.com/office/drawing/2014/main" id="{E7D465D5-5462-4333-81E9-328F35138F1D}"/>
               </a:ext>
             </a:extLst>
           </p:cNvPr>
@@ -8540,7 +9034,7 @@
           <p:cNvPr id="27652" name="Rectangle 2">
             <a:extLst>
               <a:ext uri="{FF2B5EF4-FFF2-40B4-BE49-F238E27FC236}">
-                <a16:creationId xmlns:a16="http://schemas.microsoft.com/office/drawing/2014/main" xmlns="" id="{53AD14E2-2602-4A68-9C91-10A5A0155A6F}"/>
+                <a16:creationId xmlns="" xmlns:a16="http://schemas.microsoft.com/office/drawing/2014/main" id="{53AD14E2-2602-4A68-9C91-10A5A0155A6F}"/>
               </a:ext>
             </a:extLst>
           </p:cNvPr>
@@ -8574,7 +9068,7 @@
           <p:cNvPr id="27653" name="Rectangle 3">
             <a:extLst>
               <a:ext uri="{FF2B5EF4-FFF2-40B4-BE49-F238E27FC236}">
-                <a16:creationId xmlns:a16="http://schemas.microsoft.com/office/drawing/2014/main" xmlns="" id="{8C1453B3-7BA6-433C-AFD4-E00162F7D23A}"/>
+                <a16:creationId xmlns="" xmlns:a16="http://schemas.microsoft.com/office/drawing/2014/main" id="{8C1453B3-7BA6-433C-AFD4-E00162F7D23A}"/>
               </a:ext>
             </a:extLst>
           </p:cNvPr>
@@ -8616,7 +9110,25 @@
           <a:bodyPr wrap="none" anchor="ctr"/>
           <a:lstStyle/>
           <a:p>
-            <a:endParaRPr lang="ja-JP" altLang="ja-JP">
+            <a:r>
+              <a:rPr lang="ja-JP" altLang="en-US" dirty="0" smtClean="0">
+                <a:latin typeface="Times New Roman" panose="02020603050405020304" pitchFamily="18" charset="0"/>
+              </a:rPr>
+              <a:t>最後に</a:t>
+            </a:r>
+            <a:r>
+              <a:rPr lang="en-US" altLang="ja-JP" dirty="0" smtClean="0">
+                <a:latin typeface="Times New Roman" panose="02020603050405020304" pitchFamily="18" charset="0"/>
+              </a:rPr>
+              <a:t>ED</a:t>
+            </a:r>
+            <a:r>
+              <a:rPr lang="ja-JP" altLang="en-US" dirty="0" smtClean="0">
+                <a:latin typeface="Times New Roman" panose="02020603050405020304" pitchFamily="18" charset="0"/>
+              </a:rPr>
+              <a:t>セレモニーがチーム発表後すぐにやることを伝える</a:t>
+            </a:r>
+            <a:endParaRPr lang="ja-JP" altLang="ja-JP" dirty="0">
               <a:latin typeface="Times New Roman" panose="02020603050405020304" pitchFamily="18" charset="0"/>
             </a:endParaRPr>
           </a:p>
@@ -8635,7 +9147,7 @@
 </p:notes>
 </file>
 
-<file path=ppt/notesSlides/notesSlide13.xml><?xml version="1.0" encoding="utf-8"?>
+<file path=ppt/notesSlides/notesSlide16.xml><?xml version="1.0" encoding="utf-8"?>
 <p:notes xmlns:a="http://schemas.openxmlformats.org/drawingml/2006/main" xmlns:r="http://schemas.openxmlformats.org/officeDocument/2006/relationships" xmlns:p="http://schemas.openxmlformats.org/presentationml/2006/main">
   <p:cSld>
     <p:bg>
@@ -9489,7 +10001,7 @@
           <a:bodyPr wrap="none" anchor="ctr"/>
           <a:lstStyle/>
           <a:p>
-            <a:endParaRPr lang="ja-JP" altLang="ja-JP" smtClean="0">
+            <a:endParaRPr lang="ja-JP" altLang="ja-JP" dirty="0" smtClean="0">
               <a:latin typeface="Times New Roman" panose="02020603050405020304" pitchFamily="18" charset="0"/>
             </a:endParaRPr>
           </a:p>
@@ -9538,7 +10050,7 @@
           <p:cNvPr id="6146" name="Rectangle 7">
             <a:extLst>
               <a:ext uri="{FF2B5EF4-FFF2-40B4-BE49-F238E27FC236}">
-                <a16:creationId xmlns:a16="http://schemas.microsoft.com/office/drawing/2014/main" xmlns="" id="{1DDFB747-13F5-4468-A40E-7B4727A4C9F1}"/>
+                <a16:creationId xmlns="" xmlns:a16="http://schemas.microsoft.com/office/drawing/2014/main" id="{1DDFB747-13F5-4468-A40E-7B4727A4C9F1}"/>
               </a:ext>
             </a:extLst>
           </p:cNvPr>
@@ -9915,7 +10427,7 @@
           <p:cNvPr id="6147" name="Text Box 1">
             <a:extLst>
               <a:ext uri="{FF2B5EF4-FFF2-40B4-BE49-F238E27FC236}">
-                <a16:creationId xmlns:a16="http://schemas.microsoft.com/office/drawing/2014/main" xmlns="" id="{4BD13AC9-3BE9-46DB-BAC2-7757716DE1AC}"/>
+                <a16:creationId xmlns="" xmlns:a16="http://schemas.microsoft.com/office/drawing/2014/main" id="{4BD13AC9-3BE9-46DB-BAC2-7757716DE1AC}"/>
               </a:ext>
             </a:extLst>
           </p:cNvPr>
@@ -10310,7 +10822,7 @@
           <p:cNvPr id="6148" name="Rectangle 2">
             <a:extLst>
               <a:ext uri="{FF2B5EF4-FFF2-40B4-BE49-F238E27FC236}">
-                <a16:creationId xmlns:a16="http://schemas.microsoft.com/office/drawing/2014/main" xmlns="" id="{6F20A8AD-F85E-4AC0-B449-7BB1405EE0C0}"/>
+                <a16:creationId xmlns="" xmlns:a16="http://schemas.microsoft.com/office/drawing/2014/main" id="{6F20A8AD-F85E-4AC0-B449-7BB1405EE0C0}"/>
               </a:ext>
             </a:extLst>
           </p:cNvPr>
@@ -10344,7 +10856,7 @@
           <p:cNvPr id="6149" name="Rectangle 3">
             <a:extLst>
               <a:ext uri="{FF2B5EF4-FFF2-40B4-BE49-F238E27FC236}">
-                <a16:creationId xmlns:a16="http://schemas.microsoft.com/office/drawing/2014/main" xmlns="" id="{05F5C49D-B32D-49AB-98A7-EDF91AC812FD}"/>
+                <a16:creationId xmlns="" xmlns:a16="http://schemas.microsoft.com/office/drawing/2014/main" id="{05F5C49D-B32D-49AB-98A7-EDF91AC812FD}"/>
               </a:ext>
             </a:extLst>
           </p:cNvPr>
@@ -10435,7 +10947,7 @@
           <p:cNvPr id="8194" name="Rectangle 7">
             <a:extLst>
               <a:ext uri="{FF2B5EF4-FFF2-40B4-BE49-F238E27FC236}">
-                <a16:creationId xmlns:a16="http://schemas.microsoft.com/office/drawing/2014/main" xmlns="" id="{DCAABFE2-DF32-4988-AEBC-7D4E858359FA}"/>
+                <a16:creationId xmlns="" xmlns:a16="http://schemas.microsoft.com/office/drawing/2014/main" id="{DCAABFE2-DF32-4988-AEBC-7D4E858359FA}"/>
               </a:ext>
             </a:extLst>
           </p:cNvPr>
@@ -10812,7 +11324,7 @@
           <p:cNvPr id="8195" name="Text Box 1">
             <a:extLst>
               <a:ext uri="{FF2B5EF4-FFF2-40B4-BE49-F238E27FC236}">
-                <a16:creationId xmlns:a16="http://schemas.microsoft.com/office/drawing/2014/main" xmlns="" id="{2D92002B-E661-47F4-B918-AFFC54A62558}"/>
+                <a16:creationId xmlns="" xmlns:a16="http://schemas.microsoft.com/office/drawing/2014/main" id="{2D92002B-E661-47F4-B918-AFFC54A62558}"/>
               </a:ext>
             </a:extLst>
           </p:cNvPr>
@@ -11207,7 +11719,7 @@
           <p:cNvPr id="8196" name="Rectangle 2">
             <a:extLst>
               <a:ext uri="{FF2B5EF4-FFF2-40B4-BE49-F238E27FC236}">
-                <a16:creationId xmlns:a16="http://schemas.microsoft.com/office/drawing/2014/main" xmlns="" id="{4FB943EC-DFDF-4A61-9B6A-98A30E0233D7}"/>
+                <a16:creationId xmlns="" xmlns:a16="http://schemas.microsoft.com/office/drawing/2014/main" id="{4FB943EC-DFDF-4A61-9B6A-98A30E0233D7}"/>
               </a:ext>
             </a:extLst>
           </p:cNvPr>
@@ -11241,7 +11753,7 @@
           <p:cNvPr id="8197" name="Rectangle 3">
             <a:extLst>
               <a:ext uri="{FF2B5EF4-FFF2-40B4-BE49-F238E27FC236}">
-                <a16:creationId xmlns:a16="http://schemas.microsoft.com/office/drawing/2014/main" xmlns="" id="{2AB46EE3-62F5-4322-8513-0835281E2F22}"/>
+                <a16:creationId xmlns="" xmlns:a16="http://schemas.microsoft.com/office/drawing/2014/main" id="{2AB46EE3-62F5-4322-8513-0835281E2F22}"/>
               </a:ext>
             </a:extLst>
           </p:cNvPr>
@@ -11332,7 +11844,7 @@
           <p:cNvPr id="8194" name="Rectangle 7">
             <a:extLst>
               <a:ext uri="{FF2B5EF4-FFF2-40B4-BE49-F238E27FC236}">
-                <a16:creationId xmlns:a16="http://schemas.microsoft.com/office/drawing/2014/main" xmlns="" id="{DCAABFE2-DF32-4988-AEBC-7D4E858359FA}"/>
+                <a16:creationId xmlns="" xmlns:a16="http://schemas.microsoft.com/office/drawing/2014/main" id="{DCAABFE2-DF32-4988-AEBC-7D4E858359FA}"/>
               </a:ext>
             </a:extLst>
           </p:cNvPr>
@@ -11709,7 +12221,7 @@
           <p:cNvPr id="8195" name="Text Box 1">
             <a:extLst>
               <a:ext uri="{FF2B5EF4-FFF2-40B4-BE49-F238E27FC236}">
-                <a16:creationId xmlns:a16="http://schemas.microsoft.com/office/drawing/2014/main" xmlns="" id="{2D92002B-E661-47F4-B918-AFFC54A62558}"/>
+                <a16:creationId xmlns="" xmlns:a16="http://schemas.microsoft.com/office/drawing/2014/main" id="{2D92002B-E661-47F4-B918-AFFC54A62558}"/>
               </a:ext>
             </a:extLst>
           </p:cNvPr>
@@ -12104,7 +12616,7 @@
           <p:cNvPr id="8196" name="Rectangle 2">
             <a:extLst>
               <a:ext uri="{FF2B5EF4-FFF2-40B4-BE49-F238E27FC236}">
-                <a16:creationId xmlns:a16="http://schemas.microsoft.com/office/drawing/2014/main" xmlns="" id="{4FB943EC-DFDF-4A61-9B6A-98A30E0233D7}"/>
+                <a16:creationId xmlns="" xmlns:a16="http://schemas.microsoft.com/office/drawing/2014/main" id="{4FB943EC-DFDF-4A61-9B6A-98A30E0233D7}"/>
               </a:ext>
             </a:extLst>
           </p:cNvPr>
@@ -12138,7 +12650,7 @@
           <p:cNvPr id="8197" name="Rectangle 3">
             <a:extLst>
               <a:ext uri="{FF2B5EF4-FFF2-40B4-BE49-F238E27FC236}">
-                <a16:creationId xmlns:a16="http://schemas.microsoft.com/office/drawing/2014/main" xmlns="" id="{2AB46EE3-62F5-4322-8513-0835281E2F22}"/>
+                <a16:creationId xmlns="" xmlns:a16="http://schemas.microsoft.com/office/drawing/2014/main" id="{2AB46EE3-62F5-4322-8513-0835281E2F22}"/>
               </a:ext>
             </a:extLst>
           </p:cNvPr>
@@ -13975,7 +14487,7 @@
           <p:cNvPr id="21506" name="Rectangle 7">
             <a:extLst>
               <a:ext uri="{FF2B5EF4-FFF2-40B4-BE49-F238E27FC236}">
-                <a16:creationId xmlns="" xmlns:a16="http://schemas.microsoft.com/office/drawing/2014/main" id="{7136D086-C290-4FB0-A16E-13EFD4A9352E}"/>
+                <a16:creationId xmlns:a16="http://schemas.microsoft.com/office/drawing/2014/main" xmlns="" id="{7136D086-C290-4FB0-A16E-13EFD4A9352E}"/>
               </a:ext>
             </a:extLst>
           </p:cNvPr>
@@ -14352,7 +14864,7 @@
           <p:cNvPr id="21507" name="Text Box 1">
             <a:extLst>
               <a:ext uri="{FF2B5EF4-FFF2-40B4-BE49-F238E27FC236}">
-                <a16:creationId xmlns="" xmlns:a16="http://schemas.microsoft.com/office/drawing/2014/main" id="{1536FC5C-F72A-4495-A698-B1D269041D4C}"/>
+                <a16:creationId xmlns:a16="http://schemas.microsoft.com/office/drawing/2014/main" xmlns="" id="{1536FC5C-F72A-4495-A698-B1D269041D4C}"/>
               </a:ext>
             </a:extLst>
           </p:cNvPr>
@@ -14747,7 +15259,7 @@
           <p:cNvPr id="21508" name="Rectangle 2">
             <a:extLst>
               <a:ext uri="{FF2B5EF4-FFF2-40B4-BE49-F238E27FC236}">
-                <a16:creationId xmlns="" xmlns:a16="http://schemas.microsoft.com/office/drawing/2014/main" id="{4F16C1FF-8F22-4B4B-B700-D4F327AF2100}"/>
+                <a16:creationId xmlns:a16="http://schemas.microsoft.com/office/drawing/2014/main" xmlns="" id="{4F16C1FF-8F22-4B4B-B700-D4F327AF2100}"/>
               </a:ext>
             </a:extLst>
           </p:cNvPr>
@@ -14781,7 +15293,7 @@
           <p:cNvPr id="21509" name="Rectangle 3">
             <a:extLst>
               <a:ext uri="{FF2B5EF4-FFF2-40B4-BE49-F238E27FC236}">
-                <a16:creationId xmlns="" xmlns:a16="http://schemas.microsoft.com/office/drawing/2014/main" id="{47305A03-22F7-4775-AD46-D48F9C814426}"/>
+                <a16:creationId xmlns:a16="http://schemas.microsoft.com/office/drawing/2014/main" xmlns="" id="{47305A03-22F7-4775-AD46-D48F9C814426}"/>
               </a:ext>
             </a:extLst>
           </p:cNvPr>
@@ -14886,7 +15398,97 @@
           <a:bodyPr/>
           <a:lstStyle/>
           <a:p>
-            <a:endParaRPr kumimoji="1" lang="ja-JP" altLang="en-US"/>
+            <a:endParaRPr kumimoji="1" lang="ja-JP" altLang="en-US" dirty="0"/>
+          </a:p>
+        </p:txBody>
+      </p:sp>
+      <p:sp>
+        <p:nvSpPr>
+          <p:cNvPr id="4" name="スライド番号プレースホルダー 3"/>
+          <p:cNvSpPr>
+            <a:spLocks noGrp="1"/>
+          </p:cNvSpPr>
+          <p:nvPr>
+            <p:ph type="sldNum" idx="10"/>
+          </p:nvPr>
+        </p:nvSpPr>
+        <p:spPr/>
+        <p:txBody>
+          <a:bodyPr/>
+          <a:lstStyle/>
+          <a:p>
+            <a:pPr>
+              <a:defRPr/>
+            </a:pPr>
+            <a:fld id="{7EAE2C39-B3E5-4513-9BD5-401E8269369B}" type="slidenum">
+              <a:rPr lang="en-US" altLang="ja-JP" smtClean="0"/>
+              <a:pPr>
+                <a:defRPr/>
+              </a:pPr>
+              <a:t>20</a:t>
+            </a:fld>
+            <a:endParaRPr lang="en-US" altLang="ja-JP"/>
+          </a:p>
+        </p:txBody>
+      </p:sp>
+    </p:spTree>
+    <p:extLst>
+      <p:ext uri="{BB962C8B-B14F-4D97-AF65-F5344CB8AC3E}">
+        <p14:creationId xmlns:p14="http://schemas.microsoft.com/office/powerpoint/2010/main" val="2128507688"/>
+      </p:ext>
+    </p:extLst>
+  </p:cSld>
+  <p:clrMapOvr>
+    <a:masterClrMapping/>
+  </p:clrMapOvr>
+</p:notes>
+</file>
+
+<file path=ppt/notesSlides/notesSlide9.xml><?xml version="1.0" encoding="utf-8"?>
+<p:notes xmlns:a="http://schemas.openxmlformats.org/drawingml/2006/main" xmlns:r="http://schemas.openxmlformats.org/officeDocument/2006/relationships" xmlns:p="http://schemas.openxmlformats.org/presentationml/2006/main">
+  <p:cSld>
+    <p:spTree>
+      <p:nvGrpSpPr>
+        <p:cNvPr id="1" name=""/>
+        <p:cNvGrpSpPr/>
+        <p:nvPr/>
+      </p:nvGrpSpPr>
+      <p:grpSpPr>
+        <a:xfrm>
+          <a:off x="0" y="0"/>
+          <a:ext cx="0" cy="0"/>
+          <a:chOff x="0" y="0"/>
+          <a:chExt cx="0" cy="0"/>
+        </a:xfrm>
+      </p:grpSpPr>
+      <p:sp>
+        <p:nvSpPr>
+          <p:cNvPr id="2" name="スライド イメージ プレースホルダー 1"/>
+          <p:cNvSpPr>
+            <a:spLocks noGrp="1" noRot="1" noChangeAspect="1"/>
+          </p:cNvSpPr>
+          <p:nvPr>
+            <p:ph type="sldImg"/>
+          </p:nvPr>
+        </p:nvSpPr>
+        <p:spPr/>
+      </p:sp>
+      <p:sp>
+        <p:nvSpPr>
+          <p:cNvPr id="3" name="ノート プレースホルダー 2"/>
+          <p:cNvSpPr>
+            <a:spLocks noGrp="1"/>
+          </p:cNvSpPr>
+          <p:nvPr>
+            <p:ph type="body" idx="1"/>
+          </p:nvPr>
+        </p:nvSpPr>
+        <p:spPr/>
+        <p:txBody>
+          <a:bodyPr/>
+          <a:lstStyle/>
+          <a:p>
+            <a:endParaRPr kumimoji="1" lang="ja-JP" altLang="en-US" dirty="0"/>
           </a:p>
         </p:txBody>
       </p:sp>
@@ -14923,249 +15525,6 @@
     <p:extLst>
       <p:ext uri="{BB962C8B-B14F-4D97-AF65-F5344CB8AC3E}">
         <p14:creationId xmlns:p14="http://schemas.microsoft.com/office/powerpoint/2010/main" val="882593472"/>
-      </p:ext>
-    </p:extLst>
-  </p:cSld>
-  <p:clrMapOvr>
-    <a:masterClrMapping/>
-  </p:clrMapOvr>
-</p:notes>
-</file>
-
-<file path=ppt/notesSlides/notesSlide9.xml><?xml version="1.0" encoding="utf-8"?>
-<p:notes xmlns:a="http://schemas.openxmlformats.org/drawingml/2006/main" xmlns:r="http://schemas.openxmlformats.org/officeDocument/2006/relationships" xmlns:p="http://schemas.openxmlformats.org/presentationml/2006/main">
-  <p:cSld>
-    <p:spTree>
-      <p:nvGrpSpPr>
-        <p:cNvPr id="1" name=""/>
-        <p:cNvGrpSpPr/>
-        <p:nvPr/>
-      </p:nvGrpSpPr>
-      <p:grpSpPr>
-        <a:xfrm>
-          <a:off x="0" y="0"/>
-          <a:ext cx="0" cy="0"/>
-          <a:chOff x="0" y="0"/>
-          <a:chExt cx="0" cy="0"/>
-        </a:xfrm>
-      </p:grpSpPr>
-      <p:sp>
-        <p:nvSpPr>
-          <p:cNvPr id="111" name="CustomShape 1"/>
-          <p:cNvSpPr/>
-          <p:nvPr/>
-        </p:nvSpPr>
-        <p:spPr>
-          <a:xfrm>
-            <a:off x="3848040" y="9433080"/>
-            <a:ext cx="2947320" cy="492840"/>
-          </a:xfrm>
-          <a:prstGeom prst="rect">
-            <a:avLst/>
-          </a:prstGeom>
-          <a:noFill/>
-          <a:ln w="9360">
-            <a:noFill/>
-          </a:ln>
-        </p:spPr>
-        <p:style>
-          <a:lnRef idx="0">
-            <a:scrgbClr r="0" g="0" b="0"/>
-          </a:lnRef>
-          <a:fillRef idx="0">
-            <a:scrgbClr r="0" g="0" b="0"/>
-          </a:fillRef>
-          <a:effectRef idx="0">
-            <a:scrgbClr r="0" g="0" b="0"/>
-          </a:effectRef>
-          <a:fontRef idx="minor"/>
-        </p:style>
-        <p:txBody>
-          <a:bodyPr lIns="0" tIns="0" rIns="0" bIns="0" anchor="b">
-            <a:noAutofit/>
-          </a:bodyPr>
-          <a:lstStyle/>
-          <a:p>
-            <a:pPr algn="r">
-              <a:lnSpc>
-                <a:spcPct val="95000"/>
-              </a:lnSpc>
-              <a:tabLst>
-                <a:tab pos="0" algn="l"/>
-                <a:tab pos="409680" algn="l"/>
-                <a:tab pos="820800" algn="l"/>
-                <a:tab pos="1233360" algn="l"/>
-                <a:tab pos="1644480" algn="l"/>
-                <a:tab pos="2055960" algn="l"/>
-                <a:tab pos="2468520" algn="l"/>
-                <a:tab pos="2879640" algn="l"/>
-                <a:tab pos="3292560" algn="l"/>
-                <a:tab pos="3703680" algn="l"/>
-                <a:tab pos="4114800" algn="l"/>
-                <a:tab pos="4527720" algn="l"/>
-                <a:tab pos="4938840" algn="l"/>
-                <a:tab pos="5349960" algn="l"/>
-                <a:tab pos="5762520" algn="l"/>
-                <a:tab pos="6173640" algn="l"/>
-                <a:tab pos="6585120" algn="l"/>
-                <a:tab pos="6997680" algn="l"/>
-                <a:tab pos="7408800" algn="l"/>
-                <a:tab pos="7821720" algn="l"/>
-                <a:tab pos="8232840" algn="l"/>
-              </a:tabLst>
-            </a:pPr>
-            <a:fld id="{86C5220B-6F1E-43AB-86D6-74CB13B19B32}" type="slidenum">
-              <a:rPr lang="en-US" sz="1300" b="0" strike="noStrike" spc="-1">
-                <a:solidFill>
-                  <a:srgbClr val="000000"/>
-                </a:solidFill>
-                <a:latin typeface="Times New Roman"/>
-                <a:ea typeface="ＭＳ Ｐ明朝"/>
-              </a:rPr>
-              <a:t>25</a:t>
-            </a:fld>
-            <a:endParaRPr lang="en-US" sz="1300" b="0" strike="noStrike" spc="-1">
-              <a:latin typeface="Arial"/>
-            </a:endParaRPr>
-          </a:p>
-        </p:txBody>
-      </p:sp>
-      <p:sp>
-        <p:nvSpPr>
-          <p:cNvPr id="112" name="CustomShape 2"/>
-          <p:cNvSpPr/>
-          <p:nvPr/>
-        </p:nvSpPr>
-        <p:spPr>
-          <a:xfrm>
-            <a:off x="3848040" y="9433080"/>
-            <a:ext cx="2948760" cy="494640"/>
-          </a:xfrm>
-          <a:prstGeom prst="rect">
-            <a:avLst/>
-          </a:prstGeom>
-          <a:noFill/>
-          <a:ln w="0">
-            <a:noFill/>
-          </a:ln>
-        </p:spPr>
-        <p:style>
-          <a:lnRef idx="0">
-            <a:scrgbClr r="0" g="0" b="0"/>
-          </a:lnRef>
-          <a:fillRef idx="0">
-            <a:scrgbClr r="0" g="0" b="0"/>
-          </a:fillRef>
-          <a:effectRef idx="0">
-            <a:scrgbClr r="0" g="0" b="0"/>
-          </a:effectRef>
-          <a:fontRef idx="minor"/>
-        </p:style>
-        <p:txBody>
-          <a:bodyPr lIns="0" tIns="0" rIns="0" bIns="0" anchor="b">
-            <a:noAutofit/>
-          </a:bodyPr>
-          <a:lstStyle/>
-          <a:p>
-            <a:pPr algn="r">
-              <a:lnSpc>
-                <a:spcPct val="95000"/>
-              </a:lnSpc>
-              <a:tabLst>
-                <a:tab pos="0" algn="l"/>
-                <a:tab pos="447840" algn="l"/>
-                <a:tab pos="896760" algn="l"/>
-                <a:tab pos="1346040" algn="l"/>
-                <a:tab pos="1795320" algn="l"/>
-                <a:tab pos="2244600" algn="l"/>
-                <a:tab pos="2693880" algn="l"/>
-                <a:tab pos="3143160" algn="l"/>
-                <a:tab pos="3592440" algn="l"/>
-                <a:tab pos="4041720" algn="l"/>
-                <a:tab pos="4491000" algn="l"/>
-                <a:tab pos="4940280" algn="l"/>
-                <a:tab pos="5389560" algn="l"/>
-                <a:tab pos="5838840" algn="l"/>
-                <a:tab pos="6288120" algn="l"/>
-                <a:tab pos="6737400" algn="l"/>
-                <a:tab pos="7186680" algn="l"/>
-                <a:tab pos="7635960" algn="l"/>
-                <a:tab pos="8085240" algn="l"/>
-                <a:tab pos="8534520" algn="l"/>
-                <a:tab pos="8983800" algn="l"/>
-              </a:tabLst>
-            </a:pPr>
-            <a:fld id="{1BC5B037-924D-4F51-A361-2B810CC7FDF2}" type="slidenum">
-              <a:rPr lang="en-US" sz="1300" b="0" strike="noStrike" spc="-1">
-                <a:solidFill>
-                  <a:srgbClr val="000000"/>
-                </a:solidFill>
-                <a:latin typeface="Times New Roman"/>
-                <a:ea typeface="ＭＳ Ｐ明朝"/>
-              </a:rPr>
-              <a:t>25</a:t>
-            </a:fld>
-            <a:endParaRPr lang="en-US" sz="1300" b="0" strike="noStrike" spc="-1">
-              <a:latin typeface="Arial"/>
-            </a:endParaRPr>
-          </a:p>
-        </p:txBody>
-      </p:sp>
-      <p:sp>
-        <p:nvSpPr>
-          <p:cNvPr id="113" name="PlaceHolder 3"/>
-          <p:cNvSpPr>
-            <a:spLocks noGrp="1" noRot="1" noChangeAspect="1"/>
-          </p:cNvSpPr>
-          <p:nvPr>
-            <p:ph type="sldImg"/>
-          </p:nvPr>
-        </p:nvSpPr>
-        <p:spPr>
-          <a:xfrm>
-            <a:off x="917575" y="755650"/>
-            <a:ext cx="4962525" cy="3722688"/>
-          </a:xfrm>
-          <a:prstGeom prst="rect">
-            <a:avLst/>
-          </a:prstGeom>
-        </p:spPr>
-      </p:sp>
-      <p:sp>
-        <p:nvSpPr>
-          <p:cNvPr id="114" name="PlaceHolder 4"/>
-          <p:cNvSpPr>
-            <a:spLocks noGrp="1"/>
-          </p:cNvSpPr>
-          <p:nvPr>
-            <p:ph type="body"/>
-          </p:nvPr>
-        </p:nvSpPr>
-        <p:spPr>
-          <a:xfrm>
-            <a:off x="679320" y="4716360"/>
-            <a:ext cx="5439600" cy="4384080"/>
-          </a:xfrm>
-          <a:prstGeom prst="rect">
-            <a:avLst/>
-          </a:prstGeom>
-        </p:spPr>
-        <p:txBody>
-          <a:bodyPr lIns="0" tIns="0" rIns="0" bIns="0" anchor="ctr">
-            <a:noAutofit/>
-          </a:bodyPr>
-          <a:lstStyle/>
-          <a:p>
-            <a:endParaRPr lang="en-US" sz="2000" b="0" strike="noStrike" spc="-1">
-              <a:latin typeface="Arial"/>
-            </a:endParaRPr>
-          </a:p>
-        </p:txBody>
-      </p:sp>
-    </p:spTree>
-    <p:extLst>
-      <p:ext uri="{BB962C8B-B14F-4D97-AF65-F5344CB8AC3E}">
-        <p14:creationId xmlns:p14="http://schemas.microsoft.com/office/powerpoint/2010/main" val="2950857039"/>
       </p:ext>
     </p:extLst>
   </p:cSld>
@@ -15626,7 +15985,7 @@
           <a:p>
             <a:fld id="{E50EDD07-3003-4747-8A6D-6EC181580696}" type="datetime1">
               <a:rPr lang="en-US" altLang="ja-JP" smtClean="0"/>
-              <a:t>6/25/2021</a:t>
+              <a:t>6/28/2021</a:t>
             </a:fld>
             <a:endParaRPr lang="en-US" dirty="0"/>
           </a:p>
@@ -15979,7 +16338,7 @@
           <a:p>
             <a:fld id="{7CDD3C46-2563-4E07-A597-791818CA8D98}" type="datetime1">
               <a:rPr lang="en-US" altLang="ja-JP" smtClean="0"/>
-              <a:t>6/25/2021</a:t>
+              <a:t>6/28/2021</a:t>
             </a:fld>
             <a:endParaRPr lang="en-US" dirty="0"/>
           </a:p>
@@ -16193,7 +16552,7 @@
           <a:p>
             <a:fld id="{77BEA6CB-928D-409B-890A-960596416724}" type="datetime1">
               <a:rPr lang="en-US" altLang="ja-JP" smtClean="0"/>
-              <a:t>6/25/2021</a:t>
+              <a:t>6/28/2021</a:t>
             </a:fld>
             <a:endParaRPr lang="en-US" dirty="0"/>
           </a:p>
@@ -16481,7 +16840,7 @@
           <a:p>
             <a:fld id="{C304670E-3024-43A1-BAB2-3F9CBDDDC790}" type="datetime1">
               <a:rPr lang="en-US" altLang="ja-JP" smtClean="0"/>
-              <a:t>6/25/2021</a:t>
+              <a:t>6/28/2021</a:t>
             </a:fld>
             <a:endParaRPr lang="en-US" dirty="0"/>
           </a:p>
@@ -16927,7 +17286,7 @@
           <a:p>
             <a:fld id="{74767778-D321-41CB-ABD8-52261C3FE5CF}" type="datetime1">
               <a:rPr lang="en-US" altLang="ja-JP" smtClean="0"/>
-              <a:t>6/25/2021</a:t>
+              <a:t>6/28/2021</a:t>
             </a:fld>
             <a:endParaRPr lang="en-US" dirty="0"/>
           </a:p>
@@ -17495,7 +17854,7 @@
           <a:p>
             <a:fld id="{8ECEE4CB-F068-4560-B129-3E8B8938AB3C}" type="datetime1">
               <a:rPr lang="en-US" altLang="ja-JP" smtClean="0"/>
-              <a:t>6/25/2021</a:t>
+              <a:t>6/28/2021</a:t>
             </a:fld>
             <a:endParaRPr lang="en-US" dirty="0"/>
           </a:p>
@@ -18303,7 +18662,7 @@
           <a:p>
             <a:fld id="{7A689E58-E45A-4EBD-A66F-646D49C8D8A3}" type="datetime1">
               <a:rPr lang="en-US" altLang="ja-JP" smtClean="0"/>
-              <a:t>6/25/2021</a:t>
+              <a:t>6/28/2021</a:t>
             </a:fld>
             <a:endParaRPr lang="en-US" dirty="0"/>
           </a:p>
@@ -18532,7 +18891,7 @@
           <a:p>
             <a:fld id="{24079A2E-2123-4372-BCC5-A33A7CB391DC}" type="datetime1">
               <a:rPr lang="en-US" altLang="ja-JP" smtClean="0"/>
-              <a:t>6/25/2021</a:t>
+              <a:t>6/28/2021</a:t>
             </a:fld>
             <a:endParaRPr lang="en-US" dirty="0"/>
           </a:p>
@@ -18766,7 +19125,7 @@
           <a:p>
             <a:fld id="{9E082891-3224-4FC6-8BCB-089361F757FD}" type="datetime1">
               <a:rPr lang="en-US" altLang="ja-JP" smtClean="0"/>
-              <a:t>6/25/2021</a:t>
+              <a:t>6/28/2021</a:t>
             </a:fld>
             <a:endParaRPr lang="en-US" dirty="0"/>
           </a:p>
@@ -18991,7 +19350,7 @@
           <a:p>
             <a:fld id="{78B5B2D2-7B68-4B59-8CFE-2D3DB477EB9C}" type="datetime1">
               <a:rPr lang="en-US" altLang="ja-JP" smtClean="0"/>
-              <a:t>6/25/2021</a:t>
+              <a:t>6/28/2021</a:t>
             </a:fld>
             <a:endParaRPr lang="en-US" dirty="0"/>
           </a:p>
@@ -19259,7 +19618,7 @@
           <a:p>
             <a:fld id="{532AF4B1-8EA3-49DB-9AD0-27E3EB31E422}" type="datetime1">
               <a:rPr lang="en-US" altLang="ja-JP" smtClean="0"/>
-              <a:t>6/25/2021</a:t>
+              <a:t>6/28/2021</a:t>
             </a:fld>
             <a:endParaRPr lang="en-US" dirty="0"/>
           </a:p>
@@ -19578,7 +19937,7 @@
           <a:p>
             <a:fld id="{B926CA69-2081-4E9C-9587-FA805AF7F11A}" type="datetime1">
               <a:rPr lang="en-US" altLang="ja-JP" smtClean="0"/>
-              <a:t>6/25/2021</a:t>
+              <a:t>6/28/2021</a:t>
             </a:fld>
             <a:endParaRPr lang="en-US" dirty="0"/>
           </a:p>
@@ -20050,7 +20409,7 @@
           <a:p>
             <a:fld id="{FB3EC30D-6FCD-461A-ADB9-233F9FEACEAF}" type="datetime1">
               <a:rPr lang="en-US" altLang="ja-JP" smtClean="0"/>
-              <a:t>6/25/2021</a:t>
+              <a:t>6/28/2021</a:t>
             </a:fld>
             <a:endParaRPr lang="en-US" dirty="0"/>
           </a:p>
@@ -20191,7 +20550,7 @@
           <a:p>
             <a:fld id="{4CCA1662-CBC2-40BA-8C61-A683B3D15519}" type="datetime1">
               <a:rPr lang="en-US" altLang="ja-JP" smtClean="0"/>
-              <a:t>6/25/2021</a:t>
+              <a:t>6/28/2021</a:t>
             </a:fld>
             <a:endParaRPr lang="en-US" dirty="0"/>
           </a:p>
@@ -20304,7 +20663,7 @@
           <a:p>
             <a:fld id="{CFD3A9A2-AE73-4C92-8360-2A63781E21ED}" type="datetime1">
               <a:rPr lang="en-US" altLang="ja-JP" smtClean="0"/>
-              <a:t>6/25/2021</a:t>
+              <a:t>6/28/2021</a:t>
             </a:fld>
             <a:endParaRPr lang="en-US" dirty="0"/>
           </a:p>
@@ -20607,7 +20966,7 @@
           <a:p>
             <a:fld id="{E5307F21-A2D0-44F0-B5B8-09323F786991}" type="datetime1">
               <a:rPr lang="en-US" altLang="ja-JP" smtClean="0"/>
-              <a:t>6/25/2021</a:t>
+              <a:t>6/28/2021</a:t>
             </a:fld>
             <a:endParaRPr lang="en-US" dirty="0"/>
           </a:p>
@@ -20899,7 +21258,7 @@
           <a:p>
             <a:fld id="{5A39476B-23FE-4642-B4AD-16B61E77D048}" type="datetime1">
               <a:rPr lang="en-US" altLang="ja-JP" smtClean="0"/>
-              <a:t>6/25/2021</a:t>
+              <a:t>6/28/2021</a:t>
             </a:fld>
             <a:endParaRPr lang="en-US" dirty="0"/>
           </a:p>
@@ -21352,7 +21711,7 @@
           <a:p>
             <a:fld id="{F6D31AA5-C054-4B7D-A090-061018DB7C24}" type="datetime1">
               <a:rPr lang="en-US" altLang="ja-JP" smtClean="0"/>
-              <a:t>6/25/2021</a:t>
+              <a:t>6/28/2021</a:t>
             </a:fld>
             <a:endParaRPr lang="en-US" dirty="0"/>
           </a:p>
@@ -21838,7 +22197,7 @@
           <p:cNvPr id="3075" name="Text Box 2">
             <a:extLst>
               <a:ext uri="{FF2B5EF4-FFF2-40B4-BE49-F238E27FC236}">
-                <a16:creationId xmlns:a16="http://schemas.microsoft.com/office/drawing/2014/main" xmlns="" id="{46767CDD-9BA8-4561-A1EF-6E04BFFFB777}"/>
+                <a16:creationId xmlns="" xmlns:a16="http://schemas.microsoft.com/office/drawing/2014/main" id="{46767CDD-9BA8-4561-A1EF-6E04BFFFB777}"/>
               </a:ext>
             </a:extLst>
           </p:cNvPr>
@@ -22267,7 +22626,7 @@
           <p:cNvPr id="3076" name="Line 4">
             <a:extLst>
               <a:ext uri="{FF2B5EF4-FFF2-40B4-BE49-F238E27FC236}">
-                <a16:creationId xmlns:a16="http://schemas.microsoft.com/office/drawing/2014/main" xmlns="" id="{A1DAE715-FFAA-4BE6-B9B1-5BC60D29E887}"/>
+                <a16:creationId xmlns="" xmlns:a16="http://schemas.microsoft.com/office/drawing/2014/main" id="{A1DAE715-FFAA-4BE6-B9B1-5BC60D29E887}"/>
               </a:ext>
             </a:extLst>
           </p:cNvPr>
@@ -22314,7 +22673,7 @@
           <p:cNvPr id="3078" name="Text Box 6">
             <a:extLst>
               <a:ext uri="{FF2B5EF4-FFF2-40B4-BE49-F238E27FC236}">
-                <a16:creationId xmlns:a16="http://schemas.microsoft.com/office/drawing/2014/main" xmlns="" id="{CAFFB12F-B527-415D-AD56-CF8469816CDC}"/>
+                <a16:creationId xmlns="" xmlns:a16="http://schemas.microsoft.com/office/drawing/2014/main" id="{CAFFB12F-B527-415D-AD56-CF8469816CDC}"/>
               </a:ext>
             </a:extLst>
           </p:cNvPr>
@@ -24910,7 +25269,7 @@
           <p:cNvPr id="20483" name="Text Box 2">
             <a:extLst>
               <a:ext uri="{FF2B5EF4-FFF2-40B4-BE49-F238E27FC236}">
-                <a16:creationId xmlns="" xmlns:a16="http://schemas.microsoft.com/office/drawing/2014/main" id="{651B08D6-55D4-4A3E-AF9B-9727286E4AFC}"/>
+                <a16:creationId xmlns:a16="http://schemas.microsoft.com/office/drawing/2014/main" xmlns="" id="{651B08D6-55D4-4A3E-AF9B-9727286E4AFC}"/>
               </a:ext>
             </a:extLst>
           </p:cNvPr>
@@ -25309,7 +25668,7 @@
           <p:cNvPr id="20484" name="Text Box 3">
             <a:extLst>
               <a:ext uri="{FF2B5EF4-FFF2-40B4-BE49-F238E27FC236}">
-                <a16:creationId xmlns="" xmlns:a16="http://schemas.microsoft.com/office/drawing/2014/main" id="{24B74A06-ABAD-441E-9840-04F644CB8266}"/>
+                <a16:creationId xmlns:a16="http://schemas.microsoft.com/office/drawing/2014/main" xmlns="" id="{24B74A06-ABAD-441E-9840-04F644CB8266}"/>
               </a:ext>
             </a:extLst>
           </p:cNvPr>
@@ -25764,7 +26123,7 @@
           <p:cNvPr id="20485" name="Text Box 4">
             <a:extLst>
               <a:ext uri="{FF2B5EF4-FFF2-40B4-BE49-F238E27FC236}">
-                <a16:creationId xmlns="" xmlns:a16="http://schemas.microsoft.com/office/drawing/2014/main" id="{3B8B6E50-E08A-4EBB-B277-8362848F1600}"/>
+                <a16:creationId xmlns:a16="http://schemas.microsoft.com/office/drawing/2014/main" xmlns="" id="{3B8B6E50-E08A-4EBB-B277-8362848F1600}"/>
               </a:ext>
             </a:extLst>
           </p:cNvPr>
@@ -26193,7 +26552,7 @@
           <p:cNvPr id="20486" name="Text Box 5">
             <a:extLst>
               <a:ext uri="{FF2B5EF4-FFF2-40B4-BE49-F238E27FC236}">
-                <a16:creationId xmlns="" xmlns:a16="http://schemas.microsoft.com/office/drawing/2014/main" id="{BF43DA1A-F5E3-4600-81E5-1EE135236E4E}"/>
+                <a16:creationId xmlns:a16="http://schemas.microsoft.com/office/drawing/2014/main" xmlns="" id="{BF43DA1A-F5E3-4600-81E5-1EE135236E4E}"/>
               </a:ext>
             </a:extLst>
           </p:cNvPr>
@@ -26792,7 +27151,7 @@
           <p:cNvPr id="20487" name="Line 7">
             <a:extLst>
               <a:ext uri="{FF2B5EF4-FFF2-40B4-BE49-F238E27FC236}">
-                <a16:creationId xmlns="" xmlns:a16="http://schemas.microsoft.com/office/drawing/2014/main" id="{67F8E4BF-F10C-41C2-8631-31C564B71613}"/>
+                <a16:creationId xmlns:a16="http://schemas.microsoft.com/office/drawing/2014/main" xmlns="" id="{67F8E4BF-F10C-41C2-8631-31C564B71613}"/>
               </a:ext>
             </a:extLst>
           </p:cNvPr>
@@ -27716,37 +28075,7 @@
                 <a:latin typeface="SimSun" panose="02010600030101010101" pitchFamily="2" charset="-122"/>
                 <a:ea typeface="SimSun" panose="02010600030101010101" pitchFamily="2" charset="-122"/>
               </a:rPr>
-              <a:t>一人でコード</a:t>
-            </a:r>
-            <a:r>
-              <a:rPr kumimoji="1" lang="ja-JP" altLang="en-US" dirty="0" smtClean="0">
-                <a:solidFill>
-                  <a:schemeClr val="tx1"/>
-                </a:solidFill>
-                <a:latin typeface="SimSun" panose="02010600030101010101" pitchFamily="2" charset="-122"/>
-                <a:ea typeface="SimSun" panose="02010600030101010101" pitchFamily="2" charset="-122"/>
-              </a:rPr>
-              <a:t>を書ける</a:t>
-            </a:r>
-            <a:r>
-              <a:rPr kumimoji="1" lang="ja-JP" altLang="en-US" dirty="0" smtClean="0">
-                <a:solidFill>
-                  <a:schemeClr val="tx1"/>
-                </a:solidFill>
-                <a:latin typeface="SimSun" panose="02010600030101010101" pitchFamily="2" charset="-122"/>
-                <a:ea typeface="SimSun" panose="02010600030101010101" pitchFamily="2" charset="-122"/>
-              </a:rPr>
-              <a:t>ように</a:t>
-            </a:r>
-            <a:r>
-              <a:rPr kumimoji="1" lang="ja-JP" altLang="en-US" dirty="0" smtClean="0">
-                <a:solidFill>
-                  <a:schemeClr val="tx1"/>
-                </a:solidFill>
-                <a:latin typeface="SimSun" panose="02010600030101010101" pitchFamily="2" charset="-122"/>
-                <a:ea typeface="SimSun" panose="02010600030101010101" pitchFamily="2" charset="-122"/>
-              </a:rPr>
-              <a:t>なる</a:t>
+              <a:t>一人でコードを書けるようになる</a:t>
             </a:r>
             <a:endParaRPr kumimoji="1" lang="en-US" altLang="ja-JP" dirty="0" smtClean="0">
               <a:solidFill>
@@ -29772,7 +30101,7 @@
           <p:cNvPr id="5123" name="Text Box 2">
             <a:extLst>
               <a:ext uri="{FF2B5EF4-FFF2-40B4-BE49-F238E27FC236}">
-                <a16:creationId xmlns:a16="http://schemas.microsoft.com/office/drawing/2014/main" xmlns="" id="{B0631F43-305F-476B-8729-D9BCCD18F597}"/>
+                <a16:creationId xmlns="" xmlns:a16="http://schemas.microsoft.com/office/drawing/2014/main" id="{B0631F43-305F-476B-8729-D9BCCD18F597}"/>
               </a:ext>
             </a:extLst>
           </p:cNvPr>
@@ -30171,7 +30500,7 @@
           <p:cNvPr id="5124" name="Line 4">
             <a:extLst>
               <a:ext uri="{FF2B5EF4-FFF2-40B4-BE49-F238E27FC236}">
-                <a16:creationId xmlns:a16="http://schemas.microsoft.com/office/drawing/2014/main" xmlns="" id="{6C337AA1-BBAF-4D17-8765-494A7BC5F80D}"/>
+                <a16:creationId xmlns="" xmlns:a16="http://schemas.microsoft.com/office/drawing/2014/main" id="{6C337AA1-BBAF-4D17-8765-494A7BC5F80D}"/>
               </a:ext>
             </a:extLst>
           </p:cNvPr>
@@ -30218,7 +30547,7 @@
           <p:cNvPr id="5126" name="Text Box 6">
             <a:extLst>
               <a:ext uri="{FF2B5EF4-FFF2-40B4-BE49-F238E27FC236}">
-                <a16:creationId xmlns:a16="http://schemas.microsoft.com/office/drawing/2014/main" xmlns="" id="{E289A0E4-3DF5-4912-BE80-E2449558E136}"/>
+                <a16:creationId xmlns="" xmlns:a16="http://schemas.microsoft.com/office/drawing/2014/main" id="{E289A0E4-3DF5-4912-BE80-E2449558E136}"/>
               </a:ext>
             </a:extLst>
           </p:cNvPr>
@@ -31074,7 +31403,7 @@
           <p:nvPr/>
         </p:nvPicPr>
         <p:blipFill>
-          <a:blip r:embed="rId2">
+          <a:blip r:embed="rId3">
             <a:extLst>
               <a:ext uri="{28A0092B-C50C-407E-A947-70E740481C1C}">
                 <a14:useLocalDpi xmlns:a14="http://schemas.microsoft.com/office/drawing/2010/main" val="0"/>
@@ -31104,7 +31433,7 @@
           <p:nvPr/>
         </p:nvPicPr>
         <p:blipFill>
-          <a:blip r:embed="rId3">
+          <a:blip r:embed="rId4">
             <a:extLst>
               <a:ext uri="{28A0092B-C50C-407E-A947-70E740481C1C}">
                 <a14:useLocalDpi xmlns:a14="http://schemas.microsoft.com/office/drawing/2010/main" val="0"/>
@@ -31145,7 +31474,7 @@
           <p:nvPr/>
         </p:nvPicPr>
         <p:blipFill>
-          <a:blip r:embed="rId4" cstate="print">
+          <a:blip r:embed="rId5" cstate="print">
             <a:extLst>
               <a:ext uri="{28A0092B-C50C-407E-A947-70E740481C1C}">
                 <a14:useLocalDpi xmlns:a14="http://schemas.microsoft.com/office/drawing/2010/main" val="0"/>
@@ -32649,7 +32978,7 @@
           <p:nvPr/>
         </p:nvPicPr>
         <p:blipFill>
-          <a:blip r:embed="rId2" cstate="print">
+          <a:blip r:embed="rId3" cstate="print">
             <a:extLst>
               <a:ext uri="{28A0092B-C50C-407E-A947-70E740481C1C}">
                 <a14:useLocalDpi xmlns:a14="http://schemas.microsoft.com/office/drawing/2010/main" val="0"/>
@@ -34515,7 +34844,27 @@
                 <a:latin typeface="メイリオ" panose="020B0604030504040204" pitchFamily="50" charset="-128"/>
                 <a:ea typeface="メイリオ" panose="020B0604030504040204" pitchFamily="50" charset="-128"/>
               </a:rPr>
-              <a:t>今後の課題</a:t>
+              <a:t>今後</a:t>
+            </a:r>
+            <a:r>
+              <a:rPr lang="ja-JP" altLang="ja-JP" sz="3600" b="1" spc="-1" dirty="0">
+                <a:solidFill>
+                  <a:srgbClr val="000000"/>
+                </a:solidFill>
+                <a:latin typeface="メイリオ"/>
+                <a:ea typeface="メイリオ"/>
+              </a:rPr>
+              <a:t>に向けた</a:t>
+            </a:r>
+            <a:r>
+              <a:rPr kumimoji="1" lang="ja-JP" altLang="en-US" sz="3600" b="1" dirty="0" smtClean="0">
+                <a:solidFill>
+                  <a:schemeClr val="tx1"/>
+                </a:solidFill>
+                <a:latin typeface="メイリオ" panose="020B0604030504040204" pitchFamily="50" charset="-128"/>
+                <a:ea typeface="メイリオ" panose="020B0604030504040204" pitchFamily="50" charset="-128"/>
+              </a:rPr>
+              <a:t>課題</a:t>
             </a:r>
             <a:endParaRPr kumimoji="1" lang="ja-JP" altLang="en-US" sz="3600" b="1" dirty="0">
               <a:solidFill>
@@ -34711,7 +35060,7 @@
           <p:cNvPr id="7171" name="Text Box 2">
             <a:extLst>
               <a:ext uri="{FF2B5EF4-FFF2-40B4-BE49-F238E27FC236}">
-                <a16:creationId xmlns:a16="http://schemas.microsoft.com/office/drawing/2014/main" xmlns="" id="{2A9FB9B3-A694-4BFF-9F4B-802A96DBA486}"/>
+                <a16:creationId xmlns="" xmlns:a16="http://schemas.microsoft.com/office/drawing/2014/main" id="{2A9FB9B3-A694-4BFF-9F4B-802A96DBA486}"/>
               </a:ext>
             </a:extLst>
           </p:cNvPr>
@@ -35093,7 +35442,7 @@
           <p:cNvPr id="7173" name="Line 5">
             <a:extLst>
               <a:ext uri="{FF2B5EF4-FFF2-40B4-BE49-F238E27FC236}">
-                <a16:creationId xmlns:a16="http://schemas.microsoft.com/office/drawing/2014/main" xmlns="" id="{6924EA0B-A060-4E7C-9BDE-018226CE6611}"/>
+                <a16:creationId xmlns="" xmlns:a16="http://schemas.microsoft.com/office/drawing/2014/main" id="{6924EA0B-A060-4E7C-9BDE-018226CE6611}"/>
               </a:ext>
             </a:extLst>
           </p:cNvPr>
@@ -35140,7 +35489,7 @@
           <p:cNvPr id="3" name="コンテンツ プレースホルダー 2">
             <a:extLst>
               <a:ext uri="{FF2B5EF4-FFF2-40B4-BE49-F238E27FC236}">
-                <a16:creationId xmlns:a16="http://schemas.microsoft.com/office/drawing/2014/main" xmlns="" id="{4AA43CD3-228F-4659-BB4B-665BBD61F4C0}"/>
+                <a16:creationId xmlns="" xmlns:a16="http://schemas.microsoft.com/office/drawing/2014/main" id="{4AA43CD3-228F-4659-BB4B-665BBD61F4C0}"/>
               </a:ext>
             </a:extLst>
           </p:cNvPr>
@@ -35500,7 +35849,12 @@
             <p:ph type="title"/>
           </p:nvPr>
         </p:nvSpPr>
-        <p:spPr/>
+        <p:spPr>
+          <a:xfrm>
+            <a:off x="535064" y="535071"/>
+            <a:ext cx="8596381" cy="1269828"/>
+          </a:xfrm>
+        </p:spPr>
         <p:txBody>
           <a:bodyPr/>
           <a:lstStyle/>
@@ -35547,8 +35901,8 @@
         </p:nvSpPr>
         <p:spPr>
           <a:xfrm>
-            <a:off x="567036" y="2274512"/>
-            <a:ext cx="8594582" cy="3161509"/>
+            <a:off x="774635" y="4221585"/>
+            <a:ext cx="8594582" cy="2089090"/>
           </a:xfrm>
         </p:spPr>
         <p:txBody>
@@ -35565,9 +35919,22 @@
                 <a:latin typeface="SimSun" panose="02010600030101010101" pitchFamily="2" charset="-122"/>
                 <a:ea typeface="SimSun" panose="02010600030101010101" pitchFamily="2" charset="-122"/>
               </a:rPr>
-              <a:t>話しやすい環境づくりに心がける</a:t>
-            </a:r>
-            <a:endParaRPr kumimoji="1" lang="en-US" altLang="ja-JP" sz="3600" dirty="0" smtClean="0">
+              <a:t>　</a:t>
+            </a:r>
+            <a:r>
+              <a:rPr kumimoji="1" lang="ja-JP" altLang="en-US" sz="3600" b="1" dirty="0" smtClean="0">
+                <a:solidFill>
+                  <a:srgbClr val="FF0000"/>
+                </a:solidFill>
+                <a:latin typeface="SimSun" panose="02010600030101010101" pitchFamily="2" charset="-122"/>
+                <a:ea typeface="SimSun" panose="02010600030101010101" pitchFamily="2" charset="-122"/>
+              </a:rPr>
+              <a:t>話しやすい環境づくりを心がける</a:t>
+            </a:r>
+            <a:endParaRPr kumimoji="1" lang="en-US" altLang="ja-JP" sz="3600" b="1" dirty="0" smtClean="0">
+              <a:solidFill>
+                <a:srgbClr val="FF0000"/>
+              </a:solidFill>
               <a:latin typeface="SimSun" panose="02010600030101010101" pitchFamily="2" charset="-122"/>
               <a:ea typeface="SimSun" panose="02010600030101010101" pitchFamily="2" charset="-122"/>
             </a:endParaRPr>
@@ -35576,34 +35943,7 @@
             <a:pPr marL="0" indent="0">
               <a:buNone/>
             </a:pPr>
-            <a:r>
-              <a:rPr lang="ja-JP" altLang="en-US" sz="2400" dirty="0">
-                <a:latin typeface="SimSun" panose="02010600030101010101" pitchFamily="2" charset="-122"/>
-                <a:ea typeface="SimSun" panose="02010600030101010101" pitchFamily="2" charset="-122"/>
-              </a:rPr>
-              <a:t>意思疎通やコミュニケーションを取れていないと完成イメージがバラバラになってしまう</a:t>
-            </a:r>
-            <a:r>
-              <a:rPr lang="ja-JP" altLang="en-US" sz="2400" dirty="0">
-                <a:latin typeface="SimSun" panose="02010600030101010101" pitchFamily="2" charset="-122"/>
-                <a:ea typeface="SimSun" panose="02010600030101010101" pitchFamily="2" charset="-122"/>
-              </a:rPr>
-              <a:t/>
-            </a:r>
-            <a:br>
-              <a:rPr lang="ja-JP" altLang="en-US" sz="2400" dirty="0">
-                <a:latin typeface="SimSun" panose="02010600030101010101" pitchFamily="2" charset="-122"/>
-                <a:ea typeface="SimSun" panose="02010600030101010101" pitchFamily="2" charset="-122"/>
-              </a:rPr>
-            </a:br>
-            <a:r>
-              <a:rPr lang="ja-JP" altLang="en-US" sz="2400" dirty="0">
-                <a:latin typeface="SimSun" panose="02010600030101010101" pitchFamily="2" charset="-122"/>
-                <a:ea typeface="SimSun" panose="02010600030101010101" pitchFamily="2" charset="-122"/>
-              </a:rPr>
-              <a:t>そのため、疑問点が出た場合、具体的に伝わりやすく質問できる環境を作ること。</a:t>
-            </a:r>
-            <a:endParaRPr kumimoji="1" lang="ja-JP" altLang="en-US" sz="2400" dirty="0">
+            <a:endParaRPr kumimoji="1" lang="ja-JP" altLang="en-US" sz="2800" dirty="0" smtClean="0">
               <a:latin typeface="SimSun" panose="02010600030101010101" pitchFamily="2" charset="-122"/>
               <a:ea typeface="SimSun" panose="02010600030101010101" pitchFamily="2" charset="-122"/>
             </a:endParaRPr>
@@ -35672,7 +36012,7 @@
           <p:nvPr/>
         </p:nvPicPr>
         <p:blipFill>
-          <a:blip r:embed="rId2" cstate="print">
+          <a:blip r:embed="rId3" cstate="print">
             <a:extLst>
               <a:ext uri="{28A0092B-C50C-407E-A947-70E740481C1C}">
                 <a14:useLocalDpi xmlns:a14="http://schemas.microsoft.com/office/drawing/2010/main" val="0"/>
@@ -35701,7 +36041,7 @@
         </p:nvSpPr>
         <p:spPr>
           <a:xfrm>
-            <a:off x="581044" y="1765180"/>
+            <a:off x="567037" y="1547589"/>
             <a:ext cx="5183280" cy="1440"/>
           </a:xfrm>
           <a:prstGeom prst="line">
@@ -35727,6 +36067,36 @@
           <a:fontRef idx="minor"/>
         </p:style>
       </p:sp>
+      <p:pic>
+        <p:nvPicPr>
+          <p:cNvPr id="7" name="図 6"/>
+          <p:cNvPicPr>
+            <a:picLocks noChangeAspect="1"/>
+          </p:cNvPicPr>
+          <p:nvPr/>
+        </p:nvPicPr>
+        <p:blipFill>
+          <a:blip r:embed="rId4">
+            <a:extLst>
+              <a:ext uri="{28A0092B-C50C-407E-A947-70E740481C1C}">
+                <a14:useLocalDpi xmlns:a14="http://schemas.microsoft.com/office/drawing/2010/main" val="0"/>
+              </a:ext>
+            </a:extLst>
+          </a:blip>
+          <a:stretch>
+            <a:fillRect/>
+          </a:stretch>
+        </p:blipFill>
+        <p:spPr>
+          <a:xfrm>
+            <a:off x="3603272" y="1979637"/>
+            <a:ext cx="2459964" cy="2459964"/>
+          </a:xfrm>
+          <a:prstGeom prst="rect">
+            <a:avLst/>
+          </a:prstGeom>
+        </p:spPr>
+      </p:pic>
     </p:spTree>
     <p:extLst>
       <p:ext uri="{BB962C8B-B14F-4D97-AF65-F5344CB8AC3E}">
@@ -35769,7 +36139,7 @@
           <p:cNvPr id="26627" name="Text Box 2">
             <a:extLst>
               <a:ext uri="{FF2B5EF4-FFF2-40B4-BE49-F238E27FC236}">
-                <a16:creationId xmlns:a16="http://schemas.microsoft.com/office/drawing/2014/main" xmlns="" id="{44BC3010-C15B-49DF-BA60-84DDC8D55069}"/>
+                <a16:creationId xmlns="" xmlns:a16="http://schemas.microsoft.com/office/drawing/2014/main" id="{44BC3010-C15B-49DF-BA60-84DDC8D55069}"/>
               </a:ext>
             </a:extLst>
           </p:cNvPr>
@@ -36168,7 +36538,7 @@
           <p:cNvPr id="26628" name="Text Box 3">
             <a:extLst>
               <a:ext uri="{FF2B5EF4-FFF2-40B4-BE49-F238E27FC236}">
-                <a16:creationId xmlns:a16="http://schemas.microsoft.com/office/drawing/2014/main" xmlns="" id="{78868C76-D1F8-4602-AD74-D9A23D3D18F9}"/>
+                <a16:creationId xmlns="" xmlns:a16="http://schemas.microsoft.com/office/drawing/2014/main" id="{78868C76-D1F8-4602-AD74-D9A23D3D18F9}"/>
               </a:ext>
             </a:extLst>
           </p:cNvPr>
@@ -36636,7 +37006,7 @@
           <p:cNvPr id="26629" name="Line 5">
             <a:extLst>
               <a:ext uri="{FF2B5EF4-FFF2-40B4-BE49-F238E27FC236}">
-                <a16:creationId xmlns:a16="http://schemas.microsoft.com/office/drawing/2014/main" xmlns="" id="{819920FD-0180-4D54-8EB3-D31E75ED2D23}"/>
+                <a16:creationId xmlns="" xmlns:a16="http://schemas.microsoft.com/office/drawing/2014/main" id="{819920FD-0180-4D54-8EB3-D31E75ED2D23}"/>
               </a:ext>
             </a:extLst>
           </p:cNvPr>
@@ -38215,7 +38585,7 @@
           <p:cNvPr id="7171" name="Text Box 2">
             <a:extLst>
               <a:ext uri="{FF2B5EF4-FFF2-40B4-BE49-F238E27FC236}">
-                <a16:creationId xmlns:a16="http://schemas.microsoft.com/office/drawing/2014/main" xmlns="" id="{2A9FB9B3-A694-4BFF-9F4B-802A96DBA486}"/>
+                <a16:creationId xmlns="" xmlns:a16="http://schemas.microsoft.com/office/drawing/2014/main" id="{2A9FB9B3-A694-4BFF-9F4B-802A96DBA486}"/>
               </a:ext>
             </a:extLst>
           </p:cNvPr>
@@ -38597,7 +38967,7 @@
           <p:cNvPr id="7173" name="Line 5">
             <a:extLst>
               <a:ext uri="{FF2B5EF4-FFF2-40B4-BE49-F238E27FC236}">
-                <a16:creationId xmlns:a16="http://schemas.microsoft.com/office/drawing/2014/main" xmlns="" id="{6924EA0B-A060-4E7C-9BDE-018226CE6611}"/>
+                <a16:creationId xmlns="" xmlns:a16="http://schemas.microsoft.com/office/drawing/2014/main" id="{6924EA0B-A060-4E7C-9BDE-018226CE6611}"/>
               </a:ext>
             </a:extLst>
           </p:cNvPr>
@@ -38644,7 +39014,7 @@
           <p:cNvPr id="3" name="コンテンツ プレースホルダー 2">
             <a:extLst>
               <a:ext uri="{FF2B5EF4-FFF2-40B4-BE49-F238E27FC236}">
-                <a16:creationId xmlns:a16="http://schemas.microsoft.com/office/drawing/2014/main" xmlns="" id="{4AA43CD3-228F-4659-BB4B-665BBD61F4C0}"/>
+                <a16:creationId xmlns="" xmlns:a16="http://schemas.microsoft.com/office/drawing/2014/main" id="{4AA43CD3-228F-4659-BB4B-665BBD61F4C0}"/>
               </a:ext>
             </a:extLst>
           </p:cNvPr>
@@ -43523,47 +43893,27 @@
                 <a:latin typeface="SimSun" panose="02010600030101010101" pitchFamily="2" charset="-122"/>
                 <a:ea typeface="SimSun" panose="02010600030101010101" pitchFamily="2" charset="-122"/>
               </a:rPr>
-              <a:t>成果</a:t>
-            </a:r>
-            <a:r>
-              <a:rPr lang="ja-JP" altLang="en-US" sz="2800" dirty="0" smtClean="0">
+              <a:t>成果報告</a:t>
+            </a:r>
+            <a:r>
+              <a:rPr lang="ja-JP" altLang="en-US" sz="2800" dirty="0">
                 <a:solidFill>
                   <a:schemeClr val="tx1"/>
                 </a:solidFill>
                 <a:latin typeface="SimSun" panose="02010600030101010101" pitchFamily="2" charset="-122"/>
                 <a:ea typeface="SimSun" panose="02010600030101010101" pitchFamily="2" charset="-122"/>
               </a:rPr>
-              <a:t>報告</a:t>
-            </a:r>
-            <a:r>
-              <a:rPr lang="ja-JP" altLang="en-US" sz="2800" dirty="0">
+              <a:t>資料作成</a:t>
+            </a:r>
+            <a:r>
+              <a:rPr lang="ja-JP" altLang="en-US" sz="2800" dirty="0" smtClean="0">
                 <a:solidFill>
                   <a:schemeClr val="tx1"/>
                 </a:solidFill>
                 <a:latin typeface="SimSun" panose="02010600030101010101" pitchFamily="2" charset="-122"/>
                 <a:ea typeface="SimSun" panose="02010600030101010101" pitchFamily="2" charset="-122"/>
               </a:rPr>
-              <a:t>資料作成</a:t>
-            </a:r>
-            <a:r>
-              <a:rPr lang="ja-JP" altLang="en-US" sz="2800" dirty="0" smtClean="0">
-                <a:solidFill>
-                  <a:schemeClr val="tx1"/>
-                </a:solidFill>
-                <a:latin typeface="SimSun" panose="02010600030101010101" pitchFamily="2" charset="-122"/>
-                <a:ea typeface="SimSun" panose="02010600030101010101" pitchFamily="2" charset="-122"/>
-              </a:rPr>
-              <a:t>期間</a:t>
-            </a:r>
-            <a:r>
-              <a:rPr lang="ja-JP" altLang="en-US" sz="2800" dirty="0" smtClean="0">
-                <a:solidFill>
-                  <a:schemeClr val="tx1"/>
-                </a:solidFill>
-                <a:latin typeface="SimSun" panose="02010600030101010101" pitchFamily="2" charset="-122"/>
-                <a:ea typeface="SimSun" panose="02010600030101010101" pitchFamily="2" charset="-122"/>
-              </a:rPr>
-              <a:t>　</a:t>
+              <a:t>期間　</a:t>
             </a:r>
             <a:r>
               <a:rPr lang="en-US" altLang="ja-JP" sz="2800" dirty="0" smtClean="0">

--- a/成果報告会_発表用スライド_チーム開発演習編集版_1.2.pptx
+++ b/成果報告会_発表用スライド_チーム開発演習編集版_1.2.pptx
@@ -1958,13 +1958,13 @@
         <a:lstStyle/>
         <a:p>
           <a:r>
-            <a:rPr kumimoji="1" lang="ja-JP" altLang="en-US" sz="2400" dirty="0" smtClean="0">
+            <a:rPr kumimoji="1" lang="ja-JP" altLang="en-US" sz="2400" b="1" dirty="0" smtClean="0">
               <a:latin typeface="SimSun" panose="02010600030101010101" pitchFamily="2" charset="-122"/>
               <a:ea typeface="SimSun" panose="02010600030101010101" pitchFamily="2" charset="-122"/>
             </a:rPr>
             <a:t>生産性の向上</a:t>
           </a:r>
-          <a:endParaRPr kumimoji="1" lang="ja-JP" altLang="en-US" sz="2400" dirty="0">
+          <a:endParaRPr kumimoji="1" lang="ja-JP" altLang="en-US" sz="2400" b="1" dirty="0">
             <a:latin typeface="SimSun" panose="02010600030101010101" pitchFamily="2" charset="-122"/>
             <a:ea typeface="SimSun" panose="02010600030101010101" pitchFamily="2" charset="-122"/>
           </a:endParaRPr>
@@ -2001,13 +2001,13 @@
         <a:lstStyle/>
         <a:p>
           <a:r>
-            <a:rPr kumimoji="1" lang="ja-JP" altLang="en-US" sz="2400" dirty="0" smtClean="0">
+            <a:rPr kumimoji="1" lang="ja-JP" altLang="en-US" sz="2400" b="1" dirty="0" smtClean="0">
               <a:latin typeface="SimSun" panose="02010600030101010101" pitchFamily="2" charset="-122"/>
               <a:ea typeface="SimSun" panose="02010600030101010101" pitchFamily="2" charset="-122"/>
             </a:rPr>
             <a:t>知識の蓄え</a:t>
           </a:r>
-          <a:endParaRPr kumimoji="1" lang="ja-JP" altLang="en-US" sz="2400" dirty="0">
+          <a:endParaRPr kumimoji="1" lang="ja-JP" altLang="en-US" sz="2400" b="1" dirty="0">
             <a:latin typeface="SimSun" panose="02010600030101010101" pitchFamily="2" charset="-122"/>
             <a:ea typeface="SimSun" panose="02010600030101010101" pitchFamily="2" charset="-122"/>
           </a:endParaRPr>
@@ -2044,13 +2044,13 @@
         <a:lstStyle/>
         <a:p>
           <a:r>
-            <a:rPr kumimoji="1" lang="ja-JP" altLang="en-US" sz="2400" dirty="0" smtClean="0">
+            <a:rPr kumimoji="1" lang="ja-JP" altLang="en-US" sz="2400" b="1" dirty="0" smtClean="0">
               <a:latin typeface="SimSun" panose="02010600030101010101" pitchFamily="2" charset="-122"/>
               <a:ea typeface="SimSun" panose="02010600030101010101" pitchFamily="2" charset="-122"/>
             </a:rPr>
             <a:t>コミュニケーション能力の向上</a:t>
           </a:r>
-          <a:endParaRPr kumimoji="1" lang="ja-JP" altLang="en-US" sz="2400" dirty="0">
+          <a:endParaRPr kumimoji="1" lang="ja-JP" altLang="en-US" sz="2400" b="1" dirty="0">
             <a:latin typeface="SimSun" panose="02010600030101010101" pitchFamily="2" charset="-122"/>
             <a:ea typeface="SimSun" panose="02010600030101010101" pitchFamily="2" charset="-122"/>
           </a:endParaRPr>
@@ -2087,13 +2087,13 @@
         <a:lstStyle/>
         <a:p>
           <a:r>
-            <a:rPr kumimoji="1" lang="ja-JP" altLang="en-US" sz="2400" dirty="0" smtClean="0">
+            <a:rPr kumimoji="1" lang="ja-JP" altLang="en-US" sz="2400" b="1" dirty="0" smtClean="0">
               <a:latin typeface="SimSun" panose="02010600030101010101" pitchFamily="2" charset="-122"/>
               <a:ea typeface="SimSun" panose="02010600030101010101" pitchFamily="2" charset="-122"/>
             </a:rPr>
             <a:t>社会人の自覚および責任</a:t>
           </a:r>
-          <a:endParaRPr kumimoji="1" lang="ja-JP" altLang="en-US" sz="2400" dirty="0">
+          <a:endParaRPr kumimoji="1" lang="ja-JP" altLang="en-US" sz="2400" b="1" dirty="0">
             <a:latin typeface="SimSun" panose="02010600030101010101" pitchFamily="2" charset="-122"/>
             <a:ea typeface="SimSun" panose="02010600030101010101" pitchFamily="2" charset="-122"/>
           </a:endParaRPr>
@@ -2405,13 +2405,13 @@
         <a:lstStyle/>
         <a:p>
           <a:r>
-            <a:rPr kumimoji="1" lang="ja-JP" altLang="en-US" sz="2800" dirty="0" smtClean="0">
+            <a:rPr kumimoji="1" lang="ja-JP" altLang="en-US" sz="2800" b="1" dirty="0" smtClean="0">
               <a:latin typeface="SimSun" panose="02010600030101010101" pitchFamily="2" charset="-122"/>
               <a:ea typeface="SimSun" panose="02010600030101010101" pitchFamily="2" charset="-122"/>
             </a:rPr>
             <a:t>リーダーシップ　　　をとる</a:t>
           </a:r>
-          <a:endParaRPr kumimoji="1" lang="ja-JP" altLang="en-US" sz="2800" dirty="0">
+          <a:endParaRPr kumimoji="1" lang="ja-JP" altLang="en-US" sz="2800" b="1" dirty="0">
             <a:latin typeface="SimSun" panose="02010600030101010101" pitchFamily="2" charset="-122"/>
             <a:ea typeface="SimSun" panose="02010600030101010101" pitchFamily="2" charset="-122"/>
           </a:endParaRPr>
@@ -2448,13 +2448,13 @@
         <a:lstStyle/>
         <a:p>
           <a:r>
-            <a:rPr kumimoji="1" lang="ja-JP" altLang="en-US" sz="2800" dirty="0" smtClean="0">
+            <a:rPr kumimoji="1" lang="ja-JP" altLang="en-US" sz="2800" b="1" dirty="0" smtClean="0">
               <a:latin typeface="SimSun" panose="02010600030101010101" pitchFamily="2" charset="-122"/>
               <a:ea typeface="SimSun" panose="02010600030101010101" pitchFamily="2" charset="-122"/>
             </a:rPr>
             <a:t>疑問点を残さない</a:t>
           </a:r>
-          <a:endParaRPr kumimoji="1" lang="ja-JP" altLang="en-US" sz="2800" dirty="0">
+          <a:endParaRPr kumimoji="1" lang="ja-JP" altLang="en-US" sz="2800" b="1" dirty="0">
             <a:latin typeface="SimSun" panose="02010600030101010101" pitchFamily="2" charset="-122"/>
             <a:ea typeface="SimSun" panose="02010600030101010101" pitchFamily="2" charset="-122"/>
           </a:endParaRPr>
@@ -2720,13 +2720,13 @@
             </a:spcAft>
           </a:pPr>
           <a:r>
-            <a:rPr kumimoji="1" lang="ja-JP" altLang="en-US" sz="2400" kern="1200" dirty="0" smtClean="0">
+            <a:rPr kumimoji="1" lang="ja-JP" altLang="en-US" sz="2400" b="1" kern="1200" dirty="0" smtClean="0">
               <a:latin typeface="SimSun" panose="02010600030101010101" pitchFamily="2" charset="-122"/>
               <a:ea typeface="SimSun" panose="02010600030101010101" pitchFamily="2" charset="-122"/>
             </a:rPr>
             <a:t>生産性の向上</a:t>
           </a:r>
-          <a:endParaRPr kumimoji="1" lang="ja-JP" altLang="en-US" sz="2400" kern="1200" dirty="0">
+          <a:endParaRPr kumimoji="1" lang="ja-JP" altLang="en-US" sz="2400" b="1" kern="1200" dirty="0">
             <a:latin typeface="SimSun" panose="02010600030101010101" pitchFamily="2" charset="-122"/>
             <a:ea typeface="SimSun" panose="02010600030101010101" pitchFamily="2" charset="-122"/>
           </a:endParaRPr>
@@ -2833,13 +2833,13 @@
             </a:spcAft>
           </a:pPr>
           <a:r>
-            <a:rPr kumimoji="1" lang="ja-JP" altLang="en-US" sz="2400" kern="1200" dirty="0" smtClean="0">
+            <a:rPr kumimoji="1" lang="ja-JP" altLang="en-US" sz="2400" b="1" kern="1200" dirty="0" smtClean="0">
               <a:latin typeface="SimSun" panose="02010600030101010101" pitchFamily="2" charset="-122"/>
               <a:ea typeface="SimSun" panose="02010600030101010101" pitchFamily="2" charset="-122"/>
             </a:rPr>
             <a:t>コミュニケーション能力の向上</a:t>
           </a:r>
-          <a:endParaRPr kumimoji="1" lang="ja-JP" altLang="en-US" sz="2400" kern="1200" dirty="0">
+          <a:endParaRPr kumimoji="1" lang="ja-JP" altLang="en-US" sz="2400" b="1" kern="1200" dirty="0">
             <a:latin typeface="SimSun" panose="02010600030101010101" pitchFamily="2" charset="-122"/>
             <a:ea typeface="SimSun" panose="02010600030101010101" pitchFamily="2" charset="-122"/>
           </a:endParaRPr>
@@ -2958,13 +2958,13 @@
             </a:spcAft>
           </a:pPr>
           <a:r>
-            <a:rPr kumimoji="1" lang="ja-JP" altLang="en-US" sz="2400" kern="1200" dirty="0" smtClean="0">
+            <a:rPr kumimoji="1" lang="ja-JP" altLang="en-US" sz="2400" b="1" kern="1200" dirty="0" smtClean="0">
               <a:latin typeface="SimSun" panose="02010600030101010101" pitchFamily="2" charset="-122"/>
               <a:ea typeface="SimSun" panose="02010600030101010101" pitchFamily="2" charset="-122"/>
             </a:rPr>
             <a:t>社会人の自覚および責任</a:t>
           </a:r>
-          <a:endParaRPr kumimoji="1" lang="ja-JP" altLang="en-US" sz="2400" kern="1200" dirty="0">
+          <a:endParaRPr kumimoji="1" lang="ja-JP" altLang="en-US" sz="2400" b="1" kern="1200" dirty="0">
             <a:latin typeface="SimSun" panose="02010600030101010101" pitchFamily="2" charset="-122"/>
             <a:ea typeface="SimSun" panose="02010600030101010101" pitchFamily="2" charset="-122"/>
           </a:endParaRPr>
@@ -3071,13 +3071,13 @@
             </a:spcAft>
           </a:pPr>
           <a:r>
-            <a:rPr kumimoji="1" lang="ja-JP" altLang="en-US" sz="2400" kern="1200" dirty="0" smtClean="0">
+            <a:rPr kumimoji="1" lang="ja-JP" altLang="en-US" sz="2400" b="1" kern="1200" dirty="0" smtClean="0">
               <a:latin typeface="SimSun" panose="02010600030101010101" pitchFamily="2" charset="-122"/>
               <a:ea typeface="SimSun" panose="02010600030101010101" pitchFamily="2" charset="-122"/>
             </a:rPr>
             <a:t>知識の蓄え</a:t>
           </a:r>
-          <a:endParaRPr kumimoji="1" lang="ja-JP" altLang="en-US" sz="2400" kern="1200" dirty="0">
+          <a:endParaRPr kumimoji="1" lang="ja-JP" altLang="en-US" sz="2400" b="1" kern="1200" dirty="0">
             <a:latin typeface="SimSun" panose="02010600030101010101" pitchFamily="2" charset="-122"/>
             <a:ea typeface="SimSun" panose="02010600030101010101" pitchFamily="2" charset="-122"/>
           </a:endParaRPr>
@@ -3196,13 +3196,13 @@
             </a:spcAft>
           </a:pPr>
           <a:r>
-            <a:rPr kumimoji="1" lang="ja-JP" altLang="en-US" sz="2800" kern="1200" dirty="0" smtClean="0">
+            <a:rPr kumimoji="1" lang="ja-JP" altLang="en-US" sz="2800" b="1" kern="1200" dirty="0" smtClean="0">
               <a:latin typeface="SimSun" panose="02010600030101010101" pitchFamily="2" charset="-122"/>
               <a:ea typeface="SimSun" panose="02010600030101010101" pitchFamily="2" charset="-122"/>
             </a:rPr>
             <a:t>リーダーシップ　　　をとる</a:t>
           </a:r>
-          <a:endParaRPr kumimoji="1" lang="ja-JP" altLang="en-US" sz="2800" kern="1200" dirty="0">
+          <a:endParaRPr kumimoji="1" lang="ja-JP" altLang="en-US" sz="2800" b="1" kern="1200" dirty="0">
             <a:latin typeface="SimSun" panose="02010600030101010101" pitchFamily="2" charset="-122"/>
             <a:ea typeface="SimSun" panose="02010600030101010101" pitchFamily="2" charset="-122"/>
           </a:endParaRPr>
@@ -3309,13 +3309,13 @@
             </a:spcAft>
           </a:pPr>
           <a:r>
-            <a:rPr kumimoji="1" lang="ja-JP" altLang="en-US" sz="2800" kern="1200" dirty="0" smtClean="0">
+            <a:rPr kumimoji="1" lang="ja-JP" altLang="en-US" sz="2800" b="1" kern="1200" dirty="0" smtClean="0">
               <a:latin typeface="SimSun" panose="02010600030101010101" pitchFamily="2" charset="-122"/>
               <a:ea typeface="SimSun" panose="02010600030101010101" pitchFamily="2" charset="-122"/>
             </a:rPr>
             <a:t>疑問点を残さない</a:t>
           </a:r>
-          <a:endParaRPr kumimoji="1" lang="ja-JP" altLang="en-US" sz="2800" kern="1200" dirty="0">
+          <a:endParaRPr kumimoji="1" lang="ja-JP" altLang="en-US" sz="2800" b="1" kern="1200" dirty="0">
             <a:latin typeface="SimSun" panose="02010600030101010101" pitchFamily="2" charset="-122"/>
             <a:ea typeface="SimSun" panose="02010600030101010101" pitchFamily="2" charset="-122"/>
           </a:endParaRPr>
@@ -5936,7 +5936,7 @@
           <p:cNvPr id="2050" name="AutoShape 1">
             <a:extLst>
               <a:ext uri="{FF2B5EF4-FFF2-40B4-BE49-F238E27FC236}">
-                <a16:creationId xmlns="" xmlns:a16="http://schemas.microsoft.com/office/drawing/2014/main" id="{4CA1C0BF-3E1F-4E95-B1F7-321984E950B3}"/>
+                <a16:creationId xmlns:a16="http://schemas.microsoft.com/office/drawing/2014/main" xmlns="" id="{4CA1C0BF-3E1F-4E95-B1F7-321984E950B3}"/>
               </a:ext>
             </a:extLst>
           </p:cNvPr>
@@ -5998,7 +5998,7 @@
           <p:cNvPr id="2051" name="Rectangle 2">
             <a:extLst>
               <a:ext uri="{FF2B5EF4-FFF2-40B4-BE49-F238E27FC236}">
-                <a16:creationId xmlns="" xmlns:a16="http://schemas.microsoft.com/office/drawing/2014/main" id="{626096B8-37E5-41AD-97A5-1A4DC60A3CB5}"/>
+                <a16:creationId xmlns:a16="http://schemas.microsoft.com/office/drawing/2014/main" xmlns="" id="{626096B8-37E5-41AD-97A5-1A4DC60A3CB5}"/>
               </a:ext>
             </a:extLst>
           </p:cNvPr>
@@ -6047,7 +6047,7 @@
           <p:cNvPr id="2" name="Rectangle 3">
             <a:extLst>
               <a:ext uri="{FF2B5EF4-FFF2-40B4-BE49-F238E27FC236}">
-                <a16:creationId xmlns="" xmlns:a16="http://schemas.microsoft.com/office/drawing/2014/main" id="{2E51DC87-DFDB-4861-B627-F122B14714EB}"/>
+                <a16:creationId xmlns:a16="http://schemas.microsoft.com/office/drawing/2014/main" xmlns="" id="{2E51DC87-DFDB-4861-B627-F122B14714EB}"/>
               </a:ext>
             </a:extLst>
           </p:cNvPr>
@@ -6093,7 +6093,7 @@
           <p:cNvPr id="2053" name="Text Box 4">
             <a:extLst>
               <a:ext uri="{FF2B5EF4-FFF2-40B4-BE49-F238E27FC236}">
-                <a16:creationId xmlns="" xmlns:a16="http://schemas.microsoft.com/office/drawing/2014/main" id="{8BF12B2E-B46E-4B6A-80E1-5FAE0273D79B}"/>
+                <a16:creationId xmlns:a16="http://schemas.microsoft.com/office/drawing/2014/main" xmlns="" id="{8BF12B2E-B46E-4B6A-80E1-5FAE0273D79B}"/>
               </a:ext>
             </a:extLst>
           </p:cNvPr>
@@ -6158,7 +6158,7 @@
           <p:cNvPr id="2054" name="Text Box 5">
             <a:extLst>
               <a:ext uri="{FF2B5EF4-FFF2-40B4-BE49-F238E27FC236}">
-                <a16:creationId xmlns="" xmlns:a16="http://schemas.microsoft.com/office/drawing/2014/main" id="{84966F32-36F5-464A-901F-07E843568211}"/>
+                <a16:creationId xmlns:a16="http://schemas.microsoft.com/office/drawing/2014/main" xmlns="" id="{84966F32-36F5-464A-901F-07E843568211}"/>
               </a:ext>
             </a:extLst>
           </p:cNvPr>
@@ -6223,7 +6223,7 @@
           <p:cNvPr id="2055" name="Text Box 6">
             <a:extLst>
               <a:ext uri="{FF2B5EF4-FFF2-40B4-BE49-F238E27FC236}">
-                <a16:creationId xmlns="" xmlns:a16="http://schemas.microsoft.com/office/drawing/2014/main" id="{14A0060E-917F-4571-A5CE-AAE6CC7F6B24}"/>
+                <a16:creationId xmlns:a16="http://schemas.microsoft.com/office/drawing/2014/main" xmlns="" id="{14A0060E-917F-4571-A5CE-AAE6CC7F6B24}"/>
               </a:ext>
             </a:extLst>
           </p:cNvPr>
@@ -6288,7 +6288,7 @@
           <p:cNvPr id="3" name="Rectangle 7">
             <a:extLst>
               <a:ext uri="{FF2B5EF4-FFF2-40B4-BE49-F238E27FC236}">
-                <a16:creationId xmlns="" xmlns:a16="http://schemas.microsoft.com/office/drawing/2014/main" id="{01DA8FD1-3C78-4CE8-949C-E28BD7E2829C}"/>
+                <a16:creationId xmlns:a16="http://schemas.microsoft.com/office/drawing/2014/main" xmlns="" id="{01DA8FD1-3C78-4CE8-949C-E28BD7E2829C}"/>
               </a:ext>
             </a:extLst>
           </p:cNvPr>
@@ -6564,7 +6564,7 @@
           <p:cNvPr id="4098" name="Rectangle 7">
             <a:extLst>
               <a:ext uri="{FF2B5EF4-FFF2-40B4-BE49-F238E27FC236}">
-                <a16:creationId xmlns="" xmlns:a16="http://schemas.microsoft.com/office/drawing/2014/main" id="{A81116CB-21C5-45CC-9B0C-7CBCF86DC535}"/>
+                <a16:creationId xmlns:a16="http://schemas.microsoft.com/office/drawing/2014/main" xmlns="" id="{A81116CB-21C5-45CC-9B0C-7CBCF86DC535}"/>
               </a:ext>
             </a:extLst>
           </p:cNvPr>
@@ -6941,7 +6941,7 @@
           <p:cNvPr id="4099" name="Text Box 1">
             <a:extLst>
               <a:ext uri="{FF2B5EF4-FFF2-40B4-BE49-F238E27FC236}">
-                <a16:creationId xmlns="" xmlns:a16="http://schemas.microsoft.com/office/drawing/2014/main" id="{105CE3D3-1585-43A0-B0D4-49991ACE6733}"/>
+                <a16:creationId xmlns:a16="http://schemas.microsoft.com/office/drawing/2014/main" xmlns="" id="{105CE3D3-1585-43A0-B0D4-49991ACE6733}"/>
               </a:ext>
             </a:extLst>
           </p:cNvPr>
@@ -7336,7 +7336,7 @@
           <p:cNvPr id="4100" name="Rectangle 2">
             <a:extLst>
               <a:ext uri="{FF2B5EF4-FFF2-40B4-BE49-F238E27FC236}">
-                <a16:creationId xmlns="" xmlns:a16="http://schemas.microsoft.com/office/drawing/2014/main" id="{72777617-9ACF-4FFD-9752-27E3624A01C1}"/>
+                <a16:creationId xmlns:a16="http://schemas.microsoft.com/office/drawing/2014/main" xmlns="" id="{72777617-9ACF-4FFD-9752-27E3624A01C1}"/>
               </a:ext>
             </a:extLst>
           </p:cNvPr>
@@ -7370,7 +7370,7 @@
           <p:cNvPr id="4101" name="Rectangle 3">
             <a:extLst>
               <a:ext uri="{FF2B5EF4-FFF2-40B4-BE49-F238E27FC236}">
-                <a16:creationId xmlns="" xmlns:a16="http://schemas.microsoft.com/office/drawing/2014/main" id="{1AD30686-2424-4702-8C06-D4D8FADACFD7}"/>
+                <a16:creationId xmlns:a16="http://schemas.microsoft.com/office/drawing/2014/main" xmlns="" id="{1AD30686-2424-4702-8C06-D4D8FADACFD7}"/>
               </a:ext>
             </a:extLst>
           </p:cNvPr>
@@ -8262,7 +8262,7 @@
           <p:cNvPr id="27650" name="Rectangle 7">
             <a:extLst>
               <a:ext uri="{FF2B5EF4-FFF2-40B4-BE49-F238E27FC236}">
-                <a16:creationId xmlns="" xmlns:a16="http://schemas.microsoft.com/office/drawing/2014/main" id="{0CB659B4-3EED-462D-8F34-6CF8C9203C2C}"/>
+                <a16:creationId xmlns:a16="http://schemas.microsoft.com/office/drawing/2014/main" xmlns="" id="{0CB659B4-3EED-462D-8F34-6CF8C9203C2C}"/>
               </a:ext>
             </a:extLst>
           </p:cNvPr>
@@ -8639,7 +8639,7 @@
           <p:cNvPr id="27651" name="Text Box 1">
             <a:extLst>
               <a:ext uri="{FF2B5EF4-FFF2-40B4-BE49-F238E27FC236}">
-                <a16:creationId xmlns="" xmlns:a16="http://schemas.microsoft.com/office/drawing/2014/main" id="{E7D465D5-5462-4333-81E9-328F35138F1D}"/>
+                <a16:creationId xmlns:a16="http://schemas.microsoft.com/office/drawing/2014/main" xmlns="" id="{E7D465D5-5462-4333-81E9-328F35138F1D}"/>
               </a:ext>
             </a:extLst>
           </p:cNvPr>
@@ -9034,7 +9034,7 @@
           <p:cNvPr id="27652" name="Rectangle 2">
             <a:extLst>
               <a:ext uri="{FF2B5EF4-FFF2-40B4-BE49-F238E27FC236}">
-                <a16:creationId xmlns="" xmlns:a16="http://schemas.microsoft.com/office/drawing/2014/main" id="{53AD14E2-2602-4A68-9C91-10A5A0155A6F}"/>
+                <a16:creationId xmlns:a16="http://schemas.microsoft.com/office/drawing/2014/main" xmlns="" id="{53AD14E2-2602-4A68-9C91-10A5A0155A6F}"/>
               </a:ext>
             </a:extLst>
           </p:cNvPr>
@@ -9068,7 +9068,7 @@
           <p:cNvPr id="27653" name="Rectangle 3">
             <a:extLst>
               <a:ext uri="{FF2B5EF4-FFF2-40B4-BE49-F238E27FC236}">
-                <a16:creationId xmlns="" xmlns:a16="http://schemas.microsoft.com/office/drawing/2014/main" id="{8C1453B3-7BA6-433C-AFD4-E00162F7D23A}"/>
+                <a16:creationId xmlns:a16="http://schemas.microsoft.com/office/drawing/2014/main" xmlns="" id="{8C1453B3-7BA6-433C-AFD4-E00162F7D23A}"/>
               </a:ext>
             </a:extLst>
           </p:cNvPr>
@@ -10050,7 +10050,7 @@
           <p:cNvPr id="6146" name="Rectangle 7">
             <a:extLst>
               <a:ext uri="{FF2B5EF4-FFF2-40B4-BE49-F238E27FC236}">
-                <a16:creationId xmlns="" xmlns:a16="http://schemas.microsoft.com/office/drawing/2014/main" id="{1DDFB747-13F5-4468-A40E-7B4727A4C9F1}"/>
+                <a16:creationId xmlns:a16="http://schemas.microsoft.com/office/drawing/2014/main" xmlns="" id="{1DDFB747-13F5-4468-A40E-7B4727A4C9F1}"/>
               </a:ext>
             </a:extLst>
           </p:cNvPr>
@@ -10427,7 +10427,7 @@
           <p:cNvPr id="6147" name="Text Box 1">
             <a:extLst>
               <a:ext uri="{FF2B5EF4-FFF2-40B4-BE49-F238E27FC236}">
-                <a16:creationId xmlns="" xmlns:a16="http://schemas.microsoft.com/office/drawing/2014/main" id="{4BD13AC9-3BE9-46DB-BAC2-7757716DE1AC}"/>
+                <a16:creationId xmlns:a16="http://schemas.microsoft.com/office/drawing/2014/main" xmlns="" id="{4BD13AC9-3BE9-46DB-BAC2-7757716DE1AC}"/>
               </a:ext>
             </a:extLst>
           </p:cNvPr>
@@ -10822,7 +10822,7 @@
           <p:cNvPr id="6148" name="Rectangle 2">
             <a:extLst>
               <a:ext uri="{FF2B5EF4-FFF2-40B4-BE49-F238E27FC236}">
-                <a16:creationId xmlns="" xmlns:a16="http://schemas.microsoft.com/office/drawing/2014/main" id="{6F20A8AD-F85E-4AC0-B449-7BB1405EE0C0}"/>
+                <a16:creationId xmlns:a16="http://schemas.microsoft.com/office/drawing/2014/main" xmlns="" id="{6F20A8AD-F85E-4AC0-B449-7BB1405EE0C0}"/>
               </a:ext>
             </a:extLst>
           </p:cNvPr>
@@ -10856,7 +10856,7 @@
           <p:cNvPr id="6149" name="Rectangle 3">
             <a:extLst>
               <a:ext uri="{FF2B5EF4-FFF2-40B4-BE49-F238E27FC236}">
-                <a16:creationId xmlns="" xmlns:a16="http://schemas.microsoft.com/office/drawing/2014/main" id="{05F5C49D-B32D-49AB-98A7-EDF91AC812FD}"/>
+                <a16:creationId xmlns:a16="http://schemas.microsoft.com/office/drawing/2014/main" xmlns="" id="{05F5C49D-B32D-49AB-98A7-EDF91AC812FD}"/>
               </a:ext>
             </a:extLst>
           </p:cNvPr>
@@ -10947,7 +10947,7 @@
           <p:cNvPr id="8194" name="Rectangle 7">
             <a:extLst>
               <a:ext uri="{FF2B5EF4-FFF2-40B4-BE49-F238E27FC236}">
-                <a16:creationId xmlns="" xmlns:a16="http://schemas.microsoft.com/office/drawing/2014/main" id="{DCAABFE2-DF32-4988-AEBC-7D4E858359FA}"/>
+                <a16:creationId xmlns:a16="http://schemas.microsoft.com/office/drawing/2014/main" xmlns="" id="{DCAABFE2-DF32-4988-AEBC-7D4E858359FA}"/>
               </a:ext>
             </a:extLst>
           </p:cNvPr>
@@ -11324,7 +11324,7 @@
           <p:cNvPr id="8195" name="Text Box 1">
             <a:extLst>
               <a:ext uri="{FF2B5EF4-FFF2-40B4-BE49-F238E27FC236}">
-                <a16:creationId xmlns="" xmlns:a16="http://schemas.microsoft.com/office/drawing/2014/main" id="{2D92002B-E661-47F4-B918-AFFC54A62558}"/>
+                <a16:creationId xmlns:a16="http://schemas.microsoft.com/office/drawing/2014/main" xmlns="" id="{2D92002B-E661-47F4-B918-AFFC54A62558}"/>
               </a:ext>
             </a:extLst>
           </p:cNvPr>
@@ -11719,7 +11719,7 @@
           <p:cNvPr id="8196" name="Rectangle 2">
             <a:extLst>
               <a:ext uri="{FF2B5EF4-FFF2-40B4-BE49-F238E27FC236}">
-                <a16:creationId xmlns="" xmlns:a16="http://schemas.microsoft.com/office/drawing/2014/main" id="{4FB943EC-DFDF-4A61-9B6A-98A30E0233D7}"/>
+                <a16:creationId xmlns:a16="http://schemas.microsoft.com/office/drawing/2014/main" xmlns="" id="{4FB943EC-DFDF-4A61-9B6A-98A30E0233D7}"/>
               </a:ext>
             </a:extLst>
           </p:cNvPr>
@@ -11753,7 +11753,7 @@
           <p:cNvPr id="8197" name="Rectangle 3">
             <a:extLst>
               <a:ext uri="{FF2B5EF4-FFF2-40B4-BE49-F238E27FC236}">
-                <a16:creationId xmlns="" xmlns:a16="http://schemas.microsoft.com/office/drawing/2014/main" id="{2AB46EE3-62F5-4322-8513-0835281E2F22}"/>
+                <a16:creationId xmlns:a16="http://schemas.microsoft.com/office/drawing/2014/main" xmlns="" id="{2AB46EE3-62F5-4322-8513-0835281E2F22}"/>
               </a:ext>
             </a:extLst>
           </p:cNvPr>
@@ -11844,7 +11844,7 @@
           <p:cNvPr id="8194" name="Rectangle 7">
             <a:extLst>
               <a:ext uri="{FF2B5EF4-FFF2-40B4-BE49-F238E27FC236}">
-                <a16:creationId xmlns="" xmlns:a16="http://schemas.microsoft.com/office/drawing/2014/main" id="{DCAABFE2-DF32-4988-AEBC-7D4E858359FA}"/>
+                <a16:creationId xmlns:a16="http://schemas.microsoft.com/office/drawing/2014/main" xmlns="" id="{DCAABFE2-DF32-4988-AEBC-7D4E858359FA}"/>
               </a:ext>
             </a:extLst>
           </p:cNvPr>
@@ -12221,7 +12221,7 @@
           <p:cNvPr id="8195" name="Text Box 1">
             <a:extLst>
               <a:ext uri="{FF2B5EF4-FFF2-40B4-BE49-F238E27FC236}">
-                <a16:creationId xmlns="" xmlns:a16="http://schemas.microsoft.com/office/drawing/2014/main" id="{2D92002B-E661-47F4-B918-AFFC54A62558}"/>
+                <a16:creationId xmlns:a16="http://schemas.microsoft.com/office/drawing/2014/main" xmlns="" id="{2D92002B-E661-47F4-B918-AFFC54A62558}"/>
               </a:ext>
             </a:extLst>
           </p:cNvPr>
@@ -12616,7 +12616,7 @@
           <p:cNvPr id="8196" name="Rectangle 2">
             <a:extLst>
               <a:ext uri="{FF2B5EF4-FFF2-40B4-BE49-F238E27FC236}">
-                <a16:creationId xmlns="" xmlns:a16="http://schemas.microsoft.com/office/drawing/2014/main" id="{4FB943EC-DFDF-4A61-9B6A-98A30E0233D7}"/>
+                <a16:creationId xmlns:a16="http://schemas.microsoft.com/office/drawing/2014/main" xmlns="" id="{4FB943EC-DFDF-4A61-9B6A-98A30E0233D7}"/>
               </a:ext>
             </a:extLst>
           </p:cNvPr>
@@ -12650,7 +12650,7 @@
           <p:cNvPr id="8197" name="Rectangle 3">
             <a:extLst>
               <a:ext uri="{FF2B5EF4-FFF2-40B4-BE49-F238E27FC236}">
-                <a16:creationId xmlns="" xmlns:a16="http://schemas.microsoft.com/office/drawing/2014/main" id="{2AB46EE3-62F5-4322-8513-0835281E2F22}"/>
+                <a16:creationId xmlns:a16="http://schemas.microsoft.com/office/drawing/2014/main" xmlns="" id="{2AB46EE3-62F5-4322-8513-0835281E2F22}"/>
               </a:ext>
             </a:extLst>
           </p:cNvPr>
@@ -14487,7 +14487,7 @@
           <p:cNvPr id="21506" name="Rectangle 7">
             <a:extLst>
               <a:ext uri="{FF2B5EF4-FFF2-40B4-BE49-F238E27FC236}">
-                <a16:creationId xmlns:a16="http://schemas.microsoft.com/office/drawing/2014/main" xmlns="" id="{7136D086-C290-4FB0-A16E-13EFD4A9352E}"/>
+                <a16:creationId xmlns="" xmlns:a16="http://schemas.microsoft.com/office/drawing/2014/main" id="{7136D086-C290-4FB0-A16E-13EFD4A9352E}"/>
               </a:ext>
             </a:extLst>
           </p:cNvPr>
@@ -14864,7 +14864,7 @@
           <p:cNvPr id="21507" name="Text Box 1">
             <a:extLst>
               <a:ext uri="{FF2B5EF4-FFF2-40B4-BE49-F238E27FC236}">
-                <a16:creationId xmlns:a16="http://schemas.microsoft.com/office/drawing/2014/main" xmlns="" id="{1536FC5C-F72A-4495-A698-B1D269041D4C}"/>
+                <a16:creationId xmlns="" xmlns:a16="http://schemas.microsoft.com/office/drawing/2014/main" id="{1536FC5C-F72A-4495-A698-B1D269041D4C}"/>
               </a:ext>
             </a:extLst>
           </p:cNvPr>
@@ -15259,7 +15259,7 @@
           <p:cNvPr id="21508" name="Rectangle 2">
             <a:extLst>
               <a:ext uri="{FF2B5EF4-FFF2-40B4-BE49-F238E27FC236}">
-                <a16:creationId xmlns:a16="http://schemas.microsoft.com/office/drawing/2014/main" xmlns="" id="{4F16C1FF-8F22-4B4B-B700-D4F327AF2100}"/>
+                <a16:creationId xmlns="" xmlns:a16="http://schemas.microsoft.com/office/drawing/2014/main" id="{4F16C1FF-8F22-4B4B-B700-D4F327AF2100}"/>
               </a:ext>
             </a:extLst>
           </p:cNvPr>
@@ -15293,7 +15293,7 @@
           <p:cNvPr id="21509" name="Rectangle 3">
             <a:extLst>
               <a:ext uri="{FF2B5EF4-FFF2-40B4-BE49-F238E27FC236}">
-                <a16:creationId xmlns:a16="http://schemas.microsoft.com/office/drawing/2014/main" xmlns="" id="{47305A03-22F7-4775-AD46-D48F9C814426}"/>
+                <a16:creationId xmlns="" xmlns:a16="http://schemas.microsoft.com/office/drawing/2014/main" id="{47305A03-22F7-4775-AD46-D48F9C814426}"/>
               </a:ext>
             </a:extLst>
           </p:cNvPr>
@@ -22197,7 +22197,7 @@
           <p:cNvPr id="3075" name="Text Box 2">
             <a:extLst>
               <a:ext uri="{FF2B5EF4-FFF2-40B4-BE49-F238E27FC236}">
-                <a16:creationId xmlns="" xmlns:a16="http://schemas.microsoft.com/office/drawing/2014/main" id="{46767CDD-9BA8-4561-A1EF-6E04BFFFB777}"/>
+                <a16:creationId xmlns:a16="http://schemas.microsoft.com/office/drawing/2014/main" xmlns="" id="{46767CDD-9BA8-4561-A1EF-6E04BFFFB777}"/>
               </a:ext>
             </a:extLst>
           </p:cNvPr>
@@ -22626,7 +22626,7 @@
           <p:cNvPr id="3076" name="Line 4">
             <a:extLst>
               <a:ext uri="{FF2B5EF4-FFF2-40B4-BE49-F238E27FC236}">
-                <a16:creationId xmlns="" xmlns:a16="http://schemas.microsoft.com/office/drawing/2014/main" id="{A1DAE715-FFAA-4BE6-B9B1-5BC60D29E887}"/>
+                <a16:creationId xmlns:a16="http://schemas.microsoft.com/office/drawing/2014/main" xmlns="" id="{A1DAE715-FFAA-4BE6-B9B1-5BC60D29E887}"/>
               </a:ext>
             </a:extLst>
           </p:cNvPr>
@@ -22673,7 +22673,7 @@
           <p:cNvPr id="3078" name="Text Box 6">
             <a:extLst>
               <a:ext uri="{FF2B5EF4-FFF2-40B4-BE49-F238E27FC236}">
-                <a16:creationId xmlns="" xmlns:a16="http://schemas.microsoft.com/office/drawing/2014/main" id="{CAFFB12F-B527-415D-AD56-CF8469816CDC}"/>
+                <a16:creationId xmlns:a16="http://schemas.microsoft.com/office/drawing/2014/main" xmlns="" id="{CAFFB12F-B527-415D-AD56-CF8469816CDC}"/>
               </a:ext>
             </a:extLst>
           </p:cNvPr>
@@ -25269,7 +25269,7 @@
           <p:cNvPr id="20483" name="Text Box 2">
             <a:extLst>
               <a:ext uri="{FF2B5EF4-FFF2-40B4-BE49-F238E27FC236}">
-                <a16:creationId xmlns:a16="http://schemas.microsoft.com/office/drawing/2014/main" xmlns="" id="{651B08D6-55D4-4A3E-AF9B-9727286E4AFC}"/>
+                <a16:creationId xmlns="" xmlns:a16="http://schemas.microsoft.com/office/drawing/2014/main" id="{651B08D6-55D4-4A3E-AF9B-9727286E4AFC}"/>
               </a:ext>
             </a:extLst>
           </p:cNvPr>
@@ -25668,7 +25668,7 @@
           <p:cNvPr id="20484" name="Text Box 3">
             <a:extLst>
               <a:ext uri="{FF2B5EF4-FFF2-40B4-BE49-F238E27FC236}">
-                <a16:creationId xmlns:a16="http://schemas.microsoft.com/office/drawing/2014/main" xmlns="" id="{24B74A06-ABAD-441E-9840-04F644CB8266}"/>
+                <a16:creationId xmlns="" xmlns:a16="http://schemas.microsoft.com/office/drawing/2014/main" id="{24B74A06-ABAD-441E-9840-04F644CB8266}"/>
               </a:ext>
             </a:extLst>
           </p:cNvPr>
@@ -26123,7 +26123,7 @@
           <p:cNvPr id="20485" name="Text Box 4">
             <a:extLst>
               <a:ext uri="{FF2B5EF4-FFF2-40B4-BE49-F238E27FC236}">
-                <a16:creationId xmlns:a16="http://schemas.microsoft.com/office/drawing/2014/main" xmlns="" id="{3B8B6E50-E08A-4EBB-B277-8362848F1600}"/>
+                <a16:creationId xmlns="" xmlns:a16="http://schemas.microsoft.com/office/drawing/2014/main" id="{3B8B6E50-E08A-4EBB-B277-8362848F1600}"/>
               </a:ext>
             </a:extLst>
           </p:cNvPr>
@@ -26552,7 +26552,7 @@
           <p:cNvPr id="20486" name="Text Box 5">
             <a:extLst>
               <a:ext uri="{FF2B5EF4-FFF2-40B4-BE49-F238E27FC236}">
-                <a16:creationId xmlns:a16="http://schemas.microsoft.com/office/drawing/2014/main" xmlns="" id="{BF43DA1A-F5E3-4600-81E5-1EE135236E4E}"/>
+                <a16:creationId xmlns="" xmlns:a16="http://schemas.microsoft.com/office/drawing/2014/main" id="{BF43DA1A-F5E3-4600-81E5-1EE135236E4E}"/>
               </a:ext>
             </a:extLst>
           </p:cNvPr>
@@ -26563,7 +26563,7 @@
         </p:nvSpPr>
         <p:spPr bwMode="auto">
           <a:xfrm>
-            <a:off x="503238" y="1760537"/>
+            <a:off x="516236" y="1949193"/>
             <a:ext cx="8886825" cy="4329113"/>
           </a:xfrm>
           <a:prstGeom prst="rect">
@@ -26922,7 +26922,7 @@
               <a:buChar char="•"/>
             </a:pPr>
             <a:r>
-              <a:rPr lang="ja-JP" altLang="en-US" sz="2800" dirty="0" smtClean="0">
+              <a:rPr lang="ja-JP" altLang="en-US" sz="3200" dirty="0" smtClean="0">
                 <a:solidFill>
                   <a:schemeClr val="tx1"/>
                 </a:solidFill>
@@ -26931,7 +26931,7 @@
               </a:rPr>
               <a:t>苦労した点</a:t>
             </a:r>
-            <a:endParaRPr lang="en-US" altLang="ja-JP" sz="2800" dirty="0" smtClean="0">
+            <a:endParaRPr lang="en-US" altLang="ja-JP" sz="3200" dirty="0" smtClean="0">
               <a:solidFill>
                 <a:schemeClr val="tx1"/>
               </a:solidFill>
@@ -26952,7 +26952,7 @@
               <a:buChar char="•"/>
             </a:pPr>
             <a:r>
-              <a:rPr lang="ja-JP" altLang="en-US" sz="2400" dirty="0" smtClean="0">
+              <a:rPr lang="ja-JP" altLang="en-US" sz="2800" dirty="0" smtClean="0">
                 <a:solidFill>
                   <a:schemeClr val="tx1"/>
                 </a:solidFill>
@@ -26962,7 +26962,7 @@
               <a:t>進捗</a:t>
             </a:r>
             <a:r>
-              <a:rPr lang="ja-JP" altLang="en-US" sz="2400" dirty="0">
+              <a:rPr lang="ja-JP" altLang="en-US" sz="2800" dirty="0">
                 <a:solidFill>
                   <a:schemeClr val="tx1"/>
                 </a:solidFill>
@@ -26972,7 +26972,7 @@
               <a:t>状況</a:t>
             </a:r>
             <a:r>
-              <a:rPr lang="ja-JP" altLang="en-US" sz="2400" dirty="0" smtClean="0">
+              <a:rPr lang="ja-JP" altLang="en-US" sz="2800" dirty="0" smtClean="0">
                 <a:solidFill>
                   <a:schemeClr val="tx1"/>
                 </a:solidFill>
@@ -26981,7 +26981,7 @@
               </a:rPr>
               <a:t>を把握するまでのコミュニケーション</a:t>
             </a:r>
-            <a:endParaRPr lang="en-US" altLang="ja-JP" sz="2400" dirty="0">
+            <a:endParaRPr lang="en-US" altLang="ja-JP" sz="2800" dirty="0">
               <a:solidFill>
                 <a:schemeClr val="tx1"/>
               </a:solidFill>
@@ -27002,7 +27002,7 @@
               <a:buChar char="•"/>
             </a:pPr>
             <a:r>
-              <a:rPr lang="ja-JP" altLang="en-US" sz="2400" dirty="0" smtClean="0">
+              <a:rPr lang="ja-JP" altLang="en-US" sz="2800" dirty="0" smtClean="0">
                 <a:solidFill>
                   <a:schemeClr val="tx1"/>
                 </a:solidFill>
@@ -27011,7 +27011,7 @@
               </a:rPr>
               <a:t>コードの書き方の流れ</a:t>
             </a:r>
-            <a:endParaRPr lang="en-US" altLang="ja-JP" sz="2400" dirty="0" smtClean="0">
+            <a:endParaRPr lang="en-US" altLang="ja-JP" sz="2800" dirty="0" smtClean="0">
               <a:solidFill>
                 <a:schemeClr val="tx1"/>
               </a:solidFill>
@@ -27052,7 +27052,7 @@
               <a:buChar char="•"/>
             </a:pPr>
             <a:r>
-              <a:rPr lang="ja-JP" altLang="en-US" sz="2800" dirty="0" smtClean="0">
+              <a:rPr lang="ja-JP" altLang="en-US" sz="3200" dirty="0" smtClean="0">
                 <a:solidFill>
                   <a:schemeClr val="tx1"/>
                 </a:solidFill>
@@ -27060,6 +27060,36 @@
                 <a:ea typeface="SimSun" panose="02010600030101010101" pitchFamily="2" charset="-122"/>
               </a:rPr>
               <a:t>工夫した点</a:t>
+            </a:r>
+            <a:endParaRPr lang="en-US" altLang="ja-JP" sz="3200" dirty="0">
+              <a:solidFill>
+                <a:schemeClr val="tx1"/>
+              </a:solidFill>
+              <a:latin typeface="SimSun" panose="02010600030101010101" pitchFamily="2" charset="-122"/>
+              <a:ea typeface="SimSun" panose="02010600030101010101" pitchFamily="2" charset="-122"/>
+            </a:endParaRPr>
+          </a:p>
+          <a:p>
+            <a:pPr marL="1028700" lvl="1" eaLnBrk="1">
+              <a:lnSpc>
+                <a:spcPct val="125000"/>
+              </a:lnSpc>
+              <a:buClr>
+                <a:srgbClr val="92D050"/>
+              </a:buClr>
+              <a:buSzPct val="100000"/>
+              <a:buFont typeface="Arial" panose="020B0604020202020204" pitchFamily="34" charset="0"/>
+              <a:buChar char="•"/>
+            </a:pPr>
+            <a:r>
+              <a:rPr lang="ja-JP" altLang="en-US" sz="2800" dirty="0" smtClean="0">
+                <a:solidFill>
+                  <a:schemeClr val="tx1"/>
+                </a:solidFill>
+                <a:latin typeface="SimSun" panose="02010600030101010101" pitchFamily="2" charset="-122"/>
+                <a:ea typeface="SimSun" panose="02010600030101010101" pitchFamily="2" charset="-122"/>
+              </a:rPr>
+              <a:t>チーム全体でサポートをしたこと</a:t>
             </a:r>
             <a:endParaRPr lang="en-US" altLang="ja-JP" sz="2800" dirty="0">
               <a:solidFill>
@@ -27082,46 +27112,16 @@
               <a:buChar char="•"/>
             </a:pPr>
             <a:r>
-              <a:rPr lang="ja-JP" altLang="en-US" sz="2400" dirty="0" smtClean="0">
+              <a:rPr lang="ja-JP" altLang="en-US" sz="2800" dirty="0" smtClean="0">
                 <a:solidFill>
                   <a:schemeClr val="tx1"/>
                 </a:solidFill>
                 <a:latin typeface="SimSun" panose="02010600030101010101" pitchFamily="2" charset="-122"/>
                 <a:ea typeface="SimSun" panose="02010600030101010101" pitchFamily="2" charset="-122"/>
               </a:rPr>
-              <a:t>チーム全体でサポートをしたこと</a:t>
-            </a:r>
-            <a:endParaRPr lang="en-US" altLang="ja-JP" sz="2400" dirty="0">
-              <a:solidFill>
-                <a:schemeClr val="tx1"/>
-              </a:solidFill>
-              <a:latin typeface="SimSun" panose="02010600030101010101" pitchFamily="2" charset="-122"/>
-              <a:ea typeface="SimSun" panose="02010600030101010101" pitchFamily="2" charset="-122"/>
-            </a:endParaRPr>
-          </a:p>
-          <a:p>
-            <a:pPr marL="1028700" lvl="1" eaLnBrk="1">
-              <a:lnSpc>
-                <a:spcPct val="125000"/>
-              </a:lnSpc>
-              <a:buClr>
-                <a:srgbClr val="92D050"/>
-              </a:buClr>
-              <a:buSzPct val="100000"/>
-              <a:buFont typeface="Arial" panose="020B0604020202020204" pitchFamily="34" charset="0"/>
-              <a:buChar char="•"/>
-            </a:pPr>
-            <a:r>
-              <a:rPr lang="ja-JP" altLang="en-US" sz="2400" dirty="0" smtClean="0">
-                <a:solidFill>
-                  <a:schemeClr val="tx1"/>
-                </a:solidFill>
-                <a:latin typeface="SimSun" panose="02010600030101010101" pitchFamily="2" charset="-122"/>
-                <a:ea typeface="SimSun" panose="02010600030101010101" pitchFamily="2" charset="-122"/>
-              </a:rPr>
               <a:t>朝礼と就業締めに全体のミーティング時間を確保したこと</a:t>
             </a:r>
-            <a:endParaRPr lang="en-US" altLang="ja-JP" sz="2400" dirty="0">
+            <a:endParaRPr lang="en-US" altLang="ja-JP" sz="2800" dirty="0">
               <a:solidFill>
                 <a:schemeClr val="tx1"/>
               </a:solidFill>
@@ -27151,7 +27151,7 @@
           <p:cNvPr id="20487" name="Line 7">
             <a:extLst>
               <a:ext uri="{FF2B5EF4-FFF2-40B4-BE49-F238E27FC236}">
-                <a16:creationId xmlns:a16="http://schemas.microsoft.com/office/drawing/2014/main" xmlns="" id="{67F8E4BF-F10C-41C2-8631-31C564B71613}"/>
+                <a16:creationId xmlns="" xmlns:a16="http://schemas.microsoft.com/office/drawing/2014/main" id="{67F8E4BF-F10C-41C2-8631-31C564B71613}"/>
               </a:ext>
             </a:extLst>
           </p:cNvPr>
@@ -27663,7 +27663,7 @@
           </a:p>
           <a:p>
             <a:r>
-              <a:rPr lang="ja-JP" altLang="en-US" sz="2800" dirty="0" smtClean="0">
+              <a:rPr lang="ja-JP" altLang="en-US" sz="2800" b="1" dirty="0" smtClean="0">
                 <a:solidFill>
                   <a:schemeClr val="tx1"/>
                 </a:solidFill>
@@ -27672,7 +27672,7 @@
               </a:rPr>
               <a:t>読めるコードの増加</a:t>
             </a:r>
-            <a:endParaRPr lang="en-US" altLang="ja-JP" sz="2800" dirty="0" smtClean="0">
+            <a:endParaRPr lang="en-US" altLang="ja-JP" sz="2800" b="1" dirty="0" smtClean="0">
               <a:solidFill>
                 <a:schemeClr val="tx1"/>
               </a:solidFill>
@@ -27703,7 +27703,7 @@
           <a:lstStyle/>
           <a:p>
             <a:r>
-              <a:rPr lang="ja-JP" altLang="en-US" sz="2800" dirty="0" smtClean="0">
+              <a:rPr lang="ja-JP" altLang="en-US" sz="2800" b="1" dirty="0" smtClean="0">
                 <a:solidFill>
                   <a:schemeClr val="tx1"/>
                 </a:solidFill>
@@ -27712,7 +27712,7 @@
               </a:rPr>
               <a:t>質問するときのマナー</a:t>
             </a:r>
-            <a:endParaRPr lang="ja-JP" altLang="en-US" sz="2800" dirty="0">
+            <a:endParaRPr lang="ja-JP" altLang="en-US" sz="2800" b="1" dirty="0">
               <a:solidFill>
                 <a:schemeClr val="tx1"/>
               </a:solidFill>
@@ -27777,7 +27777,7 @@
       </p:sp>
       <p:pic>
         <p:nvPicPr>
-          <p:cNvPr id="18" name="図 17"/>
+          <p:cNvPr id="19" name="図 18"/>
           <p:cNvPicPr>
             <a:picLocks noChangeAspect="1"/>
           </p:cNvPicPr>
@@ -27785,36 +27785,6 @@
         </p:nvPicPr>
         <p:blipFill>
           <a:blip r:embed="rId2">
-            <a:extLst>
-              <a:ext uri="{28A0092B-C50C-407E-A947-70E740481C1C}">
-                <a14:useLocalDpi xmlns:a14="http://schemas.microsoft.com/office/drawing/2010/main" val="0"/>
-              </a:ext>
-            </a:extLst>
-          </a:blip>
-          <a:stretch>
-            <a:fillRect/>
-          </a:stretch>
-        </p:blipFill>
-        <p:spPr>
-          <a:xfrm>
-            <a:off x="920179" y="2128589"/>
-            <a:ext cx="2150368" cy="2150368"/>
-          </a:xfrm>
-          <a:prstGeom prst="rect">
-            <a:avLst/>
-          </a:prstGeom>
-        </p:spPr>
-      </p:pic>
-      <p:pic>
-        <p:nvPicPr>
-          <p:cNvPr id="19" name="図 18"/>
-          <p:cNvPicPr>
-            <a:picLocks noChangeAspect="1"/>
-          </p:cNvPicPr>
-          <p:nvPr/>
-        </p:nvPicPr>
-        <p:blipFill>
-          <a:blip r:embed="rId3">
             <a:extLst>
               <a:ext uri="{28A0092B-C50C-407E-A947-70E740481C1C}">
                 <a14:useLocalDpi xmlns:a14="http://schemas.microsoft.com/office/drawing/2010/main" val="0"/>
@@ -27856,7 +27826,7 @@
           <a:lstStyle/>
           <a:p>
             <a:r>
-              <a:rPr lang="ja-JP" altLang="en-US" sz="2800" dirty="0" smtClean="0">
+              <a:rPr lang="ja-JP" altLang="en-US" sz="2800" b="1" dirty="0" smtClean="0">
                 <a:solidFill>
                   <a:schemeClr val="tx1"/>
                 </a:solidFill>
@@ -27865,7 +27835,7 @@
               </a:rPr>
               <a:t>コミュニケーションの大切さ</a:t>
             </a:r>
-            <a:endParaRPr lang="ja-JP" altLang="en-US" sz="2800" dirty="0">
+            <a:endParaRPr lang="ja-JP" altLang="en-US" sz="2800" b="1" dirty="0">
               <a:solidFill>
                 <a:schemeClr val="tx1"/>
               </a:solidFill>
@@ -27884,7 +27854,7 @@
           <p:nvPr/>
         </p:nvPicPr>
         <p:blipFill>
-          <a:blip r:embed="rId4">
+          <a:blip r:embed="rId3">
             <a:extLst>
               <a:ext uri="{28A0092B-C50C-407E-A947-70E740481C1C}">
                 <a14:useLocalDpi xmlns:a14="http://schemas.microsoft.com/office/drawing/2010/main" val="0"/>
@@ -27914,7 +27884,7 @@
           <p:nvPr/>
         </p:nvPicPr>
         <p:blipFill>
-          <a:blip r:embed="rId5" cstate="print">
+          <a:blip r:embed="rId4" cstate="print">
             <a:extLst>
               <a:ext uri="{28A0092B-C50C-407E-A947-70E740481C1C}">
                 <a14:useLocalDpi xmlns:a14="http://schemas.microsoft.com/office/drawing/2010/main" val="0"/>
@@ -27969,6 +27939,36 @@
           <a:fontRef idx="minor"/>
         </p:style>
       </p:sp>
+      <p:pic>
+        <p:nvPicPr>
+          <p:cNvPr id="2" name="図 1"/>
+          <p:cNvPicPr>
+            <a:picLocks noChangeAspect="1"/>
+          </p:cNvPicPr>
+          <p:nvPr/>
+        </p:nvPicPr>
+        <p:blipFill>
+          <a:blip r:embed="rId5">
+            <a:extLst>
+              <a:ext uri="{28A0092B-C50C-407E-A947-70E740481C1C}">
+                <a14:useLocalDpi xmlns:a14="http://schemas.microsoft.com/office/drawing/2010/main" val="0"/>
+              </a:ext>
+            </a:extLst>
+          </a:blip>
+          <a:stretch>
+            <a:fillRect/>
+          </a:stretch>
+        </p:blipFill>
+        <p:spPr>
+          <a:xfrm>
+            <a:off x="801146" y="2097071"/>
+            <a:ext cx="2357530" cy="2357530"/>
+          </a:xfrm>
+          <a:prstGeom prst="rect">
+            <a:avLst/>
+          </a:prstGeom>
+        </p:spPr>
+      </p:pic>
     </p:spTree>
     <p:extLst>
       <p:ext uri="{BB962C8B-B14F-4D97-AF65-F5344CB8AC3E}">
@@ -28059,7 +28059,7 @@
         </p:nvSpPr>
         <p:spPr>
           <a:xfrm>
-            <a:off x="567036" y="4841005"/>
+            <a:off x="598701" y="4645346"/>
             <a:ext cx="3964227" cy="635222"/>
           </a:xfrm>
         </p:spPr>
@@ -28068,7 +28068,7 @@
           <a:lstStyle/>
           <a:p>
             <a:r>
-              <a:rPr kumimoji="1" lang="ja-JP" altLang="en-US" dirty="0" smtClean="0">
+              <a:rPr kumimoji="1" lang="ja-JP" altLang="en-US" sz="2800" b="1" dirty="0" smtClean="0">
                 <a:solidFill>
                   <a:schemeClr val="tx1"/>
                 </a:solidFill>
@@ -28077,7 +28077,7 @@
               </a:rPr>
               <a:t>一人でコードを書けるようになる</a:t>
             </a:r>
-            <a:endParaRPr kumimoji="1" lang="en-US" altLang="ja-JP" dirty="0" smtClean="0">
+            <a:endParaRPr kumimoji="1" lang="en-US" altLang="ja-JP" sz="2800" b="1" dirty="0" smtClean="0">
               <a:solidFill>
                 <a:schemeClr val="tx1"/>
               </a:solidFill>
@@ -28108,7 +28108,7 @@
           <a:lstStyle/>
           <a:p>
             <a:r>
-              <a:rPr kumimoji="1" lang="ja-JP" altLang="en-US" dirty="0" smtClean="0">
+              <a:rPr kumimoji="1" lang="ja-JP" altLang="en-US" sz="2800" b="1" dirty="0" smtClean="0">
                 <a:solidFill>
                   <a:schemeClr val="tx1"/>
                 </a:solidFill>
@@ -28117,7 +28117,7 @@
               </a:rPr>
               <a:t>検索力を向上させる</a:t>
             </a:r>
-            <a:endParaRPr kumimoji="1" lang="en-US" altLang="ja-JP" dirty="0" smtClean="0">
+            <a:endParaRPr kumimoji="1" lang="en-US" altLang="ja-JP" sz="2800" b="1" dirty="0" smtClean="0">
               <a:solidFill>
                 <a:schemeClr val="tx1"/>
               </a:solidFill>
@@ -28232,7 +28232,7 @@
         </p:blipFill>
         <p:spPr>
           <a:xfrm>
-            <a:off x="5565945" y="2241156"/>
+            <a:off x="5565945" y="2199409"/>
             <a:ext cx="2045492" cy="2045492"/>
           </a:xfrm>
           <a:prstGeom prst="rect">
@@ -28640,7 +28640,27 @@
                 <a:latin typeface="メイリオ" panose="020B0604030504040204" pitchFamily="50" charset="-128"/>
                 <a:ea typeface="メイリオ" panose="020B0604030504040204" pitchFamily="50" charset="-128"/>
               </a:rPr>
-              <a:t>成長したこと</a:t>
+              <a:t>成長</a:t>
+            </a:r>
+            <a:r>
+              <a:rPr lang="ja-JP" altLang="en-US" sz="3600" b="1" dirty="0" smtClean="0">
+                <a:solidFill>
+                  <a:srgbClr val="000000"/>
+                </a:solidFill>
+                <a:latin typeface="メイリオ" panose="020B0604030504040204" pitchFamily="50" charset="-128"/>
+                <a:ea typeface="メイリオ" panose="020B0604030504040204" pitchFamily="50" charset="-128"/>
+              </a:rPr>
+              <a:t>した</a:t>
+            </a:r>
+            <a:r>
+              <a:rPr lang="ja-JP" altLang="en-US" sz="3600" b="1" dirty="0">
+                <a:solidFill>
+                  <a:srgbClr val="000000"/>
+                </a:solidFill>
+                <a:latin typeface="メイリオ" panose="020B0604030504040204" pitchFamily="50" charset="-128"/>
+                <a:ea typeface="メイリオ" panose="020B0604030504040204" pitchFamily="50" charset="-128"/>
+              </a:rPr>
+              <a:t>点</a:t>
             </a:r>
             <a:endParaRPr kumimoji="1" lang="ja-JP" altLang="en-US" sz="3600" dirty="0"/>
           </a:p>
@@ -28751,7 +28771,7 @@
           <a:lstStyle/>
           <a:p>
             <a:r>
-              <a:rPr kumimoji="1" lang="ja-JP" altLang="en-US" sz="2400" dirty="0" smtClean="0">
+              <a:rPr kumimoji="1" lang="ja-JP" altLang="en-US" sz="2400" b="1" dirty="0" smtClean="0">
                 <a:solidFill>
                   <a:schemeClr val="tx1"/>
                 </a:solidFill>
@@ -28760,7 +28780,7 @@
               </a:rPr>
               <a:t>コードの読み書きができるようになった</a:t>
             </a:r>
-            <a:endParaRPr kumimoji="1" lang="ja-JP" altLang="en-US" sz="2400" dirty="0">
+            <a:endParaRPr kumimoji="1" lang="ja-JP" altLang="en-US" sz="2400" b="1" dirty="0">
               <a:solidFill>
                 <a:schemeClr val="tx1"/>
               </a:solidFill>
@@ -28853,7 +28873,7 @@
           <a:lstStyle/>
           <a:p>
             <a:r>
-              <a:rPr kumimoji="1" lang="ja-JP" altLang="en-US" sz="2400" dirty="0" smtClean="0">
+              <a:rPr kumimoji="1" lang="ja-JP" altLang="en-US" sz="2400" b="1" dirty="0" smtClean="0">
                 <a:solidFill>
                   <a:schemeClr val="tx1"/>
                 </a:solidFill>
@@ -28862,7 +28882,7 @@
               </a:rPr>
               <a:t>疑問はその日のうちに解決した</a:t>
             </a:r>
-            <a:endParaRPr kumimoji="1" lang="ja-JP" altLang="en-US" sz="2400" dirty="0">
+            <a:endParaRPr kumimoji="1" lang="ja-JP" altLang="en-US" sz="2400" b="1" dirty="0">
               <a:solidFill>
                 <a:schemeClr val="tx1"/>
               </a:solidFill>
@@ -28895,7 +28915,7 @@
           <a:lstStyle/>
           <a:p>
             <a:r>
-              <a:rPr kumimoji="1" lang="ja-JP" altLang="en-US" sz="2400" dirty="0" smtClean="0">
+              <a:rPr kumimoji="1" lang="ja-JP" altLang="en-US" sz="2400" b="1" dirty="0" smtClean="0">
                 <a:solidFill>
                   <a:schemeClr val="tx1"/>
                 </a:solidFill>
@@ -28904,7 +28924,7 @@
               </a:rPr>
               <a:t>仲間の大切さに気付けた</a:t>
             </a:r>
-            <a:endParaRPr kumimoji="1" lang="ja-JP" altLang="en-US" sz="2400" dirty="0">
+            <a:endParaRPr kumimoji="1" lang="ja-JP" altLang="en-US" sz="2400" b="1" dirty="0">
               <a:solidFill>
                 <a:schemeClr val="tx1"/>
               </a:solidFill>
@@ -29135,9 +29155,19 @@
                 <a:latin typeface="SimSun" panose="02010600030101010101" pitchFamily="2" charset="-122"/>
                 <a:ea typeface="SimSun" panose="02010600030101010101" pitchFamily="2" charset="-122"/>
               </a:rPr>
-              <a:t>・複雑なコードの理解</a:t>
-            </a:r>
-            <a:endParaRPr kumimoji="1" lang="en-US" altLang="ja-JP" sz="2400" dirty="0" smtClean="0">
+              <a:t>・</a:t>
+            </a:r>
+            <a:r>
+              <a:rPr kumimoji="1" lang="ja-JP" altLang="en-US" sz="2400" b="1" dirty="0" smtClean="0">
+                <a:solidFill>
+                  <a:schemeClr val="tx1"/>
+                </a:solidFill>
+                <a:latin typeface="SimSun" panose="02010600030101010101" pitchFamily="2" charset="-122"/>
+                <a:ea typeface="SimSun" panose="02010600030101010101" pitchFamily="2" charset="-122"/>
+              </a:rPr>
+              <a:t>複雑なコードの理解</a:t>
+            </a:r>
+            <a:endParaRPr kumimoji="1" lang="en-US" altLang="ja-JP" sz="2400" b="1" dirty="0" smtClean="0">
               <a:solidFill>
                 <a:schemeClr val="tx1"/>
               </a:solidFill>
@@ -29146,7 +29176,7 @@
             </a:endParaRPr>
           </a:p>
           <a:p>
-            <a:endParaRPr kumimoji="1" lang="en-US" altLang="ja-JP" sz="2400" dirty="0">
+            <a:endParaRPr kumimoji="1" lang="en-US" altLang="ja-JP" sz="2400" b="1" dirty="0">
               <a:solidFill>
                 <a:schemeClr val="tx1"/>
               </a:solidFill>
@@ -29156,7 +29186,7 @@
           </a:p>
           <a:p>
             <a:r>
-              <a:rPr kumimoji="1" lang="ja-JP" altLang="en-US" sz="2400" dirty="0" smtClean="0">
+              <a:rPr kumimoji="1" lang="ja-JP" altLang="en-US" sz="2400" b="1" dirty="0" smtClean="0">
                 <a:solidFill>
                   <a:schemeClr val="tx1"/>
                 </a:solidFill>
@@ -29165,7 +29195,7 @@
               </a:rPr>
               <a:t>・エラーへの対処</a:t>
             </a:r>
-            <a:endParaRPr kumimoji="1" lang="ja-JP" altLang="en-US" sz="2400" dirty="0">
+            <a:endParaRPr kumimoji="1" lang="ja-JP" altLang="en-US" sz="2400" b="1" dirty="0">
               <a:solidFill>
                 <a:schemeClr val="tx1"/>
               </a:solidFill>
@@ -29228,7 +29258,7 @@
           <a:lstStyle/>
           <a:p>
             <a:r>
-              <a:rPr kumimoji="1" lang="ja-JP" altLang="en-US" sz="2400" dirty="0">
+              <a:rPr kumimoji="1" lang="ja-JP" altLang="en-US" sz="2400" b="1" dirty="0">
                 <a:solidFill>
                   <a:schemeClr val="tx1"/>
                 </a:solidFill>
@@ -29238,7 +29268,7 @@
               <a:t>・</a:t>
             </a:r>
             <a:r>
-              <a:rPr kumimoji="1" lang="ja-JP" altLang="en-US" sz="2400" dirty="0" smtClean="0">
+              <a:rPr kumimoji="1" lang="ja-JP" altLang="en-US" sz="2400" b="1" dirty="0" smtClean="0">
                 <a:solidFill>
                   <a:schemeClr val="tx1"/>
                 </a:solidFill>
@@ -29247,7 +29277,7 @@
               </a:rPr>
               <a:t>新しい知識にもっと貪欲になる</a:t>
             </a:r>
-            <a:endParaRPr kumimoji="1" lang="en-US" altLang="ja-JP" sz="2400" dirty="0" smtClean="0">
+            <a:endParaRPr kumimoji="1" lang="en-US" altLang="ja-JP" sz="2400" b="1" dirty="0" smtClean="0">
               <a:solidFill>
                 <a:schemeClr val="tx1"/>
               </a:solidFill>
@@ -29256,7 +29286,7 @@
             </a:endParaRPr>
           </a:p>
           <a:p>
-            <a:endParaRPr kumimoji="1" lang="en-US" altLang="ja-JP" sz="2400" dirty="0">
+            <a:endParaRPr kumimoji="1" lang="en-US" altLang="ja-JP" sz="2400" b="1" dirty="0">
               <a:solidFill>
                 <a:schemeClr val="tx1"/>
               </a:solidFill>
@@ -29266,7 +29296,7 @@
           </a:p>
           <a:p>
             <a:r>
-              <a:rPr kumimoji="1" lang="ja-JP" altLang="en-US" sz="2400" dirty="0" smtClean="0">
+              <a:rPr kumimoji="1" lang="ja-JP" altLang="en-US" sz="2400" b="1" dirty="0" smtClean="0">
                 <a:solidFill>
                   <a:schemeClr val="tx1"/>
                 </a:solidFill>
@@ -29275,7 +29305,7 @@
               </a:rPr>
               <a:t>・わからないことを明確に</a:t>
             </a:r>
-            <a:endParaRPr kumimoji="1" lang="en-US" altLang="ja-JP" sz="2400" dirty="0" smtClean="0">
+            <a:endParaRPr kumimoji="1" lang="en-US" altLang="ja-JP" sz="2400" b="1" dirty="0" smtClean="0">
               <a:solidFill>
                 <a:schemeClr val="tx1"/>
               </a:solidFill>
@@ -29701,7 +29731,7 @@
         </p:blipFill>
         <p:spPr bwMode="auto">
           <a:xfrm>
-            <a:off x="5856047" y="3265990"/>
+            <a:off x="5822776" y="1826405"/>
             <a:ext cx="2496633" cy="2724642"/>
           </a:xfrm>
           <a:prstGeom prst="rect">
@@ -29769,22 +29799,37 @@
             <p:ph type="body" idx="1"/>
           </p:nvPr>
         </p:nvSpPr>
-        <p:spPr/>
+        <p:spPr>
+          <a:xfrm>
+            <a:off x="577550" y="4649932"/>
+            <a:ext cx="3959178" cy="749567"/>
+          </a:xfrm>
+        </p:spPr>
         <p:txBody>
           <a:bodyPr/>
           <a:lstStyle/>
           <a:p>
             <a:r>
-              <a:rPr lang="ja-JP" altLang="en-US" sz="2800" dirty="0">
+              <a:rPr lang="ja-JP" altLang="en-US" sz="2800" b="1" dirty="0">
                 <a:solidFill>
                   <a:schemeClr val="tx1"/>
                 </a:solidFill>
                 <a:latin typeface="SimSun" panose="02010600030101010101" pitchFamily="2" charset="-122"/>
                 <a:ea typeface="SimSun" panose="02010600030101010101" pitchFamily="2" charset="-122"/>
               </a:rPr>
-              <a:t>恥ずかしがらず聞けるようになった。</a:t>
-            </a:r>
-            <a:endParaRPr kumimoji="1" lang="ja-JP" altLang="en-US" sz="2800" dirty="0">
+              <a:t>恥ずかしがらず聞けるように</a:t>
+            </a:r>
+            <a:r>
+              <a:rPr lang="ja-JP" altLang="en-US" sz="2800" b="1" dirty="0" smtClean="0">
+                <a:solidFill>
+                  <a:schemeClr val="tx1"/>
+                </a:solidFill>
+                <a:latin typeface="SimSun" panose="02010600030101010101" pitchFamily="2" charset="-122"/>
+                <a:ea typeface="SimSun" panose="02010600030101010101" pitchFamily="2" charset="-122"/>
+              </a:rPr>
+              <a:t>なった</a:t>
+            </a:r>
+            <a:endParaRPr kumimoji="1" lang="ja-JP" altLang="en-US" sz="2800" b="1" dirty="0">
               <a:latin typeface="SimSun" panose="02010600030101010101" pitchFamily="2" charset="-122"/>
               <a:ea typeface="SimSun" panose="02010600030101010101" pitchFamily="2" charset="-122"/>
             </a:endParaRPr>
@@ -29815,7 +29860,7 @@
         </p:blipFill>
         <p:spPr>
           <a:xfrm>
-            <a:off x="1451769" y="3320256"/>
+            <a:off x="1337939" y="1726180"/>
             <a:ext cx="2438400" cy="2438400"/>
           </a:xfrm>
           <a:prstGeom prst="rect">
@@ -29833,22 +29878,37 @@
             <p:ph type="body" sz="quarter" idx="3"/>
           </p:nvPr>
         </p:nvSpPr>
-        <p:spPr/>
+        <p:spPr>
+          <a:xfrm>
+            <a:off x="5088556" y="4628311"/>
+            <a:ext cx="3965080" cy="749567"/>
+          </a:xfrm>
+        </p:spPr>
         <p:txBody>
           <a:bodyPr/>
           <a:lstStyle/>
           <a:p>
             <a:r>
-              <a:rPr lang="ja-JP" altLang="en-US" sz="2800" dirty="0">
+              <a:rPr lang="ja-JP" altLang="en-US" sz="2800" b="1" dirty="0">
                 <a:solidFill>
                   <a:schemeClr val="tx1"/>
                 </a:solidFill>
                 <a:latin typeface="SimSun" panose="02010600030101010101" pitchFamily="2" charset="-122"/>
                 <a:ea typeface="SimSun" panose="02010600030101010101" pitchFamily="2" charset="-122"/>
               </a:rPr>
-              <a:t>コードを読めるようになった。</a:t>
-            </a:r>
-            <a:endParaRPr kumimoji="1" lang="ja-JP" altLang="en-US" sz="2800" dirty="0">
+              <a:t>コードを読めるように</a:t>
+            </a:r>
+            <a:r>
+              <a:rPr lang="ja-JP" altLang="en-US" sz="2800" b="1" dirty="0" smtClean="0">
+                <a:solidFill>
+                  <a:schemeClr val="tx1"/>
+                </a:solidFill>
+                <a:latin typeface="SimSun" panose="02010600030101010101" pitchFamily="2" charset="-122"/>
+                <a:ea typeface="SimSun" panose="02010600030101010101" pitchFamily="2" charset="-122"/>
+              </a:rPr>
+              <a:t>なった</a:t>
+            </a:r>
+            <a:endParaRPr kumimoji="1" lang="ja-JP" altLang="en-US" sz="2800" b="1" dirty="0">
               <a:latin typeface="SimSun" panose="02010600030101010101" pitchFamily="2" charset="-122"/>
               <a:ea typeface="SimSun" panose="02010600030101010101" pitchFamily="2" charset="-122"/>
             </a:endParaRPr>
@@ -29924,7 +29984,7 @@
         </p:blipFill>
         <p:spPr bwMode="auto">
           <a:xfrm>
-            <a:off x="6480472" y="3622941"/>
+            <a:off x="6396318" y="2183815"/>
             <a:ext cx="1349551" cy="1349551"/>
           </a:xfrm>
           <a:prstGeom prst="rect">
@@ -30101,7 +30161,7 @@
           <p:cNvPr id="5123" name="Text Box 2">
             <a:extLst>
               <a:ext uri="{FF2B5EF4-FFF2-40B4-BE49-F238E27FC236}">
-                <a16:creationId xmlns="" xmlns:a16="http://schemas.microsoft.com/office/drawing/2014/main" id="{B0631F43-305F-476B-8729-D9BCCD18F597}"/>
+                <a16:creationId xmlns:a16="http://schemas.microsoft.com/office/drawing/2014/main" xmlns="" id="{B0631F43-305F-476B-8729-D9BCCD18F597}"/>
               </a:ext>
             </a:extLst>
           </p:cNvPr>
@@ -30500,7 +30560,7 @@
           <p:cNvPr id="5124" name="Line 4">
             <a:extLst>
               <a:ext uri="{FF2B5EF4-FFF2-40B4-BE49-F238E27FC236}">
-                <a16:creationId xmlns="" xmlns:a16="http://schemas.microsoft.com/office/drawing/2014/main" id="{6C337AA1-BBAF-4D17-8765-494A7BC5F80D}"/>
+                <a16:creationId xmlns:a16="http://schemas.microsoft.com/office/drawing/2014/main" xmlns="" id="{6C337AA1-BBAF-4D17-8765-494A7BC5F80D}"/>
               </a:ext>
             </a:extLst>
           </p:cNvPr>
@@ -30547,7 +30607,7 @@
           <p:cNvPr id="5126" name="Text Box 6">
             <a:extLst>
               <a:ext uri="{FF2B5EF4-FFF2-40B4-BE49-F238E27FC236}">
-                <a16:creationId xmlns="" xmlns:a16="http://schemas.microsoft.com/office/drawing/2014/main" id="{E289A0E4-3DF5-4912-BE80-E2449558E136}"/>
+                <a16:creationId xmlns:a16="http://schemas.microsoft.com/office/drawing/2014/main" xmlns="" id="{E289A0E4-3DF5-4912-BE80-E2449558E136}"/>
               </a:ext>
             </a:extLst>
           </p:cNvPr>
@@ -31193,7 +31253,7 @@
         </p:spPr>
         <p:txBody>
           <a:bodyPr>
-            <a:normAutofit/>
+            <a:normAutofit lnSpcReduction="10000"/>
           </a:bodyPr>
           <a:lstStyle/>
           <a:p>
@@ -31260,27 +31320,34 @@
               <a:buNone/>
             </a:pPr>
             <a:r>
-              <a:rPr lang="ja-JP" altLang="en-US" sz="2400" dirty="0" smtClean="0">
+              <a:rPr lang="ja-JP" altLang="en-US" sz="2800" b="1" dirty="0" smtClean="0">
                 <a:latin typeface="SimSun" panose="02010600030101010101" pitchFamily="2" charset="-122"/>
                 <a:ea typeface="SimSun" panose="02010600030101010101" pitchFamily="2" charset="-122"/>
               </a:rPr>
               <a:t>１人でコード</a:t>
             </a:r>
             <a:r>
-              <a:rPr lang="ja-JP" altLang="en-US" sz="2400" dirty="0">
+              <a:rPr lang="ja-JP" altLang="en-US" sz="2800" b="1" dirty="0">
                 <a:latin typeface="SimSun" panose="02010600030101010101" pitchFamily="2" charset="-122"/>
                 <a:ea typeface="SimSun" panose="02010600030101010101" pitchFamily="2" charset="-122"/>
               </a:rPr>
               <a:t>をかけるように</a:t>
             </a:r>
             <a:r>
-              <a:rPr lang="ja-JP" altLang="en-US" sz="2400" dirty="0" smtClean="0">
+              <a:rPr lang="ja-JP" altLang="en-US" sz="2800" b="1" dirty="0" smtClean="0">
                 <a:latin typeface="SimSun" panose="02010600030101010101" pitchFamily="2" charset="-122"/>
                 <a:ea typeface="SimSun" panose="02010600030101010101" pitchFamily="2" charset="-122"/>
               </a:rPr>
-              <a:t>なる。　</a:t>
-            </a:r>
-            <a:endParaRPr lang="en-US" altLang="ja-JP" sz="2400" dirty="0">
+              <a:t>なる</a:t>
+            </a:r>
+            <a:r>
+              <a:rPr lang="ja-JP" altLang="en-US" sz="2800" dirty="0" smtClean="0">
+                <a:latin typeface="SimSun" panose="02010600030101010101" pitchFamily="2" charset="-122"/>
+                <a:ea typeface="SimSun" panose="02010600030101010101" pitchFamily="2" charset="-122"/>
+              </a:rPr>
+              <a:t>　</a:t>
+            </a:r>
+            <a:endParaRPr lang="en-US" altLang="ja-JP" sz="2800" dirty="0">
               <a:latin typeface="SimSun" panose="02010600030101010101" pitchFamily="2" charset="-122"/>
               <a:ea typeface="SimSun" panose="02010600030101010101" pitchFamily="2" charset="-122"/>
             </a:endParaRPr>
@@ -31304,7 +31371,9 @@
           </a:xfrm>
         </p:spPr>
         <p:txBody>
-          <a:bodyPr/>
+          <a:bodyPr>
+            <a:normAutofit lnSpcReduction="10000"/>
+          </a:bodyPr>
           <a:lstStyle/>
           <a:p>
             <a:pPr marL="0" indent="0">
@@ -31354,34 +31423,34 @@
               <a:buNone/>
             </a:pPr>
             <a:r>
-              <a:rPr lang="ja-JP" altLang="en-US" sz="2400" dirty="0" smtClean="0">
+              <a:rPr lang="ja-JP" altLang="en-US" sz="2800" b="1" dirty="0" smtClean="0">
                 <a:latin typeface="SimSun" panose="02010600030101010101" pitchFamily="2" charset="-122"/>
                 <a:ea typeface="SimSun" panose="02010600030101010101" pitchFamily="2" charset="-122"/>
               </a:rPr>
               <a:t>テキスト</a:t>
             </a:r>
             <a:r>
-              <a:rPr lang="ja-JP" altLang="en-US" sz="2400" dirty="0">
+              <a:rPr lang="ja-JP" altLang="en-US" sz="2800" b="1" dirty="0">
                 <a:latin typeface="SimSun" panose="02010600030101010101" pitchFamily="2" charset="-122"/>
                 <a:ea typeface="SimSun" panose="02010600030101010101" pitchFamily="2" charset="-122"/>
               </a:rPr>
               <a:t>、コード等を</a:t>
             </a:r>
             <a:r>
-              <a:rPr lang="ja-JP" altLang="en-US" sz="2400" dirty="0" smtClean="0">
+              <a:rPr lang="ja-JP" altLang="en-US" sz="2800" b="1" dirty="0" smtClean="0">
                 <a:latin typeface="SimSun" panose="02010600030101010101" pitchFamily="2" charset="-122"/>
                 <a:ea typeface="SimSun" panose="02010600030101010101" pitchFamily="2" charset="-122"/>
               </a:rPr>
               <a:t>読み、</a:t>
             </a:r>
             <a:r>
-              <a:rPr lang="ja-JP" altLang="en-US" sz="2400" dirty="0">
+              <a:rPr lang="ja-JP" altLang="en-US" sz="2800" b="1" dirty="0">
                 <a:latin typeface="SimSun" panose="02010600030101010101" pitchFamily="2" charset="-122"/>
                 <a:ea typeface="SimSun" panose="02010600030101010101" pitchFamily="2" charset="-122"/>
               </a:rPr>
               <a:t>自己学習</a:t>
             </a:r>
-            <a:endParaRPr lang="en-US" altLang="ja-JP" sz="2400" dirty="0">
+            <a:endParaRPr lang="en-US" altLang="ja-JP" sz="2800" b="1" dirty="0">
               <a:latin typeface="SimSun" panose="02010600030101010101" pitchFamily="2" charset="-122"/>
               <a:ea typeface="SimSun" panose="02010600030101010101" pitchFamily="2" charset="-122"/>
             </a:endParaRPr>
@@ -31447,7 +31516,7 @@
         </p:blipFill>
         <p:spPr bwMode="auto">
           <a:xfrm>
-            <a:off x="5904408" y="2579911"/>
+            <a:off x="5884941" y="2557858"/>
             <a:ext cx="2232248" cy="2232248"/>
           </a:xfrm>
           <a:prstGeom prst="rect">
@@ -32066,7 +32135,7 @@
           <a:p>
             <a:pPr lvl="0" algn="ctr"/>
             <a:r>
-              <a:rPr lang="ja-JP" altLang="en-US" sz="2400" dirty="0">
+              <a:rPr lang="ja-JP" altLang="en-US" sz="2400" b="1" dirty="0">
                 <a:solidFill>
                   <a:schemeClr val="tx1"/>
                 </a:solidFill>
@@ -32075,7 +32144,7 @@
               </a:rPr>
               <a:t>抵抗なく質問できるようになった</a:t>
             </a:r>
-            <a:endParaRPr kumimoji="1" lang="ja-JP" altLang="en-US" sz="2400" dirty="0">
+            <a:endParaRPr kumimoji="1" lang="ja-JP" altLang="en-US" sz="2400" b="1" dirty="0">
               <a:solidFill>
                 <a:schemeClr val="tx1"/>
               </a:solidFill>
@@ -32109,7 +32178,7 @@
           <a:p>
             <a:pPr lvl="0" algn="ctr"/>
             <a:r>
-              <a:rPr lang="ja-JP" altLang="en-US" sz="2400" dirty="0">
+              <a:rPr lang="ja-JP" altLang="en-US" sz="2400" b="1" dirty="0">
                 <a:solidFill>
                   <a:schemeClr val="tx1"/>
                 </a:solidFill>
@@ -32118,7 +32187,7 @@
               </a:rPr>
               <a:t>新しい知識に貪欲になった</a:t>
             </a:r>
-            <a:endParaRPr kumimoji="1" lang="ja-JP" altLang="en-US" sz="2400" dirty="0">
+            <a:endParaRPr kumimoji="1" lang="ja-JP" altLang="en-US" sz="2400" b="1" dirty="0">
               <a:solidFill>
                 <a:schemeClr val="tx1"/>
               </a:solidFill>
@@ -32152,7 +32221,7 @@
           <a:p>
             <a:pPr algn="ctr"/>
             <a:r>
-              <a:rPr lang="ja-JP" altLang="en-US" sz="2400" dirty="0">
+              <a:rPr lang="ja-JP" altLang="en-US" sz="2400" b="1" dirty="0">
                 <a:solidFill>
                   <a:schemeClr val="tx1"/>
                 </a:solidFill>
@@ -32442,7 +32511,7 @@
           <a:p>
             <a:pPr algn="ctr"/>
             <a:r>
-              <a:rPr lang="ja-JP" altLang="en-US" sz="2400" dirty="0">
+              <a:rPr lang="ja-JP" altLang="en-US" sz="2400" b="1" dirty="0">
                 <a:solidFill>
                   <a:schemeClr val="tx1"/>
                 </a:solidFill>
@@ -32452,7 +32521,7 @@
               </a:rPr>
               <a:t>一人でソースコードを書けるようになる</a:t>
             </a:r>
-            <a:endParaRPr lang="en-US" altLang="ja-JP" sz="2400" dirty="0">
+            <a:endParaRPr lang="en-US" altLang="ja-JP" sz="2400" b="1" dirty="0">
               <a:solidFill>
                 <a:schemeClr val="tx1"/>
               </a:solidFill>
@@ -32489,7 +32558,7 @@
               <a:defRPr/>
             </a:pPr>
             <a:r>
-              <a:rPr kumimoji="1" lang="ja-JP" altLang="en-US" sz="2400" dirty="0">
+              <a:rPr kumimoji="1" lang="ja-JP" altLang="en-US" sz="2400" b="1" dirty="0">
                 <a:solidFill>
                   <a:schemeClr val="tx1"/>
                 </a:solidFill>
@@ -32498,7 +32567,7 @@
               </a:rPr>
               <a:t>ソースコードの書き方を覚える</a:t>
             </a:r>
-            <a:endParaRPr kumimoji="1" lang="en-US" altLang="ja-JP" sz="2400" dirty="0">
+            <a:endParaRPr kumimoji="1" lang="en-US" altLang="ja-JP" sz="2400" b="1" dirty="0">
               <a:solidFill>
                 <a:schemeClr val="tx1"/>
               </a:solidFill>
@@ -32517,7 +32586,7 @@
         <p:spPr>
           <a:xfrm>
             <a:off x="6550954" y="4000190"/>
-            <a:ext cx="1682204" cy="830997"/>
+            <a:ext cx="1682204" cy="954107"/>
           </a:xfrm>
           <a:prstGeom prst="rect">
             <a:avLst/>
@@ -32531,7 +32600,7 @@
           <a:lstStyle/>
           <a:p>
             <a:r>
-              <a:rPr kumimoji="1" lang="ja-JP" altLang="en-US" sz="2400" dirty="0">
+              <a:rPr kumimoji="1" lang="ja-JP" altLang="en-US" sz="2800" b="1" dirty="0">
                 <a:solidFill>
                   <a:schemeClr val="tx1"/>
                 </a:solidFill>
@@ -33286,16 +33355,19 @@
               <a:buSzPct val="45000"/>
             </a:pPr>
             <a:r>
-              <a:rPr lang="ja-JP" sz="2400" b="0" strike="noStrike" cap="all" spc="-1" dirty="0">
-                <a:solidFill>
-                  <a:srgbClr val="000000"/>
+              <a:rPr lang="ja-JP" sz="2800" b="1" strike="noStrike" cap="all" spc="-1" dirty="0">
+                <a:solidFill>
+                  <a:schemeClr val="tx1"/>
                 </a:solidFill>
                 <a:latin typeface="SimSun" panose="02010600030101010101" pitchFamily="2" charset="-122"/>
                 <a:ea typeface="SimSun" panose="02010600030101010101" pitchFamily="2" charset="-122"/>
               </a:rPr>
               <a:t>エラーコードが読み取れるようになった</a:t>
             </a:r>
-            <a:endParaRPr lang="en-US" sz="2400" b="0" strike="noStrike" spc="-1" dirty="0">
+            <a:endParaRPr lang="en-US" sz="2800" b="1" strike="noStrike" spc="-1" dirty="0">
+              <a:solidFill>
+                <a:schemeClr val="tx1"/>
+              </a:solidFill>
               <a:latin typeface="SimSun" panose="02010600030101010101" pitchFamily="2" charset="-122"/>
               <a:ea typeface="SimSun" panose="02010600030101010101" pitchFamily="2" charset="-122"/>
             </a:endParaRPr>
@@ -33417,9 +33489,9 @@
               <a:buSzPct val="45000"/>
             </a:pPr>
             <a:r>
-              <a:rPr lang="ja-JP" sz="2400" b="0" strike="noStrike" cap="all" spc="-1" dirty="0">
-                <a:solidFill>
-                  <a:srgbClr val="000000"/>
+              <a:rPr lang="ja-JP" sz="2800" b="1" strike="noStrike" cap="all" spc="-1" dirty="0">
+                <a:solidFill>
+                  <a:schemeClr val="tx1"/>
                 </a:solidFill>
                 <a:latin typeface="SimSun" panose="02010600030101010101" pitchFamily="2" charset="-122"/>
                 <a:ea typeface="SimSun" panose="02010600030101010101" pitchFamily="2" charset="-122"/>
@@ -33427,9 +33499,9 @@
               <a:t>コミュニケーション</a:t>
             </a:r>
             <a:r>
-              <a:rPr lang="ja-JP" sz="2400" b="0" strike="noStrike" cap="all" spc="-1" dirty="0" smtClean="0">
-                <a:solidFill>
-                  <a:srgbClr val="000000"/>
+              <a:rPr lang="ja-JP" sz="2800" b="1" strike="noStrike" cap="all" spc="-1" dirty="0" smtClean="0">
+                <a:solidFill>
+                  <a:schemeClr val="tx1"/>
                 </a:solidFill>
                 <a:latin typeface="SimSun" panose="02010600030101010101" pitchFamily="2" charset="-122"/>
                 <a:ea typeface="SimSun" panose="02010600030101010101" pitchFamily="2" charset="-122"/>
@@ -33437,9 +33509,9 @@
               <a:t>がスムーズ</a:t>
             </a:r>
             <a:r>
-              <a:rPr lang="ja-JP" sz="2400" b="0" strike="noStrike" cap="all" spc="-1" dirty="0">
-                <a:solidFill>
-                  <a:srgbClr val="000000"/>
+              <a:rPr lang="ja-JP" sz="2800" b="1" strike="noStrike" cap="all" spc="-1" dirty="0">
+                <a:solidFill>
+                  <a:schemeClr val="tx1"/>
                 </a:solidFill>
                 <a:latin typeface="SimSun" panose="02010600030101010101" pitchFamily="2" charset="-122"/>
                 <a:ea typeface="SimSun" panose="02010600030101010101" pitchFamily="2" charset="-122"/>
@@ -33447,9 +33519,9 @@
               <a:t>に取れる</a:t>
             </a:r>
             <a:r>
-              <a:rPr lang="ja-JP" sz="2400" b="0" strike="noStrike" cap="all" spc="-1" dirty="0" smtClean="0">
-                <a:solidFill>
-                  <a:srgbClr val="000000"/>
+              <a:rPr lang="ja-JP" sz="2800" b="1" strike="noStrike" cap="all" spc="-1" dirty="0" smtClean="0">
+                <a:solidFill>
+                  <a:schemeClr val="tx1"/>
                 </a:solidFill>
                 <a:latin typeface="SimSun" panose="02010600030101010101" pitchFamily="2" charset="-122"/>
                 <a:ea typeface="SimSun" panose="02010600030101010101" pitchFamily="2" charset="-122"/>
@@ -33457,16 +33529,19 @@
               <a:t>ように</a:t>
             </a:r>
             <a:r>
-              <a:rPr lang="ja-JP" sz="2400" b="0" strike="noStrike" cap="all" spc="-1" dirty="0">
-                <a:solidFill>
-                  <a:srgbClr val="000000"/>
+              <a:rPr lang="ja-JP" sz="2800" b="1" strike="noStrike" cap="all" spc="-1" dirty="0">
+                <a:solidFill>
+                  <a:schemeClr val="tx1"/>
                 </a:solidFill>
                 <a:latin typeface="SimSun" panose="02010600030101010101" pitchFamily="2" charset="-122"/>
                 <a:ea typeface="SimSun" panose="02010600030101010101" pitchFamily="2" charset="-122"/>
               </a:rPr>
               <a:t>なった</a:t>
             </a:r>
-            <a:endParaRPr lang="en-US" sz="2400" b="0" strike="noStrike" spc="-1" dirty="0">
+            <a:endParaRPr lang="en-US" sz="2800" b="1" strike="noStrike" spc="-1" dirty="0">
+              <a:solidFill>
+                <a:schemeClr val="tx1"/>
+              </a:solidFill>
               <a:latin typeface="SimSun" panose="02010600030101010101" pitchFamily="2" charset="-122"/>
               <a:ea typeface="SimSun" panose="02010600030101010101" pitchFamily="2" charset="-122"/>
             </a:endParaRPr>
@@ -33924,7 +33999,7 @@
               <a:buSzPct val="45000"/>
             </a:pPr>
             <a:r>
-              <a:rPr lang="ja-JP" sz="2400" b="0" strike="noStrike" cap="all" spc="-1" dirty="0" smtClean="0">
+              <a:rPr lang="ja-JP" sz="2800" b="1" strike="noStrike" cap="all" spc="-1" dirty="0" smtClean="0">
                 <a:solidFill>
                   <a:srgbClr val="000000"/>
                 </a:solidFill>
@@ -33934,7 +34009,7 @@
               <a:t>自分</a:t>
             </a:r>
             <a:r>
-              <a:rPr lang="ja-JP" sz="2400" b="0" strike="noStrike" cap="all" spc="-1" dirty="0">
+              <a:rPr lang="ja-JP" sz="2800" b="1" strike="noStrike" cap="all" spc="-1" dirty="0">
                 <a:solidFill>
                   <a:srgbClr val="000000"/>
                 </a:solidFill>
@@ -33943,7 +34018,7 @@
               </a:rPr>
               <a:t>の力でコードを書けるようにする</a:t>
             </a:r>
-            <a:endParaRPr lang="en-US" sz="2400" b="0" strike="noStrike" spc="-1" dirty="0">
+            <a:endParaRPr lang="en-US" sz="2800" b="1" strike="noStrike" spc="-1" dirty="0">
               <a:latin typeface="SimSun" panose="02010600030101010101" pitchFamily="2" charset="-122"/>
               <a:ea typeface="SimSun" panose="02010600030101010101" pitchFamily="2" charset="-122"/>
             </a:endParaRPr>
@@ -33958,8 +34033,8 @@
         </p:nvSpPr>
         <p:spPr>
           <a:xfrm>
-            <a:off x="5152320" y="1767960"/>
-            <a:ext cx="3272368" cy="4383720"/>
+            <a:off x="5040312" y="1767960"/>
+            <a:ext cx="3384376" cy="4383720"/>
           </a:xfrm>
           <a:prstGeom prst="rect">
             <a:avLst/>
@@ -34086,7 +34161,7 @@
               <a:buSzPct val="45000"/>
             </a:pPr>
             <a:r>
-              <a:rPr lang="ja-JP" sz="2400" b="0" strike="noStrike" cap="all" spc="-1" dirty="0" smtClean="0">
+              <a:rPr lang="ja-JP" sz="2800" b="1" strike="noStrike" cap="all" spc="-1" dirty="0" smtClean="0">
                 <a:solidFill>
                   <a:srgbClr val="000000"/>
                 </a:solidFill>
@@ -34096,7 +34171,7 @@
               <a:t>不明点</a:t>
             </a:r>
             <a:r>
-              <a:rPr lang="ja-JP" sz="2400" b="0" strike="noStrike" cap="all" spc="-1" dirty="0">
+              <a:rPr lang="ja-JP" sz="2800" b="1" strike="noStrike" cap="all" spc="-1" dirty="0">
                 <a:solidFill>
                   <a:srgbClr val="000000"/>
                 </a:solidFill>
@@ -34106,7 +34181,7 @@
               <a:t>は積極的</a:t>
             </a:r>
             <a:r>
-              <a:rPr lang="ja-JP" sz="2400" b="0" strike="noStrike" cap="all" spc="-1" dirty="0" smtClean="0">
+              <a:rPr lang="ja-JP" sz="2800" b="1" strike="noStrike" cap="all" spc="-1" dirty="0" smtClean="0">
                 <a:solidFill>
                   <a:srgbClr val="000000"/>
                 </a:solidFill>
@@ -34116,7 +34191,7 @@
               <a:t>に質問する</a:t>
             </a:r>
             <a:r>
-              <a:rPr lang="ja-JP" altLang="en-US" sz="2400" b="0" strike="noStrike" cap="all" spc="-1" dirty="0" smtClean="0">
+              <a:rPr lang="ja-JP" altLang="en-US" sz="2800" b="1" strike="noStrike" cap="all" spc="-1" dirty="0" smtClean="0">
                 <a:solidFill>
                   <a:srgbClr val="000000"/>
                 </a:solidFill>
@@ -34126,7 +34201,7 @@
               <a:t>よ</a:t>
             </a:r>
             <a:r>
-              <a:rPr lang="ja-JP" sz="2400" b="0" strike="noStrike" cap="all" spc="-1" dirty="0" smtClean="0">
+              <a:rPr lang="ja-JP" sz="2800" b="1" strike="noStrike" cap="all" spc="-1" dirty="0" smtClean="0">
                 <a:solidFill>
                   <a:srgbClr val="000000"/>
                 </a:solidFill>
@@ -34136,7 +34211,7 @@
               <a:t>うに</a:t>
             </a:r>
             <a:r>
-              <a:rPr lang="ja-JP" sz="2400" b="0" strike="noStrike" cap="all" spc="-1" dirty="0">
+              <a:rPr lang="ja-JP" sz="2800" b="1" strike="noStrike" cap="all" spc="-1" dirty="0">
                 <a:solidFill>
                   <a:srgbClr val="000000"/>
                 </a:solidFill>
@@ -34145,7 +34220,7 @@
               </a:rPr>
               <a:t>する</a:t>
             </a:r>
-            <a:endParaRPr lang="en-US" sz="2400" b="0" strike="noStrike" spc="-1" dirty="0">
+            <a:endParaRPr lang="en-US" sz="2800" b="1" strike="noStrike" spc="-1" dirty="0">
               <a:latin typeface="SimSun" panose="02010600030101010101" pitchFamily="2" charset="-122"/>
               <a:ea typeface="SimSun" panose="02010600030101010101" pitchFamily="2" charset="-122"/>
             </a:endParaRPr>
@@ -34647,7 +34722,7 @@
             <p:ph idx="4294967295"/>
             <p:extLst>
               <p:ext uri="{D42A27DB-BD31-4B8C-83A1-F6EECF244321}">
-                <p14:modId xmlns:p14="http://schemas.microsoft.com/office/powerpoint/2010/main" val="794653742"/>
+                <p14:modId xmlns:p14="http://schemas.microsoft.com/office/powerpoint/2010/main" val="3969028636"/>
               </p:ext>
             </p:extLst>
           </p:nvPr>
@@ -34886,7 +34961,7 @@
             <p:ph idx="4294967295"/>
             <p:extLst>
               <p:ext uri="{D42A27DB-BD31-4B8C-83A1-F6EECF244321}">
-                <p14:modId xmlns:p14="http://schemas.microsoft.com/office/powerpoint/2010/main" val="1725553114"/>
+                <p14:modId xmlns:p14="http://schemas.microsoft.com/office/powerpoint/2010/main" val="27379521"/>
               </p:ext>
             </p:extLst>
           </p:nvPr>
@@ -35060,7 +35135,7 @@
           <p:cNvPr id="7171" name="Text Box 2">
             <a:extLst>
               <a:ext uri="{FF2B5EF4-FFF2-40B4-BE49-F238E27FC236}">
-                <a16:creationId xmlns="" xmlns:a16="http://schemas.microsoft.com/office/drawing/2014/main" id="{2A9FB9B3-A694-4BFF-9F4B-802A96DBA486}"/>
+                <a16:creationId xmlns:a16="http://schemas.microsoft.com/office/drawing/2014/main" xmlns="" id="{2A9FB9B3-A694-4BFF-9F4B-802A96DBA486}"/>
               </a:ext>
             </a:extLst>
           </p:cNvPr>
@@ -35442,7 +35517,7 @@
           <p:cNvPr id="7173" name="Line 5">
             <a:extLst>
               <a:ext uri="{FF2B5EF4-FFF2-40B4-BE49-F238E27FC236}">
-                <a16:creationId xmlns="" xmlns:a16="http://schemas.microsoft.com/office/drawing/2014/main" id="{6924EA0B-A060-4E7C-9BDE-018226CE6611}"/>
+                <a16:creationId xmlns:a16="http://schemas.microsoft.com/office/drawing/2014/main" xmlns="" id="{6924EA0B-A060-4E7C-9BDE-018226CE6611}"/>
               </a:ext>
             </a:extLst>
           </p:cNvPr>
@@ -35489,7 +35564,7 @@
           <p:cNvPr id="3" name="コンテンツ プレースホルダー 2">
             <a:extLst>
               <a:ext uri="{FF2B5EF4-FFF2-40B4-BE49-F238E27FC236}">
-                <a16:creationId xmlns="" xmlns:a16="http://schemas.microsoft.com/office/drawing/2014/main" id="{4AA43CD3-228F-4659-BB4B-665BBD61F4C0}"/>
+                <a16:creationId xmlns:a16="http://schemas.microsoft.com/office/drawing/2014/main" xmlns="" id="{4AA43CD3-228F-4659-BB4B-665BBD61F4C0}"/>
               </a:ext>
             </a:extLst>
           </p:cNvPr>
@@ -36139,7 +36214,7 @@
           <p:cNvPr id="26627" name="Text Box 2">
             <a:extLst>
               <a:ext uri="{FF2B5EF4-FFF2-40B4-BE49-F238E27FC236}">
-                <a16:creationId xmlns="" xmlns:a16="http://schemas.microsoft.com/office/drawing/2014/main" id="{44BC3010-C15B-49DF-BA60-84DDC8D55069}"/>
+                <a16:creationId xmlns:a16="http://schemas.microsoft.com/office/drawing/2014/main" xmlns="" id="{44BC3010-C15B-49DF-BA60-84DDC8D55069}"/>
               </a:ext>
             </a:extLst>
           </p:cNvPr>
@@ -36538,7 +36613,7 @@
           <p:cNvPr id="26628" name="Text Box 3">
             <a:extLst>
               <a:ext uri="{FF2B5EF4-FFF2-40B4-BE49-F238E27FC236}">
-                <a16:creationId xmlns="" xmlns:a16="http://schemas.microsoft.com/office/drawing/2014/main" id="{78868C76-D1F8-4602-AD74-D9A23D3D18F9}"/>
+                <a16:creationId xmlns:a16="http://schemas.microsoft.com/office/drawing/2014/main" xmlns="" id="{78868C76-D1F8-4602-AD74-D9A23D3D18F9}"/>
               </a:ext>
             </a:extLst>
           </p:cNvPr>
@@ -37006,7 +37081,7 @@
           <p:cNvPr id="26629" name="Line 5">
             <a:extLst>
               <a:ext uri="{FF2B5EF4-FFF2-40B4-BE49-F238E27FC236}">
-                <a16:creationId xmlns="" xmlns:a16="http://schemas.microsoft.com/office/drawing/2014/main" id="{819920FD-0180-4D54-8EB3-D31E75ED2D23}"/>
+                <a16:creationId xmlns:a16="http://schemas.microsoft.com/office/drawing/2014/main" xmlns="" id="{819920FD-0180-4D54-8EB3-D31E75ED2D23}"/>
               </a:ext>
             </a:extLst>
           </p:cNvPr>
@@ -38585,7 +38660,7 @@
           <p:cNvPr id="7171" name="Text Box 2">
             <a:extLst>
               <a:ext uri="{FF2B5EF4-FFF2-40B4-BE49-F238E27FC236}">
-                <a16:creationId xmlns="" xmlns:a16="http://schemas.microsoft.com/office/drawing/2014/main" id="{2A9FB9B3-A694-4BFF-9F4B-802A96DBA486}"/>
+                <a16:creationId xmlns:a16="http://schemas.microsoft.com/office/drawing/2014/main" xmlns="" id="{2A9FB9B3-A694-4BFF-9F4B-802A96DBA486}"/>
               </a:ext>
             </a:extLst>
           </p:cNvPr>
@@ -38967,7 +39042,7 @@
           <p:cNvPr id="7173" name="Line 5">
             <a:extLst>
               <a:ext uri="{FF2B5EF4-FFF2-40B4-BE49-F238E27FC236}">
-                <a16:creationId xmlns="" xmlns:a16="http://schemas.microsoft.com/office/drawing/2014/main" id="{6924EA0B-A060-4E7C-9BDE-018226CE6611}"/>
+                <a16:creationId xmlns:a16="http://schemas.microsoft.com/office/drawing/2014/main" xmlns="" id="{6924EA0B-A060-4E7C-9BDE-018226CE6611}"/>
               </a:ext>
             </a:extLst>
           </p:cNvPr>
@@ -39014,7 +39089,7 @@
           <p:cNvPr id="3" name="コンテンツ プレースホルダー 2">
             <a:extLst>
               <a:ext uri="{FF2B5EF4-FFF2-40B4-BE49-F238E27FC236}">
-                <a16:creationId xmlns="" xmlns:a16="http://schemas.microsoft.com/office/drawing/2014/main" id="{4AA43CD3-228F-4659-BB4B-665BBD61F4C0}"/>
+                <a16:creationId xmlns:a16="http://schemas.microsoft.com/office/drawing/2014/main" xmlns="" id="{4AA43CD3-228F-4659-BB4B-665BBD61F4C0}"/>
               </a:ext>
             </a:extLst>
           </p:cNvPr>
@@ -43783,7 +43858,17 @@
                 <a:latin typeface="SimSun" panose="02010600030101010101" pitchFamily="2" charset="-122"/>
                 <a:ea typeface="SimSun" panose="02010600030101010101" pitchFamily="2" charset="-122"/>
               </a:rPr>
-              <a:t>:45</a:t>
+              <a:t>:</a:t>
+            </a:r>
+            <a:r>
+              <a:rPr lang="en-US" altLang="ja-JP" sz="2800" dirty="0">
+                <a:solidFill>
+                  <a:srgbClr val="000000"/>
+                </a:solidFill>
+                <a:latin typeface="SimSun" panose="02010600030101010101" pitchFamily="2" charset="-122"/>
+                <a:ea typeface="SimSun" panose="02010600030101010101" pitchFamily="2" charset="-122"/>
+              </a:rPr>
+              <a:t>87</a:t>
             </a:r>
             <a:r>
               <a:rPr lang="ja-JP" altLang="ja-JP" sz="2800" dirty="0" smtClean="0">
@@ -43833,10 +43918,20 @@
                 <a:latin typeface="SimSun" panose="02010600030101010101" pitchFamily="2" charset="-122"/>
                 <a:ea typeface="SimSun" panose="02010600030101010101" pitchFamily="2" charset="-122"/>
               </a:rPr>
-              <a:t>:45</a:t>
-            </a:r>
-            <a:r>
-              <a:rPr lang="ja-JP" altLang="en-US" sz="2800" dirty="0">
+              <a:t>:</a:t>
+            </a:r>
+            <a:r>
+              <a:rPr lang="en-US" altLang="ja-JP" sz="2800" dirty="0">
+                <a:solidFill>
+                  <a:srgbClr val="000000"/>
+                </a:solidFill>
+                <a:latin typeface="SimSun" panose="02010600030101010101" pitchFamily="2" charset="-122"/>
+                <a:ea typeface="SimSun" panose="02010600030101010101" pitchFamily="2" charset="-122"/>
+              </a:rPr>
+              <a:t>87</a:t>
+            </a:r>
+            <a:r>
+              <a:rPr lang="ja-JP" altLang="en-US" sz="2800" dirty="0" smtClean="0">
                 <a:solidFill>
                   <a:srgbClr val="000000"/>
                 </a:solidFill>
@@ -43893,17 +43988,17 @@
                 <a:latin typeface="SimSun" panose="02010600030101010101" pitchFamily="2" charset="-122"/>
                 <a:ea typeface="SimSun" panose="02010600030101010101" pitchFamily="2" charset="-122"/>
               </a:rPr>
-              <a:t>成果報告</a:t>
-            </a:r>
-            <a:r>
-              <a:rPr lang="ja-JP" altLang="en-US" sz="2800" dirty="0">
+              <a:t>成果</a:t>
+            </a:r>
+            <a:r>
+              <a:rPr lang="ja-JP" altLang="en-US" sz="2800" dirty="0" smtClean="0">
                 <a:solidFill>
                   <a:schemeClr val="tx1"/>
                 </a:solidFill>
                 <a:latin typeface="SimSun" panose="02010600030101010101" pitchFamily="2" charset="-122"/>
                 <a:ea typeface="SimSun" panose="02010600030101010101" pitchFamily="2" charset="-122"/>
               </a:rPr>
-              <a:t>資料作成</a:t>
+              <a:t>報告準備期間</a:t>
             </a:r>
             <a:r>
               <a:rPr lang="ja-JP" altLang="en-US" sz="2800" dirty="0" smtClean="0">
@@ -43913,7 +44008,7 @@
                 <a:latin typeface="SimSun" panose="02010600030101010101" pitchFamily="2" charset="-122"/>
                 <a:ea typeface="SimSun" panose="02010600030101010101" pitchFamily="2" charset="-122"/>
               </a:rPr>
-              <a:t>期間　</a:t>
+              <a:t>　</a:t>
             </a:r>
             <a:r>
               <a:rPr lang="en-US" altLang="ja-JP" sz="2800" dirty="0" smtClean="0">
@@ -43983,7 +44078,7 @@
                 <a:latin typeface="SimSun" panose="02010600030101010101" pitchFamily="2" charset="-122"/>
                 <a:ea typeface="SimSun" panose="02010600030101010101" pitchFamily="2" charset="-122"/>
               </a:rPr>
-              <a:t>25</a:t>
+              <a:t>28</a:t>
             </a:r>
             <a:r>
               <a:rPr lang="ja-JP" altLang="en-US" sz="2800" dirty="0" smtClean="0">

--- a/成果報告会_発表用スライド_チーム開発演習編集版_1.2.pptx
+++ b/成果報告会_発表用スライド_チーム開発演習編集版_1.2.pptx
@@ -8141,51 +8141,6 @@
           <a:bodyPr/>
           <a:lstStyle/>
           <a:p>
-            <a:pPr marL="0" marR="0" indent="0" algn="l" defTabSz="449263" rtl="0" eaLnBrk="0" fontAlgn="base" latinLnBrk="0" hangingPunct="0">
-              <a:lnSpc>
-                <a:spcPct val="100000"/>
-              </a:lnSpc>
-              <a:spcBef>
-                <a:spcPct val="30000"/>
-              </a:spcBef>
-              <a:spcAft>
-                <a:spcPct val="0"/>
-              </a:spcAft>
-              <a:buClr>
-                <a:srgbClr val="000000"/>
-              </a:buClr>
-              <a:buSzPct val="100000"/>
-              <a:buFont typeface="Times New Roman" panose="02020603050405020304" pitchFamily="18" charset="0"/>
-              <a:buNone/>
-              <a:tabLst/>
-              <a:defRPr/>
-            </a:pPr>
-            <a:r>
-              <a:rPr lang="ja-JP" altLang="en-US" sz="1200" dirty="0" smtClean="0">
-                <a:latin typeface="SimSun" panose="02010600030101010101" pitchFamily="2" charset="-122"/>
-                <a:ea typeface="SimSun" panose="02010600030101010101" pitchFamily="2" charset="-122"/>
-              </a:rPr>
-              <a:t>意思疎通やコミュニケーションを取れていないと完成イメージがバラバラになってしまう</a:t>
-            </a:r>
-            <a:br>
-              <a:rPr lang="ja-JP" altLang="en-US" sz="1200" dirty="0" smtClean="0">
-                <a:latin typeface="SimSun" panose="02010600030101010101" pitchFamily="2" charset="-122"/>
-                <a:ea typeface="SimSun" panose="02010600030101010101" pitchFamily="2" charset="-122"/>
-              </a:rPr>
-            </a:br>
-            <a:r>
-              <a:rPr lang="ja-JP" altLang="en-US" sz="1200" dirty="0" smtClean="0">
-                <a:latin typeface="SimSun" panose="02010600030101010101" pitchFamily="2" charset="-122"/>
-                <a:ea typeface="SimSun" panose="02010600030101010101" pitchFamily="2" charset="-122"/>
-              </a:rPr>
-              <a:t>そのため、疑問点が出た場合、具体的に伝わりやすく質問できる環境を作ること。</a:t>
-            </a:r>
-            <a:endParaRPr kumimoji="1" lang="ja-JP" altLang="en-US" sz="1200" dirty="0" smtClean="0">
-              <a:latin typeface="SimSun" panose="02010600030101010101" pitchFamily="2" charset="-122"/>
-              <a:ea typeface="SimSun" panose="02010600030101010101" pitchFamily="2" charset="-122"/>
-            </a:endParaRPr>
-          </a:p>
-          <a:p>
             <a:endParaRPr kumimoji="1" lang="ja-JP" altLang="en-US" dirty="0"/>
           </a:p>
         </p:txBody>
@@ -9110,24 +9065,6 @@
           <a:bodyPr wrap="none" anchor="ctr"/>
           <a:lstStyle/>
           <a:p>
-            <a:r>
-              <a:rPr lang="ja-JP" altLang="en-US" dirty="0" smtClean="0">
-                <a:latin typeface="Times New Roman" panose="02020603050405020304" pitchFamily="18" charset="0"/>
-              </a:rPr>
-              <a:t>最後に</a:t>
-            </a:r>
-            <a:r>
-              <a:rPr lang="en-US" altLang="ja-JP" dirty="0" smtClean="0">
-                <a:latin typeface="Times New Roman" panose="02020603050405020304" pitchFamily="18" charset="0"/>
-              </a:rPr>
-              <a:t>ED</a:t>
-            </a:r>
-            <a:r>
-              <a:rPr lang="ja-JP" altLang="en-US" dirty="0" smtClean="0">
-                <a:latin typeface="Times New Roman" panose="02020603050405020304" pitchFamily="18" charset="0"/>
-              </a:rPr>
-              <a:t>セレモニーがチーム発表後すぐにやることを伝える</a:t>
-            </a:r>
             <a:endParaRPr lang="ja-JP" altLang="ja-JP" dirty="0">
               <a:latin typeface="Times New Roman" panose="02020603050405020304" pitchFamily="18" charset="0"/>
             </a:endParaRPr>
@@ -28640,17 +28577,7 @@
                 <a:latin typeface="メイリオ" panose="020B0604030504040204" pitchFamily="50" charset="-128"/>
                 <a:ea typeface="メイリオ" panose="020B0604030504040204" pitchFamily="50" charset="-128"/>
               </a:rPr>
-              <a:t>成長</a:t>
-            </a:r>
-            <a:r>
-              <a:rPr lang="ja-JP" altLang="en-US" sz="3600" b="1" dirty="0" smtClean="0">
-                <a:solidFill>
-                  <a:srgbClr val="000000"/>
-                </a:solidFill>
-                <a:latin typeface="メイリオ" panose="020B0604030504040204" pitchFamily="50" charset="-128"/>
-                <a:ea typeface="メイリオ" panose="020B0604030504040204" pitchFamily="50" charset="-128"/>
-              </a:rPr>
-              <a:t>した</a:t>
+              <a:t>成長した</a:t>
             </a:r>
             <a:r>
               <a:rPr lang="ja-JP" altLang="en-US" sz="3600" b="1" dirty="0">
@@ -35599,24 +35526,14 @@
               <a:buChar char="l"/>
             </a:pPr>
             <a:r>
-              <a:rPr lang="ja-JP" altLang="ja-JP" sz="2800" dirty="0" smtClean="0">
+              <a:rPr lang="ja-JP" altLang="en-US" sz="2800" dirty="0" smtClean="0">
                 <a:solidFill>
                   <a:srgbClr val="000000"/>
                 </a:solidFill>
                 <a:latin typeface="SimSun" panose="02010600030101010101" pitchFamily="2" charset="-122"/>
                 <a:ea typeface="SimSun" panose="02010600030101010101" pitchFamily="2" charset="-122"/>
               </a:rPr>
-              <a:t>チームメンバー</a:t>
-            </a:r>
-            <a:r>
-              <a:rPr lang="ja-JP" altLang="en-US" sz="2800" dirty="0">
-                <a:solidFill>
-                  <a:srgbClr val="000000"/>
-                </a:solidFill>
-                <a:latin typeface="SimSun" panose="02010600030101010101" pitchFamily="2" charset="-122"/>
-                <a:ea typeface="SimSun" panose="02010600030101010101" pitchFamily="2" charset="-122"/>
-              </a:rPr>
-              <a:t>紹介</a:t>
+              <a:t>役割紹介</a:t>
             </a:r>
             <a:endParaRPr lang="en-US" altLang="ja-JP" sz="2800" dirty="0">
               <a:solidFill>
@@ -39799,35 +39716,32 @@
               <a:buSzPct val="100000"/>
             </a:pPr>
             <a:r>
-              <a:rPr lang="ja-JP" altLang="ja-JP" sz="3600" b="1" dirty="0" smtClean="0">
+              <a:rPr lang="ja-JP" altLang="en-US" sz="3600" b="1" dirty="0" smtClean="0">
                 <a:solidFill>
                   <a:srgbClr val="000000"/>
                 </a:solidFill>
                 <a:latin typeface="メイリオ" panose="020B0604030504040204" pitchFamily="50" charset="-128"/>
                 <a:ea typeface="メイリオ" panose="020B0604030504040204" pitchFamily="50" charset="-128"/>
               </a:rPr>
-              <a:t>チーム</a:t>
-            </a:r>
-            <a:r>
-              <a:rPr lang="ja-JP" altLang="en-US" sz="3600" b="1" dirty="0" smtClean="0">
+              <a:t>役割</a:t>
+            </a:r>
+            <a:r>
+              <a:rPr lang="ja-JP" altLang="en-US" sz="3600" b="1" dirty="0">
                 <a:solidFill>
                   <a:srgbClr val="000000"/>
                 </a:solidFill>
                 <a:latin typeface="メイリオ" panose="020B0604030504040204" pitchFamily="50" charset="-128"/>
                 <a:ea typeface="メイリオ" panose="020B0604030504040204" pitchFamily="50" charset="-128"/>
               </a:rPr>
-              <a:t>メンバー</a:t>
-            </a:r>
-            <a:r>
-              <a:rPr lang="ja-JP" altLang="ja-JP" sz="3200" b="1" dirty="0">
-                <a:solidFill>
-                  <a:srgbClr val="000000"/>
-                </a:solidFill>
-                <a:latin typeface="メイリオ" panose="020B0604030504040204" pitchFamily="50" charset="-128"/>
-                <a:ea typeface="メイリオ" panose="020B0604030504040204" pitchFamily="50" charset="-128"/>
-              </a:rPr>
               <a:t>紹介</a:t>
             </a:r>
+            <a:endParaRPr lang="ja-JP" altLang="ja-JP" sz="3600" b="1" dirty="0">
+              <a:solidFill>
+                <a:srgbClr val="000000"/>
+              </a:solidFill>
+              <a:latin typeface="メイリオ" panose="020B0604030504040204" pitchFamily="50" charset="-128"/>
+              <a:ea typeface="メイリオ" panose="020B0604030504040204" pitchFamily="50" charset="-128"/>
+            </a:endParaRPr>
           </a:p>
         </p:txBody>
       </p:sp>
@@ -39841,7 +39755,7 @@
         </p:nvSpPr>
         <p:spPr bwMode="auto">
           <a:xfrm>
-            <a:off x="503238" y="1722438"/>
+            <a:off x="503238" y="1691605"/>
             <a:ext cx="9313862" cy="3857599"/>
           </a:xfrm>
           <a:prstGeom prst="rect">
@@ -40679,14 +40593,7 @@
                 <a:latin typeface="SimSun" panose="02010600030101010101" pitchFamily="2" charset="-122"/>
                 <a:ea typeface="SimSun" panose="02010600030101010101" pitchFamily="2" charset="-122"/>
               </a:rPr>
-              <a:t>ログイン機能</a:t>
-            </a:r>
-            <a:r>
-              <a:rPr lang="ja-JP" altLang="en-US" sz="2600" dirty="0">
-                <a:latin typeface="SimSun" panose="02010600030101010101" pitchFamily="2" charset="-122"/>
-                <a:ea typeface="SimSun" panose="02010600030101010101" pitchFamily="2" charset="-122"/>
-              </a:rPr>
-              <a:t> </a:t>
+              <a:t>ログイン管理</a:t>
             </a:r>
             <a:endParaRPr lang="en-US" altLang="ja-JP" sz="2600" dirty="0" smtClean="0">
               <a:latin typeface="SimSun" panose="02010600030101010101" pitchFamily="2" charset="-122"/>
@@ -40701,18 +40608,11 @@
               <a:buSzPct val="145000"/>
             </a:pPr>
             <a:r>
-              <a:rPr lang="ja-JP" altLang="en-US" sz="2600" dirty="0">
-                <a:latin typeface="SimSun" panose="02010600030101010101" pitchFamily="2" charset="-122"/>
-                <a:ea typeface="SimSun" panose="02010600030101010101" pitchFamily="2" charset="-122"/>
-              </a:rPr>
-              <a:t>トップ</a:t>
-            </a:r>
-            <a:r>
               <a:rPr lang="ja-JP" altLang="en-US" sz="2600" dirty="0" smtClean="0">
                 <a:latin typeface="SimSun" panose="02010600030101010101" pitchFamily="2" charset="-122"/>
                 <a:ea typeface="SimSun" panose="02010600030101010101" pitchFamily="2" charset="-122"/>
               </a:rPr>
-              <a:t>画面 </a:t>
+              <a:t>トップ画面 </a:t>
             </a:r>
             <a:r>
               <a:rPr lang="en-US" altLang="ja-JP" sz="2600" dirty="0" smtClean="0">
@@ -41083,7 +40983,7 @@
         </p:nvSpPr>
         <p:spPr>
           <a:xfrm>
-            <a:off x="533959" y="582775"/>
+            <a:off x="533959" y="222004"/>
             <a:ext cx="8596381" cy="1269828"/>
           </a:xfrm>
         </p:spPr>
@@ -41157,12 +41057,14 @@
         </p:nvSpPr>
         <p:spPr>
           <a:xfrm>
-            <a:off x="533959" y="1979637"/>
-            <a:ext cx="9009780" cy="3649973"/>
+            <a:off x="287784" y="1763613"/>
+            <a:ext cx="9246281" cy="4222010"/>
           </a:xfrm>
         </p:spPr>
         <p:txBody>
-          <a:bodyPr/>
+          <a:bodyPr>
+            <a:normAutofit/>
+          </a:bodyPr>
           <a:lstStyle/>
           <a:p>
             <a:pPr>
@@ -41174,28 +41076,41 @@
               <a:buChar char="l"/>
             </a:pPr>
             <a:r>
-              <a:rPr lang="ja-JP" altLang="en-US" sz="2800" dirty="0">
+              <a:rPr lang="ja-JP" altLang="en-US" sz="2600" dirty="0" smtClean="0">
                 <a:latin typeface="SimSun" panose="02010600030101010101" pitchFamily="2" charset="-122"/>
                 <a:ea typeface="SimSun" panose="02010600030101010101" pitchFamily="2" charset="-122"/>
               </a:rPr>
-              <a:t>お気に入り </a:t>
-            </a:r>
-            <a:r>
-              <a:rPr lang="en-US" altLang="ja-JP" sz="2800" dirty="0">
+              <a:t>お気に入り管理</a:t>
+            </a:r>
+            <a:endParaRPr lang="en-US" altLang="ja-JP" sz="2600" dirty="0" smtClean="0">
+              <a:latin typeface="SimSun" panose="02010600030101010101" pitchFamily="2" charset="-122"/>
+              <a:ea typeface="SimSun" panose="02010600030101010101" pitchFamily="2" charset="-122"/>
+            </a:endParaRPr>
+          </a:p>
+          <a:p>
+            <a:pPr marL="0" indent="0">
+              <a:buClr>
+                <a:srgbClr val="92D050"/>
+              </a:buClr>
+              <a:buSzPct val="50000"/>
+              <a:buNone/>
+            </a:pPr>
+            <a:r>
+              <a:rPr lang="en-US" altLang="ja-JP" sz="2600" dirty="0" smtClean="0">
                 <a:latin typeface="SimSun" panose="02010600030101010101" pitchFamily="2" charset="-122"/>
                 <a:ea typeface="SimSun" panose="02010600030101010101" pitchFamily="2" charset="-122"/>
               </a:rPr>
-              <a:t>(</a:t>
-            </a:r>
-            <a:r>
-              <a:rPr lang="ja-JP" altLang="en-US" sz="2800" dirty="0">
+              <a:t> (</a:t>
+            </a:r>
+            <a:r>
+              <a:rPr lang="ja-JP" altLang="en-US" sz="2600" dirty="0">
                 <a:latin typeface="SimSun" panose="02010600030101010101" pitchFamily="2" charset="-122"/>
                 <a:ea typeface="SimSun" panose="02010600030101010101" pitchFamily="2" charset="-122"/>
               </a:rPr>
               <a:t>登録ボタン、お気に入り一覧</a:t>
             </a:r>
             <a:r>
-              <a:rPr lang="en-US" altLang="ja-JP" sz="2800" dirty="0">
+              <a:rPr lang="en-US" altLang="ja-JP" sz="2600" dirty="0" smtClean="0">
                 <a:latin typeface="SimSun" panose="02010600030101010101" pitchFamily="2" charset="-122"/>
                 <a:ea typeface="SimSun" panose="02010600030101010101" pitchFamily="2" charset="-122"/>
               </a:rPr>
@@ -41212,42 +41127,28 @@
               <a:buChar char="l"/>
             </a:pPr>
             <a:r>
-              <a:rPr lang="ja-JP" altLang="en-US" sz="2800" dirty="0">
+              <a:rPr lang="ja-JP" altLang="en-US" sz="2600" dirty="0" smtClean="0">
                 <a:latin typeface="SimSun" panose="02010600030101010101" pitchFamily="2" charset="-122"/>
                 <a:ea typeface="SimSun" panose="02010600030101010101" pitchFamily="2" charset="-122"/>
               </a:rPr>
-              <a:t>お問い合わせ </a:t>
-            </a:r>
-            <a:r>
-              <a:rPr lang="en-US" altLang="ja-JP" sz="2800" dirty="0">
+              <a:t>会員管理</a:t>
+            </a:r>
+            <a:r>
+              <a:rPr lang="en-US" altLang="ja-JP" sz="2600" dirty="0" smtClean="0">
                 <a:latin typeface="SimSun" panose="02010600030101010101" pitchFamily="2" charset="-122"/>
                 <a:ea typeface="SimSun" panose="02010600030101010101" pitchFamily="2" charset="-122"/>
               </a:rPr>
-              <a:t>(</a:t>
-            </a:r>
-            <a:r>
-              <a:rPr lang="ja-JP" altLang="en-US" sz="2800" dirty="0">
+              <a:t>	(</a:t>
+            </a:r>
+            <a:r>
+              <a:rPr lang="ja-JP" altLang="en-US" sz="2600" dirty="0">
                 <a:latin typeface="SimSun" panose="02010600030101010101" pitchFamily="2" charset="-122"/>
                 <a:ea typeface="SimSun" panose="02010600030101010101" pitchFamily="2" charset="-122"/>
               </a:rPr>
-              <a:t>お問い合わせ入力、お問い合わせ</a:t>
-            </a:r>
-            <a:r>
-              <a:rPr lang="ja-JP" altLang="en-US" sz="2800" dirty="0" smtClean="0">
-                <a:latin typeface="SimSun" panose="02010600030101010101" pitchFamily="2" charset="-122"/>
-                <a:ea typeface="SimSun" panose="02010600030101010101" pitchFamily="2" charset="-122"/>
-              </a:rPr>
-              <a:t>一覧お問い合わせ</a:t>
-            </a:r>
-            <a:r>
-              <a:rPr lang="ja-JP" altLang="en-US" sz="2800" dirty="0">
-                <a:latin typeface="SimSun" panose="02010600030101010101" pitchFamily="2" charset="-122"/>
-                <a:ea typeface="SimSun" panose="02010600030101010101" pitchFamily="2" charset="-122"/>
-              </a:rPr>
-              <a:t>詳細</a:t>
-            </a:r>
-            <a:r>
-              <a:rPr lang="en-US" altLang="ja-JP" sz="2800" dirty="0">
+              <a:t>会員検索</a:t>
+            </a:r>
+            <a:r>
+              <a:rPr lang="en-US" altLang="ja-JP" sz="2600" dirty="0" smtClean="0">
                 <a:latin typeface="SimSun" panose="02010600030101010101" pitchFamily="2" charset="-122"/>
                 <a:ea typeface="SimSun" panose="02010600030101010101" pitchFamily="2" charset="-122"/>
               </a:rPr>
@@ -41264,51 +41165,57 @@
               <a:buChar char="l"/>
             </a:pPr>
             <a:r>
-              <a:rPr lang="ja-JP" altLang="en-US" sz="2800" dirty="0">
+              <a:rPr lang="ja-JP" altLang="en-US" sz="2600" dirty="0" smtClean="0">
                 <a:latin typeface="SimSun" panose="02010600030101010101" pitchFamily="2" charset="-122"/>
                 <a:ea typeface="SimSun" panose="02010600030101010101" pitchFamily="2" charset="-122"/>
               </a:rPr>
-              <a:t>会員管理</a:t>
-            </a:r>
-            <a:r>
-              <a:rPr lang="en-US" altLang="ja-JP" sz="2800" dirty="0" smtClean="0">
-                <a:latin typeface="SimSun" panose="02010600030101010101" pitchFamily="2" charset="-122"/>
-                <a:ea typeface="SimSun" panose="02010600030101010101" pitchFamily="2" charset="-122"/>
-              </a:rPr>
-              <a:t>(</a:t>
-            </a:r>
-            <a:r>
-              <a:rPr lang="ja-JP" altLang="en-US" sz="2800" dirty="0" smtClean="0">
-                <a:latin typeface="SimSun" panose="02010600030101010101" pitchFamily="2" charset="-122"/>
-                <a:ea typeface="SimSun" panose="02010600030101010101" pitchFamily="2" charset="-122"/>
-              </a:rPr>
-              <a:t>会員</a:t>
-            </a:r>
-            <a:r>
-              <a:rPr lang="ja-JP" altLang="en-US" sz="2800" dirty="0">
-                <a:latin typeface="SimSun" panose="02010600030101010101" pitchFamily="2" charset="-122"/>
-                <a:ea typeface="SimSun" panose="02010600030101010101" pitchFamily="2" charset="-122"/>
-              </a:rPr>
-              <a:t>検索</a:t>
-            </a:r>
-            <a:r>
-              <a:rPr lang="en-US" altLang="ja-JP" sz="2800" dirty="0">
-                <a:latin typeface="SimSun" panose="02010600030101010101" pitchFamily="2" charset="-122"/>
-                <a:ea typeface="SimSun" panose="02010600030101010101" pitchFamily="2" charset="-122"/>
-              </a:rPr>
-              <a:t>)</a:t>
-            </a:r>
+              <a:t>お問い合わせ管理</a:t>
+            </a:r>
+            <a:endParaRPr lang="en-US" altLang="ja-JP" sz="2600" dirty="0" smtClean="0">
+              <a:latin typeface="SimSun" panose="02010600030101010101" pitchFamily="2" charset="-122"/>
+              <a:ea typeface="SimSun" panose="02010600030101010101" pitchFamily="2" charset="-122"/>
+            </a:endParaRPr>
           </a:p>
           <a:p>
-            <a:pPr>
+            <a:pPr marL="0" indent="0">
               <a:buClr>
                 <a:srgbClr val="92D050"/>
               </a:buClr>
               <a:buSzPct val="50000"/>
-              <a:buFont typeface="Wingdings" panose="05000000000000000000" pitchFamily="2" charset="2"/>
-              <a:buChar char="l"/>
+              <a:buNone/>
             </a:pPr>
-            <a:endParaRPr kumimoji="1" lang="ja-JP" altLang="en-US" dirty="0"/>
+            <a:r>
+              <a:rPr lang="en-US" altLang="ja-JP" sz="2600" dirty="0" smtClean="0">
+                <a:latin typeface="SimSun" panose="02010600030101010101" pitchFamily="2" charset="-122"/>
+                <a:ea typeface="SimSun" panose="02010600030101010101" pitchFamily="2" charset="-122"/>
+              </a:rPr>
+              <a:t> (</a:t>
+            </a:r>
+            <a:r>
+              <a:rPr lang="ja-JP" altLang="en-US" sz="2600" dirty="0">
+                <a:latin typeface="SimSun" panose="02010600030101010101" pitchFamily="2" charset="-122"/>
+                <a:ea typeface="SimSun" panose="02010600030101010101" pitchFamily="2" charset="-122"/>
+              </a:rPr>
+              <a:t>お問い合わせ入力、お問い合わせ</a:t>
+            </a:r>
+            <a:r>
+              <a:rPr lang="ja-JP" altLang="en-US" sz="2600" dirty="0" smtClean="0">
+                <a:latin typeface="SimSun" panose="02010600030101010101" pitchFamily="2" charset="-122"/>
+                <a:ea typeface="SimSun" panose="02010600030101010101" pitchFamily="2" charset="-122"/>
+              </a:rPr>
+              <a:t>一覧お問い合わせ詳細</a:t>
+            </a:r>
+            <a:r>
+              <a:rPr lang="en-US" altLang="ja-JP" sz="2600" dirty="0" smtClean="0">
+                <a:latin typeface="SimSun" panose="02010600030101010101" pitchFamily="2" charset="-122"/>
+                <a:ea typeface="SimSun" panose="02010600030101010101" pitchFamily="2" charset="-122"/>
+              </a:rPr>
+              <a:t>)</a:t>
+            </a:r>
+            <a:endParaRPr lang="en-US" altLang="ja-JP" sz="2600" dirty="0">
+              <a:latin typeface="SimSun" panose="02010600030101010101" pitchFamily="2" charset="-122"/>
+              <a:ea typeface="SimSun" panose="02010600030101010101" pitchFamily="2" charset="-122"/>
+            </a:endParaRPr>
           </a:p>
         </p:txBody>
       </p:sp>
@@ -41405,7 +41312,7 @@
         </p:nvSpPr>
         <p:spPr bwMode="auto">
           <a:xfrm>
-            <a:off x="567036" y="1618866"/>
+            <a:off x="567037" y="1262853"/>
             <a:ext cx="6489499" cy="732"/>
           </a:xfrm>
           <a:prstGeom prst="line">
@@ -43988,27 +43895,7 @@
                 <a:latin typeface="SimSun" panose="02010600030101010101" pitchFamily="2" charset="-122"/>
                 <a:ea typeface="SimSun" panose="02010600030101010101" pitchFamily="2" charset="-122"/>
               </a:rPr>
-              <a:t>成果</a:t>
-            </a:r>
-            <a:r>
-              <a:rPr lang="ja-JP" altLang="en-US" sz="2800" dirty="0" smtClean="0">
-                <a:solidFill>
-                  <a:schemeClr val="tx1"/>
-                </a:solidFill>
-                <a:latin typeface="SimSun" panose="02010600030101010101" pitchFamily="2" charset="-122"/>
-                <a:ea typeface="SimSun" panose="02010600030101010101" pitchFamily="2" charset="-122"/>
-              </a:rPr>
-              <a:t>報告準備期間</a:t>
-            </a:r>
-            <a:r>
-              <a:rPr lang="ja-JP" altLang="en-US" sz="2800" dirty="0" smtClean="0">
-                <a:solidFill>
-                  <a:schemeClr val="tx1"/>
-                </a:solidFill>
-                <a:latin typeface="SimSun" panose="02010600030101010101" pitchFamily="2" charset="-122"/>
-                <a:ea typeface="SimSun" panose="02010600030101010101" pitchFamily="2" charset="-122"/>
-              </a:rPr>
-              <a:t>　</a:t>
+              <a:t>成果報告準備期間　</a:t>
             </a:r>
             <a:r>
               <a:rPr lang="en-US" altLang="ja-JP" sz="2800" dirty="0" smtClean="0">

--- a/成果報告会_発表用スライド_チーム開発演習編集版_1.2.pptx
+++ b/成果報告会_発表用スライド_チーム開発演習編集版_1.2.pptx
@@ -5936,7 +5936,7 @@
           <p:cNvPr id="2050" name="AutoShape 1">
             <a:extLst>
               <a:ext uri="{FF2B5EF4-FFF2-40B4-BE49-F238E27FC236}">
-                <a16:creationId xmlns:a16="http://schemas.microsoft.com/office/drawing/2014/main" xmlns="" id="{4CA1C0BF-3E1F-4E95-B1F7-321984E950B3}"/>
+                <a16:creationId xmlns="" xmlns:a16="http://schemas.microsoft.com/office/drawing/2014/main" id="{4CA1C0BF-3E1F-4E95-B1F7-321984E950B3}"/>
               </a:ext>
             </a:extLst>
           </p:cNvPr>
@@ -5998,7 +5998,7 @@
           <p:cNvPr id="2051" name="Rectangle 2">
             <a:extLst>
               <a:ext uri="{FF2B5EF4-FFF2-40B4-BE49-F238E27FC236}">
-                <a16:creationId xmlns:a16="http://schemas.microsoft.com/office/drawing/2014/main" xmlns="" id="{626096B8-37E5-41AD-97A5-1A4DC60A3CB5}"/>
+                <a16:creationId xmlns="" xmlns:a16="http://schemas.microsoft.com/office/drawing/2014/main" id="{626096B8-37E5-41AD-97A5-1A4DC60A3CB5}"/>
               </a:ext>
             </a:extLst>
           </p:cNvPr>
@@ -6047,7 +6047,7 @@
           <p:cNvPr id="2" name="Rectangle 3">
             <a:extLst>
               <a:ext uri="{FF2B5EF4-FFF2-40B4-BE49-F238E27FC236}">
-                <a16:creationId xmlns:a16="http://schemas.microsoft.com/office/drawing/2014/main" xmlns="" id="{2E51DC87-DFDB-4861-B627-F122B14714EB}"/>
+                <a16:creationId xmlns="" xmlns:a16="http://schemas.microsoft.com/office/drawing/2014/main" id="{2E51DC87-DFDB-4861-B627-F122B14714EB}"/>
               </a:ext>
             </a:extLst>
           </p:cNvPr>
@@ -6093,7 +6093,7 @@
           <p:cNvPr id="2053" name="Text Box 4">
             <a:extLst>
               <a:ext uri="{FF2B5EF4-FFF2-40B4-BE49-F238E27FC236}">
-                <a16:creationId xmlns:a16="http://schemas.microsoft.com/office/drawing/2014/main" xmlns="" id="{8BF12B2E-B46E-4B6A-80E1-5FAE0273D79B}"/>
+                <a16:creationId xmlns="" xmlns:a16="http://schemas.microsoft.com/office/drawing/2014/main" id="{8BF12B2E-B46E-4B6A-80E1-5FAE0273D79B}"/>
               </a:ext>
             </a:extLst>
           </p:cNvPr>
@@ -6158,7 +6158,7 @@
           <p:cNvPr id="2054" name="Text Box 5">
             <a:extLst>
               <a:ext uri="{FF2B5EF4-FFF2-40B4-BE49-F238E27FC236}">
-                <a16:creationId xmlns:a16="http://schemas.microsoft.com/office/drawing/2014/main" xmlns="" id="{84966F32-36F5-464A-901F-07E843568211}"/>
+                <a16:creationId xmlns="" xmlns:a16="http://schemas.microsoft.com/office/drawing/2014/main" id="{84966F32-36F5-464A-901F-07E843568211}"/>
               </a:ext>
             </a:extLst>
           </p:cNvPr>
@@ -6223,7 +6223,7 @@
           <p:cNvPr id="2055" name="Text Box 6">
             <a:extLst>
               <a:ext uri="{FF2B5EF4-FFF2-40B4-BE49-F238E27FC236}">
-                <a16:creationId xmlns:a16="http://schemas.microsoft.com/office/drawing/2014/main" xmlns="" id="{14A0060E-917F-4571-A5CE-AAE6CC7F6B24}"/>
+                <a16:creationId xmlns="" xmlns:a16="http://schemas.microsoft.com/office/drawing/2014/main" id="{14A0060E-917F-4571-A5CE-AAE6CC7F6B24}"/>
               </a:ext>
             </a:extLst>
           </p:cNvPr>
@@ -6288,7 +6288,7 @@
           <p:cNvPr id="3" name="Rectangle 7">
             <a:extLst>
               <a:ext uri="{FF2B5EF4-FFF2-40B4-BE49-F238E27FC236}">
-                <a16:creationId xmlns:a16="http://schemas.microsoft.com/office/drawing/2014/main" xmlns="" id="{01DA8FD1-3C78-4CE8-949C-E28BD7E2829C}"/>
+                <a16:creationId xmlns="" xmlns:a16="http://schemas.microsoft.com/office/drawing/2014/main" id="{01DA8FD1-3C78-4CE8-949C-E28BD7E2829C}"/>
               </a:ext>
             </a:extLst>
           </p:cNvPr>
@@ -6564,7 +6564,7 @@
           <p:cNvPr id="4098" name="Rectangle 7">
             <a:extLst>
               <a:ext uri="{FF2B5EF4-FFF2-40B4-BE49-F238E27FC236}">
-                <a16:creationId xmlns:a16="http://schemas.microsoft.com/office/drawing/2014/main" xmlns="" id="{A81116CB-21C5-45CC-9B0C-7CBCF86DC535}"/>
+                <a16:creationId xmlns="" xmlns:a16="http://schemas.microsoft.com/office/drawing/2014/main" id="{A81116CB-21C5-45CC-9B0C-7CBCF86DC535}"/>
               </a:ext>
             </a:extLst>
           </p:cNvPr>
@@ -6941,7 +6941,7 @@
           <p:cNvPr id="4099" name="Text Box 1">
             <a:extLst>
               <a:ext uri="{FF2B5EF4-FFF2-40B4-BE49-F238E27FC236}">
-                <a16:creationId xmlns:a16="http://schemas.microsoft.com/office/drawing/2014/main" xmlns="" id="{105CE3D3-1585-43A0-B0D4-49991ACE6733}"/>
+                <a16:creationId xmlns="" xmlns:a16="http://schemas.microsoft.com/office/drawing/2014/main" id="{105CE3D3-1585-43A0-B0D4-49991ACE6733}"/>
               </a:ext>
             </a:extLst>
           </p:cNvPr>
@@ -7336,7 +7336,7 @@
           <p:cNvPr id="4100" name="Rectangle 2">
             <a:extLst>
               <a:ext uri="{FF2B5EF4-FFF2-40B4-BE49-F238E27FC236}">
-                <a16:creationId xmlns:a16="http://schemas.microsoft.com/office/drawing/2014/main" xmlns="" id="{72777617-9ACF-4FFD-9752-27E3624A01C1}"/>
+                <a16:creationId xmlns="" xmlns:a16="http://schemas.microsoft.com/office/drawing/2014/main" id="{72777617-9ACF-4FFD-9752-27E3624A01C1}"/>
               </a:ext>
             </a:extLst>
           </p:cNvPr>
@@ -7370,7 +7370,7 @@
           <p:cNvPr id="4101" name="Rectangle 3">
             <a:extLst>
               <a:ext uri="{FF2B5EF4-FFF2-40B4-BE49-F238E27FC236}">
-                <a16:creationId xmlns:a16="http://schemas.microsoft.com/office/drawing/2014/main" xmlns="" id="{1AD30686-2424-4702-8C06-D4D8FADACFD7}"/>
+                <a16:creationId xmlns="" xmlns:a16="http://schemas.microsoft.com/office/drawing/2014/main" id="{1AD30686-2424-4702-8C06-D4D8FADACFD7}"/>
               </a:ext>
             </a:extLst>
           </p:cNvPr>
@@ -8217,7 +8217,7 @@
           <p:cNvPr id="27650" name="Rectangle 7">
             <a:extLst>
               <a:ext uri="{FF2B5EF4-FFF2-40B4-BE49-F238E27FC236}">
-                <a16:creationId xmlns:a16="http://schemas.microsoft.com/office/drawing/2014/main" xmlns="" id="{0CB659B4-3EED-462D-8F34-6CF8C9203C2C}"/>
+                <a16:creationId xmlns="" xmlns:a16="http://schemas.microsoft.com/office/drawing/2014/main" id="{0CB659B4-3EED-462D-8F34-6CF8C9203C2C}"/>
               </a:ext>
             </a:extLst>
           </p:cNvPr>
@@ -8594,7 +8594,7 @@
           <p:cNvPr id="27651" name="Text Box 1">
             <a:extLst>
               <a:ext uri="{FF2B5EF4-FFF2-40B4-BE49-F238E27FC236}">
-                <a16:creationId xmlns:a16="http://schemas.microsoft.com/office/drawing/2014/main" xmlns="" id="{E7D465D5-5462-4333-81E9-328F35138F1D}"/>
+                <a16:creationId xmlns="" xmlns:a16="http://schemas.microsoft.com/office/drawing/2014/main" id="{E7D465D5-5462-4333-81E9-328F35138F1D}"/>
               </a:ext>
             </a:extLst>
           </p:cNvPr>
@@ -8989,7 +8989,7 @@
           <p:cNvPr id="27652" name="Rectangle 2">
             <a:extLst>
               <a:ext uri="{FF2B5EF4-FFF2-40B4-BE49-F238E27FC236}">
-                <a16:creationId xmlns:a16="http://schemas.microsoft.com/office/drawing/2014/main" xmlns="" id="{53AD14E2-2602-4A68-9C91-10A5A0155A6F}"/>
+                <a16:creationId xmlns="" xmlns:a16="http://schemas.microsoft.com/office/drawing/2014/main" id="{53AD14E2-2602-4A68-9C91-10A5A0155A6F}"/>
               </a:ext>
             </a:extLst>
           </p:cNvPr>
@@ -9023,7 +9023,7 @@
           <p:cNvPr id="27653" name="Rectangle 3">
             <a:extLst>
               <a:ext uri="{FF2B5EF4-FFF2-40B4-BE49-F238E27FC236}">
-                <a16:creationId xmlns:a16="http://schemas.microsoft.com/office/drawing/2014/main" xmlns="" id="{8C1453B3-7BA6-433C-AFD4-E00162F7D23A}"/>
+                <a16:creationId xmlns="" xmlns:a16="http://schemas.microsoft.com/office/drawing/2014/main" id="{8C1453B3-7BA6-433C-AFD4-E00162F7D23A}"/>
               </a:ext>
             </a:extLst>
           </p:cNvPr>
@@ -9987,7 +9987,7 @@
           <p:cNvPr id="6146" name="Rectangle 7">
             <a:extLst>
               <a:ext uri="{FF2B5EF4-FFF2-40B4-BE49-F238E27FC236}">
-                <a16:creationId xmlns:a16="http://schemas.microsoft.com/office/drawing/2014/main" xmlns="" id="{1DDFB747-13F5-4468-A40E-7B4727A4C9F1}"/>
+                <a16:creationId xmlns="" xmlns:a16="http://schemas.microsoft.com/office/drawing/2014/main" id="{1DDFB747-13F5-4468-A40E-7B4727A4C9F1}"/>
               </a:ext>
             </a:extLst>
           </p:cNvPr>
@@ -10364,7 +10364,7 @@
           <p:cNvPr id="6147" name="Text Box 1">
             <a:extLst>
               <a:ext uri="{FF2B5EF4-FFF2-40B4-BE49-F238E27FC236}">
-                <a16:creationId xmlns:a16="http://schemas.microsoft.com/office/drawing/2014/main" xmlns="" id="{4BD13AC9-3BE9-46DB-BAC2-7757716DE1AC}"/>
+                <a16:creationId xmlns="" xmlns:a16="http://schemas.microsoft.com/office/drawing/2014/main" id="{4BD13AC9-3BE9-46DB-BAC2-7757716DE1AC}"/>
               </a:ext>
             </a:extLst>
           </p:cNvPr>
@@ -10759,7 +10759,7 @@
           <p:cNvPr id="6148" name="Rectangle 2">
             <a:extLst>
               <a:ext uri="{FF2B5EF4-FFF2-40B4-BE49-F238E27FC236}">
-                <a16:creationId xmlns:a16="http://schemas.microsoft.com/office/drawing/2014/main" xmlns="" id="{6F20A8AD-F85E-4AC0-B449-7BB1405EE0C0}"/>
+                <a16:creationId xmlns="" xmlns:a16="http://schemas.microsoft.com/office/drawing/2014/main" id="{6F20A8AD-F85E-4AC0-B449-7BB1405EE0C0}"/>
               </a:ext>
             </a:extLst>
           </p:cNvPr>
@@ -10793,7 +10793,7 @@
           <p:cNvPr id="6149" name="Rectangle 3">
             <a:extLst>
               <a:ext uri="{FF2B5EF4-FFF2-40B4-BE49-F238E27FC236}">
-                <a16:creationId xmlns:a16="http://schemas.microsoft.com/office/drawing/2014/main" xmlns="" id="{05F5C49D-B32D-49AB-98A7-EDF91AC812FD}"/>
+                <a16:creationId xmlns="" xmlns:a16="http://schemas.microsoft.com/office/drawing/2014/main" id="{05F5C49D-B32D-49AB-98A7-EDF91AC812FD}"/>
               </a:ext>
             </a:extLst>
           </p:cNvPr>
@@ -10884,7 +10884,7 @@
           <p:cNvPr id="8194" name="Rectangle 7">
             <a:extLst>
               <a:ext uri="{FF2B5EF4-FFF2-40B4-BE49-F238E27FC236}">
-                <a16:creationId xmlns:a16="http://schemas.microsoft.com/office/drawing/2014/main" xmlns="" id="{DCAABFE2-DF32-4988-AEBC-7D4E858359FA}"/>
+                <a16:creationId xmlns="" xmlns:a16="http://schemas.microsoft.com/office/drawing/2014/main" id="{DCAABFE2-DF32-4988-AEBC-7D4E858359FA}"/>
               </a:ext>
             </a:extLst>
           </p:cNvPr>
@@ -11261,7 +11261,7 @@
           <p:cNvPr id="8195" name="Text Box 1">
             <a:extLst>
               <a:ext uri="{FF2B5EF4-FFF2-40B4-BE49-F238E27FC236}">
-                <a16:creationId xmlns:a16="http://schemas.microsoft.com/office/drawing/2014/main" xmlns="" id="{2D92002B-E661-47F4-B918-AFFC54A62558}"/>
+                <a16:creationId xmlns="" xmlns:a16="http://schemas.microsoft.com/office/drawing/2014/main" id="{2D92002B-E661-47F4-B918-AFFC54A62558}"/>
               </a:ext>
             </a:extLst>
           </p:cNvPr>
@@ -11656,7 +11656,7 @@
           <p:cNvPr id="8196" name="Rectangle 2">
             <a:extLst>
               <a:ext uri="{FF2B5EF4-FFF2-40B4-BE49-F238E27FC236}">
-                <a16:creationId xmlns:a16="http://schemas.microsoft.com/office/drawing/2014/main" xmlns="" id="{4FB943EC-DFDF-4A61-9B6A-98A30E0233D7}"/>
+                <a16:creationId xmlns="" xmlns:a16="http://schemas.microsoft.com/office/drawing/2014/main" id="{4FB943EC-DFDF-4A61-9B6A-98A30E0233D7}"/>
               </a:ext>
             </a:extLst>
           </p:cNvPr>
@@ -11690,7 +11690,7 @@
           <p:cNvPr id="8197" name="Rectangle 3">
             <a:extLst>
               <a:ext uri="{FF2B5EF4-FFF2-40B4-BE49-F238E27FC236}">
-                <a16:creationId xmlns:a16="http://schemas.microsoft.com/office/drawing/2014/main" xmlns="" id="{2AB46EE3-62F5-4322-8513-0835281E2F22}"/>
+                <a16:creationId xmlns="" xmlns:a16="http://schemas.microsoft.com/office/drawing/2014/main" id="{2AB46EE3-62F5-4322-8513-0835281E2F22}"/>
               </a:ext>
             </a:extLst>
           </p:cNvPr>
@@ -11781,7 +11781,7 @@
           <p:cNvPr id="8194" name="Rectangle 7">
             <a:extLst>
               <a:ext uri="{FF2B5EF4-FFF2-40B4-BE49-F238E27FC236}">
-                <a16:creationId xmlns:a16="http://schemas.microsoft.com/office/drawing/2014/main" xmlns="" id="{DCAABFE2-DF32-4988-AEBC-7D4E858359FA}"/>
+                <a16:creationId xmlns="" xmlns:a16="http://schemas.microsoft.com/office/drawing/2014/main" id="{DCAABFE2-DF32-4988-AEBC-7D4E858359FA}"/>
               </a:ext>
             </a:extLst>
           </p:cNvPr>
@@ -12158,7 +12158,7 @@
           <p:cNvPr id="8195" name="Text Box 1">
             <a:extLst>
               <a:ext uri="{FF2B5EF4-FFF2-40B4-BE49-F238E27FC236}">
-                <a16:creationId xmlns:a16="http://schemas.microsoft.com/office/drawing/2014/main" xmlns="" id="{2D92002B-E661-47F4-B918-AFFC54A62558}"/>
+                <a16:creationId xmlns="" xmlns:a16="http://schemas.microsoft.com/office/drawing/2014/main" id="{2D92002B-E661-47F4-B918-AFFC54A62558}"/>
               </a:ext>
             </a:extLst>
           </p:cNvPr>
@@ -12553,7 +12553,7 @@
           <p:cNvPr id="8196" name="Rectangle 2">
             <a:extLst>
               <a:ext uri="{FF2B5EF4-FFF2-40B4-BE49-F238E27FC236}">
-                <a16:creationId xmlns:a16="http://schemas.microsoft.com/office/drawing/2014/main" xmlns="" id="{4FB943EC-DFDF-4A61-9B6A-98A30E0233D7}"/>
+                <a16:creationId xmlns="" xmlns:a16="http://schemas.microsoft.com/office/drawing/2014/main" id="{4FB943EC-DFDF-4A61-9B6A-98A30E0233D7}"/>
               </a:ext>
             </a:extLst>
           </p:cNvPr>
@@ -12587,7 +12587,7 @@
           <p:cNvPr id="8197" name="Rectangle 3">
             <a:extLst>
               <a:ext uri="{FF2B5EF4-FFF2-40B4-BE49-F238E27FC236}">
-                <a16:creationId xmlns:a16="http://schemas.microsoft.com/office/drawing/2014/main" xmlns="" id="{2AB46EE3-62F5-4322-8513-0835281E2F22}"/>
+                <a16:creationId xmlns="" xmlns:a16="http://schemas.microsoft.com/office/drawing/2014/main" id="{2AB46EE3-62F5-4322-8513-0835281E2F22}"/>
               </a:ext>
             </a:extLst>
           </p:cNvPr>
@@ -14424,7 +14424,7 @@
           <p:cNvPr id="21506" name="Rectangle 7">
             <a:extLst>
               <a:ext uri="{FF2B5EF4-FFF2-40B4-BE49-F238E27FC236}">
-                <a16:creationId xmlns="" xmlns:a16="http://schemas.microsoft.com/office/drawing/2014/main" id="{7136D086-C290-4FB0-A16E-13EFD4A9352E}"/>
+                <a16:creationId xmlns:a16="http://schemas.microsoft.com/office/drawing/2014/main" xmlns="" id="{7136D086-C290-4FB0-A16E-13EFD4A9352E}"/>
               </a:ext>
             </a:extLst>
           </p:cNvPr>
@@ -14801,7 +14801,7 @@
           <p:cNvPr id="21507" name="Text Box 1">
             <a:extLst>
               <a:ext uri="{FF2B5EF4-FFF2-40B4-BE49-F238E27FC236}">
-                <a16:creationId xmlns="" xmlns:a16="http://schemas.microsoft.com/office/drawing/2014/main" id="{1536FC5C-F72A-4495-A698-B1D269041D4C}"/>
+                <a16:creationId xmlns:a16="http://schemas.microsoft.com/office/drawing/2014/main" xmlns="" id="{1536FC5C-F72A-4495-A698-B1D269041D4C}"/>
               </a:ext>
             </a:extLst>
           </p:cNvPr>
@@ -15196,7 +15196,7 @@
           <p:cNvPr id="21508" name="Rectangle 2">
             <a:extLst>
               <a:ext uri="{FF2B5EF4-FFF2-40B4-BE49-F238E27FC236}">
-                <a16:creationId xmlns="" xmlns:a16="http://schemas.microsoft.com/office/drawing/2014/main" id="{4F16C1FF-8F22-4B4B-B700-D4F327AF2100}"/>
+                <a16:creationId xmlns:a16="http://schemas.microsoft.com/office/drawing/2014/main" xmlns="" id="{4F16C1FF-8F22-4B4B-B700-D4F327AF2100}"/>
               </a:ext>
             </a:extLst>
           </p:cNvPr>
@@ -15230,7 +15230,7 @@
           <p:cNvPr id="21509" name="Rectangle 3">
             <a:extLst>
               <a:ext uri="{FF2B5EF4-FFF2-40B4-BE49-F238E27FC236}">
-                <a16:creationId xmlns="" xmlns:a16="http://schemas.microsoft.com/office/drawing/2014/main" id="{47305A03-22F7-4775-AD46-D48F9C814426}"/>
+                <a16:creationId xmlns:a16="http://schemas.microsoft.com/office/drawing/2014/main" xmlns="" id="{47305A03-22F7-4775-AD46-D48F9C814426}"/>
               </a:ext>
             </a:extLst>
           </p:cNvPr>
@@ -22134,7 +22134,7 @@
           <p:cNvPr id="3075" name="Text Box 2">
             <a:extLst>
               <a:ext uri="{FF2B5EF4-FFF2-40B4-BE49-F238E27FC236}">
-                <a16:creationId xmlns:a16="http://schemas.microsoft.com/office/drawing/2014/main" xmlns="" id="{46767CDD-9BA8-4561-A1EF-6E04BFFFB777}"/>
+                <a16:creationId xmlns="" xmlns:a16="http://schemas.microsoft.com/office/drawing/2014/main" id="{46767CDD-9BA8-4561-A1EF-6E04BFFFB777}"/>
               </a:ext>
             </a:extLst>
           </p:cNvPr>
@@ -22563,7 +22563,7 @@
           <p:cNvPr id="3076" name="Line 4">
             <a:extLst>
               <a:ext uri="{FF2B5EF4-FFF2-40B4-BE49-F238E27FC236}">
-                <a16:creationId xmlns:a16="http://schemas.microsoft.com/office/drawing/2014/main" xmlns="" id="{A1DAE715-FFAA-4BE6-B9B1-5BC60D29E887}"/>
+                <a16:creationId xmlns="" xmlns:a16="http://schemas.microsoft.com/office/drawing/2014/main" id="{A1DAE715-FFAA-4BE6-B9B1-5BC60D29E887}"/>
               </a:ext>
             </a:extLst>
           </p:cNvPr>
@@ -22610,7 +22610,7 @@
           <p:cNvPr id="3078" name="Text Box 6">
             <a:extLst>
               <a:ext uri="{FF2B5EF4-FFF2-40B4-BE49-F238E27FC236}">
-                <a16:creationId xmlns:a16="http://schemas.microsoft.com/office/drawing/2014/main" xmlns="" id="{CAFFB12F-B527-415D-AD56-CF8469816CDC}"/>
+                <a16:creationId xmlns="" xmlns:a16="http://schemas.microsoft.com/office/drawing/2014/main" id="{CAFFB12F-B527-415D-AD56-CF8469816CDC}"/>
               </a:ext>
             </a:extLst>
           </p:cNvPr>
@@ -25206,7 +25206,7 @@
           <p:cNvPr id="20483" name="Text Box 2">
             <a:extLst>
               <a:ext uri="{FF2B5EF4-FFF2-40B4-BE49-F238E27FC236}">
-                <a16:creationId xmlns="" xmlns:a16="http://schemas.microsoft.com/office/drawing/2014/main" id="{651B08D6-55D4-4A3E-AF9B-9727286E4AFC}"/>
+                <a16:creationId xmlns:a16="http://schemas.microsoft.com/office/drawing/2014/main" xmlns="" id="{651B08D6-55D4-4A3E-AF9B-9727286E4AFC}"/>
               </a:ext>
             </a:extLst>
           </p:cNvPr>
@@ -25605,7 +25605,7 @@
           <p:cNvPr id="20484" name="Text Box 3">
             <a:extLst>
               <a:ext uri="{FF2B5EF4-FFF2-40B4-BE49-F238E27FC236}">
-                <a16:creationId xmlns="" xmlns:a16="http://schemas.microsoft.com/office/drawing/2014/main" id="{24B74A06-ABAD-441E-9840-04F644CB8266}"/>
+                <a16:creationId xmlns:a16="http://schemas.microsoft.com/office/drawing/2014/main" xmlns="" id="{24B74A06-ABAD-441E-9840-04F644CB8266}"/>
               </a:ext>
             </a:extLst>
           </p:cNvPr>
@@ -26060,7 +26060,7 @@
           <p:cNvPr id="20485" name="Text Box 4">
             <a:extLst>
               <a:ext uri="{FF2B5EF4-FFF2-40B4-BE49-F238E27FC236}">
-                <a16:creationId xmlns="" xmlns:a16="http://schemas.microsoft.com/office/drawing/2014/main" id="{3B8B6E50-E08A-4EBB-B277-8362848F1600}"/>
+                <a16:creationId xmlns:a16="http://schemas.microsoft.com/office/drawing/2014/main" xmlns="" id="{3B8B6E50-E08A-4EBB-B277-8362848F1600}"/>
               </a:ext>
             </a:extLst>
           </p:cNvPr>
@@ -26489,7 +26489,7 @@
           <p:cNvPr id="20486" name="Text Box 5">
             <a:extLst>
               <a:ext uri="{FF2B5EF4-FFF2-40B4-BE49-F238E27FC236}">
-                <a16:creationId xmlns="" xmlns:a16="http://schemas.microsoft.com/office/drawing/2014/main" id="{BF43DA1A-F5E3-4600-81E5-1EE135236E4E}"/>
+                <a16:creationId xmlns:a16="http://schemas.microsoft.com/office/drawing/2014/main" xmlns="" id="{BF43DA1A-F5E3-4600-81E5-1EE135236E4E}"/>
               </a:ext>
             </a:extLst>
           </p:cNvPr>
@@ -27088,7 +27088,7 @@
           <p:cNvPr id="20487" name="Line 7">
             <a:extLst>
               <a:ext uri="{FF2B5EF4-FFF2-40B4-BE49-F238E27FC236}">
-                <a16:creationId xmlns="" xmlns:a16="http://schemas.microsoft.com/office/drawing/2014/main" id="{67F8E4BF-F10C-41C2-8631-31C564B71613}"/>
+                <a16:creationId xmlns:a16="http://schemas.microsoft.com/office/drawing/2014/main" xmlns="" id="{67F8E4BF-F10C-41C2-8631-31C564B71613}"/>
               </a:ext>
             </a:extLst>
           </p:cNvPr>
@@ -27283,8 +27283,8 @@
         </p:nvSpPr>
         <p:spPr>
           <a:xfrm>
-            <a:off x="564432" y="1619597"/>
-            <a:ext cx="8596381" cy="4006132"/>
+            <a:off x="492560" y="1019708"/>
+            <a:ext cx="9158732" cy="4006132"/>
           </a:xfrm>
         </p:spPr>
         <p:txBody>
@@ -27397,7 +27397,17 @@
                 <a:latin typeface="メイリオ" panose="020B0604030504040204" pitchFamily="50" charset="-128"/>
                 <a:ea typeface="メイリオ" panose="020B0604030504040204" pitchFamily="50" charset="-128"/>
               </a:rPr>
-              <a:t>吉田 侑平</a:t>
+              <a:t>吉田 侑</a:t>
+            </a:r>
+            <a:r>
+              <a:rPr lang="ja-JP" altLang="en-US" sz="4000" b="1" dirty="0" smtClean="0">
+                <a:solidFill>
+                  <a:srgbClr val="000000"/>
+                </a:solidFill>
+                <a:latin typeface="メイリオ" panose="020B0604030504040204" pitchFamily="50" charset="-128"/>
+                <a:ea typeface="メイリオ" panose="020B0604030504040204" pitchFamily="50" charset="-128"/>
+              </a:rPr>
+              <a:t>平</a:t>
             </a:r>
             <a:endParaRPr kumimoji="1" lang="ja-JP" altLang="en-US" sz="6600" dirty="0"/>
           </a:p>
@@ -27486,6 +27496,61 @@
           </a:prstGeom>
         </p:spPr>
       </p:pic>
+      <p:sp>
+        <p:nvSpPr>
+          <p:cNvPr id="5" name="テキスト ボックス 4"/>
+          <p:cNvSpPr txBox="1"/>
+          <p:nvPr/>
+        </p:nvSpPr>
+        <p:spPr>
+          <a:xfrm>
+            <a:off x="1219498" y="5147989"/>
+            <a:ext cx="7637238" cy="954107"/>
+          </a:xfrm>
+          <a:prstGeom prst="rect">
+            <a:avLst/>
+          </a:prstGeom>
+          <a:noFill/>
+        </p:spPr>
+        <p:txBody>
+          <a:bodyPr wrap="square" rtlCol="0">
+            <a:spAutoFit/>
+          </a:bodyPr>
+          <a:lstStyle/>
+          <a:p>
+            <a:pPr algn="ctr"/>
+            <a:r>
+              <a:rPr kumimoji="1" lang="ja-JP" altLang="en-US" sz="2800" dirty="0" smtClean="0">
+                <a:solidFill>
+                  <a:schemeClr val="tx1"/>
+                </a:solidFill>
+              </a:rPr>
+              <a:t>仕様書　基本設計書</a:t>
+            </a:r>
+            <a:endParaRPr kumimoji="1" lang="en-US" altLang="ja-JP" sz="2800" dirty="0" smtClean="0">
+              <a:solidFill>
+                <a:schemeClr val="tx1"/>
+              </a:solidFill>
+            </a:endParaRPr>
+          </a:p>
+          <a:p>
+            <a:pPr algn="ctr"/>
+            <a:r>
+              <a:rPr kumimoji="1" lang="ja-JP" altLang="en-US" sz="2800" dirty="0" smtClean="0">
+                <a:solidFill>
+                  <a:schemeClr val="tx1"/>
+                </a:solidFill>
+              </a:rPr>
+              <a:t>実装機能　買い物かご機能</a:t>
+            </a:r>
+            <a:endParaRPr kumimoji="1" lang="ja-JP" altLang="en-US" sz="2800" dirty="0">
+              <a:solidFill>
+                <a:schemeClr val="tx1"/>
+              </a:solidFill>
+            </a:endParaRPr>
+          </a:p>
+        </p:txBody>
+      </p:sp>
     </p:spTree>
     <p:extLst>
       <p:ext uri="{BB962C8B-B14F-4D97-AF65-F5344CB8AC3E}">
@@ -28290,7 +28355,7 @@
         </p:nvSpPr>
         <p:spPr>
           <a:xfrm>
-            <a:off x="564432" y="1619597"/>
+            <a:off x="773734" y="934148"/>
             <a:ext cx="8596381" cy="4006132"/>
           </a:xfrm>
         </p:spPr>
@@ -28300,7 +28365,7 @@
           <a:p>
             <a:pPr algn="ctr"/>
             <a:r>
-              <a:rPr lang="ja-JP" altLang="en-US" sz="4400" b="1" dirty="0">
+              <a:rPr lang="ja-JP" altLang="en-US" sz="4400" b="1" dirty="0" smtClean="0">
                 <a:solidFill>
                   <a:srgbClr val="000000"/>
                 </a:solidFill>
@@ -28310,7 +28375,7 @@
               <a:t>研修</a:t>
             </a:r>
             <a:r>
-              <a:rPr lang="en-US" altLang="ja-JP" sz="4400" b="1" dirty="0">
+              <a:rPr lang="en-US" altLang="ja-JP" sz="4400" b="1" dirty="0" smtClean="0">
                 <a:solidFill>
                   <a:srgbClr val="000000"/>
                 </a:solidFill>
@@ -28320,26 +28385,26 @@
               <a:t>3</a:t>
             </a:r>
             <a:r>
-              <a:rPr lang="ja-JP" altLang="en-US" sz="4400" b="1" dirty="0">
+              <a:rPr lang="ja-JP" altLang="en-US" sz="4400" b="1" dirty="0" smtClean="0">
                 <a:solidFill>
                   <a:srgbClr val="000000"/>
                 </a:solidFill>
                 <a:latin typeface="メイリオ" panose="020B0604030504040204" pitchFamily="50" charset="-128"/>
                 <a:ea typeface="メイリオ" panose="020B0604030504040204" pitchFamily="50" charset="-128"/>
               </a:rPr>
-              <a:t>ヶ月間</a:t>
-            </a:r>
-            <a:r>
-              <a:rPr lang="ja-JP" altLang="en-US" sz="4400" b="1" dirty="0" smtClean="0">
+              <a:t>ヶ月間の振り返り</a:t>
+            </a:r>
+            <a:r>
+              <a:rPr lang="en-US" altLang="ja-JP" sz="4400" b="1" dirty="0" smtClean="0">
                 <a:solidFill>
                   <a:srgbClr val="000000"/>
                 </a:solidFill>
                 <a:latin typeface="メイリオ" panose="020B0604030504040204" pitchFamily="50" charset="-128"/>
                 <a:ea typeface="メイリオ" panose="020B0604030504040204" pitchFamily="50" charset="-128"/>
               </a:rPr>
-              <a:t>の振り返り</a:t>
-            </a:r>
-            <a:r>
+              <a:t/>
+            </a:r>
+            <a:br>
               <a:rPr lang="en-US" altLang="ja-JP" sz="4400" b="1" dirty="0" smtClean="0">
                 <a:solidFill>
                   <a:srgbClr val="000000"/>
@@ -28347,37 +28412,37 @@
                 <a:latin typeface="メイリオ" panose="020B0604030504040204" pitchFamily="50" charset="-128"/>
                 <a:ea typeface="メイリオ" panose="020B0604030504040204" pitchFamily="50" charset="-128"/>
               </a:rPr>
-              <a:t/>
-            </a:r>
-            <a:br>
-              <a:rPr lang="en-US" altLang="ja-JP" sz="4400" b="1" dirty="0" smtClean="0">
+            </a:br>
+            <a:r>
+              <a:rPr lang="en-US" altLang="ja-JP" sz="4000" b="1" dirty="0" smtClean="0">
                 <a:solidFill>
                   <a:srgbClr val="000000"/>
                 </a:solidFill>
                 <a:latin typeface="メイリオ" panose="020B0604030504040204" pitchFamily="50" charset="-128"/>
                 <a:ea typeface="メイリオ" panose="020B0604030504040204" pitchFamily="50" charset="-128"/>
               </a:rPr>
-            </a:br>
-            <a:r>
-              <a:rPr lang="en-US" altLang="ja-JP" sz="4000" b="1" dirty="0">
+              <a:t/>
+            </a:r>
+            <a:br>
+              <a:rPr lang="en-US" altLang="ja-JP" sz="4000" b="1" dirty="0" smtClean="0">
                 <a:solidFill>
                   <a:srgbClr val="000000"/>
                 </a:solidFill>
                 <a:latin typeface="メイリオ" panose="020B0604030504040204" pitchFamily="50" charset="-128"/>
                 <a:ea typeface="メイリオ" panose="020B0604030504040204" pitchFamily="50" charset="-128"/>
               </a:rPr>
-              <a:t/>
-            </a:r>
-            <a:br>
-              <a:rPr lang="en-US" altLang="ja-JP" sz="4000" b="1" dirty="0">
+            </a:br>
+            <a:r>
+              <a:rPr lang="en-US" altLang="ja-JP" sz="4000" b="1" dirty="0" smtClean="0">
                 <a:solidFill>
                   <a:srgbClr val="000000"/>
                 </a:solidFill>
                 <a:latin typeface="メイリオ" panose="020B0604030504040204" pitchFamily="50" charset="-128"/>
                 <a:ea typeface="メイリオ" panose="020B0604030504040204" pitchFamily="50" charset="-128"/>
               </a:rPr>
-            </a:br>
-            <a:r>
+              <a:t/>
+            </a:r>
+            <a:br>
               <a:rPr lang="en-US" altLang="ja-JP" sz="4000" b="1" dirty="0" smtClean="0">
                 <a:solidFill>
                   <a:srgbClr val="000000"/>
@@ -28385,46 +28450,17 @@
                 <a:latin typeface="メイリオ" panose="020B0604030504040204" pitchFamily="50" charset="-128"/>
                 <a:ea typeface="メイリオ" panose="020B0604030504040204" pitchFamily="50" charset="-128"/>
               </a:rPr>
-              <a:t/>
-            </a:r>
-            <a:br>
-              <a:rPr lang="en-US" altLang="ja-JP" sz="4000" b="1" dirty="0" smtClean="0">
+            </a:br>
+            <a:r>
+              <a:rPr lang="ja-JP" altLang="en-US" sz="4000" b="1" dirty="0" smtClean="0">
                 <a:solidFill>
                   <a:srgbClr val="000000"/>
                 </a:solidFill>
                 <a:latin typeface="メイリオ" panose="020B0604030504040204" pitchFamily="50" charset="-128"/>
                 <a:ea typeface="メイリオ" panose="020B0604030504040204" pitchFamily="50" charset="-128"/>
               </a:rPr>
-            </a:br>
-            <a:r>
-              <a:rPr lang="ja-JP" altLang="en-US" sz="4000" b="1" dirty="0" smtClean="0">
-                <a:solidFill>
-                  <a:srgbClr val="000000"/>
-                </a:solidFill>
-                <a:latin typeface="メイリオ" panose="020B0604030504040204" pitchFamily="50" charset="-128"/>
-                <a:ea typeface="メイリオ" panose="020B0604030504040204" pitchFamily="50" charset="-128"/>
-              </a:rPr>
               <a:t>池之上 友香</a:t>
             </a:r>
-            <a:r>
-              <a:rPr lang="en-US" altLang="ja-JP" sz="7200" b="1" dirty="0">
-                <a:solidFill>
-                  <a:srgbClr val="000000"/>
-                </a:solidFill>
-                <a:latin typeface="メイリオ" panose="020B0604030504040204" pitchFamily="50" charset="-128"/>
-                <a:ea typeface="メイリオ" panose="020B0604030504040204" pitchFamily="50" charset="-128"/>
-              </a:rPr>
-              <a:t/>
-            </a:r>
-            <a:br>
-              <a:rPr lang="en-US" altLang="ja-JP" sz="7200" b="1" dirty="0">
-                <a:solidFill>
-                  <a:srgbClr val="000000"/>
-                </a:solidFill>
-                <a:latin typeface="メイリオ" panose="020B0604030504040204" pitchFamily="50" charset="-128"/>
-                <a:ea typeface="メイリオ" panose="020B0604030504040204" pitchFamily="50" charset="-128"/>
-              </a:rPr>
-            </a:br>
             <a:endParaRPr kumimoji="1" lang="ja-JP" altLang="en-US" sz="6600" dirty="0"/>
           </a:p>
         </p:txBody>
@@ -28512,6 +28548,61 @@
           </a:prstGeom>
         </p:spPr>
       </p:pic>
+      <p:sp>
+        <p:nvSpPr>
+          <p:cNvPr id="5" name="テキスト ボックス 4"/>
+          <p:cNvSpPr txBox="1"/>
+          <p:nvPr/>
+        </p:nvSpPr>
+        <p:spPr>
+          <a:xfrm>
+            <a:off x="1778723" y="5166283"/>
+            <a:ext cx="6586402" cy="954107"/>
+          </a:xfrm>
+          <a:prstGeom prst="rect">
+            <a:avLst/>
+          </a:prstGeom>
+          <a:noFill/>
+        </p:spPr>
+        <p:txBody>
+          <a:bodyPr wrap="square" rtlCol="0">
+            <a:spAutoFit/>
+          </a:bodyPr>
+          <a:lstStyle/>
+          <a:p>
+            <a:pPr algn="ctr"/>
+            <a:r>
+              <a:rPr kumimoji="1" lang="ja-JP" altLang="en-US" sz="2800" dirty="0" smtClean="0">
+                <a:solidFill>
+                  <a:schemeClr val="tx1"/>
+                </a:solidFill>
+              </a:rPr>
+              <a:t>仕様書　　画面詳細書</a:t>
+            </a:r>
+            <a:endParaRPr kumimoji="1" lang="en-US" altLang="ja-JP" sz="2800" dirty="0" smtClean="0">
+              <a:solidFill>
+                <a:schemeClr val="tx1"/>
+              </a:solidFill>
+            </a:endParaRPr>
+          </a:p>
+          <a:p>
+            <a:pPr algn="ctr"/>
+            <a:r>
+              <a:rPr kumimoji="1" lang="ja-JP" altLang="en-US" sz="2800" dirty="0" smtClean="0">
+                <a:solidFill>
+                  <a:schemeClr val="tx1"/>
+                </a:solidFill>
+              </a:rPr>
+              <a:t>実装機能　商品管理</a:t>
+            </a:r>
+            <a:endParaRPr kumimoji="1" lang="ja-JP" altLang="en-US" sz="2800" dirty="0">
+              <a:solidFill>
+                <a:schemeClr val="tx1"/>
+              </a:solidFill>
+            </a:endParaRPr>
+          </a:p>
+        </p:txBody>
+      </p:sp>
     </p:spTree>
     <p:extLst>
       <p:ext uri="{BB962C8B-B14F-4D97-AF65-F5344CB8AC3E}">
@@ -29385,7 +29476,7 @@
         </p:nvSpPr>
         <p:spPr>
           <a:xfrm>
-            <a:off x="564432" y="1619597"/>
+            <a:off x="773733" y="1141857"/>
             <a:ext cx="8596381" cy="4006132"/>
           </a:xfrm>
         </p:spPr>
@@ -29598,6 +29689,61 @@
           </a:prstGeom>
         </p:spPr>
       </p:pic>
+      <p:sp>
+        <p:nvSpPr>
+          <p:cNvPr id="5" name="テキスト ボックス 4"/>
+          <p:cNvSpPr txBox="1"/>
+          <p:nvPr/>
+        </p:nvSpPr>
+        <p:spPr>
+          <a:xfrm>
+            <a:off x="1778723" y="5147989"/>
+            <a:ext cx="6586402" cy="954107"/>
+          </a:xfrm>
+          <a:prstGeom prst="rect">
+            <a:avLst/>
+          </a:prstGeom>
+          <a:noFill/>
+        </p:spPr>
+        <p:txBody>
+          <a:bodyPr wrap="square" rtlCol="0">
+            <a:spAutoFit/>
+          </a:bodyPr>
+          <a:lstStyle/>
+          <a:p>
+            <a:pPr algn="ctr"/>
+            <a:r>
+              <a:rPr kumimoji="1" lang="ja-JP" altLang="en-US" sz="2800" dirty="0" smtClean="0">
+                <a:solidFill>
+                  <a:schemeClr val="tx1"/>
+                </a:solidFill>
+              </a:rPr>
+              <a:t>仕様書　　詳細設計書</a:t>
+            </a:r>
+            <a:endParaRPr kumimoji="1" lang="en-US" altLang="ja-JP" sz="2800" dirty="0" smtClean="0">
+              <a:solidFill>
+                <a:schemeClr val="tx1"/>
+              </a:solidFill>
+            </a:endParaRPr>
+          </a:p>
+          <a:p>
+            <a:pPr algn="ctr"/>
+            <a:r>
+              <a:rPr kumimoji="1" lang="ja-JP" altLang="en-US" sz="2800" dirty="0" smtClean="0">
+                <a:solidFill>
+                  <a:schemeClr val="tx1"/>
+                </a:solidFill>
+              </a:rPr>
+              <a:t>実装機能　会員管理</a:t>
+            </a:r>
+            <a:endParaRPr kumimoji="1" lang="ja-JP" altLang="en-US" sz="2800" dirty="0">
+              <a:solidFill>
+                <a:schemeClr val="tx1"/>
+              </a:solidFill>
+            </a:endParaRPr>
+          </a:p>
+        </p:txBody>
+      </p:sp>
     </p:spTree>
     <p:extLst>
       <p:ext uri="{BB962C8B-B14F-4D97-AF65-F5344CB8AC3E}">
@@ -30088,7 +30234,7 @@
           <p:cNvPr id="5123" name="Text Box 2">
             <a:extLst>
               <a:ext uri="{FF2B5EF4-FFF2-40B4-BE49-F238E27FC236}">
-                <a16:creationId xmlns:a16="http://schemas.microsoft.com/office/drawing/2014/main" xmlns="" id="{B0631F43-305F-476B-8729-D9BCCD18F597}"/>
+                <a16:creationId xmlns="" xmlns:a16="http://schemas.microsoft.com/office/drawing/2014/main" id="{B0631F43-305F-476B-8729-D9BCCD18F597}"/>
               </a:ext>
             </a:extLst>
           </p:cNvPr>
@@ -30487,7 +30633,7 @@
           <p:cNvPr id="5124" name="Line 4">
             <a:extLst>
               <a:ext uri="{FF2B5EF4-FFF2-40B4-BE49-F238E27FC236}">
-                <a16:creationId xmlns:a16="http://schemas.microsoft.com/office/drawing/2014/main" xmlns="" id="{6C337AA1-BBAF-4D17-8765-494A7BC5F80D}"/>
+                <a16:creationId xmlns="" xmlns:a16="http://schemas.microsoft.com/office/drawing/2014/main" id="{6C337AA1-BBAF-4D17-8765-494A7BC5F80D}"/>
               </a:ext>
             </a:extLst>
           </p:cNvPr>
@@ -30534,7 +30680,7 @@
           <p:cNvPr id="5126" name="Text Box 6">
             <a:extLst>
               <a:ext uri="{FF2B5EF4-FFF2-40B4-BE49-F238E27FC236}">
-                <a16:creationId xmlns:a16="http://schemas.microsoft.com/office/drawing/2014/main" xmlns="" id="{E289A0E4-3DF5-4912-BE80-E2449558E136}"/>
+                <a16:creationId xmlns="" xmlns:a16="http://schemas.microsoft.com/office/drawing/2014/main" id="{E289A0E4-3DF5-4912-BE80-E2449558E136}"/>
               </a:ext>
             </a:extLst>
           </p:cNvPr>
@@ -31627,7 +31773,7 @@
         </p:nvSpPr>
         <p:spPr>
           <a:xfrm>
-            <a:off x="564432" y="1619597"/>
+            <a:off x="773735" y="1385185"/>
             <a:ext cx="8596381" cy="4006132"/>
           </a:xfrm>
         </p:spPr>
@@ -31859,6 +32005,77 @@
           </a:prstGeom>
         </p:spPr>
       </p:pic>
+      <p:sp>
+        <p:nvSpPr>
+          <p:cNvPr id="5" name="テキスト ボックス 4"/>
+          <p:cNvSpPr txBox="1"/>
+          <p:nvPr/>
+        </p:nvSpPr>
+        <p:spPr>
+          <a:xfrm>
+            <a:off x="1778724" y="4914263"/>
+            <a:ext cx="6586402" cy="954107"/>
+          </a:xfrm>
+          <a:prstGeom prst="rect">
+            <a:avLst/>
+          </a:prstGeom>
+          <a:noFill/>
+        </p:spPr>
+        <p:txBody>
+          <a:bodyPr wrap="square" rtlCol="0">
+            <a:spAutoFit/>
+          </a:bodyPr>
+          <a:lstStyle/>
+          <a:p>
+            <a:pPr algn="ctr"/>
+            <a:r>
+              <a:rPr kumimoji="1" lang="ja-JP" altLang="en-US" sz="2800" dirty="0" smtClean="0">
+                <a:solidFill>
+                  <a:schemeClr val="tx1"/>
+                </a:solidFill>
+              </a:rPr>
+              <a:t>仕様書　　要件定義書</a:t>
+            </a:r>
+            <a:endParaRPr kumimoji="1" lang="en-US" altLang="ja-JP" sz="2800" dirty="0" smtClean="0">
+              <a:solidFill>
+                <a:schemeClr val="tx1"/>
+              </a:solidFill>
+            </a:endParaRPr>
+          </a:p>
+          <a:p>
+            <a:pPr algn="ctr"/>
+            <a:r>
+              <a:rPr kumimoji="1" lang="ja-JP" altLang="en-US" sz="2800" dirty="0" smtClean="0">
+                <a:solidFill>
+                  <a:schemeClr val="tx1"/>
+                </a:solidFill>
+              </a:rPr>
+              <a:t>実装機能</a:t>
+            </a:r>
+            <a:r>
+              <a:rPr kumimoji="1" lang="ja-JP" altLang="en-US" sz="2800" dirty="0">
+                <a:solidFill>
+                  <a:schemeClr val="tx1"/>
+                </a:solidFill>
+              </a:rPr>
+              <a:t>　</a:t>
+            </a:r>
+            <a:r>
+              <a:rPr kumimoji="1" lang="ja-JP" altLang="en-US" sz="2800" dirty="0" smtClean="0">
+                <a:solidFill>
+                  <a:schemeClr val="tx1"/>
+                </a:solidFill>
+              </a:rPr>
+              <a:t>お問い合わせ管理</a:t>
+            </a:r>
+            <a:endParaRPr kumimoji="1" lang="ja-JP" altLang="en-US" sz="2800" dirty="0">
+              <a:solidFill>
+                <a:schemeClr val="tx1"/>
+              </a:solidFill>
+            </a:endParaRPr>
+          </a:p>
+        </p:txBody>
+      </p:sp>
     </p:spTree>
     <p:extLst>
       <p:ext uri="{BB962C8B-B14F-4D97-AF65-F5344CB8AC3E}">
@@ -32773,7 +32990,7 @@
         </p:nvSpPr>
         <p:spPr>
           <a:xfrm>
-            <a:off x="564432" y="1619597"/>
+            <a:off x="773735" y="1331565"/>
             <a:ext cx="8596381" cy="4006132"/>
           </a:xfrm>
         </p:spPr>
@@ -32995,6 +33212,61 @@
           </a:prstGeom>
         </p:spPr>
       </p:pic>
+      <p:sp>
+        <p:nvSpPr>
+          <p:cNvPr id="5" name="テキスト ボックス 4"/>
+          <p:cNvSpPr txBox="1"/>
+          <p:nvPr/>
+        </p:nvSpPr>
+        <p:spPr>
+          <a:xfrm>
+            <a:off x="1778724" y="5147989"/>
+            <a:ext cx="6586402" cy="954107"/>
+          </a:xfrm>
+          <a:prstGeom prst="rect">
+            <a:avLst/>
+          </a:prstGeom>
+          <a:noFill/>
+        </p:spPr>
+        <p:txBody>
+          <a:bodyPr wrap="square" rtlCol="0">
+            <a:spAutoFit/>
+          </a:bodyPr>
+          <a:lstStyle/>
+          <a:p>
+            <a:pPr algn="ctr"/>
+            <a:r>
+              <a:rPr kumimoji="1" lang="ja-JP" altLang="en-US" sz="2800" dirty="0" smtClean="0">
+                <a:solidFill>
+                  <a:schemeClr val="tx1"/>
+                </a:solidFill>
+              </a:rPr>
+              <a:t>仕様書　　画面遷移図</a:t>
+            </a:r>
+            <a:endParaRPr kumimoji="1" lang="en-US" altLang="ja-JP" sz="2800" dirty="0" smtClean="0">
+              <a:solidFill>
+                <a:schemeClr val="tx1"/>
+              </a:solidFill>
+            </a:endParaRPr>
+          </a:p>
+          <a:p>
+            <a:pPr algn="ctr"/>
+            <a:r>
+              <a:rPr kumimoji="1" lang="ja-JP" altLang="en-US" sz="2800" dirty="0" smtClean="0">
+                <a:solidFill>
+                  <a:schemeClr val="tx1"/>
+                </a:solidFill>
+              </a:rPr>
+              <a:t>実装機能　お気に入り機能</a:t>
+            </a:r>
+            <a:endParaRPr kumimoji="1" lang="ja-JP" altLang="en-US" sz="2800" dirty="0">
+              <a:solidFill>
+                <a:schemeClr val="tx1"/>
+              </a:solidFill>
+            </a:endParaRPr>
+          </a:p>
+        </p:txBody>
+      </p:sp>
     </p:spTree>
     <p:extLst>
       <p:ext uri="{BB962C8B-B14F-4D97-AF65-F5344CB8AC3E}">
@@ -34340,7 +34612,7 @@
         </p:nvSpPr>
         <p:spPr>
           <a:xfrm>
-            <a:off x="567037" y="1774289"/>
+            <a:off x="773735" y="1584378"/>
             <a:ext cx="8596381" cy="4006132"/>
           </a:xfrm>
         </p:spPr>
@@ -34350,7 +34622,7 @@
           <a:p>
             <a:pPr algn="ctr"/>
             <a:r>
-              <a:rPr lang="ja-JP" altLang="en-US" sz="4000" b="1" dirty="0">
+              <a:rPr lang="ja-JP" altLang="en-US" sz="4400" b="1" dirty="0">
                 <a:solidFill>
                   <a:srgbClr val="000000"/>
                 </a:solidFill>
@@ -34360,7 +34632,7 @@
               <a:t>研修</a:t>
             </a:r>
             <a:r>
-              <a:rPr lang="en-US" altLang="ja-JP" sz="4000" b="1" dirty="0">
+              <a:rPr lang="en-US" altLang="ja-JP" sz="4400" b="1" dirty="0">
                 <a:solidFill>
                   <a:srgbClr val="000000"/>
                 </a:solidFill>
@@ -34370,7 +34642,7 @@
               <a:t>3</a:t>
             </a:r>
             <a:r>
-              <a:rPr lang="ja-JP" altLang="en-US" sz="4000" b="1" dirty="0">
+              <a:rPr lang="ja-JP" altLang="en-US" sz="4400" b="1" dirty="0">
                 <a:solidFill>
                   <a:srgbClr val="000000"/>
                 </a:solidFill>
@@ -34380,27 +34652,37 @@
               <a:t>ヶ月間</a:t>
             </a:r>
             <a:r>
-              <a:rPr lang="ja-JP" altLang="en-US" sz="4000" b="1" dirty="0" smtClean="0">
+              <a:rPr lang="ja-JP" altLang="en-US" sz="4400" b="1" dirty="0" smtClean="0">
                 <a:solidFill>
                   <a:srgbClr val="000000"/>
                 </a:solidFill>
                 <a:latin typeface="メイリオ" panose="020B0604030504040204" pitchFamily="50" charset="-128"/>
                 <a:ea typeface="メイリオ" panose="020B0604030504040204" pitchFamily="50" charset="-128"/>
               </a:rPr>
-              <a:t>の振り返り</a:t>
-            </a:r>
-            <a:r>
-              <a:rPr lang="en-US" altLang="ja-JP" sz="4000" b="1" dirty="0" smtClean="0">
+              <a:t>の</a:t>
+            </a:r>
+            <a:r>
+              <a:rPr lang="ja-JP" altLang="en-US" sz="4400" b="1" dirty="0" smtClean="0">
                 <a:solidFill>
                   <a:srgbClr val="000000"/>
                 </a:solidFill>
                 <a:latin typeface="メイリオ" panose="020B0604030504040204" pitchFamily="50" charset="-128"/>
                 <a:ea typeface="メイリオ" panose="020B0604030504040204" pitchFamily="50" charset="-128"/>
               </a:rPr>
+              <a:t>振り返り</a:t>
+            </a:r>
+            <a:r>
+              <a:rPr lang="en-US" altLang="ja-JP" sz="4000" b="1" dirty="0">
+                <a:solidFill>
+                  <a:srgbClr val="000000"/>
+                </a:solidFill>
+                <a:latin typeface="メイリオ" panose="020B0604030504040204" pitchFamily="50" charset="-128"/>
+                <a:ea typeface="メイリオ" panose="020B0604030504040204" pitchFamily="50" charset="-128"/>
+              </a:rPr>
               <a:t/>
             </a:r>
             <a:br>
-              <a:rPr lang="en-US" altLang="ja-JP" sz="4000" b="1" dirty="0" smtClean="0">
+              <a:rPr lang="en-US" altLang="ja-JP" sz="4000" b="1" dirty="0">
                 <a:solidFill>
                   <a:srgbClr val="000000"/>
                 </a:solidFill>
@@ -34562,6 +34844,61 @@
           </a:prstGeom>
         </p:spPr>
       </p:pic>
+      <p:sp>
+        <p:nvSpPr>
+          <p:cNvPr id="5" name="テキスト ボックス 4"/>
+          <p:cNvSpPr txBox="1"/>
+          <p:nvPr/>
+        </p:nvSpPr>
+        <p:spPr>
+          <a:xfrm>
+            <a:off x="1778724" y="5113456"/>
+            <a:ext cx="6586402" cy="954107"/>
+          </a:xfrm>
+          <a:prstGeom prst="rect">
+            <a:avLst/>
+          </a:prstGeom>
+          <a:noFill/>
+        </p:spPr>
+        <p:txBody>
+          <a:bodyPr wrap="square" rtlCol="0">
+            <a:spAutoFit/>
+          </a:bodyPr>
+          <a:lstStyle/>
+          <a:p>
+            <a:pPr algn="ctr"/>
+            <a:r>
+              <a:rPr kumimoji="1" lang="ja-JP" altLang="en-US" sz="2800" dirty="0" smtClean="0">
+                <a:solidFill>
+                  <a:schemeClr val="tx1"/>
+                </a:solidFill>
+              </a:rPr>
+              <a:t>仕様書　　コーディング規約</a:t>
+            </a:r>
+            <a:endParaRPr kumimoji="1" lang="en-US" altLang="ja-JP" sz="2800" dirty="0" smtClean="0">
+              <a:solidFill>
+                <a:schemeClr val="tx1"/>
+              </a:solidFill>
+            </a:endParaRPr>
+          </a:p>
+          <a:p>
+            <a:pPr algn="ctr"/>
+            <a:r>
+              <a:rPr kumimoji="1" lang="ja-JP" altLang="en-US" sz="2800" dirty="0" smtClean="0">
+                <a:solidFill>
+                  <a:schemeClr val="tx1"/>
+                </a:solidFill>
+              </a:rPr>
+              <a:t>実装機能　注文管理</a:t>
+            </a:r>
+            <a:endParaRPr kumimoji="1" lang="ja-JP" altLang="en-US" sz="2800" dirty="0">
+              <a:solidFill>
+                <a:schemeClr val="tx1"/>
+              </a:solidFill>
+            </a:endParaRPr>
+          </a:p>
+        </p:txBody>
+      </p:sp>
     </p:spTree>
     <p:extLst>
       <p:ext uri="{BB962C8B-B14F-4D97-AF65-F5344CB8AC3E}">
@@ -35062,7 +35399,7 @@
           <p:cNvPr id="7171" name="Text Box 2">
             <a:extLst>
               <a:ext uri="{FF2B5EF4-FFF2-40B4-BE49-F238E27FC236}">
-                <a16:creationId xmlns:a16="http://schemas.microsoft.com/office/drawing/2014/main" xmlns="" id="{2A9FB9B3-A694-4BFF-9F4B-802A96DBA486}"/>
+                <a16:creationId xmlns="" xmlns:a16="http://schemas.microsoft.com/office/drawing/2014/main" id="{2A9FB9B3-A694-4BFF-9F4B-802A96DBA486}"/>
               </a:ext>
             </a:extLst>
           </p:cNvPr>
@@ -35444,7 +35781,7 @@
           <p:cNvPr id="7173" name="Line 5">
             <a:extLst>
               <a:ext uri="{FF2B5EF4-FFF2-40B4-BE49-F238E27FC236}">
-                <a16:creationId xmlns:a16="http://schemas.microsoft.com/office/drawing/2014/main" xmlns="" id="{6924EA0B-A060-4E7C-9BDE-018226CE6611}"/>
+                <a16:creationId xmlns="" xmlns:a16="http://schemas.microsoft.com/office/drawing/2014/main" id="{6924EA0B-A060-4E7C-9BDE-018226CE6611}"/>
               </a:ext>
             </a:extLst>
           </p:cNvPr>
@@ -35491,7 +35828,7 @@
           <p:cNvPr id="3" name="コンテンツ プレースホルダー 2">
             <a:extLst>
               <a:ext uri="{FF2B5EF4-FFF2-40B4-BE49-F238E27FC236}">
-                <a16:creationId xmlns:a16="http://schemas.microsoft.com/office/drawing/2014/main" xmlns="" id="{4AA43CD3-228F-4659-BB4B-665BBD61F4C0}"/>
+                <a16:creationId xmlns="" xmlns:a16="http://schemas.microsoft.com/office/drawing/2014/main" id="{4AA43CD3-228F-4659-BB4B-665BBD61F4C0}"/>
               </a:ext>
             </a:extLst>
           </p:cNvPr>
@@ -36131,7 +36468,7 @@
           <p:cNvPr id="26627" name="Text Box 2">
             <a:extLst>
               <a:ext uri="{FF2B5EF4-FFF2-40B4-BE49-F238E27FC236}">
-                <a16:creationId xmlns:a16="http://schemas.microsoft.com/office/drawing/2014/main" xmlns="" id="{44BC3010-C15B-49DF-BA60-84DDC8D55069}"/>
+                <a16:creationId xmlns="" xmlns:a16="http://schemas.microsoft.com/office/drawing/2014/main" id="{44BC3010-C15B-49DF-BA60-84DDC8D55069}"/>
               </a:ext>
             </a:extLst>
           </p:cNvPr>
@@ -36530,7 +36867,7 @@
           <p:cNvPr id="26628" name="Text Box 3">
             <a:extLst>
               <a:ext uri="{FF2B5EF4-FFF2-40B4-BE49-F238E27FC236}">
-                <a16:creationId xmlns:a16="http://schemas.microsoft.com/office/drawing/2014/main" xmlns="" id="{78868C76-D1F8-4602-AD74-D9A23D3D18F9}"/>
+                <a16:creationId xmlns="" xmlns:a16="http://schemas.microsoft.com/office/drawing/2014/main" id="{78868C76-D1F8-4602-AD74-D9A23D3D18F9}"/>
               </a:ext>
             </a:extLst>
           </p:cNvPr>
@@ -36998,7 +37335,7 @@
           <p:cNvPr id="26629" name="Line 5">
             <a:extLst>
               <a:ext uri="{FF2B5EF4-FFF2-40B4-BE49-F238E27FC236}">
-                <a16:creationId xmlns:a16="http://schemas.microsoft.com/office/drawing/2014/main" xmlns="" id="{819920FD-0180-4D54-8EB3-D31E75ED2D23}"/>
+                <a16:creationId xmlns="" xmlns:a16="http://schemas.microsoft.com/office/drawing/2014/main" id="{819920FD-0180-4D54-8EB3-D31E75ED2D23}"/>
               </a:ext>
             </a:extLst>
           </p:cNvPr>
@@ -38577,7 +38914,7 @@
           <p:cNvPr id="7171" name="Text Box 2">
             <a:extLst>
               <a:ext uri="{FF2B5EF4-FFF2-40B4-BE49-F238E27FC236}">
-                <a16:creationId xmlns:a16="http://schemas.microsoft.com/office/drawing/2014/main" xmlns="" id="{2A9FB9B3-A694-4BFF-9F4B-802A96DBA486}"/>
+                <a16:creationId xmlns="" xmlns:a16="http://schemas.microsoft.com/office/drawing/2014/main" id="{2A9FB9B3-A694-4BFF-9F4B-802A96DBA486}"/>
               </a:ext>
             </a:extLst>
           </p:cNvPr>
@@ -38959,7 +39296,7 @@
           <p:cNvPr id="7173" name="Line 5">
             <a:extLst>
               <a:ext uri="{FF2B5EF4-FFF2-40B4-BE49-F238E27FC236}">
-                <a16:creationId xmlns:a16="http://schemas.microsoft.com/office/drawing/2014/main" xmlns="" id="{6924EA0B-A060-4E7C-9BDE-018226CE6611}"/>
+                <a16:creationId xmlns="" xmlns:a16="http://schemas.microsoft.com/office/drawing/2014/main" id="{6924EA0B-A060-4E7C-9BDE-018226CE6611}"/>
               </a:ext>
             </a:extLst>
           </p:cNvPr>
@@ -39006,7 +39343,7 @@
           <p:cNvPr id="3" name="コンテンツ プレースホルダー 2">
             <a:extLst>
               <a:ext uri="{FF2B5EF4-FFF2-40B4-BE49-F238E27FC236}">
-                <a16:creationId xmlns:a16="http://schemas.microsoft.com/office/drawing/2014/main" xmlns="" id="{4AA43CD3-228F-4659-BB4B-665BBD61F4C0}"/>
+                <a16:creationId xmlns="" xmlns:a16="http://schemas.microsoft.com/office/drawing/2014/main" id="{4AA43CD3-228F-4659-BB4B-665BBD61F4C0}"/>
               </a:ext>
             </a:extLst>
           </p:cNvPr>
@@ -39068,9 +39405,19 @@
                 <a:latin typeface="SimSun" panose="02010600030101010101" pitchFamily="2" charset="-122"/>
                 <a:ea typeface="SimSun" panose="02010600030101010101" pitchFamily="2" charset="-122"/>
               </a:rPr>
-              <a:t>ヶ月間のふりかえり</a:t>
-            </a:r>
-            <a:endParaRPr lang="en-US" altLang="ja-JP" sz="2800" dirty="0">
+              <a:t>ヶ月間</a:t>
+            </a:r>
+            <a:r>
+              <a:rPr lang="ja-JP" altLang="en-US" sz="2800" dirty="0" smtClean="0">
+                <a:solidFill>
+                  <a:srgbClr val="000000"/>
+                </a:solidFill>
+                <a:latin typeface="SimSun" panose="02010600030101010101" pitchFamily="2" charset="-122"/>
+                <a:ea typeface="SimSun" panose="02010600030101010101" pitchFamily="2" charset="-122"/>
+              </a:rPr>
+              <a:t>の振り返り</a:t>
+            </a:r>
+            <a:endParaRPr lang="en-US" altLang="ja-JP" sz="2800" dirty="0" smtClean="0">
               <a:solidFill>
                 <a:srgbClr val="000000"/>
               </a:solidFill>
@@ -39096,49 +39443,29 @@
                 <a:latin typeface="SimSun" panose="02010600030101010101" pitchFamily="2" charset="-122"/>
                 <a:ea typeface="SimSun" panose="02010600030101010101" pitchFamily="2" charset="-122"/>
               </a:rPr>
-              <a:t>（</a:t>
-            </a:r>
-            <a:r>
-              <a:rPr lang="ja-JP" altLang="en-US" sz="2800" dirty="0">
+              <a:t>（成長した</a:t>
+            </a:r>
+            <a:r>
+              <a:rPr lang="ja-JP" altLang="ja-JP" sz="2800" dirty="0" smtClean="0">
                 <a:solidFill>
                   <a:srgbClr val="000000"/>
                 </a:solidFill>
                 <a:latin typeface="SimSun" panose="02010600030101010101" pitchFamily="2" charset="-122"/>
                 <a:ea typeface="SimSun" panose="02010600030101010101" pitchFamily="2" charset="-122"/>
               </a:rPr>
-              <a:t>成長した</a:t>
-            </a:r>
-            <a:r>
-              <a:rPr lang="ja-JP" altLang="ja-JP" sz="2800" dirty="0">
+              <a:t>点、</a:t>
+            </a:r>
+            <a:r>
+              <a:rPr lang="ja-JP" altLang="en-US" sz="2800" dirty="0" smtClean="0">
                 <a:solidFill>
                   <a:srgbClr val="000000"/>
                 </a:solidFill>
                 <a:latin typeface="SimSun" panose="02010600030101010101" pitchFamily="2" charset="-122"/>
                 <a:ea typeface="SimSun" panose="02010600030101010101" pitchFamily="2" charset="-122"/>
               </a:rPr>
-              <a:t>点、</a:t>
-            </a:r>
-            <a:r>
-              <a:rPr lang="ja-JP" altLang="en-US" sz="2800" dirty="0">
-                <a:solidFill>
-                  <a:srgbClr val="000000"/>
-                </a:solidFill>
-                <a:latin typeface="SimSun" panose="02010600030101010101" pitchFamily="2" charset="-122"/>
-                <a:ea typeface="SimSun" panose="02010600030101010101" pitchFamily="2" charset="-122"/>
-              </a:rPr>
-              <a:t>今後に向けた課題</a:t>
-            </a:r>
-            <a:r>
-              <a:rPr lang="ja-JP" altLang="en-US" sz="2800" dirty="0" smtClean="0">
-                <a:solidFill>
-                  <a:srgbClr val="000000"/>
-                </a:solidFill>
-                <a:latin typeface="SimSun" panose="02010600030101010101" pitchFamily="2" charset="-122"/>
-                <a:ea typeface="SimSun" panose="02010600030101010101" pitchFamily="2" charset="-122"/>
-              </a:rPr>
-              <a:t>）</a:t>
-            </a:r>
-            <a:endParaRPr lang="en-US" altLang="ja-JP" sz="2800" dirty="0">
+              <a:t>今後に向けた課題）</a:t>
+            </a:r>
+            <a:endParaRPr lang="en-US" altLang="ja-JP" sz="2800" dirty="0" smtClean="0">
               <a:solidFill>
                 <a:srgbClr val="000000"/>
               </a:solidFill>
@@ -39166,7 +39493,17 @@
                 <a:latin typeface="SimSun" panose="02010600030101010101" pitchFamily="2" charset="-122"/>
                 <a:ea typeface="SimSun" panose="02010600030101010101" pitchFamily="2" charset="-122"/>
               </a:rPr>
-              <a:t>チームとしての今後の抱負</a:t>
+              <a:t>チーム</a:t>
+            </a:r>
+            <a:r>
+              <a:rPr lang="ja-JP" altLang="en-US" sz="2800" dirty="0" smtClean="0">
+                <a:solidFill>
+                  <a:srgbClr val="000000"/>
+                </a:solidFill>
+                <a:latin typeface="SimSun" panose="02010600030101010101" pitchFamily="2" charset="-122"/>
+                <a:ea typeface="SimSun" panose="02010600030101010101" pitchFamily="2" charset="-122"/>
+              </a:rPr>
+              <a:t>としての今後の抱負</a:t>
             </a:r>
             <a:endParaRPr lang="en-US" altLang="ja-JP" sz="2800" dirty="0" smtClean="0">
               <a:solidFill>
